--- a/spec/input/aips_modules-overview.pptx
+++ b/spec/input/aips_modules-overview.pptx
@@ -5,12 +5,15 @@
     <p:sldMasterId id="2147483696" r:id="rId1"/>
   </p:sldMasterIdLst>
   <p:notesMasterIdLst>
-    <p:notesMasterId r:id="rId5"/>
+    <p:notesMasterId r:id="rId8"/>
   </p:notesMasterIdLst>
   <p:sldIdLst>
-    <p:sldId id="271" r:id="rId2"/>
-    <p:sldId id="270" r:id="rId3"/>
+    <p:sldId id="281" r:id="rId2"/>
+    <p:sldId id="276" r:id="rId3"/>
     <p:sldId id="266" r:id="rId4"/>
+    <p:sldId id="280" r:id="rId5"/>
+    <p:sldId id="273" r:id="rId6"/>
+    <p:sldId id="282" r:id="rId7"/>
   </p:sldIdLst>
   <p:sldSz cx="21599525" cy="16200438"/>
   <p:notesSz cx="6858000" cy="9144000"/>
@@ -199,7 +202,7 @@
           <a:p>
             <a:fld id="{A3452810-26A9-40DA-8249-F444BD7C2EE7}" type="datetimeFigureOut">
               <a:rPr lang="de-DE" smtClean="0"/>
-              <a:t>28.09.2023</a:t>
+              <a:t>16.10.2023</a:t>
             </a:fld>
             <a:endParaRPr lang="de-DE"/>
           </a:p>
@@ -545,7 +548,96 @@
     </p:spTree>
     <p:extLst>
       <p:ext uri="{BB962C8B-B14F-4D97-AF65-F5344CB8AC3E}">
-        <p14:creationId xmlns:p14="http://schemas.microsoft.com/office/powerpoint/2010/main" val="2685122353"/>
+        <p14:creationId xmlns:p14="http://schemas.microsoft.com/office/powerpoint/2010/main" val="1165251609"/>
+      </p:ext>
+    </p:extLst>
+  </p:cSld>
+  <p:clrMapOvr>
+    <a:masterClrMapping/>
+  </p:clrMapOvr>
+</p:notes>
+</file>
+
+<file path=ppt/notesSlides/notesSlide2.xml><?xml version="1.0" encoding="utf-8"?>
+<p:notes xmlns:a="http://schemas.openxmlformats.org/drawingml/2006/main" xmlns:r="http://schemas.openxmlformats.org/officeDocument/2006/relationships" xmlns:p="http://schemas.openxmlformats.org/presentationml/2006/main">
+  <p:cSld>
+    <p:spTree>
+      <p:nvGrpSpPr>
+        <p:cNvPr id="1" name=""/>
+        <p:cNvGrpSpPr/>
+        <p:nvPr/>
+      </p:nvGrpSpPr>
+      <p:grpSpPr>
+        <a:xfrm>
+          <a:off x="0" y="0"/>
+          <a:ext cx="0" cy="0"/>
+          <a:chOff x="0" y="0"/>
+          <a:chExt cx="0" cy="0"/>
+        </a:xfrm>
+      </p:grpSpPr>
+      <p:sp>
+        <p:nvSpPr>
+          <p:cNvPr id="2" name="Folienbildplatzhalter 1"/>
+          <p:cNvSpPr>
+            <a:spLocks noGrp="1" noRot="1" noChangeAspect="1"/>
+          </p:cNvSpPr>
+          <p:nvPr>
+            <p:ph type="sldImg"/>
+          </p:nvPr>
+        </p:nvSpPr>
+        <p:spPr>
+          <a:xfrm>
+            <a:off x="1373188" y="1143000"/>
+            <a:ext cx="4111625" cy="3086100"/>
+          </a:xfrm>
+        </p:spPr>
+      </p:sp>
+      <p:sp>
+        <p:nvSpPr>
+          <p:cNvPr id="3" name="Notizenplatzhalter 2"/>
+          <p:cNvSpPr>
+            <a:spLocks noGrp="1"/>
+          </p:cNvSpPr>
+          <p:nvPr>
+            <p:ph type="body" idx="1"/>
+          </p:nvPr>
+        </p:nvSpPr>
+        <p:spPr/>
+        <p:txBody>
+          <a:bodyPr/>
+          <a:lstStyle/>
+          <a:p>
+            <a:endParaRPr lang="de-DE"/>
+          </a:p>
+        </p:txBody>
+      </p:sp>
+      <p:sp>
+        <p:nvSpPr>
+          <p:cNvPr id="4" name="Foliennummernplatzhalter 3"/>
+          <p:cNvSpPr>
+            <a:spLocks noGrp="1"/>
+          </p:cNvSpPr>
+          <p:nvPr>
+            <p:ph type="sldNum" sz="quarter" idx="5"/>
+          </p:nvPr>
+        </p:nvSpPr>
+        <p:spPr/>
+        <p:txBody>
+          <a:bodyPr/>
+          <a:lstStyle/>
+          <a:p>
+            <a:fld id="{D1A63696-B99F-4FC8-B6C7-8DFA2920F24D}" type="slidenum">
+              <a:rPr lang="de-DE" smtClean="0"/>
+              <a:t>6</a:t>
+            </a:fld>
+            <a:endParaRPr lang="de-DE"/>
+          </a:p>
+        </p:txBody>
+      </p:sp>
+    </p:spTree>
+    <p:extLst>
+      <p:ext uri="{BB962C8B-B14F-4D97-AF65-F5344CB8AC3E}">
+        <p14:creationId xmlns:p14="http://schemas.microsoft.com/office/powerpoint/2010/main" val="3350255855"/>
       </p:ext>
     </p:extLst>
   </p:cSld>
@@ -686,7 +778,7 @@
           <a:p>
             <a:fld id="{131BAEAD-BED5-4858-A3F1-D44338CDCC09}" type="datetimeFigureOut">
               <a:rPr lang="de-DE" smtClean="0"/>
-              <a:t>28.09.2023</a:t>
+              <a:t>16.10.2023</a:t>
             </a:fld>
             <a:endParaRPr lang="de-DE"/>
           </a:p>
@@ -856,7 +948,7 @@
           <a:p>
             <a:fld id="{131BAEAD-BED5-4858-A3F1-D44338CDCC09}" type="datetimeFigureOut">
               <a:rPr lang="de-DE" smtClean="0"/>
-              <a:t>28.09.2023</a:t>
+              <a:t>16.10.2023</a:t>
             </a:fld>
             <a:endParaRPr lang="de-DE"/>
           </a:p>
@@ -1036,7 +1128,7 @@
           <a:p>
             <a:fld id="{131BAEAD-BED5-4858-A3F1-D44338CDCC09}" type="datetimeFigureOut">
               <a:rPr lang="de-DE" smtClean="0"/>
-              <a:t>28.09.2023</a:t>
+              <a:t>16.10.2023</a:t>
             </a:fld>
             <a:endParaRPr lang="de-DE"/>
           </a:p>
@@ -1206,7 +1298,7 @@
           <a:p>
             <a:fld id="{131BAEAD-BED5-4858-A3F1-D44338CDCC09}" type="datetimeFigureOut">
               <a:rPr lang="de-DE" smtClean="0"/>
-              <a:t>28.09.2023</a:t>
+              <a:t>16.10.2023</a:t>
             </a:fld>
             <a:endParaRPr lang="de-DE"/>
           </a:p>
@@ -1450,7 +1542,7 @@
           <a:p>
             <a:fld id="{131BAEAD-BED5-4858-A3F1-D44338CDCC09}" type="datetimeFigureOut">
               <a:rPr lang="de-DE" smtClean="0"/>
-              <a:t>28.09.2023</a:t>
+              <a:t>16.10.2023</a:t>
             </a:fld>
             <a:endParaRPr lang="de-DE"/>
           </a:p>
@@ -1682,7 +1774,7 @@
           <a:p>
             <a:fld id="{131BAEAD-BED5-4858-A3F1-D44338CDCC09}" type="datetimeFigureOut">
               <a:rPr lang="de-DE" smtClean="0"/>
-              <a:t>28.09.2023</a:t>
+              <a:t>16.10.2023</a:t>
             </a:fld>
             <a:endParaRPr lang="de-DE"/>
           </a:p>
@@ -2049,7 +2141,7 @@
           <a:p>
             <a:fld id="{131BAEAD-BED5-4858-A3F1-D44338CDCC09}" type="datetimeFigureOut">
               <a:rPr lang="de-DE" smtClean="0"/>
-              <a:t>28.09.2023</a:t>
+              <a:t>16.10.2023</a:t>
             </a:fld>
             <a:endParaRPr lang="de-DE"/>
           </a:p>
@@ -2167,7 +2259,7 @@
           <a:p>
             <a:fld id="{131BAEAD-BED5-4858-A3F1-D44338CDCC09}" type="datetimeFigureOut">
               <a:rPr lang="de-DE" smtClean="0"/>
-              <a:t>28.09.2023</a:t>
+              <a:t>16.10.2023</a:t>
             </a:fld>
             <a:endParaRPr lang="de-DE"/>
           </a:p>
@@ -2262,7 +2354,7 @@
           <a:p>
             <a:fld id="{131BAEAD-BED5-4858-A3F1-D44338CDCC09}" type="datetimeFigureOut">
               <a:rPr lang="de-DE" smtClean="0"/>
-              <a:t>28.09.2023</a:t>
+              <a:t>16.10.2023</a:t>
             </a:fld>
             <a:endParaRPr lang="de-DE"/>
           </a:p>
@@ -2539,7 +2631,7 @@
           <a:p>
             <a:fld id="{131BAEAD-BED5-4858-A3F1-D44338CDCC09}" type="datetimeFigureOut">
               <a:rPr lang="de-DE" smtClean="0"/>
-              <a:t>28.09.2023</a:t>
+              <a:t>16.10.2023</a:t>
             </a:fld>
             <a:endParaRPr lang="de-DE"/>
           </a:p>
@@ -2796,7 +2888,7 @@
           <a:p>
             <a:fld id="{131BAEAD-BED5-4858-A3F1-D44338CDCC09}" type="datetimeFigureOut">
               <a:rPr lang="de-DE" smtClean="0"/>
-              <a:t>28.09.2023</a:t>
+              <a:t>16.10.2023</a:t>
             </a:fld>
             <a:endParaRPr lang="de-DE"/>
           </a:p>
@@ -3009,7 +3101,7 @@
           <a:p>
             <a:fld id="{131BAEAD-BED5-4858-A3F1-D44338CDCC09}" type="datetimeFigureOut">
               <a:rPr lang="de-DE" smtClean="0"/>
-              <a:t>28.09.2023</a:t>
+              <a:t>16.10.2023</a:t>
             </a:fld>
             <a:endParaRPr lang="de-DE"/>
           </a:p>
@@ -3498,7 +3590,7 @@
         </p:nvSpPr>
         <p:spPr>
           <a:xfrm>
-            <a:off x="2521891" y="795465"/>
+            <a:off x="2521891" y="300165"/>
             <a:ext cx="4015722" cy="1480112"/>
           </a:xfrm>
           <a:prstGeom prst="foldedCorner">
@@ -3789,8 +3881,8 @@
         </p:nvSpPr>
         <p:spPr>
           <a:xfrm>
-            <a:off x="2528203" y="2434719"/>
-            <a:ext cx="4626994" cy="1450892"/>
+            <a:off x="2528203" y="1939418"/>
+            <a:ext cx="4626994" cy="1942885"/>
           </a:xfrm>
           <a:prstGeom prst="roundRect">
             <a:avLst>
@@ -3855,7 +3947,7 @@
         </p:nvSpPr>
         <p:spPr>
           <a:xfrm>
-            <a:off x="2675572" y="2893845"/>
+            <a:off x="2675572" y="2398545"/>
             <a:ext cx="2029034" cy="240280"/>
           </a:xfrm>
           <a:prstGeom prst="roundRect">
@@ -3934,7 +4026,7 @@
         </p:blipFill>
         <p:spPr>
           <a:xfrm>
-            <a:off x="5125055" y="2879943"/>
+            <a:off x="5125055" y="2384643"/>
             <a:ext cx="268091" cy="268091"/>
           </a:xfrm>
           <a:prstGeom prst="rect">
@@ -3958,7 +4050,7 @@
         </p:nvCxnSpPr>
         <p:spPr>
           <a:xfrm>
-            <a:off x="4704606" y="3013984"/>
+            <a:off x="4704606" y="2518684"/>
             <a:ext cx="420444" cy="0"/>
           </a:xfrm>
           <a:prstGeom prst="straightConnector1">
@@ -4005,7 +4097,7 @@
         </p:nvCxnSpPr>
         <p:spPr>
           <a:xfrm flipH="1">
-            <a:off x="4704606" y="3080728"/>
+            <a:off x="4704606" y="2585428"/>
             <a:ext cx="420444" cy="0"/>
           </a:xfrm>
           <a:prstGeom prst="straightConnector1">
@@ -4050,7 +4142,7 @@
         </p:nvSpPr>
         <p:spPr>
           <a:xfrm>
-            <a:off x="5393146" y="2546430"/>
+            <a:off x="5393146" y="2051130"/>
             <a:ext cx="1595193" cy="830997"/>
           </a:xfrm>
           <a:prstGeom prst="rect">
@@ -4136,7 +4228,7 @@
         </p:nvSpPr>
         <p:spPr>
           <a:xfrm>
-            <a:off x="2528206" y="2470955"/>
+            <a:off x="2528206" y="1975655"/>
             <a:ext cx="1800493" cy="261610"/>
           </a:xfrm>
           <a:prstGeom prst="rect">
@@ -4173,7 +4265,7 @@
         </p:nvSpPr>
         <p:spPr>
           <a:xfrm>
-            <a:off x="7265435" y="2122875"/>
+            <a:off x="2649921" y="3557789"/>
             <a:ext cx="2633496" cy="261610"/>
           </a:xfrm>
           <a:prstGeom prst="roundRect">
@@ -4189,8 +4281,8 @@
           <a:ln w="3175">
             <a:solidFill>
               <a:schemeClr val="tx1">
-                <a:lumMod val="50000"/>
-                <a:lumOff val="50000"/>
+                <a:lumMod val="85000"/>
+                <a:lumOff val="15000"/>
               </a:schemeClr>
             </a:solidFill>
           </a:ln>
@@ -4215,13 +4307,9 @@
           <a:bodyPr rtlCol="0" anchor="ctr"/>
           <a:lstStyle/>
           <a:p>
-            <a:r>
-              <a:rPr lang="de-DE" sz="900" b="1" i="1">
-                <a:solidFill>
-                  <a:schemeClr val="bg1"/>
-                </a:solidFill>
-                <a:latin typeface="Consolas" panose="020B0609020204030204" pitchFamily="49" charset="0"/>
-              </a:rPr>
+            <a:pPr algn="ctr"/>
+            <a:r>
+              <a:rPr lang="de-DE" sz="1000"/>
               <a:t>Visualization of Automation Management</a:t>
             </a:r>
           </a:p>
@@ -6490,7 +6578,7 @@
         </p:nvSpPr>
         <p:spPr>
           <a:xfrm>
-            <a:off x="2639552" y="3547597"/>
+            <a:off x="2639552" y="3052297"/>
             <a:ext cx="2029034" cy="240280"/>
           </a:xfrm>
           <a:prstGeom prst="roundRect">
@@ -6569,7 +6657,7 @@
         </p:blipFill>
         <p:spPr>
           <a:xfrm>
-            <a:off x="5125053" y="3509887"/>
+            <a:off x="5125053" y="3014587"/>
             <a:ext cx="268091" cy="268091"/>
           </a:xfrm>
           <a:prstGeom prst="rect">
@@ -6593,7 +6681,7 @@
         </p:nvCxnSpPr>
         <p:spPr>
           <a:xfrm>
-            <a:off x="4704604" y="3643928"/>
+            <a:off x="4704604" y="3148628"/>
             <a:ext cx="420444" cy="0"/>
           </a:xfrm>
           <a:prstGeom prst="straightConnector1">
@@ -6640,7 +6728,7 @@
         </p:nvCxnSpPr>
         <p:spPr>
           <a:xfrm flipH="1">
-            <a:off x="4704604" y="3710672"/>
+            <a:off x="4704604" y="3215372"/>
             <a:ext cx="420444" cy="0"/>
           </a:xfrm>
           <a:prstGeom prst="straightConnector1">
@@ -6685,7 +6773,7 @@
         </p:nvSpPr>
         <p:spPr>
           <a:xfrm>
-            <a:off x="5361518" y="3512644"/>
+            <a:off x="5361518" y="3017344"/>
             <a:ext cx="1595193" cy="338554"/>
           </a:xfrm>
           <a:prstGeom prst="rect">
@@ -7066,7 +7154,7 @@
         </p:nvCxnSpPr>
         <p:spPr>
           <a:xfrm>
-            <a:off x="3542921" y="3148031"/>
+            <a:off x="3542921" y="2652731"/>
             <a:ext cx="0" cy="399566"/>
           </a:xfrm>
           <a:prstGeom prst="straightConnector1">
@@ -7105,7 +7193,7 @@
         </p:nvCxnSpPr>
         <p:spPr>
           <a:xfrm>
-            <a:off x="3661138" y="3148031"/>
+            <a:off x="3661138" y="2652731"/>
             <a:ext cx="0" cy="399566"/>
           </a:xfrm>
           <a:prstGeom prst="straightConnector1">
@@ -7550,7 +7638,7 @@
         </p:nvSpPr>
         <p:spPr>
           <a:xfrm>
-            <a:off x="7265435" y="2776776"/>
+            <a:off x="7265435" y="2281476"/>
             <a:ext cx="2804612" cy="1103211"/>
           </a:xfrm>
           <a:prstGeom prst="foldedCorner">
@@ -7746,7 +7834,7 @@
         </p:nvCxnSpPr>
         <p:spPr>
           <a:xfrm>
-            <a:off x="7265435" y="3328379"/>
+            <a:off x="7265435" y="2833079"/>
             <a:ext cx="0" cy="0"/>
           </a:xfrm>
           <a:prstGeom prst="line">
@@ -7785,7 +7873,7 @@
         </p:nvCxnSpPr>
         <p:spPr>
           <a:xfrm flipH="1">
-            <a:off x="7155197" y="3328379"/>
+            <a:off x="7155197" y="2833079"/>
             <a:ext cx="110238" cy="165788"/>
           </a:xfrm>
           <a:prstGeom prst="line">
@@ -8829,16 +8917,10 @@
           <p:cNvGraphicFramePr>
             <a:graphicFrameLocks noGrp="1"/>
           </p:cNvGraphicFramePr>
-          <p:nvPr>
-            <p:extLst>
-              <p:ext uri="{D42A27DB-BD31-4B8C-83A1-F6EECF244321}">
-                <p14:modId xmlns:p14="http://schemas.microsoft.com/office/powerpoint/2010/main" val="3715970399"/>
-              </p:ext>
-            </p:extLst>
-          </p:nvPr>
+          <p:nvPr/>
         </p:nvGraphicFramePr>
         <p:xfrm>
-          <a:off x="2642497" y="1074308"/>
+          <a:off x="2642497" y="579008"/>
           <a:ext cx="2895440" cy="1146560"/>
         </p:xfrm>
         <a:graphic>
@@ -8998,7 +9080,7 @@
                     <a:p>
                       <a:r>
                         <a:rPr lang="de-DE" sz="700"/>
-                        <a:t>206552300</a:t>
+                        <a:t>206552200</a:t>
                       </a:r>
                     </a:p>
                   </a:txBody>
@@ -9084,7 +9166,7 @@
         </p:nvSpPr>
         <p:spPr>
           <a:xfrm>
-            <a:off x="2691008" y="793070"/>
+            <a:off x="2691008" y="297770"/>
             <a:ext cx="715260" cy="261610"/>
           </a:xfrm>
           <a:prstGeom prst="rect">
@@ -9117,16 +9199,10 @@
           <p:cNvGraphicFramePr>
             <a:graphicFrameLocks noGrp="1"/>
           </p:cNvGraphicFramePr>
-          <p:nvPr>
-            <p:extLst>
-              <p:ext uri="{D42A27DB-BD31-4B8C-83A1-F6EECF244321}">
-                <p14:modId xmlns:p14="http://schemas.microsoft.com/office/powerpoint/2010/main" val="902782447"/>
-              </p:ext>
-            </p:extLst>
-          </p:nvPr>
+          <p:nvPr/>
         </p:nvGraphicFramePr>
         <p:xfrm>
-          <a:off x="5766580" y="1086401"/>
+          <a:off x="5766580" y="591101"/>
           <a:ext cx="712518" cy="917248"/>
         </p:xfrm>
         <a:graphic>
@@ -9268,7 +9344,7 @@
         </p:nvSpPr>
         <p:spPr>
           <a:xfrm>
-            <a:off x="5735962" y="805163"/>
+            <a:off x="5735962" y="309863"/>
             <a:ext cx="694421" cy="261610"/>
           </a:xfrm>
           <a:prstGeom prst="rect">
@@ -9303,7 +9379,7 @@
         </p:nvCxnSpPr>
         <p:spPr>
           <a:xfrm flipH="1">
-            <a:off x="5366278" y="1428863"/>
+            <a:off x="5366278" y="933563"/>
             <a:ext cx="444743" cy="0"/>
           </a:xfrm>
           <a:prstGeom prst="straightConnector1">
@@ -9343,13 +9419,7 @@
           <p:cNvGraphicFramePr>
             <a:graphicFrameLocks noGrp="1"/>
           </p:cNvGraphicFramePr>
-          <p:nvPr>
-            <p:extLst>
-              <p:ext uri="{D42A27DB-BD31-4B8C-83A1-F6EECF244321}">
-                <p14:modId xmlns:p14="http://schemas.microsoft.com/office/powerpoint/2010/main" val="2579890840"/>
-              </p:ext>
-            </p:extLst>
-          </p:nvPr>
+          <p:nvPr/>
         </p:nvGraphicFramePr>
         <p:xfrm>
           <a:off x="7631529" y="9520105"/>
@@ -9572,7 +9642,7 @@
                     <a:p>
                       <a:r>
                         <a:rPr lang="de-DE" sz="700"/>
-                        <a:t>206552300</a:t>
+                        <a:t>206552200</a:t>
                       </a:r>
                     </a:p>
                   </a:txBody>
@@ -9905,7 +9975,7 @@
                 </a:solidFill>
                 <a:sym typeface="Symbol" panose="05050102010706020507" pitchFamily="18" charset="2"/>
               </a:rPr>
-              <a:t>sync with staticList periodically to remove dead records</a:t>
+              <a:t>periodically cleanup to remove dead records (only if in original power saving status)</a:t>
             </a:r>
           </a:p>
         </p:txBody>
@@ -9967,7 +10037,7 @@
         </p:nvCxnSpPr>
         <p:spPr>
           <a:xfrm>
-            <a:off x="5658543" y="2285104"/>
+            <a:off x="5658543" y="1789804"/>
             <a:ext cx="79975" cy="142080"/>
           </a:xfrm>
           <a:prstGeom prst="line">
@@ -11206,10 +11276,425 @@
           </a:fontRef>
         </p:style>
       </p:cxnSp>
+      <p:sp>
+        <p:nvSpPr>
+          <p:cNvPr id="7" name="Textfeld 6">
+            <a:extLst>
+              <a:ext uri="{FF2B5EF4-FFF2-40B4-BE49-F238E27FC236}">
+                <a16:creationId xmlns:a16="http://schemas.microsoft.com/office/drawing/2014/main" id="{4D13615C-7CE4-68F5-CDE5-B061F0E927B0}"/>
+              </a:ext>
+            </a:extLst>
+          </p:cNvPr>
+          <p:cNvSpPr txBox="1"/>
+          <p:nvPr/>
+        </p:nvSpPr>
+        <p:spPr>
+          <a:xfrm>
+            <a:off x="512456" y="2556183"/>
+            <a:ext cx="1955959" cy="992227"/>
+          </a:xfrm>
+          <a:prstGeom prst="rect">
+            <a:avLst/>
+          </a:prstGeom>
+          <a:solidFill>
+            <a:schemeClr val="bg1">
+              <a:lumMod val="95000"/>
+            </a:schemeClr>
+          </a:solidFill>
+          <a:ln>
+            <a:solidFill>
+              <a:schemeClr val="tx1">
+                <a:lumMod val="50000"/>
+                <a:lumOff val="50000"/>
+              </a:schemeClr>
+            </a:solidFill>
+            <a:prstDash val="sysDash"/>
+          </a:ln>
+        </p:spPr>
+        <p:style>
+          <a:lnRef idx="2">
+            <a:schemeClr val="accent4">
+              <a:shade val="50000"/>
+            </a:schemeClr>
+          </a:lnRef>
+          <a:fillRef idx="1">
+            <a:schemeClr val="accent4"/>
+          </a:fillRef>
+          <a:effectRef idx="0">
+            <a:schemeClr val="accent4"/>
+          </a:effectRef>
+          <a:fontRef idx="minor">
+            <a:schemeClr val="lt1"/>
+          </a:fontRef>
+        </p:style>
+        <p:txBody>
+          <a:bodyPr rtlCol="0" anchor="ctr"/>
+          <a:lstStyle>
+            <a:defPPr>
+              <a:defRPr lang="en-US"/>
+            </a:defPPr>
+            <a:lvl1pPr>
+              <a:defRPr sz="800">
+                <a:solidFill>
+                  <a:srgbClr val="0070C0"/>
+                </a:solidFill>
+              </a:defRPr>
+            </a:lvl1pPr>
+            <a:lvl2pPr>
+              <a:defRPr>
+                <a:solidFill>
+                  <a:schemeClr val="lt1"/>
+                </a:solidFill>
+              </a:defRPr>
+            </a:lvl2pPr>
+            <a:lvl3pPr>
+              <a:defRPr>
+                <a:solidFill>
+                  <a:schemeClr val="lt1"/>
+                </a:solidFill>
+              </a:defRPr>
+            </a:lvl3pPr>
+            <a:lvl4pPr>
+              <a:defRPr>
+                <a:solidFill>
+                  <a:schemeClr val="lt1"/>
+                </a:solidFill>
+              </a:defRPr>
+            </a:lvl4pPr>
+            <a:lvl5pPr>
+              <a:defRPr>
+                <a:solidFill>
+                  <a:schemeClr val="lt1"/>
+                </a:solidFill>
+              </a:defRPr>
+            </a:lvl5pPr>
+            <a:lvl6pPr>
+              <a:defRPr>
+                <a:solidFill>
+                  <a:schemeClr val="lt1"/>
+                </a:solidFill>
+              </a:defRPr>
+            </a:lvl6pPr>
+            <a:lvl7pPr>
+              <a:defRPr>
+                <a:solidFill>
+                  <a:schemeClr val="lt1"/>
+                </a:solidFill>
+              </a:defRPr>
+            </a:lvl7pPr>
+            <a:lvl8pPr>
+              <a:defRPr>
+                <a:solidFill>
+                  <a:schemeClr val="lt1"/>
+                </a:solidFill>
+              </a:defRPr>
+            </a:lvl8pPr>
+            <a:lvl9pPr>
+              <a:defRPr>
+                <a:solidFill>
+                  <a:schemeClr val="lt1"/>
+                </a:solidFill>
+              </a:defRPr>
+            </a:lvl9pPr>
+          </a:lstStyle>
+          <a:p>
+            <a:r>
+              <a:rPr lang="de-DE" b="1"/>
+              <a:t>Where to check if power saving is (not) allowed for a link due to blackList?</a:t>
+            </a:r>
+          </a:p>
+          <a:p>
+            <a:pPr marL="171450" indent="-171450">
+              <a:buFontTx/>
+              <a:buChar char="-"/>
+            </a:pPr>
+            <a:r>
+              <a:rPr lang="de-DE"/>
+              <a:t>Done in link group related switching (module 4)</a:t>
+            </a:r>
+          </a:p>
+          <a:p>
+            <a:pPr marL="171450" indent="-171450">
+              <a:buFontTx/>
+              <a:buChar char="-"/>
+            </a:pPr>
+            <a:r>
+              <a:rPr lang="de-DE"/>
+              <a:t>Not done in link related switching operation</a:t>
+            </a:r>
+          </a:p>
+        </p:txBody>
+      </p:sp>
+      <p:sp>
+        <p:nvSpPr>
+          <p:cNvPr id="17" name="Textfeld 16">
+            <a:extLst>
+              <a:ext uri="{FF2B5EF4-FFF2-40B4-BE49-F238E27FC236}">
+                <a16:creationId xmlns:a16="http://schemas.microsoft.com/office/drawing/2014/main" id="{D3AA9D0E-FD4A-AC42-5D98-1255A90059E0}"/>
+              </a:ext>
+            </a:extLst>
+          </p:cNvPr>
+          <p:cNvSpPr txBox="1"/>
+          <p:nvPr/>
+        </p:nvSpPr>
+        <p:spPr>
+          <a:xfrm>
+            <a:off x="17863852" y="1634982"/>
+            <a:ext cx="3928640" cy="923330"/>
+          </a:xfrm>
+          <a:prstGeom prst="rect">
+            <a:avLst/>
+          </a:prstGeom>
+          <a:noFill/>
+        </p:spPr>
+        <p:txBody>
+          <a:bodyPr wrap="none" rtlCol="0">
+            <a:spAutoFit/>
+          </a:bodyPr>
+          <a:lstStyle/>
+          <a:p>
+            <a:r>
+              <a:rPr lang="de-DE">
+                <a:solidFill>
+                  <a:srgbClr val="FF0000"/>
+                </a:solidFill>
+              </a:rPr>
+              <a:t>isTransmitterOn ist nicht aussagekräftig:</a:t>
+            </a:r>
+          </a:p>
+          <a:p>
+            <a:r>
+              <a:rPr lang="en-US">
+                <a:solidFill>
+                  <a:srgbClr val="FF0000"/>
+                </a:solidFill>
+              </a:rPr>
+              <a:t>airIfSTatus</a:t>
+            </a:r>
+          </a:p>
+          <a:p>
+            <a:r>
+              <a:rPr lang="en-US">
+                <a:solidFill>
+                  <a:srgbClr val="FF0000"/>
+                </a:solidFill>
+              </a:rPr>
+              <a:t>interfaceStatus  -&gt; muss UP sein</a:t>
+            </a:r>
+            <a:endParaRPr lang="de-DE">
+              <a:solidFill>
+                <a:srgbClr val="FF0000"/>
+              </a:solidFill>
+            </a:endParaRPr>
+          </a:p>
+        </p:txBody>
+      </p:sp>
+      <p:sp>
+        <p:nvSpPr>
+          <p:cNvPr id="18" name="Textfeld 17">
+            <a:extLst>
+              <a:ext uri="{FF2B5EF4-FFF2-40B4-BE49-F238E27FC236}">
+                <a16:creationId xmlns:a16="http://schemas.microsoft.com/office/drawing/2014/main" id="{88CEBDB2-D218-EF4F-5A9F-C6E0B175C320}"/>
+              </a:ext>
+            </a:extLst>
+          </p:cNvPr>
+          <p:cNvSpPr txBox="1"/>
+          <p:nvPr/>
+        </p:nvSpPr>
+        <p:spPr>
+          <a:xfrm>
+            <a:off x="17863852" y="2852514"/>
+            <a:ext cx="2698781" cy="938719"/>
+          </a:xfrm>
+          <a:prstGeom prst="rect">
+            <a:avLst/>
+          </a:prstGeom>
+          <a:noFill/>
+        </p:spPr>
+        <p:txBody>
+          <a:bodyPr wrap="square" rtlCol="0">
+            <a:spAutoFit/>
+          </a:bodyPr>
+          <a:lstStyle/>
+          <a:p>
+            <a:r>
+              <a:rPr lang="de-DE" sz="1100">
+                <a:solidFill>
+                  <a:srgbClr val="FF0000"/>
+                </a:solidFill>
+              </a:rPr>
+              <a:t>resolveAddressTriple nicht mehr benötigt;</a:t>
+            </a:r>
+          </a:p>
+          <a:p>
+            <a:r>
+              <a:rPr lang="de-DE" sz="1100">
+                <a:solidFill>
+                  <a:srgbClr val="FF0000"/>
+                </a:solidFill>
+              </a:rPr>
+              <a:t>Weil uuid = linkID (wir müssen LinkID nicht mehr in UUID übersetzen!) sowieso gelten muss, brauchen wir das nicht mehr, sondern können direkt am MWDI anfragen</a:t>
+            </a:r>
+          </a:p>
+        </p:txBody>
+      </p:sp>
+      <p:sp>
+        <p:nvSpPr>
+          <p:cNvPr id="21" name="Textfeld 20">
+            <a:extLst>
+              <a:ext uri="{FF2B5EF4-FFF2-40B4-BE49-F238E27FC236}">
+                <a16:creationId xmlns:a16="http://schemas.microsoft.com/office/drawing/2014/main" id="{3DB080B2-B0A2-90A0-F347-B8AB47A86B2F}"/>
+              </a:ext>
+            </a:extLst>
+          </p:cNvPr>
+          <p:cNvSpPr txBox="1"/>
+          <p:nvPr/>
+        </p:nvSpPr>
+        <p:spPr>
+          <a:xfrm>
+            <a:off x="17754470" y="4398683"/>
+            <a:ext cx="2698781" cy="938719"/>
+          </a:xfrm>
+          <a:prstGeom prst="rect">
+            <a:avLst/>
+          </a:prstGeom>
+          <a:noFill/>
+        </p:spPr>
+        <p:txBody>
+          <a:bodyPr wrap="square" rtlCol="0">
+            <a:spAutoFit/>
+          </a:bodyPr>
+          <a:lstStyle/>
+          <a:p>
+            <a:r>
+              <a:rPr lang="de-DE" sz="1100">
+                <a:solidFill>
+                  <a:srgbClr val="FF0000"/>
+                </a:solidFill>
+              </a:rPr>
+              <a:t>Es können mehrere parallele Links geben;</a:t>
+            </a:r>
+          </a:p>
+          <a:p>
+            <a:r>
+              <a:rPr lang="de-DE" sz="1100">
+                <a:solidFill>
+                  <a:srgbClr val="FF0000"/>
+                </a:solidFill>
+              </a:rPr>
+              <a:t>Wir holen für alle die transmission-Info;</a:t>
+            </a:r>
+          </a:p>
+          <a:p>
+            <a:r>
+              <a:rPr lang="de-DE" sz="1100">
+                <a:solidFill>
+                  <a:srgbClr val="FF0000"/>
+                </a:solidFill>
+              </a:rPr>
+              <a:t>Wenn es zu dem Link X, den wir betrachten mind. 1 parallel Link gibt, der stabil läuft, können wir Link X aussschalten</a:t>
+            </a:r>
+          </a:p>
+        </p:txBody>
+      </p:sp>
+      <p:cxnSp>
+        <p:nvCxnSpPr>
+          <p:cNvPr id="55" name="Gerade Verbindung mit Pfeil 54">
+            <a:extLst>
+              <a:ext uri="{FF2B5EF4-FFF2-40B4-BE49-F238E27FC236}">
+                <a16:creationId xmlns:a16="http://schemas.microsoft.com/office/drawing/2014/main" id="{1CCEEAB1-C8D0-206F-B39B-970E52402721}"/>
+              </a:ext>
+            </a:extLst>
+          </p:cNvPr>
+          <p:cNvCxnSpPr/>
+          <p:nvPr/>
+        </p:nvCxnSpPr>
+        <p:spPr>
+          <a:xfrm flipH="1" flipV="1">
+            <a:off x="12362622" y="4914900"/>
+            <a:ext cx="5358863" cy="137681"/>
+          </a:xfrm>
+          <a:prstGeom prst="straightConnector1">
+            <a:avLst/>
+          </a:prstGeom>
+          <a:ln>
+            <a:solidFill>
+              <a:srgbClr val="FF0000"/>
+            </a:solidFill>
+            <a:tailEnd type="triangle"/>
+          </a:ln>
+        </p:spPr>
+        <p:style>
+          <a:lnRef idx="1">
+            <a:schemeClr val="accent1"/>
+          </a:lnRef>
+          <a:fillRef idx="0">
+            <a:schemeClr val="accent1"/>
+          </a:fillRef>
+          <a:effectRef idx="0">
+            <a:schemeClr val="accent1"/>
+          </a:effectRef>
+          <a:fontRef idx="minor">
+            <a:schemeClr val="tx1"/>
+          </a:fontRef>
+        </p:style>
+      </p:cxnSp>
+      <p:sp>
+        <p:nvSpPr>
+          <p:cNvPr id="57" name="Flussdiagramm: Alternativer Prozess 56">
+            <a:extLst>
+              <a:ext uri="{FF2B5EF4-FFF2-40B4-BE49-F238E27FC236}">
+                <a16:creationId xmlns:a16="http://schemas.microsoft.com/office/drawing/2014/main" id="{94C460BB-768C-AB43-82A2-38968C36E837}"/>
+              </a:ext>
+            </a:extLst>
+          </p:cNvPr>
+          <p:cNvSpPr/>
+          <p:nvPr/>
+        </p:nvSpPr>
+        <p:spPr>
+          <a:xfrm rot="20831377">
+            <a:off x="687731" y="5128248"/>
+            <a:ext cx="19183677" cy="858612"/>
+          </a:xfrm>
+          <a:prstGeom prst="flowChartAlternateProcess">
+            <a:avLst/>
+          </a:prstGeom>
+          <a:solidFill>
+            <a:srgbClr val="C00000"/>
+          </a:solidFill>
+        </p:spPr>
+        <p:style>
+          <a:lnRef idx="2">
+            <a:schemeClr val="accent1">
+              <a:shade val="50000"/>
+            </a:schemeClr>
+          </a:lnRef>
+          <a:fillRef idx="1">
+            <a:schemeClr val="accent1"/>
+          </a:fillRef>
+          <a:effectRef idx="0">
+            <a:schemeClr val="accent1"/>
+          </a:effectRef>
+          <a:fontRef idx="minor">
+            <a:schemeClr val="lt1"/>
+          </a:fontRef>
+        </p:style>
+        <p:txBody>
+          <a:bodyPr rtlCol="0" anchor="ctr"/>
+          <a:lstStyle/>
+          <a:p>
+            <a:pPr algn="ctr"/>
+            <a:r>
+              <a:rPr lang="de-DE"/>
+              <a:t>Under construction</a:t>
+            </a:r>
+          </a:p>
+        </p:txBody>
+      </p:sp>
     </p:spTree>
     <p:extLst>
       <p:ext uri="{BB962C8B-B14F-4D97-AF65-F5344CB8AC3E}">
-        <p14:creationId xmlns:p14="http://schemas.microsoft.com/office/powerpoint/2010/main" val="2561092248"/>
+        <p14:creationId xmlns:p14="http://schemas.microsoft.com/office/powerpoint/2010/main" val="3032603168"/>
       </p:ext>
     </p:extLst>
   </p:cSld>
@@ -11250,7 +11735,7 @@
         </p:nvSpPr>
         <p:spPr>
           <a:xfrm>
-            <a:off x="14431223" y="6178688"/>
+            <a:off x="14439358" y="6153383"/>
             <a:ext cx="3056604" cy="1714904"/>
           </a:xfrm>
           <a:prstGeom prst="roundRect">
@@ -11414,7 +11899,7 @@
         <p:spPr>
           <a:xfrm>
             <a:off x="6267886" y="6198225"/>
-            <a:ext cx="4354263" cy="2841005"/>
+            <a:ext cx="4381246" cy="2841005"/>
           </a:xfrm>
           <a:prstGeom prst="roundRect">
             <a:avLst>
@@ -11939,7 +12424,7 @@
         </p:nvSpPr>
         <p:spPr>
           <a:xfrm>
-            <a:off x="10730746" y="3536236"/>
+            <a:off x="7088188" y="5605656"/>
             <a:ext cx="2633496" cy="261610"/>
           </a:xfrm>
           <a:prstGeom prst="roundRect">
@@ -11955,8 +12440,8 @@
           <a:ln w="3175">
             <a:solidFill>
               <a:schemeClr val="tx1">
-                <a:lumMod val="50000"/>
-                <a:lumOff val="50000"/>
+                <a:lumMod val="85000"/>
+                <a:lumOff val="15000"/>
               </a:schemeClr>
             </a:solidFill>
           </a:ln>
@@ -11981,13 +12466,9 @@
           <a:bodyPr rtlCol="0" anchor="ctr"/>
           <a:lstStyle/>
           <a:p>
-            <a:r>
-              <a:rPr lang="de-DE" sz="900" b="1" i="1">
-                <a:solidFill>
-                  <a:schemeClr val="bg1"/>
-                </a:solidFill>
-                <a:latin typeface="Consolas" panose="020B0609020204030204" pitchFamily="49" charset="0"/>
-              </a:rPr>
+            <a:pPr algn="ctr"/>
+            <a:r>
+              <a:rPr lang="de-DE" sz="1000"/>
               <a:t>Visualization of Automation Management</a:t>
             </a:r>
           </a:p>
@@ -12334,8 +12815,8 @@
         </p:nvSpPr>
         <p:spPr>
           <a:xfrm>
-            <a:off x="6995675" y="6173159"/>
-            <a:ext cx="3747388" cy="261610"/>
+            <a:off x="6300327" y="6173159"/>
+            <a:ext cx="3190431" cy="261610"/>
           </a:xfrm>
           <a:prstGeom prst="rect">
             <a:avLst/>
@@ -12496,7 +12977,7 @@
         <p:spPr>
           <a:xfrm>
             <a:off x="6311431" y="7033509"/>
-            <a:ext cx="4229541" cy="461665"/>
+            <a:ext cx="4310717" cy="461665"/>
           </a:xfrm>
           <a:prstGeom prst="rect">
             <a:avLst/>
@@ -12527,7 +13008,7 @@
           <a:p>
             <a:r>
               <a:rPr lang="de-DE" sz="800"/>
-              <a:t>removeLinksFromPowerSavingActivationQueue(linkId, switchingAutomationName)</a:t>
+              <a:t>removeLinksFromPowerSavingActivationQueue(linkId, automationName)</a:t>
             </a:r>
           </a:p>
           <a:p>
@@ -12872,7 +13353,7 @@
         <p:spPr>
           <a:xfrm>
             <a:off x="14507915" y="6972659"/>
-            <a:ext cx="2688793" cy="338554"/>
+            <a:ext cx="2688793" cy="215444"/>
           </a:xfrm>
           <a:prstGeom prst="rect">
             <a:avLst/>
@@ -12897,13 +13378,7 @@
           <a:p>
             <a:r>
               <a:rPr lang="de-DE" sz="800"/>
-              <a:t>resolveAirInterfaceAddressTriples(linkId)</a:t>
-            </a:r>
-          </a:p>
-          <a:p>
-            <a:r>
-              <a:rPr lang="de-DE" sz="800"/>
-              <a:t>analyzeStatusOfParallelLink(linkId)</a:t>
+              <a:t>provideTransmitterStatusOfParallelLink(linkId)</a:t>
             </a:r>
           </a:p>
         </p:txBody>
@@ -13051,7 +13526,13 @@
           <a:p>
             <a:r>
               <a:rPr lang="de-DE" sz="800"/>
-              <a:t>recordPowerSavingStatus(linkId, addDeviationsFromOriginalState, removeDeviationsFromOriginalState, addModulesToRestoreOriginalState, removeModulesToRestoreOriginalState)</a:t>
+              <a:t>recordPowerSavingStatus(linkId, addDeviationsFromOriginalState, removeDeviationsFromOriginalState, </a:t>
+            </a:r>
+          </a:p>
+          <a:p>
+            <a:r>
+              <a:rPr lang="de-DE" sz="800"/>
+              <a:t>		       addModulesToRestoreOriginalState, removeModulesToRestoreOriginalState)</a:t>
             </a:r>
           </a:p>
           <a:p>
@@ -13069,7 +13550,7 @@
           <a:p>
             <a:r>
               <a:rPr lang="de-DE" sz="800"/>
-              <a:t>listPowerSavingStatusOfLink(linkId)</a:t>
+              <a:t>providePowerSavingStatusOfLink(linkId)</a:t>
             </a:r>
           </a:p>
           <a:p>
@@ -13093,7 +13574,7 @@
           <a:p>
             <a:r>
               <a:rPr lang="de-DE" sz="800"/>
-              <a:t>syncPowerSavingStatusListWithStaticLinkList()</a:t>
+              <a:t>deleteLinkFromPowerSavingStatusTable(linkId)</a:t>
             </a:r>
           </a:p>
         </p:txBody>
@@ -14092,8 +14573,8 @@
         </p:nvSpPr>
         <p:spPr>
           <a:xfrm>
-            <a:off x="16144603" y="3420272"/>
-            <a:ext cx="2198038" cy="538609"/>
+            <a:off x="16518872" y="3420272"/>
+            <a:ext cx="1823769" cy="369332"/>
           </a:xfrm>
           <a:prstGeom prst="rect">
             <a:avLst/>
@@ -14106,25 +14587,20 @@
           </a:bodyPr>
           <a:lstStyle/>
           <a:p>
+            <a:pPr algn="r"/>
             <a:r>
               <a:rPr lang="de-DE">
                 <a:solidFill>
                   <a:srgbClr val="C00000"/>
                 </a:solidFill>
               </a:rPr>
-              <a:t>Offered Services</a:t>
-            </a:r>
-          </a:p>
-          <a:p>
-            <a:pPr algn="r"/>
-            <a:r>
-              <a:rPr lang="de-DE" sz="1100">
-                <a:solidFill>
-                  <a:srgbClr val="C00000"/>
-                </a:solidFill>
-              </a:rPr>
-              <a:t>(AIPS v1.0.0)</a:t>
-            </a:r>
+              <a:t>Module structure</a:t>
+            </a:r>
+            <a:endParaRPr lang="de-DE" sz="1100">
+              <a:solidFill>
+                <a:srgbClr val="C00000"/>
+              </a:solidFill>
+            </a:endParaRPr>
           </a:p>
         </p:txBody>
       </p:sp>
@@ -14742,13 +15218,13 @@
           <a:p>
             <a:r>
               <a:rPr lang="de-DE" sz="800"/>
-              <a:t>startMonitoring()</a:t>
+              <a:t>startDroppedFramesMonitoring()</a:t>
             </a:r>
           </a:p>
           <a:p>
             <a:r>
               <a:rPr lang="de-DE" sz="800"/>
-              <a:t>stopMonitoring()</a:t>
+              <a:t>stopDroppedFramesMonitoring()</a:t>
             </a:r>
           </a:p>
         </p:txBody>
@@ -14956,10 +15432,1128 @@
           </a:fontRef>
         </p:style>
       </p:cxnSp>
+      <p:sp>
+        <p:nvSpPr>
+          <p:cNvPr id="19" name="Textfeld 18">
+            <a:extLst>
+              <a:ext uri="{FF2B5EF4-FFF2-40B4-BE49-F238E27FC236}">
+                <a16:creationId xmlns:a16="http://schemas.microsoft.com/office/drawing/2014/main" id="{BFA96C4D-3807-329D-CC96-25B3278036A3}"/>
+              </a:ext>
+            </a:extLst>
+          </p:cNvPr>
+          <p:cNvSpPr txBox="1"/>
+          <p:nvPr/>
+        </p:nvSpPr>
+        <p:spPr>
+          <a:xfrm>
+            <a:off x="6480194" y="4181593"/>
+            <a:ext cx="338554" cy="1692771"/>
+          </a:xfrm>
+          <a:prstGeom prst="rect">
+            <a:avLst/>
+          </a:prstGeom>
+          <a:noFill/>
+        </p:spPr>
+        <p:txBody>
+          <a:bodyPr wrap="none" rtlCol="0">
+            <a:spAutoFit/>
+          </a:bodyPr>
+          <a:lstStyle/>
+          <a:p>
+            <a:r>
+              <a:rPr lang="de-DE" sz="800">
+                <a:solidFill>
+                  <a:srgbClr val="7030A0"/>
+                </a:solidFill>
+              </a:rPr>
+              <a:t>100</a:t>
+            </a:r>
+          </a:p>
+          <a:p>
+            <a:r>
+              <a:rPr lang="de-DE" sz="800">
+                <a:solidFill>
+                  <a:srgbClr val="7030A0"/>
+                </a:solidFill>
+              </a:rPr>
+              <a:t>101</a:t>
+            </a:r>
+          </a:p>
+          <a:p>
+            <a:r>
+              <a:rPr lang="de-DE" sz="800">
+                <a:solidFill>
+                  <a:srgbClr val="7030A0"/>
+                </a:solidFill>
+              </a:rPr>
+              <a:t>---</a:t>
+            </a:r>
+          </a:p>
+          <a:p>
+            <a:r>
+              <a:rPr lang="de-DE" sz="800">
+                <a:solidFill>
+                  <a:srgbClr val="7030A0"/>
+                </a:solidFill>
+              </a:rPr>
+              <a:t>102</a:t>
+            </a:r>
+          </a:p>
+          <a:p>
+            <a:r>
+              <a:rPr lang="de-DE" sz="800">
+                <a:solidFill>
+                  <a:srgbClr val="7030A0"/>
+                </a:solidFill>
+              </a:rPr>
+              <a:t>103</a:t>
+            </a:r>
+          </a:p>
+          <a:p>
+            <a:r>
+              <a:rPr lang="de-DE" sz="800">
+                <a:solidFill>
+                  <a:srgbClr val="7030A0"/>
+                </a:solidFill>
+              </a:rPr>
+              <a:t>104</a:t>
+            </a:r>
+          </a:p>
+          <a:p>
+            <a:r>
+              <a:rPr lang="de-DE" sz="800">
+                <a:solidFill>
+                  <a:srgbClr val="7030A0"/>
+                </a:solidFill>
+              </a:rPr>
+              <a:t>105</a:t>
+            </a:r>
+          </a:p>
+          <a:p>
+            <a:r>
+              <a:rPr lang="de-DE" sz="800">
+                <a:solidFill>
+                  <a:srgbClr val="7030A0"/>
+                </a:solidFill>
+              </a:rPr>
+              <a:t>---</a:t>
+            </a:r>
+          </a:p>
+          <a:p>
+            <a:r>
+              <a:rPr lang="de-DE" sz="800">
+                <a:solidFill>
+                  <a:srgbClr val="7030A0"/>
+                </a:solidFill>
+              </a:rPr>
+              <a:t>106</a:t>
+            </a:r>
+          </a:p>
+          <a:p>
+            <a:r>
+              <a:rPr lang="de-DE" sz="800">
+                <a:solidFill>
+                  <a:srgbClr val="7030A0"/>
+                </a:solidFill>
+              </a:rPr>
+              <a:t>107</a:t>
+            </a:r>
+          </a:p>
+          <a:p>
+            <a:r>
+              <a:rPr lang="de-DE" sz="800">
+                <a:solidFill>
+                  <a:srgbClr val="7030A0"/>
+                </a:solidFill>
+              </a:rPr>
+              <a:t>108</a:t>
+            </a:r>
+          </a:p>
+          <a:p>
+            <a:r>
+              <a:rPr lang="de-DE" sz="800">
+                <a:solidFill>
+                  <a:srgbClr val="7030A0"/>
+                </a:solidFill>
+              </a:rPr>
+              <a:t>109</a:t>
+            </a:r>
+          </a:p>
+          <a:p>
+            <a:r>
+              <a:rPr lang="de-DE" sz="800">
+                <a:solidFill>
+                  <a:srgbClr val="7030A0"/>
+                </a:solidFill>
+              </a:rPr>
+              <a:t>110</a:t>
+            </a:r>
+          </a:p>
+        </p:txBody>
+      </p:sp>
+      <p:sp>
+        <p:nvSpPr>
+          <p:cNvPr id="33" name="Textfeld 32">
+            <a:extLst>
+              <a:ext uri="{FF2B5EF4-FFF2-40B4-BE49-F238E27FC236}">
+                <a16:creationId xmlns:a16="http://schemas.microsoft.com/office/drawing/2014/main" id="{FA1DDBD4-D66D-3BE1-7092-D1370F88925A}"/>
+              </a:ext>
+            </a:extLst>
+          </p:cNvPr>
+          <p:cNvSpPr txBox="1"/>
+          <p:nvPr/>
+        </p:nvSpPr>
+        <p:spPr>
+          <a:xfrm>
+            <a:off x="6826398" y="4203587"/>
+            <a:ext cx="338554" cy="830997"/>
+          </a:xfrm>
+          <a:prstGeom prst="rect">
+            <a:avLst/>
+          </a:prstGeom>
+          <a:noFill/>
+        </p:spPr>
+        <p:txBody>
+          <a:bodyPr wrap="none" rtlCol="0">
+            <a:spAutoFit/>
+          </a:bodyPr>
+          <a:lstStyle/>
+          <a:p>
+            <a:r>
+              <a:rPr lang="de-DE" sz="800">
+                <a:solidFill>
+                  <a:srgbClr val="7030A0"/>
+                </a:solidFill>
+              </a:rPr>
+              <a:t>120</a:t>
+            </a:r>
+          </a:p>
+          <a:p>
+            <a:r>
+              <a:rPr lang="de-DE" sz="800">
+                <a:solidFill>
+                  <a:srgbClr val="7030A0"/>
+                </a:solidFill>
+              </a:rPr>
+              <a:t>---</a:t>
+            </a:r>
+          </a:p>
+          <a:p>
+            <a:r>
+              <a:rPr lang="de-DE" sz="800">
+                <a:solidFill>
+                  <a:srgbClr val="7030A0"/>
+                </a:solidFill>
+              </a:rPr>
+              <a:t>121</a:t>
+            </a:r>
+          </a:p>
+          <a:p>
+            <a:r>
+              <a:rPr lang="de-DE" sz="800">
+                <a:solidFill>
+                  <a:srgbClr val="7030A0"/>
+                </a:solidFill>
+              </a:rPr>
+              <a:t>---</a:t>
+            </a:r>
+          </a:p>
+          <a:p>
+            <a:r>
+              <a:rPr lang="de-DE" sz="800">
+                <a:solidFill>
+                  <a:srgbClr val="7030A0"/>
+                </a:solidFill>
+              </a:rPr>
+              <a:t>122</a:t>
+            </a:r>
+          </a:p>
+          <a:p>
+            <a:r>
+              <a:rPr lang="de-DE" sz="800">
+                <a:solidFill>
+                  <a:srgbClr val="7030A0"/>
+                </a:solidFill>
+              </a:rPr>
+              <a:t>123</a:t>
+            </a:r>
+          </a:p>
+        </p:txBody>
+      </p:sp>
+      <p:sp>
+        <p:nvSpPr>
+          <p:cNvPr id="41" name="Textfeld 40">
+            <a:extLst>
+              <a:ext uri="{FF2B5EF4-FFF2-40B4-BE49-F238E27FC236}">
+                <a16:creationId xmlns:a16="http://schemas.microsoft.com/office/drawing/2014/main" id="{0D495AB1-593A-51C2-3A1E-A352FB3F1387}"/>
+              </a:ext>
+            </a:extLst>
+          </p:cNvPr>
+          <p:cNvSpPr txBox="1"/>
+          <p:nvPr/>
+        </p:nvSpPr>
+        <p:spPr>
+          <a:xfrm>
+            <a:off x="5567244" y="6841489"/>
+            <a:ext cx="338554" cy="1323439"/>
+          </a:xfrm>
+          <a:prstGeom prst="rect">
+            <a:avLst/>
+          </a:prstGeom>
+          <a:noFill/>
+        </p:spPr>
+        <p:txBody>
+          <a:bodyPr wrap="none" rtlCol="0">
+            <a:spAutoFit/>
+          </a:bodyPr>
+          <a:lstStyle/>
+          <a:p>
+            <a:r>
+              <a:rPr lang="de-DE" sz="800">
+                <a:solidFill>
+                  <a:srgbClr val="7030A0"/>
+                </a:solidFill>
+              </a:rPr>
+              <a:t>200</a:t>
+            </a:r>
+          </a:p>
+          <a:p>
+            <a:r>
+              <a:rPr lang="de-DE" sz="800">
+                <a:solidFill>
+                  <a:srgbClr val="7030A0"/>
+                </a:solidFill>
+              </a:rPr>
+              <a:t>201</a:t>
+            </a:r>
+          </a:p>
+          <a:p>
+            <a:r>
+              <a:rPr lang="de-DE" sz="800">
+                <a:solidFill>
+                  <a:srgbClr val="7030A0"/>
+                </a:solidFill>
+              </a:rPr>
+              <a:t>202</a:t>
+            </a:r>
+          </a:p>
+          <a:p>
+            <a:r>
+              <a:rPr lang="de-DE" sz="800">
+                <a:solidFill>
+                  <a:srgbClr val="7030A0"/>
+                </a:solidFill>
+              </a:rPr>
+              <a:t>203</a:t>
+            </a:r>
+          </a:p>
+          <a:p>
+            <a:r>
+              <a:rPr lang="de-DE" sz="800">
+                <a:solidFill>
+                  <a:srgbClr val="7030A0"/>
+                </a:solidFill>
+              </a:rPr>
+              <a:t>204</a:t>
+            </a:r>
+          </a:p>
+          <a:p>
+            <a:r>
+              <a:rPr lang="de-DE" sz="800">
+                <a:solidFill>
+                  <a:srgbClr val="7030A0"/>
+                </a:solidFill>
+              </a:rPr>
+              <a:t>---</a:t>
+            </a:r>
+          </a:p>
+          <a:p>
+            <a:r>
+              <a:rPr lang="de-DE" sz="800">
+                <a:solidFill>
+                  <a:srgbClr val="7030A0"/>
+                </a:solidFill>
+              </a:rPr>
+              <a:t>205</a:t>
+            </a:r>
+          </a:p>
+          <a:p>
+            <a:r>
+              <a:rPr lang="de-DE" sz="800">
+                <a:solidFill>
+                  <a:srgbClr val="7030A0"/>
+                </a:solidFill>
+              </a:rPr>
+              <a:t>---</a:t>
+            </a:r>
+          </a:p>
+          <a:p>
+            <a:r>
+              <a:rPr lang="de-DE" sz="800">
+                <a:solidFill>
+                  <a:srgbClr val="7030A0"/>
+                </a:solidFill>
+              </a:rPr>
+              <a:t>210</a:t>
+            </a:r>
+          </a:p>
+          <a:p>
+            <a:r>
+              <a:rPr lang="de-DE" sz="800">
+                <a:solidFill>
+                  <a:srgbClr val="7030A0"/>
+                </a:solidFill>
+              </a:rPr>
+              <a:t>211</a:t>
+            </a:r>
+          </a:p>
+        </p:txBody>
+      </p:sp>
+      <p:sp>
+        <p:nvSpPr>
+          <p:cNvPr id="44" name="Textfeld 43">
+            <a:extLst>
+              <a:ext uri="{FF2B5EF4-FFF2-40B4-BE49-F238E27FC236}">
+                <a16:creationId xmlns:a16="http://schemas.microsoft.com/office/drawing/2014/main" id="{63DBA483-BCD0-088D-C1AD-9AC601F28362}"/>
+              </a:ext>
+            </a:extLst>
+          </p:cNvPr>
+          <p:cNvSpPr txBox="1"/>
+          <p:nvPr/>
+        </p:nvSpPr>
+        <p:spPr>
+          <a:xfrm>
+            <a:off x="10320463" y="3527019"/>
+            <a:ext cx="301686" cy="369332"/>
+          </a:xfrm>
+          <a:prstGeom prst="rect">
+            <a:avLst/>
+          </a:prstGeom>
+          <a:noFill/>
+        </p:spPr>
+        <p:txBody>
+          <a:bodyPr wrap="none" rtlCol="0">
+            <a:spAutoFit/>
+          </a:bodyPr>
+          <a:lstStyle/>
+          <a:p>
+            <a:r>
+              <a:rPr lang="de-DE"/>
+              <a:t>1</a:t>
+            </a:r>
+          </a:p>
+        </p:txBody>
+      </p:sp>
+      <p:sp>
+        <p:nvSpPr>
+          <p:cNvPr id="45" name="Textfeld 44">
+            <a:extLst>
+              <a:ext uri="{FF2B5EF4-FFF2-40B4-BE49-F238E27FC236}">
+                <a16:creationId xmlns:a16="http://schemas.microsoft.com/office/drawing/2014/main" id="{F95639E7-C122-2BB0-59C5-D28C007C1D6F}"/>
+              </a:ext>
+            </a:extLst>
+          </p:cNvPr>
+          <p:cNvSpPr txBox="1"/>
+          <p:nvPr/>
+        </p:nvSpPr>
+        <p:spPr>
+          <a:xfrm>
+            <a:off x="5930674" y="8683323"/>
+            <a:ext cx="301686" cy="369332"/>
+          </a:xfrm>
+          <a:prstGeom prst="rect">
+            <a:avLst/>
+          </a:prstGeom>
+          <a:noFill/>
+        </p:spPr>
+        <p:txBody>
+          <a:bodyPr wrap="none" rtlCol="0">
+            <a:spAutoFit/>
+          </a:bodyPr>
+          <a:lstStyle/>
+          <a:p>
+            <a:r>
+              <a:rPr lang="de-DE"/>
+              <a:t>2</a:t>
+            </a:r>
+          </a:p>
+        </p:txBody>
+      </p:sp>
+      <p:sp>
+        <p:nvSpPr>
+          <p:cNvPr id="46" name="Textfeld 45">
+            <a:extLst>
+              <a:ext uri="{FF2B5EF4-FFF2-40B4-BE49-F238E27FC236}">
+                <a16:creationId xmlns:a16="http://schemas.microsoft.com/office/drawing/2014/main" id="{59F4251F-F44C-1386-9B93-53328792C159}"/>
+              </a:ext>
+            </a:extLst>
+          </p:cNvPr>
+          <p:cNvSpPr txBox="1"/>
+          <p:nvPr/>
+        </p:nvSpPr>
+        <p:spPr>
+          <a:xfrm>
+            <a:off x="7154305" y="9915293"/>
+            <a:ext cx="301686" cy="369332"/>
+          </a:xfrm>
+          <a:prstGeom prst="rect">
+            <a:avLst/>
+          </a:prstGeom>
+          <a:noFill/>
+        </p:spPr>
+        <p:txBody>
+          <a:bodyPr wrap="none" rtlCol="0">
+            <a:spAutoFit/>
+          </a:bodyPr>
+          <a:lstStyle/>
+          <a:p>
+            <a:r>
+              <a:rPr lang="de-DE"/>
+              <a:t>3</a:t>
+            </a:r>
+          </a:p>
+        </p:txBody>
+      </p:sp>
+      <p:sp>
+        <p:nvSpPr>
+          <p:cNvPr id="48" name="Textfeld 47">
+            <a:extLst>
+              <a:ext uri="{FF2B5EF4-FFF2-40B4-BE49-F238E27FC236}">
+                <a16:creationId xmlns:a16="http://schemas.microsoft.com/office/drawing/2014/main" id="{51CA234E-016E-6225-6DFE-22BAB143EDF1}"/>
+              </a:ext>
+            </a:extLst>
+          </p:cNvPr>
+          <p:cNvSpPr txBox="1"/>
+          <p:nvPr/>
+        </p:nvSpPr>
+        <p:spPr>
+          <a:xfrm>
+            <a:off x="10357054" y="8683323"/>
+            <a:ext cx="301686" cy="369332"/>
+          </a:xfrm>
+          <a:prstGeom prst="rect">
+            <a:avLst/>
+          </a:prstGeom>
+          <a:noFill/>
+        </p:spPr>
+        <p:txBody>
+          <a:bodyPr wrap="none" rtlCol="0">
+            <a:spAutoFit/>
+          </a:bodyPr>
+          <a:lstStyle/>
+          <a:p>
+            <a:r>
+              <a:rPr lang="de-DE"/>
+              <a:t>4</a:t>
+            </a:r>
+          </a:p>
+        </p:txBody>
+      </p:sp>
+      <p:sp>
+        <p:nvSpPr>
+          <p:cNvPr id="49" name="Textfeld 48">
+            <a:extLst>
+              <a:ext uri="{FF2B5EF4-FFF2-40B4-BE49-F238E27FC236}">
+                <a16:creationId xmlns:a16="http://schemas.microsoft.com/office/drawing/2014/main" id="{228BED19-5AD1-DD5B-741F-C3FF6AA8D97E}"/>
+              </a:ext>
+            </a:extLst>
+          </p:cNvPr>
+          <p:cNvSpPr txBox="1"/>
+          <p:nvPr/>
+        </p:nvSpPr>
+        <p:spPr>
+          <a:xfrm>
+            <a:off x="14003456" y="8756053"/>
+            <a:ext cx="301686" cy="369332"/>
+          </a:xfrm>
+          <a:prstGeom prst="rect">
+            <a:avLst/>
+          </a:prstGeom>
+          <a:noFill/>
+        </p:spPr>
+        <p:txBody>
+          <a:bodyPr wrap="none" rtlCol="0">
+            <a:spAutoFit/>
+          </a:bodyPr>
+          <a:lstStyle/>
+          <a:p>
+            <a:r>
+              <a:rPr lang="de-DE"/>
+              <a:t>5</a:t>
+            </a:r>
+          </a:p>
+        </p:txBody>
+      </p:sp>
+      <p:sp>
+        <p:nvSpPr>
+          <p:cNvPr id="50" name="Textfeld 49">
+            <a:extLst>
+              <a:ext uri="{FF2B5EF4-FFF2-40B4-BE49-F238E27FC236}">
+                <a16:creationId xmlns:a16="http://schemas.microsoft.com/office/drawing/2014/main" id="{E47DBC21-7061-BB0D-416D-948DC80EB76D}"/>
+              </a:ext>
+            </a:extLst>
+          </p:cNvPr>
+          <p:cNvSpPr txBox="1"/>
+          <p:nvPr/>
+        </p:nvSpPr>
+        <p:spPr>
+          <a:xfrm>
+            <a:off x="17204331" y="7556745"/>
+            <a:ext cx="301686" cy="369332"/>
+          </a:xfrm>
+          <a:prstGeom prst="rect">
+            <a:avLst/>
+          </a:prstGeom>
+          <a:noFill/>
+        </p:spPr>
+        <p:txBody>
+          <a:bodyPr wrap="none" rtlCol="0">
+            <a:spAutoFit/>
+          </a:bodyPr>
+          <a:lstStyle/>
+          <a:p>
+            <a:r>
+              <a:rPr lang="de-DE"/>
+              <a:t>6</a:t>
+            </a:r>
+          </a:p>
+        </p:txBody>
+      </p:sp>
+      <p:sp>
+        <p:nvSpPr>
+          <p:cNvPr id="51" name="Textfeld 50">
+            <a:extLst>
+              <a:ext uri="{FF2B5EF4-FFF2-40B4-BE49-F238E27FC236}">
+                <a16:creationId xmlns:a16="http://schemas.microsoft.com/office/drawing/2014/main" id="{CA31537C-F7A5-6B98-4C3A-E64DD5958A6D}"/>
+              </a:ext>
+            </a:extLst>
+          </p:cNvPr>
+          <p:cNvSpPr txBox="1"/>
+          <p:nvPr/>
+        </p:nvSpPr>
+        <p:spPr>
+          <a:xfrm>
+            <a:off x="13302149" y="9467187"/>
+            <a:ext cx="301686" cy="369332"/>
+          </a:xfrm>
+          <a:prstGeom prst="rect">
+            <a:avLst/>
+          </a:prstGeom>
+          <a:noFill/>
+        </p:spPr>
+        <p:txBody>
+          <a:bodyPr wrap="none" rtlCol="0">
+            <a:spAutoFit/>
+          </a:bodyPr>
+          <a:lstStyle/>
+          <a:p>
+            <a:r>
+              <a:rPr lang="de-DE"/>
+              <a:t>7</a:t>
+            </a:r>
+          </a:p>
+        </p:txBody>
+      </p:sp>
+      <p:sp>
+        <p:nvSpPr>
+          <p:cNvPr id="52" name="Textfeld 51">
+            <a:extLst>
+              <a:ext uri="{FF2B5EF4-FFF2-40B4-BE49-F238E27FC236}">
+                <a16:creationId xmlns:a16="http://schemas.microsoft.com/office/drawing/2014/main" id="{FA87CFE9-532D-E67C-1F50-875A093536FD}"/>
+              </a:ext>
+            </a:extLst>
+          </p:cNvPr>
+          <p:cNvSpPr txBox="1"/>
+          <p:nvPr/>
+        </p:nvSpPr>
+        <p:spPr>
+          <a:xfrm>
+            <a:off x="16774998" y="9450799"/>
+            <a:ext cx="301686" cy="369332"/>
+          </a:xfrm>
+          <a:prstGeom prst="rect">
+            <a:avLst/>
+          </a:prstGeom>
+          <a:noFill/>
+        </p:spPr>
+        <p:txBody>
+          <a:bodyPr wrap="none" rtlCol="0">
+            <a:spAutoFit/>
+          </a:bodyPr>
+          <a:lstStyle/>
+          <a:p>
+            <a:r>
+              <a:rPr lang="de-DE"/>
+              <a:t>8</a:t>
+            </a:r>
+          </a:p>
+        </p:txBody>
+      </p:sp>
+      <p:sp>
+        <p:nvSpPr>
+          <p:cNvPr id="54" name="Textfeld 53">
+            <a:extLst>
+              <a:ext uri="{FF2B5EF4-FFF2-40B4-BE49-F238E27FC236}">
+                <a16:creationId xmlns:a16="http://schemas.microsoft.com/office/drawing/2014/main" id="{4B873882-88D0-83D7-4746-06A4A459140F}"/>
+              </a:ext>
+            </a:extLst>
+          </p:cNvPr>
+          <p:cNvSpPr txBox="1"/>
+          <p:nvPr/>
+        </p:nvSpPr>
+        <p:spPr>
+          <a:xfrm>
+            <a:off x="19493093" y="9442030"/>
+            <a:ext cx="301686" cy="369332"/>
+          </a:xfrm>
+          <a:prstGeom prst="rect">
+            <a:avLst/>
+          </a:prstGeom>
+          <a:noFill/>
+        </p:spPr>
+        <p:txBody>
+          <a:bodyPr wrap="none" rtlCol="0">
+            <a:spAutoFit/>
+          </a:bodyPr>
+          <a:lstStyle/>
+          <a:p>
+            <a:r>
+              <a:rPr lang="de-DE"/>
+              <a:t>9</a:t>
+            </a:r>
+          </a:p>
+        </p:txBody>
+      </p:sp>
+      <p:sp>
+        <p:nvSpPr>
+          <p:cNvPr id="55" name="Textfeld 54">
+            <a:extLst>
+              <a:ext uri="{FF2B5EF4-FFF2-40B4-BE49-F238E27FC236}">
+                <a16:creationId xmlns:a16="http://schemas.microsoft.com/office/drawing/2014/main" id="{EF3FFBE8-1CD6-5924-5E13-28C4B2957D3E}"/>
+              </a:ext>
+            </a:extLst>
+          </p:cNvPr>
+          <p:cNvSpPr txBox="1"/>
+          <p:nvPr/>
+        </p:nvSpPr>
+        <p:spPr>
+          <a:xfrm>
+            <a:off x="19447283" y="9779300"/>
+            <a:ext cx="423663" cy="369332"/>
+          </a:xfrm>
+          <a:prstGeom prst="rect">
+            <a:avLst/>
+          </a:prstGeom>
+          <a:noFill/>
+        </p:spPr>
+        <p:txBody>
+          <a:bodyPr wrap="square" rtlCol="0">
+            <a:spAutoFit/>
+          </a:bodyPr>
+          <a:lstStyle/>
+          <a:p>
+            <a:r>
+              <a:rPr lang="de-DE"/>
+              <a:t>10</a:t>
+            </a:r>
+          </a:p>
+        </p:txBody>
+      </p:sp>
+      <p:sp>
+        <p:nvSpPr>
+          <p:cNvPr id="64" name="Textfeld 63">
+            <a:extLst>
+              <a:ext uri="{FF2B5EF4-FFF2-40B4-BE49-F238E27FC236}">
+                <a16:creationId xmlns:a16="http://schemas.microsoft.com/office/drawing/2014/main" id="{51B58F6C-997A-8C21-9AE8-ACA675836D87}"/>
+              </a:ext>
+            </a:extLst>
+          </p:cNvPr>
+          <p:cNvSpPr txBox="1"/>
+          <p:nvPr/>
+        </p:nvSpPr>
+        <p:spPr>
+          <a:xfrm>
+            <a:off x="10331459" y="7034399"/>
+            <a:ext cx="338554" cy="461665"/>
+          </a:xfrm>
+          <a:prstGeom prst="rect">
+            <a:avLst/>
+          </a:prstGeom>
+          <a:noFill/>
+        </p:spPr>
+        <p:txBody>
+          <a:bodyPr wrap="none" rtlCol="0">
+            <a:spAutoFit/>
+          </a:bodyPr>
+          <a:lstStyle/>
+          <a:p>
+            <a:r>
+              <a:rPr lang="de-DE" sz="800">
+                <a:solidFill>
+                  <a:srgbClr val="7030A0"/>
+                </a:solidFill>
+              </a:rPr>
+              <a:t>400</a:t>
+            </a:r>
+          </a:p>
+          <a:p>
+            <a:r>
+              <a:rPr lang="de-DE" sz="800">
+                <a:solidFill>
+                  <a:srgbClr val="7030A0"/>
+                </a:solidFill>
+              </a:rPr>
+              <a:t>401</a:t>
+            </a:r>
+          </a:p>
+          <a:p>
+            <a:r>
+              <a:rPr lang="de-DE" sz="800">
+                <a:solidFill>
+                  <a:srgbClr val="7030A0"/>
+                </a:solidFill>
+              </a:rPr>
+              <a:t>402</a:t>
+            </a:r>
+          </a:p>
+        </p:txBody>
+      </p:sp>
+      <p:sp>
+        <p:nvSpPr>
+          <p:cNvPr id="65" name="Textfeld 64">
+            <a:extLst>
+              <a:ext uri="{FF2B5EF4-FFF2-40B4-BE49-F238E27FC236}">
+                <a16:creationId xmlns:a16="http://schemas.microsoft.com/office/drawing/2014/main" id="{30FB7B17-3634-5478-8D74-7D0054564D37}"/>
+              </a:ext>
+            </a:extLst>
+          </p:cNvPr>
+          <p:cNvSpPr txBox="1"/>
+          <p:nvPr/>
+        </p:nvSpPr>
+        <p:spPr>
+          <a:xfrm>
+            <a:off x="9526275" y="8247123"/>
+            <a:ext cx="338554" cy="461665"/>
+          </a:xfrm>
+          <a:prstGeom prst="rect">
+            <a:avLst/>
+          </a:prstGeom>
+          <a:noFill/>
+        </p:spPr>
+        <p:txBody>
+          <a:bodyPr wrap="none" rtlCol="0">
+            <a:spAutoFit/>
+          </a:bodyPr>
+          <a:lstStyle/>
+          <a:p>
+            <a:r>
+              <a:rPr lang="de-DE" sz="800">
+                <a:solidFill>
+                  <a:srgbClr val="7030A0"/>
+                </a:solidFill>
+              </a:rPr>
+              <a:t>410</a:t>
+            </a:r>
+          </a:p>
+          <a:p>
+            <a:endParaRPr lang="de-DE" sz="800">
+              <a:solidFill>
+                <a:srgbClr val="7030A0"/>
+              </a:solidFill>
+            </a:endParaRPr>
+          </a:p>
+          <a:p>
+            <a:r>
+              <a:rPr lang="de-DE" sz="800">
+                <a:solidFill>
+                  <a:srgbClr val="7030A0"/>
+                </a:solidFill>
+              </a:rPr>
+              <a:t>411</a:t>
+            </a:r>
+          </a:p>
+        </p:txBody>
+      </p:sp>
+      <p:sp>
+        <p:nvSpPr>
+          <p:cNvPr id="66" name="Textfeld 65">
+            <a:extLst>
+              <a:ext uri="{FF2B5EF4-FFF2-40B4-BE49-F238E27FC236}">
+                <a16:creationId xmlns:a16="http://schemas.microsoft.com/office/drawing/2014/main" id="{3F56B4F1-6183-3CB3-F2AF-DD67BDC87136}"/>
+              </a:ext>
+            </a:extLst>
+          </p:cNvPr>
+          <p:cNvSpPr txBox="1"/>
+          <p:nvPr/>
+        </p:nvSpPr>
+        <p:spPr>
+          <a:xfrm>
+            <a:off x="13672605" y="6984035"/>
+            <a:ext cx="338554" cy="215444"/>
+          </a:xfrm>
+          <a:prstGeom prst="rect">
+            <a:avLst/>
+          </a:prstGeom>
+          <a:noFill/>
+        </p:spPr>
+        <p:txBody>
+          <a:bodyPr wrap="none" rtlCol="0">
+            <a:spAutoFit/>
+          </a:bodyPr>
+          <a:lstStyle/>
+          <a:p>
+            <a:r>
+              <a:rPr lang="de-DE" sz="800">
+                <a:solidFill>
+                  <a:srgbClr val="7030A0"/>
+                </a:solidFill>
+              </a:rPr>
+              <a:t>500</a:t>
+            </a:r>
+          </a:p>
+        </p:txBody>
+      </p:sp>
+      <p:sp>
+        <p:nvSpPr>
+          <p:cNvPr id="67" name="Textfeld 66">
+            <a:extLst>
+              <a:ext uri="{FF2B5EF4-FFF2-40B4-BE49-F238E27FC236}">
+                <a16:creationId xmlns:a16="http://schemas.microsoft.com/office/drawing/2014/main" id="{67B422B5-0A8E-114B-835E-1F119B43F4AE}"/>
+              </a:ext>
+            </a:extLst>
+          </p:cNvPr>
+          <p:cNvSpPr txBox="1"/>
+          <p:nvPr/>
+        </p:nvSpPr>
+        <p:spPr>
+          <a:xfrm>
+            <a:off x="13672605" y="8298161"/>
+            <a:ext cx="338554" cy="215444"/>
+          </a:xfrm>
+          <a:prstGeom prst="rect">
+            <a:avLst/>
+          </a:prstGeom>
+          <a:noFill/>
+        </p:spPr>
+        <p:txBody>
+          <a:bodyPr wrap="none" rtlCol="0">
+            <a:spAutoFit/>
+          </a:bodyPr>
+          <a:lstStyle/>
+          <a:p>
+            <a:r>
+              <a:rPr lang="de-DE" sz="800">
+                <a:solidFill>
+                  <a:srgbClr val="7030A0"/>
+                </a:solidFill>
+              </a:rPr>
+              <a:t>510</a:t>
+            </a:r>
+          </a:p>
+        </p:txBody>
+      </p:sp>
+      <p:sp>
+        <p:nvSpPr>
+          <p:cNvPr id="68" name="Textfeld 67">
+            <a:extLst>
+              <a:ext uri="{FF2B5EF4-FFF2-40B4-BE49-F238E27FC236}">
+                <a16:creationId xmlns:a16="http://schemas.microsoft.com/office/drawing/2014/main" id="{4157F15F-B2FD-C3FC-B164-FDD383DF6E71}"/>
+              </a:ext>
+            </a:extLst>
+          </p:cNvPr>
+          <p:cNvSpPr txBox="1"/>
+          <p:nvPr/>
+        </p:nvSpPr>
+        <p:spPr>
+          <a:xfrm>
+            <a:off x="16844358" y="6960835"/>
+            <a:ext cx="338554" cy="215444"/>
+          </a:xfrm>
+          <a:prstGeom prst="rect">
+            <a:avLst/>
+          </a:prstGeom>
+          <a:noFill/>
+        </p:spPr>
+        <p:txBody>
+          <a:bodyPr wrap="none" rtlCol="0">
+            <a:spAutoFit/>
+          </a:bodyPr>
+          <a:lstStyle/>
+          <a:p>
+            <a:r>
+              <a:rPr lang="de-DE" sz="800">
+                <a:solidFill>
+                  <a:srgbClr val="7030A0"/>
+                </a:solidFill>
+              </a:rPr>
+              <a:t>600</a:t>
+            </a:r>
+          </a:p>
+        </p:txBody>
+      </p:sp>
+      <p:sp>
+        <p:nvSpPr>
+          <p:cNvPr id="73" name="Textfeld 72">
+            <a:extLst>
+              <a:ext uri="{FF2B5EF4-FFF2-40B4-BE49-F238E27FC236}">
+                <a16:creationId xmlns:a16="http://schemas.microsoft.com/office/drawing/2014/main" id="{B47B1F85-E31B-C9A2-75E4-1010C6729B85}"/>
+              </a:ext>
+            </a:extLst>
+          </p:cNvPr>
+          <p:cNvSpPr txBox="1"/>
+          <p:nvPr/>
+        </p:nvSpPr>
+        <p:spPr>
+          <a:xfrm>
+            <a:off x="6327575" y="9728290"/>
+            <a:ext cx="338554" cy="338554"/>
+          </a:xfrm>
+          <a:prstGeom prst="rect">
+            <a:avLst/>
+          </a:prstGeom>
+          <a:noFill/>
+        </p:spPr>
+        <p:txBody>
+          <a:bodyPr wrap="none" rtlCol="0">
+            <a:spAutoFit/>
+          </a:bodyPr>
+          <a:lstStyle/>
+          <a:p>
+            <a:r>
+              <a:rPr lang="de-DE" sz="800">
+                <a:solidFill>
+                  <a:srgbClr val="7030A0"/>
+                </a:solidFill>
+              </a:rPr>
+              <a:t>300</a:t>
+            </a:r>
+          </a:p>
+          <a:p>
+            <a:r>
+              <a:rPr lang="de-DE" sz="800">
+                <a:solidFill>
+                  <a:srgbClr val="7030A0"/>
+                </a:solidFill>
+              </a:rPr>
+              <a:t>301</a:t>
+            </a:r>
+          </a:p>
+        </p:txBody>
+      </p:sp>
+      <p:sp>
+        <p:nvSpPr>
+          <p:cNvPr id="74" name="Textfeld 73">
+            <a:extLst>
+              <a:ext uri="{FF2B5EF4-FFF2-40B4-BE49-F238E27FC236}">
+                <a16:creationId xmlns:a16="http://schemas.microsoft.com/office/drawing/2014/main" id="{BAD97932-7456-9086-CAB5-26492966AA27}"/>
+              </a:ext>
+            </a:extLst>
+          </p:cNvPr>
+          <p:cNvSpPr txBox="1"/>
+          <p:nvPr/>
+        </p:nvSpPr>
+        <p:spPr>
+          <a:xfrm>
+            <a:off x="13110111" y="10034475"/>
+            <a:ext cx="338554" cy="1200329"/>
+          </a:xfrm>
+          <a:prstGeom prst="rect">
+            <a:avLst/>
+          </a:prstGeom>
+          <a:noFill/>
+        </p:spPr>
+        <p:txBody>
+          <a:bodyPr wrap="none" rtlCol="0">
+            <a:spAutoFit/>
+          </a:bodyPr>
+          <a:lstStyle/>
+          <a:p>
+            <a:r>
+              <a:rPr lang="de-DE" sz="800">
+                <a:solidFill>
+                  <a:srgbClr val="7030A0"/>
+                </a:solidFill>
+              </a:rPr>
+              <a:t>700</a:t>
+            </a:r>
+          </a:p>
+          <a:p>
+            <a:endParaRPr lang="de-DE" sz="800">
+              <a:solidFill>
+                <a:srgbClr val="7030A0"/>
+              </a:solidFill>
+            </a:endParaRPr>
+          </a:p>
+          <a:p>
+            <a:endParaRPr lang="de-DE" sz="800">
+              <a:solidFill>
+                <a:srgbClr val="7030A0"/>
+              </a:solidFill>
+            </a:endParaRPr>
+          </a:p>
+          <a:p>
+            <a:r>
+              <a:rPr lang="de-DE" sz="800">
+                <a:solidFill>
+                  <a:srgbClr val="7030A0"/>
+                </a:solidFill>
+              </a:rPr>
+              <a:t>701</a:t>
+            </a:r>
+          </a:p>
+          <a:p>
+            <a:r>
+              <a:rPr lang="de-DE" sz="800">
+                <a:solidFill>
+                  <a:srgbClr val="7030A0"/>
+                </a:solidFill>
+              </a:rPr>
+              <a:t>702</a:t>
+            </a:r>
+          </a:p>
+          <a:p>
+            <a:r>
+              <a:rPr lang="de-DE" sz="800">
+                <a:solidFill>
+                  <a:srgbClr val="7030A0"/>
+                </a:solidFill>
+              </a:rPr>
+              <a:t>703</a:t>
+            </a:r>
+          </a:p>
+          <a:p>
+            <a:r>
+              <a:rPr lang="de-DE" sz="800">
+                <a:solidFill>
+                  <a:srgbClr val="7030A0"/>
+                </a:solidFill>
+              </a:rPr>
+              <a:t>704</a:t>
+            </a:r>
+          </a:p>
+          <a:p>
+            <a:endParaRPr lang="de-DE" sz="800">
+              <a:solidFill>
+                <a:srgbClr val="7030A0"/>
+              </a:solidFill>
+            </a:endParaRPr>
+          </a:p>
+          <a:p>
+            <a:r>
+              <a:rPr lang="de-DE" sz="800">
+                <a:solidFill>
+                  <a:srgbClr val="7030A0"/>
+                </a:solidFill>
+              </a:rPr>
+              <a:t>705</a:t>
+            </a:r>
+          </a:p>
+        </p:txBody>
+      </p:sp>
     </p:spTree>
     <p:extLst>
       <p:ext uri="{BB962C8B-B14F-4D97-AF65-F5344CB8AC3E}">
-        <p14:creationId xmlns:p14="http://schemas.microsoft.com/office/powerpoint/2010/main" val="2423873346"/>
+        <p14:creationId xmlns:p14="http://schemas.microsoft.com/office/powerpoint/2010/main" val="2708643473"/>
       </p:ext>
     </p:extLst>
   </p:cSld>
@@ -15812,6 +17406,5188 @@
     <p:extLst>
       <p:ext uri="{BB962C8B-B14F-4D97-AF65-F5344CB8AC3E}">
         <p14:creationId xmlns:p14="http://schemas.microsoft.com/office/powerpoint/2010/main" val="3285652926"/>
+      </p:ext>
+    </p:extLst>
+  </p:cSld>
+  <p:clrMapOvr>
+    <a:masterClrMapping/>
+  </p:clrMapOvr>
+</p:sld>
+</file>
+
+<file path=ppt/slides/slide4.xml><?xml version="1.0" encoding="utf-8"?>
+<p:sld xmlns:a="http://schemas.openxmlformats.org/drawingml/2006/main" xmlns:r="http://schemas.openxmlformats.org/officeDocument/2006/relationships" xmlns:p="http://schemas.openxmlformats.org/presentationml/2006/main">
+  <p:cSld>
+    <p:spTree>
+      <p:nvGrpSpPr>
+        <p:cNvPr id="1" name=""/>
+        <p:cNvGrpSpPr/>
+        <p:nvPr/>
+      </p:nvGrpSpPr>
+      <p:grpSpPr>
+        <a:xfrm>
+          <a:off x="0" y="0"/>
+          <a:ext cx="0" cy="0"/>
+          <a:chOff x="0" y="0"/>
+          <a:chExt cx="0" cy="0"/>
+        </a:xfrm>
+      </p:grpSpPr>
+      <p:sp>
+        <p:nvSpPr>
+          <p:cNvPr id="4" name="Textfeld 3">
+            <a:extLst>
+              <a:ext uri="{FF2B5EF4-FFF2-40B4-BE49-F238E27FC236}">
+                <a16:creationId xmlns:a16="http://schemas.microsoft.com/office/drawing/2014/main" id="{FCB139EB-C6C1-A828-E28E-9C3D5B2EC5F6}"/>
+              </a:ext>
+            </a:extLst>
+          </p:cNvPr>
+          <p:cNvSpPr txBox="1"/>
+          <p:nvPr/>
+        </p:nvSpPr>
+        <p:spPr>
+          <a:xfrm>
+            <a:off x="1295400" y="1866900"/>
+            <a:ext cx="4085414" cy="369332"/>
+          </a:xfrm>
+          <a:prstGeom prst="rect">
+            <a:avLst/>
+          </a:prstGeom>
+          <a:noFill/>
+        </p:spPr>
+        <p:txBody>
+          <a:bodyPr wrap="none" rtlCol="0">
+            <a:spAutoFit/>
+          </a:bodyPr>
+          <a:lstStyle/>
+          <a:p>
+            <a:r>
+              <a:rPr lang="de-DE" b="1"/>
+              <a:t>Notes, Questions, etc. for future releases</a:t>
+            </a:r>
+          </a:p>
+        </p:txBody>
+      </p:sp>
+      <p:sp>
+        <p:nvSpPr>
+          <p:cNvPr id="5" name="Textfeld 4">
+            <a:extLst>
+              <a:ext uri="{FF2B5EF4-FFF2-40B4-BE49-F238E27FC236}">
+                <a16:creationId xmlns:a16="http://schemas.microsoft.com/office/drawing/2014/main" id="{8C9282B5-2DE6-6A7B-1558-B5A50A8D5273}"/>
+              </a:ext>
+            </a:extLst>
+          </p:cNvPr>
+          <p:cNvSpPr txBox="1"/>
+          <p:nvPr/>
+        </p:nvSpPr>
+        <p:spPr>
+          <a:xfrm>
+            <a:off x="1351104" y="2401757"/>
+            <a:ext cx="8059420" cy="4524315"/>
+          </a:xfrm>
+          <a:prstGeom prst="rect">
+            <a:avLst/>
+          </a:prstGeom>
+          <a:noFill/>
+        </p:spPr>
+        <p:txBody>
+          <a:bodyPr wrap="square" rtlCol="0">
+            <a:spAutoFit/>
+          </a:bodyPr>
+          <a:lstStyle/>
+          <a:p>
+            <a:r>
+              <a:rPr lang="de-DE" b="1"/>
+              <a:t>Reconciliation module needed:</a:t>
+            </a:r>
+          </a:p>
+          <a:p>
+            <a:pPr marL="285750" indent="-285750">
+              <a:buFont typeface="Arial" panose="020B0604020202020204" pitchFamily="34" charset="0"/>
+              <a:buChar char="•"/>
+            </a:pPr>
+            <a:r>
+              <a:rPr lang="de-DE"/>
+              <a:t>staticList &amp; basicPowerStatus table are not synchronized</a:t>
+            </a:r>
+          </a:p>
+          <a:p>
+            <a:pPr marL="285750" indent="-285750">
+              <a:buFont typeface="Arial" panose="020B0604020202020204" pitchFamily="34" charset="0"/>
+              <a:buChar char="•"/>
+            </a:pPr>
+            <a:r>
+              <a:rPr lang="de-DE"/>
+              <a:t>There‘s a cleanup procedure to remove links from BPS if a link is not seen in staticList anymore, but, only if the link was not in power saving mode</a:t>
+            </a:r>
+          </a:p>
+          <a:p>
+            <a:pPr marL="285750" indent="-285750">
+              <a:buFont typeface="Arial" panose="020B0604020202020204" pitchFamily="34" charset="0"/>
+              <a:buChar char="•"/>
+            </a:pPr>
+            <a:r>
+              <a:rPr lang="de-DE"/>
+              <a:t>If links (or automations) are removed from staticList, it‘s tried to rollback, BUT this could fail (e.g. if persistentDeactivation queue is purged) and then the link would never get back into its original state</a:t>
+            </a:r>
+          </a:p>
+          <a:p>
+            <a:pPr marL="285750" indent="-285750">
+              <a:buFont typeface="Arial" panose="020B0604020202020204" pitchFamily="34" charset="0"/>
+              <a:buChar char="•"/>
+            </a:pPr>
+            <a:r>
+              <a:rPr lang="de-DE"/>
+              <a:t>There needs to be a reconcilation module (could be part of link group related automation module), which periodically tries to bring back affected links into their original status (i.e. try to turn power saving off)</a:t>
+            </a:r>
+          </a:p>
+          <a:p>
+            <a:pPr marL="742950" lvl="1" indent="-285750">
+              <a:buFont typeface="Arial" panose="020B0604020202020204" pitchFamily="34" charset="0"/>
+              <a:buChar char="•"/>
+            </a:pPr>
+            <a:r>
+              <a:rPr lang="de-DE"/>
+              <a:t>There may be different intervals for different purposes; e.g. if just an automation is removed, we would like to see the rollback as soon as possible; if there‘s a link marked for „Abbau“ and it suddenly goes missing, we might not need to rollback, but just check, if it is even available anymore and if not remove it; therefore we might need planning data, etc. (the time period can be bigger)</a:t>
+            </a:r>
+          </a:p>
+        </p:txBody>
+      </p:sp>
+    </p:spTree>
+    <p:extLst>
+      <p:ext uri="{BB962C8B-B14F-4D97-AF65-F5344CB8AC3E}">
+        <p14:creationId xmlns:p14="http://schemas.microsoft.com/office/powerpoint/2010/main" val="3418233448"/>
+      </p:ext>
+    </p:extLst>
+  </p:cSld>
+  <p:clrMapOvr>
+    <a:masterClrMapping/>
+  </p:clrMapOvr>
+</p:sld>
+</file>
+
+<file path=ppt/slides/slide5.xml><?xml version="1.0" encoding="utf-8"?>
+<p:sld xmlns:a="http://schemas.openxmlformats.org/drawingml/2006/main" xmlns:r="http://schemas.openxmlformats.org/officeDocument/2006/relationships" xmlns:p="http://schemas.openxmlformats.org/presentationml/2006/main">
+  <p:cSld>
+    <p:bg>
+      <p:bgPr>
+        <a:solidFill>
+          <a:schemeClr val="tx1"/>
+        </a:solidFill>
+        <a:effectLst/>
+      </p:bgPr>
+    </p:bg>
+    <p:spTree>
+      <p:nvGrpSpPr>
+        <p:cNvPr id="1" name=""/>
+        <p:cNvGrpSpPr/>
+        <p:nvPr/>
+      </p:nvGrpSpPr>
+      <p:grpSpPr>
+        <a:xfrm>
+          <a:off x="0" y="0"/>
+          <a:ext cx="0" cy="0"/>
+          <a:chOff x="0" y="0"/>
+          <a:chExt cx="0" cy="0"/>
+        </a:xfrm>
+      </p:grpSpPr>
+    </p:spTree>
+    <p:extLst>
+      <p:ext uri="{BB962C8B-B14F-4D97-AF65-F5344CB8AC3E}">
+        <p14:creationId xmlns:p14="http://schemas.microsoft.com/office/powerpoint/2010/main" val="2447299132"/>
+      </p:ext>
+    </p:extLst>
+  </p:cSld>
+  <p:clrMapOvr>
+    <a:masterClrMapping/>
+  </p:clrMapOvr>
+</p:sld>
+</file>
+
+<file path=ppt/slides/slide6.xml><?xml version="1.0" encoding="utf-8"?>
+<p:sld xmlns:a="http://schemas.openxmlformats.org/drawingml/2006/main" xmlns:r="http://schemas.openxmlformats.org/officeDocument/2006/relationships" xmlns:p="http://schemas.openxmlformats.org/presentationml/2006/main">
+  <p:cSld>
+    <p:spTree>
+      <p:nvGrpSpPr>
+        <p:cNvPr id="1" name=""/>
+        <p:cNvGrpSpPr/>
+        <p:nvPr/>
+      </p:nvGrpSpPr>
+      <p:grpSpPr>
+        <a:xfrm>
+          <a:off x="0" y="0"/>
+          <a:ext cx="0" cy="0"/>
+          <a:chOff x="0" y="0"/>
+          <a:chExt cx="0" cy="0"/>
+        </a:xfrm>
+      </p:grpSpPr>
+      <p:sp>
+        <p:nvSpPr>
+          <p:cNvPr id="98" name="Rechteck: abgerundete Ecken 97">
+            <a:extLst>
+              <a:ext uri="{FF2B5EF4-FFF2-40B4-BE49-F238E27FC236}">
+                <a16:creationId xmlns:a16="http://schemas.microsoft.com/office/drawing/2014/main" id="{0999812A-356B-7BB2-7BBC-970F7D490A7C}"/>
+              </a:ext>
+            </a:extLst>
+          </p:cNvPr>
+          <p:cNvSpPr/>
+          <p:nvPr/>
+        </p:nvSpPr>
+        <p:spPr>
+          <a:xfrm>
+            <a:off x="14439358" y="6153383"/>
+            <a:ext cx="3056604" cy="1714904"/>
+          </a:xfrm>
+          <a:prstGeom prst="roundRect">
+            <a:avLst>
+              <a:gd name="adj" fmla="val 1868"/>
+            </a:avLst>
+          </a:prstGeom>
+          <a:solidFill>
+            <a:srgbClr val="FFEBEB"/>
+          </a:solidFill>
+          <a:ln w="3175">
+            <a:solidFill>
+              <a:schemeClr val="tx1">
+                <a:lumMod val="50000"/>
+                <a:lumOff val="50000"/>
+              </a:schemeClr>
+            </a:solidFill>
+          </a:ln>
+        </p:spPr>
+        <p:style>
+          <a:lnRef idx="2">
+            <a:schemeClr val="accent1">
+              <a:shade val="50000"/>
+            </a:schemeClr>
+          </a:lnRef>
+          <a:fillRef idx="1">
+            <a:schemeClr val="accent1"/>
+          </a:fillRef>
+          <a:effectRef idx="0">
+            <a:schemeClr val="accent1"/>
+          </a:effectRef>
+          <a:fontRef idx="minor">
+            <a:schemeClr val="lt1"/>
+          </a:fontRef>
+        </p:style>
+        <p:txBody>
+          <a:bodyPr rtlCol="0" anchor="ctr"/>
+          <a:lstStyle/>
+          <a:p>
+            <a:pPr algn="ctr"/>
+            <a:endParaRPr lang="de-DE" sz="900">
+              <a:solidFill>
+                <a:schemeClr val="tx1"/>
+              </a:solidFill>
+            </a:endParaRPr>
+          </a:p>
+        </p:txBody>
+      </p:sp>
+      <p:sp>
+        <p:nvSpPr>
+          <p:cNvPr id="99" name="Textfeld 98">
+            <a:extLst>
+              <a:ext uri="{FF2B5EF4-FFF2-40B4-BE49-F238E27FC236}">
+                <a16:creationId xmlns:a16="http://schemas.microsoft.com/office/drawing/2014/main" id="{8F04C3DD-E92D-A5BE-ECC7-A5FFEA98468A}"/>
+              </a:ext>
+            </a:extLst>
+          </p:cNvPr>
+          <p:cNvSpPr txBox="1"/>
+          <p:nvPr/>
+        </p:nvSpPr>
+        <p:spPr>
+          <a:xfrm>
+            <a:off x="14439205" y="6174918"/>
+            <a:ext cx="3177522" cy="261610"/>
+          </a:xfrm>
+          <a:prstGeom prst="rect">
+            <a:avLst/>
+          </a:prstGeom>
+          <a:noFill/>
+        </p:spPr>
+        <p:txBody>
+          <a:bodyPr wrap="square" rtlCol="0">
+            <a:spAutoFit/>
+          </a:bodyPr>
+          <a:lstStyle/>
+          <a:p>
+            <a:r>
+              <a:rPr lang="de-DE" sz="1100" b="1" i="1">
+                <a:latin typeface="Consolas" panose="020B0609020204030204" pitchFamily="49" charset="0"/>
+              </a:rPr>
+              <a:t>Link analysis</a:t>
+            </a:r>
+          </a:p>
+        </p:txBody>
+      </p:sp>
+      <p:sp>
+        <p:nvSpPr>
+          <p:cNvPr id="71" name="Rechteck: abgerundete Ecken 70">
+            <a:extLst>
+              <a:ext uri="{FF2B5EF4-FFF2-40B4-BE49-F238E27FC236}">
+                <a16:creationId xmlns:a16="http://schemas.microsoft.com/office/drawing/2014/main" id="{30812037-23C3-C634-6976-7710BD4F8803}"/>
+              </a:ext>
+            </a:extLst>
+          </p:cNvPr>
+          <p:cNvSpPr/>
+          <p:nvPr/>
+        </p:nvSpPr>
+        <p:spPr>
+          <a:xfrm>
+            <a:off x="10760610" y="6170216"/>
+            <a:ext cx="3532155" cy="2904250"/>
+          </a:xfrm>
+          <a:prstGeom prst="roundRect">
+            <a:avLst>
+              <a:gd name="adj" fmla="val 1868"/>
+            </a:avLst>
+          </a:prstGeom>
+          <a:solidFill>
+            <a:srgbClr val="F2EBFF"/>
+          </a:solidFill>
+          <a:ln w="3175">
+            <a:solidFill>
+              <a:schemeClr val="tx1">
+                <a:lumMod val="50000"/>
+                <a:lumOff val="50000"/>
+              </a:schemeClr>
+            </a:solidFill>
+          </a:ln>
+        </p:spPr>
+        <p:style>
+          <a:lnRef idx="2">
+            <a:schemeClr val="accent1">
+              <a:shade val="50000"/>
+            </a:schemeClr>
+          </a:lnRef>
+          <a:fillRef idx="1">
+            <a:schemeClr val="accent1"/>
+          </a:fillRef>
+          <a:effectRef idx="0">
+            <a:schemeClr val="accent1"/>
+          </a:effectRef>
+          <a:fontRef idx="minor">
+            <a:schemeClr val="lt1"/>
+          </a:fontRef>
+        </p:style>
+        <p:txBody>
+          <a:bodyPr rtlCol="0" anchor="ctr"/>
+          <a:lstStyle/>
+          <a:p>
+            <a:pPr algn="ctr"/>
+            <a:endParaRPr lang="de-DE" sz="900">
+              <a:solidFill>
+                <a:schemeClr val="tx1"/>
+              </a:solidFill>
+            </a:endParaRPr>
+          </a:p>
+        </p:txBody>
+      </p:sp>
+      <p:sp>
+        <p:nvSpPr>
+          <p:cNvPr id="34" name="Rechteck: abgerundete Ecken 33">
+            <a:extLst>
+              <a:ext uri="{FF2B5EF4-FFF2-40B4-BE49-F238E27FC236}">
+                <a16:creationId xmlns:a16="http://schemas.microsoft.com/office/drawing/2014/main" id="{4ECFBE1A-0DB4-2C42-5DF9-FB578B874734}"/>
+              </a:ext>
+            </a:extLst>
+          </p:cNvPr>
+          <p:cNvSpPr/>
+          <p:nvPr/>
+        </p:nvSpPr>
+        <p:spPr>
+          <a:xfrm>
+            <a:off x="6267886" y="6198225"/>
+            <a:ext cx="4381246" cy="2841005"/>
+          </a:xfrm>
+          <a:prstGeom prst="roundRect">
+            <a:avLst>
+              <a:gd name="adj" fmla="val 1868"/>
+            </a:avLst>
+          </a:prstGeom>
+          <a:solidFill>
+            <a:srgbClr val="FFF6DD"/>
+          </a:solidFill>
+          <a:ln w="3175">
+            <a:solidFill>
+              <a:schemeClr val="tx1">
+                <a:lumMod val="50000"/>
+                <a:lumOff val="50000"/>
+              </a:schemeClr>
+            </a:solidFill>
+          </a:ln>
+        </p:spPr>
+        <p:style>
+          <a:lnRef idx="2">
+            <a:schemeClr val="accent1">
+              <a:shade val="50000"/>
+            </a:schemeClr>
+          </a:lnRef>
+          <a:fillRef idx="1">
+            <a:schemeClr val="accent1"/>
+          </a:fillRef>
+          <a:effectRef idx="0">
+            <a:schemeClr val="accent1"/>
+          </a:effectRef>
+          <a:fontRef idx="minor">
+            <a:schemeClr val="lt1"/>
+          </a:fontRef>
+        </p:style>
+        <p:txBody>
+          <a:bodyPr rtlCol="0" anchor="ctr"/>
+          <a:lstStyle/>
+          <a:p>
+            <a:pPr algn="ctr"/>
+            <a:endParaRPr lang="de-DE" sz="900">
+              <a:solidFill>
+                <a:schemeClr val="tx1"/>
+              </a:solidFill>
+            </a:endParaRPr>
+          </a:p>
+        </p:txBody>
+      </p:sp>
+      <p:sp>
+        <p:nvSpPr>
+          <p:cNvPr id="4" name="Rechteck: abgerundete Ecken 3">
+            <a:extLst>
+              <a:ext uri="{FF2B5EF4-FFF2-40B4-BE49-F238E27FC236}">
+                <a16:creationId xmlns:a16="http://schemas.microsoft.com/office/drawing/2014/main" id="{80D090B2-52A8-B88E-9DED-D6C3B5BBC578}"/>
+              </a:ext>
+            </a:extLst>
+          </p:cNvPr>
+          <p:cNvSpPr/>
+          <p:nvPr/>
+        </p:nvSpPr>
+        <p:spPr>
+          <a:xfrm>
+            <a:off x="3772805" y="3536239"/>
+            <a:ext cx="6849343" cy="2611859"/>
+          </a:xfrm>
+          <a:prstGeom prst="roundRect">
+            <a:avLst>
+              <a:gd name="adj" fmla="val 1868"/>
+            </a:avLst>
+          </a:prstGeom>
+          <a:solidFill>
+            <a:schemeClr val="accent1">
+              <a:lumMod val="20000"/>
+              <a:lumOff val="80000"/>
+            </a:schemeClr>
+          </a:solidFill>
+          <a:ln w="3175">
+            <a:solidFill>
+              <a:schemeClr val="tx1">
+                <a:lumMod val="50000"/>
+                <a:lumOff val="50000"/>
+              </a:schemeClr>
+            </a:solidFill>
+          </a:ln>
+        </p:spPr>
+        <p:style>
+          <a:lnRef idx="2">
+            <a:schemeClr val="accent1">
+              <a:shade val="50000"/>
+            </a:schemeClr>
+          </a:lnRef>
+          <a:fillRef idx="1">
+            <a:schemeClr val="accent1"/>
+          </a:fillRef>
+          <a:effectRef idx="0">
+            <a:schemeClr val="accent1"/>
+          </a:effectRef>
+          <a:fontRef idx="minor">
+            <a:schemeClr val="lt1"/>
+          </a:fontRef>
+        </p:style>
+        <p:txBody>
+          <a:bodyPr rtlCol="0" anchor="ctr"/>
+          <a:lstStyle/>
+          <a:p>
+            <a:pPr algn="ctr"/>
+            <a:endParaRPr lang="de-DE" sz="900">
+              <a:solidFill>
+                <a:schemeClr val="tx1"/>
+              </a:solidFill>
+            </a:endParaRPr>
+          </a:p>
+        </p:txBody>
+      </p:sp>
+      <p:sp>
+        <p:nvSpPr>
+          <p:cNvPr id="5" name="Rechteck: abgerundete Ecken 4">
+            <a:extLst>
+              <a:ext uri="{FF2B5EF4-FFF2-40B4-BE49-F238E27FC236}">
+                <a16:creationId xmlns:a16="http://schemas.microsoft.com/office/drawing/2014/main" id="{997B73EA-8C26-134A-5530-2AD5374E8076}"/>
+              </a:ext>
+            </a:extLst>
+          </p:cNvPr>
+          <p:cNvSpPr/>
+          <p:nvPr/>
+        </p:nvSpPr>
+        <p:spPr>
+          <a:xfrm>
+            <a:off x="3920172" y="3942608"/>
+            <a:ext cx="2029034" cy="240280"/>
+          </a:xfrm>
+          <a:prstGeom prst="roundRect">
+            <a:avLst/>
+          </a:prstGeom>
+          <a:solidFill>
+            <a:schemeClr val="accent5">
+              <a:lumMod val="50000"/>
+            </a:schemeClr>
+          </a:solidFill>
+          <a:ln w="3175">
+            <a:solidFill>
+              <a:schemeClr val="tx1">
+                <a:lumMod val="85000"/>
+                <a:lumOff val="15000"/>
+              </a:schemeClr>
+            </a:solidFill>
+          </a:ln>
+        </p:spPr>
+        <p:style>
+          <a:lnRef idx="2">
+            <a:schemeClr val="accent1">
+              <a:shade val="50000"/>
+            </a:schemeClr>
+          </a:lnRef>
+          <a:fillRef idx="1">
+            <a:schemeClr val="accent1"/>
+          </a:fillRef>
+          <a:effectRef idx="0">
+            <a:schemeClr val="accent1"/>
+          </a:effectRef>
+          <a:fontRef idx="minor">
+            <a:schemeClr val="lt1"/>
+          </a:fontRef>
+        </p:style>
+        <p:txBody>
+          <a:bodyPr rtlCol="0" anchor="ctr"/>
+          <a:lstStyle/>
+          <a:p>
+            <a:pPr algn="ctr"/>
+            <a:r>
+              <a:rPr lang="de-DE" sz="1000"/>
+              <a:t>StaticListAutomationManagement</a:t>
+            </a:r>
+          </a:p>
+        </p:txBody>
+      </p:sp>
+      <p:pic>
+        <p:nvPicPr>
+          <p:cNvPr id="8" name="Grafik 7" descr="Liste mit einfarbiger Füllung">
+            <a:extLst>
+              <a:ext uri="{FF2B5EF4-FFF2-40B4-BE49-F238E27FC236}">
+                <a16:creationId xmlns:a16="http://schemas.microsoft.com/office/drawing/2014/main" id="{26B61A38-E64B-4453-9EE6-722E583638EB}"/>
+              </a:ext>
+            </a:extLst>
+          </p:cNvPr>
+          <p:cNvPicPr>
+            <a:picLocks noChangeAspect="1"/>
+          </p:cNvPicPr>
+          <p:nvPr/>
+        </p:nvPicPr>
+        <p:blipFill>
+          <a:blip r:embed="rId3">
+            <a:extLst>
+              <a:ext uri="{28A0092B-C50C-407E-A947-70E740481C1C}">
+                <a14:useLocalDpi xmlns:a14="http://schemas.microsoft.com/office/drawing/2010/main" val="0"/>
+              </a:ext>
+              <a:ext uri="{96DAC541-7B7A-43D3-8B79-37D633B846F1}">
+                <asvg:svgBlip xmlns:asvg="http://schemas.microsoft.com/office/drawing/2016/SVG/main" r:embed="rId4"/>
+              </a:ext>
+            </a:extLst>
+          </a:blip>
+          <a:stretch>
+            <a:fillRect/>
+          </a:stretch>
+        </p:blipFill>
+        <p:spPr>
+          <a:xfrm>
+            <a:off x="6369655" y="3920160"/>
+            <a:ext cx="268091" cy="268091"/>
+          </a:xfrm>
+          <a:prstGeom prst="rect">
+            <a:avLst/>
+          </a:prstGeom>
+        </p:spPr>
+      </p:pic>
+      <p:cxnSp>
+        <p:nvCxnSpPr>
+          <p:cNvPr id="10" name="Gerade Verbindung mit Pfeil 9">
+            <a:extLst>
+              <a:ext uri="{FF2B5EF4-FFF2-40B4-BE49-F238E27FC236}">
+                <a16:creationId xmlns:a16="http://schemas.microsoft.com/office/drawing/2014/main" id="{CEA3A790-BCF4-941C-E5AA-0E50A8B68B1D}"/>
+              </a:ext>
+            </a:extLst>
+          </p:cNvPr>
+          <p:cNvCxnSpPr>
+            <a:cxnSpLocks/>
+          </p:cNvCxnSpPr>
+          <p:nvPr/>
+        </p:nvCxnSpPr>
+        <p:spPr>
+          <a:xfrm>
+            <a:off x="5949206" y="4054201"/>
+            <a:ext cx="420444" cy="0"/>
+          </a:xfrm>
+          <a:prstGeom prst="straightConnector1">
+            <a:avLst/>
+          </a:prstGeom>
+          <a:ln>
+            <a:solidFill>
+              <a:schemeClr val="tx1">
+                <a:lumMod val="65000"/>
+                <a:lumOff val="35000"/>
+              </a:schemeClr>
+            </a:solidFill>
+            <a:tailEnd type="triangle"/>
+          </a:ln>
+        </p:spPr>
+        <p:style>
+          <a:lnRef idx="1">
+            <a:schemeClr val="accent1"/>
+          </a:lnRef>
+          <a:fillRef idx="0">
+            <a:schemeClr val="accent1"/>
+          </a:fillRef>
+          <a:effectRef idx="0">
+            <a:schemeClr val="accent1"/>
+          </a:effectRef>
+          <a:fontRef idx="minor">
+            <a:schemeClr val="tx1"/>
+          </a:fontRef>
+        </p:style>
+      </p:cxnSp>
+      <p:cxnSp>
+        <p:nvCxnSpPr>
+          <p:cNvPr id="12" name="Gerade Verbindung mit Pfeil 11">
+            <a:extLst>
+              <a:ext uri="{FF2B5EF4-FFF2-40B4-BE49-F238E27FC236}">
+                <a16:creationId xmlns:a16="http://schemas.microsoft.com/office/drawing/2014/main" id="{C7C7FF90-CCFB-7544-99F9-C732DF67A01F}"/>
+              </a:ext>
+            </a:extLst>
+          </p:cNvPr>
+          <p:cNvCxnSpPr>
+            <a:cxnSpLocks/>
+          </p:cNvCxnSpPr>
+          <p:nvPr/>
+        </p:nvCxnSpPr>
+        <p:spPr>
+          <a:xfrm flipH="1">
+            <a:off x="5949206" y="4120945"/>
+            <a:ext cx="420444" cy="0"/>
+          </a:xfrm>
+          <a:prstGeom prst="straightConnector1">
+            <a:avLst/>
+          </a:prstGeom>
+          <a:ln>
+            <a:solidFill>
+              <a:schemeClr val="tx1">
+                <a:lumMod val="65000"/>
+                <a:lumOff val="35000"/>
+              </a:schemeClr>
+            </a:solidFill>
+            <a:tailEnd type="triangle"/>
+          </a:ln>
+        </p:spPr>
+        <p:style>
+          <a:lnRef idx="1">
+            <a:schemeClr val="accent1"/>
+          </a:lnRef>
+          <a:fillRef idx="0">
+            <a:schemeClr val="accent1"/>
+          </a:fillRef>
+          <a:effectRef idx="0">
+            <a:schemeClr val="accent1"/>
+          </a:effectRef>
+          <a:fontRef idx="minor">
+            <a:schemeClr val="tx1"/>
+          </a:fontRef>
+        </p:style>
+      </p:cxnSp>
+      <p:sp>
+        <p:nvSpPr>
+          <p:cNvPr id="14" name="Textfeld 13">
+            <a:extLst>
+              <a:ext uri="{FF2B5EF4-FFF2-40B4-BE49-F238E27FC236}">
+                <a16:creationId xmlns:a16="http://schemas.microsoft.com/office/drawing/2014/main" id="{58D77ED1-3D66-C377-D257-5C3AD73EF90C}"/>
+              </a:ext>
+            </a:extLst>
+          </p:cNvPr>
+          <p:cNvSpPr txBox="1"/>
+          <p:nvPr/>
+        </p:nvSpPr>
+        <p:spPr>
+          <a:xfrm>
+            <a:off x="3920175" y="4188199"/>
+            <a:ext cx="2829497" cy="1692771"/>
+          </a:xfrm>
+          <a:prstGeom prst="rect">
+            <a:avLst/>
+          </a:prstGeom>
+          <a:solidFill>
+            <a:schemeClr val="bg1"/>
+          </a:solidFill>
+          <a:ln>
+            <a:solidFill>
+              <a:schemeClr val="tx1">
+                <a:lumMod val="65000"/>
+                <a:lumOff val="35000"/>
+              </a:schemeClr>
+            </a:solidFill>
+          </a:ln>
+        </p:spPr>
+        <p:txBody>
+          <a:bodyPr wrap="square" rtlCol="0">
+            <a:spAutoFit/>
+          </a:bodyPr>
+          <a:lstStyle>
+            <a:defPPr>
+              <a:defRPr lang="en-US"/>
+            </a:defPPr>
+            <a:lvl1pPr marL="171450" indent="-171450">
+              <a:buFont typeface="Arial" panose="020B0604020202020204" pitchFamily="34" charset="0"/>
+              <a:buChar char="•"/>
+              <a:defRPr sz="800"/>
+            </a:lvl1pPr>
+          </a:lstStyle>
+          <a:p>
+            <a:pPr marL="0" indent="0">
+              <a:buNone/>
+            </a:pPr>
+            <a:r>
+              <a:rPr lang="de-DE"/>
+              <a:t>addLinksToStaticList(linkIdList)</a:t>
+            </a:r>
+          </a:p>
+          <a:p>
+            <a:pPr marL="0" indent="0">
+              <a:buNone/>
+            </a:pPr>
+            <a:r>
+              <a:rPr lang="de-DE"/>
+              <a:t>assignAutomationToLinks(automationName,linkIdList)</a:t>
+            </a:r>
+          </a:p>
+          <a:p>
+            <a:pPr marL="0" indent="0">
+              <a:buNone/>
+            </a:pPr>
+            <a:r>
+              <a:rPr lang="de-DE"/>
+              <a:t>--------------------</a:t>
+            </a:r>
+          </a:p>
+          <a:p>
+            <a:pPr marL="0" indent="0">
+              <a:buNone/>
+            </a:pPr>
+            <a:r>
+              <a:rPr lang="de-DE"/>
+              <a:t>removeLinksFromStaticList(linkIdList)</a:t>
+            </a:r>
+          </a:p>
+          <a:p>
+            <a:pPr marL="0" indent="0">
+              <a:buNone/>
+            </a:pPr>
+            <a:r>
+              <a:rPr lang="de-DE"/>
+              <a:t>unassignAutomationFromLinks(automationName,linkIdList)</a:t>
+            </a:r>
+          </a:p>
+          <a:p>
+            <a:pPr marL="0" indent="0">
+              <a:buNone/>
+            </a:pPr>
+            <a:r>
+              <a:rPr lang="de-DE"/>
+              <a:t>unassignAllAutomationsFromLinks(linkIdList)</a:t>
+            </a:r>
+          </a:p>
+          <a:p>
+            <a:pPr marL="0" indent="0">
+              <a:buNone/>
+            </a:pPr>
+            <a:r>
+              <a:rPr lang="de-DE"/>
+              <a:t>unassignAutomationFromAllLinks(automationName)</a:t>
+            </a:r>
+          </a:p>
+          <a:p>
+            <a:pPr marL="0" indent="0">
+              <a:buNone/>
+            </a:pPr>
+            <a:r>
+              <a:rPr lang="de-DE"/>
+              <a:t>-------------------</a:t>
+            </a:r>
+          </a:p>
+          <a:p>
+            <a:pPr marL="0" indent="0">
+              <a:buNone/>
+            </a:pPr>
+            <a:r>
+              <a:rPr lang="de-DE"/>
+              <a:t>listLinks(optional: linkIdList)</a:t>
+            </a:r>
+          </a:p>
+          <a:p>
+            <a:pPr marL="0" indent="0">
+              <a:buNone/>
+            </a:pPr>
+            <a:r>
+              <a:rPr lang="de-DE"/>
+              <a:t>listAutomationNames()</a:t>
+            </a:r>
+          </a:p>
+          <a:p>
+            <a:pPr marL="0" indent="0">
+              <a:buNone/>
+            </a:pPr>
+            <a:r>
+              <a:rPr lang="de-DE"/>
+              <a:t>listAssignmentsForSpecificLink(linkId)</a:t>
+            </a:r>
+          </a:p>
+          <a:p>
+            <a:pPr marL="0" indent="0">
+              <a:buNone/>
+            </a:pPr>
+            <a:r>
+              <a:rPr lang="de-DE"/>
+              <a:t>listLinksWithSpecificNumberOfAssignments(number) </a:t>
+            </a:r>
+          </a:p>
+          <a:p>
+            <a:pPr marL="0" indent="0">
+              <a:buNone/>
+            </a:pPr>
+            <a:r>
+              <a:rPr lang="de-DE"/>
+              <a:t>listLinksWithSpecificAutomationAssigned(automationName)</a:t>
+            </a:r>
+          </a:p>
+        </p:txBody>
+      </p:sp>
+      <p:sp>
+        <p:nvSpPr>
+          <p:cNvPr id="15" name="Textfeld 14">
+            <a:extLst>
+              <a:ext uri="{FF2B5EF4-FFF2-40B4-BE49-F238E27FC236}">
+                <a16:creationId xmlns:a16="http://schemas.microsoft.com/office/drawing/2014/main" id="{58A609E8-2BC3-58A8-95F6-6786B0F3A728}"/>
+              </a:ext>
+            </a:extLst>
+          </p:cNvPr>
+          <p:cNvSpPr txBox="1"/>
+          <p:nvPr/>
+        </p:nvSpPr>
+        <p:spPr>
+          <a:xfrm>
+            <a:off x="3772806" y="3511172"/>
+            <a:ext cx="1800493" cy="261610"/>
+          </a:xfrm>
+          <a:prstGeom prst="rect">
+            <a:avLst/>
+          </a:prstGeom>
+          <a:noFill/>
+        </p:spPr>
+        <p:txBody>
+          <a:bodyPr wrap="none" rtlCol="0">
+            <a:spAutoFit/>
+          </a:bodyPr>
+          <a:lstStyle/>
+          <a:p>
+            <a:r>
+              <a:rPr lang="de-DE" sz="1100" b="1" i="1">
+                <a:latin typeface="Consolas" panose="020B0609020204030204" pitchFamily="49" charset="0"/>
+              </a:rPr>
+              <a:t>Automation Management</a:t>
+            </a:r>
+          </a:p>
+        </p:txBody>
+      </p:sp>
+      <p:sp>
+        <p:nvSpPr>
+          <p:cNvPr id="16" name="Rechteck: abgerundete Ecken 15">
+            <a:extLst>
+              <a:ext uri="{FF2B5EF4-FFF2-40B4-BE49-F238E27FC236}">
+                <a16:creationId xmlns:a16="http://schemas.microsoft.com/office/drawing/2014/main" id="{CF530D81-CF08-3589-2358-2B674695471E}"/>
+              </a:ext>
+            </a:extLst>
+          </p:cNvPr>
+          <p:cNvSpPr/>
+          <p:nvPr/>
+        </p:nvSpPr>
+        <p:spPr>
+          <a:xfrm>
+            <a:off x="7088188" y="5605656"/>
+            <a:ext cx="2633496" cy="261610"/>
+          </a:xfrm>
+          <a:prstGeom prst="roundRect">
+            <a:avLst>
+              <a:gd name="adj" fmla="val 22278"/>
+            </a:avLst>
+          </a:prstGeom>
+          <a:solidFill>
+            <a:schemeClr val="bg1">
+              <a:lumMod val="65000"/>
+            </a:schemeClr>
+          </a:solidFill>
+          <a:ln w="3175">
+            <a:solidFill>
+              <a:schemeClr val="tx1">
+                <a:lumMod val="85000"/>
+                <a:lumOff val="15000"/>
+              </a:schemeClr>
+            </a:solidFill>
+          </a:ln>
+        </p:spPr>
+        <p:style>
+          <a:lnRef idx="2">
+            <a:schemeClr val="accent1">
+              <a:shade val="50000"/>
+            </a:schemeClr>
+          </a:lnRef>
+          <a:fillRef idx="1">
+            <a:schemeClr val="accent1"/>
+          </a:fillRef>
+          <a:effectRef idx="0">
+            <a:schemeClr val="accent1"/>
+          </a:effectRef>
+          <a:fontRef idx="minor">
+            <a:schemeClr val="lt1"/>
+          </a:fontRef>
+        </p:style>
+        <p:txBody>
+          <a:bodyPr rtlCol="0" anchor="ctr"/>
+          <a:lstStyle/>
+          <a:p>
+            <a:pPr algn="ctr"/>
+            <a:r>
+              <a:rPr lang="de-DE" sz="1000"/>
+              <a:t>Visualization of Automation Management</a:t>
+            </a:r>
+          </a:p>
+        </p:txBody>
+      </p:sp>
+      <p:sp>
+        <p:nvSpPr>
+          <p:cNvPr id="24" name="Rechteck: abgerundete Ecken 23">
+            <a:extLst>
+              <a:ext uri="{FF2B5EF4-FFF2-40B4-BE49-F238E27FC236}">
+                <a16:creationId xmlns:a16="http://schemas.microsoft.com/office/drawing/2014/main" id="{9D4A9F8A-1343-749E-1ADE-4D56409EF4CB}"/>
+              </a:ext>
+            </a:extLst>
+          </p:cNvPr>
+          <p:cNvSpPr/>
+          <p:nvPr/>
+        </p:nvSpPr>
+        <p:spPr>
+          <a:xfrm>
+            <a:off x="3772807" y="6198223"/>
+            <a:ext cx="2424027" cy="2813290"/>
+          </a:xfrm>
+          <a:prstGeom prst="roundRect">
+            <a:avLst>
+              <a:gd name="adj" fmla="val 1868"/>
+            </a:avLst>
+          </a:prstGeom>
+          <a:solidFill>
+            <a:schemeClr val="accent4">
+              <a:lumMod val="20000"/>
+              <a:lumOff val="80000"/>
+            </a:schemeClr>
+          </a:solidFill>
+          <a:ln w="3175">
+            <a:solidFill>
+              <a:schemeClr val="tx1">
+                <a:lumMod val="50000"/>
+                <a:lumOff val="50000"/>
+              </a:schemeClr>
+            </a:solidFill>
+          </a:ln>
+        </p:spPr>
+        <p:style>
+          <a:lnRef idx="2">
+            <a:schemeClr val="accent1">
+              <a:shade val="50000"/>
+            </a:schemeClr>
+          </a:lnRef>
+          <a:fillRef idx="1">
+            <a:schemeClr val="accent1"/>
+          </a:fillRef>
+          <a:effectRef idx="0">
+            <a:schemeClr val="accent1"/>
+          </a:effectRef>
+          <a:fontRef idx="minor">
+            <a:schemeClr val="lt1"/>
+          </a:fontRef>
+        </p:style>
+        <p:txBody>
+          <a:bodyPr rtlCol="0" anchor="ctr"/>
+          <a:lstStyle/>
+          <a:p>
+            <a:pPr algn="ctr"/>
+            <a:endParaRPr lang="de-DE" sz="900">
+              <a:solidFill>
+                <a:schemeClr val="tx1"/>
+              </a:solidFill>
+            </a:endParaRPr>
+          </a:p>
+        </p:txBody>
+      </p:sp>
+      <p:sp>
+        <p:nvSpPr>
+          <p:cNvPr id="25" name="Textfeld 24">
+            <a:extLst>
+              <a:ext uri="{FF2B5EF4-FFF2-40B4-BE49-F238E27FC236}">
+                <a16:creationId xmlns:a16="http://schemas.microsoft.com/office/drawing/2014/main" id="{AFD44217-BE78-3D5E-FB92-64268358892B}"/>
+              </a:ext>
+            </a:extLst>
+          </p:cNvPr>
+          <p:cNvSpPr txBox="1"/>
+          <p:nvPr/>
+        </p:nvSpPr>
+        <p:spPr>
+          <a:xfrm>
+            <a:off x="3772803" y="6173158"/>
+            <a:ext cx="2416046" cy="261610"/>
+          </a:xfrm>
+          <a:prstGeom prst="rect">
+            <a:avLst/>
+          </a:prstGeom>
+          <a:noFill/>
+        </p:spPr>
+        <p:txBody>
+          <a:bodyPr wrap="none" rtlCol="0">
+            <a:spAutoFit/>
+          </a:bodyPr>
+          <a:lstStyle/>
+          <a:p>
+            <a:r>
+              <a:rPr lang="de-DE" sz="1100" b="1" i="1">
+                <a:latin typeface="Consolas" panose="020B0609020204030204" pitchFamily="49" charset="0"/>
+              </a:rPr>
+              <a:t>Link group related automation</a:t>
+            </a:r>
+          </a:p>
+        </p:txBody>
+      </p:sp>
+      <p:sp>
+        <p:nvSpPr>
+          <p:cNvPr id="26" name="Rechteck: abgerundete Ecken 25">
+            <a:extLst>
+              <a:ext uri="{FF2B5EF4-FFF2-40B4-BE49-F238E27FC236}">
+                <a16:creationId xmlns:a16="http://schemas.microsoft.com/office/drawing/2014/main" id="{9D7C8B1F-86C2-B51C-E4D9-7186CF21ED50}"/>
+              </a:ext>
+            </a:extLst>
+          </p:cNvPr>
+          <p:cNvSpPr/>
+          <p:nvPr/>
+        </p:nvSpPr>
+        <p:spPr>
+          <a:xfrm>
+            <a:off x="3879523" y="6599286"/>
+            <a:ext cx="2033667" cy="240280"/>
+          </a:xfrm>
+          <a:prstGeom prst="roundRect">
+            <a:avLst/>
+          </a:prstGeom>
+          <a:solidFill>
+            <a:schemeClr val="accent5">
+              <a:lumMod val="50000"/>
+            </a:schemeClr>
+          </a:solidFill>
+          <a:ln w="3175">
+            <a:solidFill>
+              <a:schemeClr val="tx1">
+                <a:lumMod val="85000"/>
+                <a:lumOff val="15000"/>
+              </a:schemeClr>
+            </a:solidFill>
+          </a:ln>
+        </p:spPr>
+        <p:style>
+          <a:lnRef idx="2">
+            <a:schemeClr val="accent1">
+              <a:shade val="50000"/>
+            </a:schemeClr>
+          </a:lnRef>
+          <a:fillRef idx="1">
+            <a:schemeClr val="accent1"/>
+          </a:fillRef>
+          <a:effectRef idx="0">
+            <a:schemeClr val="accent1"/>
+          </a:effectRef>
+          <a:fontRef idx="minor">
+            <a:schemeClr val="lt1"/>
+          </a:fontRef>
+        </p:style>
+        <p:txBody>
+          <a:bodyPr rtlCol="0" anchor="ctr"/>
+          <a:lstStyle/>
+          <a:p>
+            <a:pPr algn="ctr"/>
+            <a:r>
+              <a:rPr lang="de-DE" sz="1000"/>
+              <a:t>TimeBasedPowerSaving</a:t>
+            </a:r>
+          </a:p>
+        </p:txBody>
+      </p:sp>
+      <p:sp>
+        <p:nvSpPr>
+          <p:cNvPr id="27" name="Textfeld 26">
+            <a:extLst>
+              <a:ext uri="{FF2B5EF4-FFF2-40B4-BE49-F238E27FC236}">
+                <a16:creationId xmlns:a16="http://schemas.microsoft.com/office/drawing/2014/main" id="{5DFAE504-5EE9-6653-9034-04FDAE2BD477}"/>
+              </a:ext>
+            </a:extLst>
+          </p:cNvPr>
+          <p:cNvSpPr txBox="1"/>
+          <p:nvPr/>
+        </p:nvSpPr>
+        <p:spPr>
+          <a:xfrm>
+            <a:off x="3884153" y="6840687"/>
+            <a:ext cx="2029034" cy="1323439"/>
+          </a:xfrm>
+          <a:prstGeom prst="rect">
+            <a:avLst/>
+          </a:prstGeom>
+          <a:solidFill>
+            <a:schemeClr val="bg1"/>
+          </a:solidFill>
+          <a:ln>
+            <a:solidFill>
+              <a:schemeClr val="tx1">
+                <a:lumMod val="65000"/>
+                <a:lumOff val="35000"/>
+              </a:schemeClr>
+            </a:solidFill>
+          </a:ln>
+        </p:spPr>
+        <p:txBody>
+          <a:bodyPr wrap="square" rtlCol="0">
+            <a:spAutoFit/>
+          </a:bodyPr>
+          <a:lstStyle/>
+          <a:p>
+            <a:r>
+              <a:rPr lang="de-DE" sz="800"/>
+              <a:t>addStartTrigger(time)</a:t>
+            </a:r>
+          </a:p>
+          <a:p>
+            <a:r>
+              <a:rPr lang="de-DE" sz="800"/>
+              <a:t>addEndTrigger(time)</a:t>
+            </a:r>
+          </a:p>
+          <a:p>
+            <a:r>
+              <a:rPr lang="de-DE" sz="800"/>
+              <a:t>removeStartTrigger(time)</a:t>
+            </a:r>
+          </a:p>
+          <a:p>
+            <a:r>
+              <a:rPr lang="de-DE" sz="800"/>
+              <a:t>removeEndTrigger(time)</a:t>
+            </a:r>
+          </a:p>
+          <a:p>
+            <a:r>
+              <a:rPr lang="de-DE" sz="800"/>
+              <a:t>removeAllTriggers()</a:t>
+            </a:r>
+          </a:p>
+          <a:p>
+            <a:r>
+              <a:rPr lang="de-DE" sz="800"/>
+              <a:t>------------------</a:t>
+            </a:r>
+          </a:p>
+          <a:p>
+            <a:r>
+              <a:rPr lang="de-DE" sz="800"/>
+              <a:t>listAllTriggers()</a:t>
+            </a:r>
+          </a:p>
+          <a:p>
+            <a:r>
+              <a:rPr lang="de-DE" sz="800"/>
+              <a:t>------------------</a:t>
+            </a:r>
+          </a:p>
+          <a:p>
+            <a:r>
+              <a:rPr lang="de-DE" sz="800"/>
+              <a:t>startTimeBasedPowerSaving()</a:t>
+            </a:r>
+          </a:p>
+          <a:p>
+            <a:r>
+              <a:rPr lang="de-DE" sz="800"/>
+              <a:t>stopTimeBasedPowerSaving()</a:t>
+            </a:r>
+          </a:p>
+        </p:txBody>
+      </p:sp>
+      <p:sp>
+        <p:nvSpPr>
+          <p:cNvPr id="32" name="Rechteck: abgerundete Ecken 31">
+            <a:extLst>
+              <a:ext uri="{FF2B5EF4-FFF2-40B4-BE49-F238E27FC236}">
+                <a16:creationId xmlns:a16="http://schemas.microsoft.com/office/drawing/2014/main" id="{B647B858-4454-149F-B45F-8A30B1F5DE46}"/>
+              </a:ext>
+            </a:extLst>
+          </p:cNvPr>
+          <p:cNvSpPr/>
+          <p:nvPr/>
+        </p:nvSpPr>
+        <p:spPr>
+          <a:xfrm>
+            <a:off x="3772806" y="9091384"/>
+            <a:ext cx="3685895" cy="1180083"/>
+          </a:xfrm>
+          <a:prstGeom prst="roundRect">
+            <a:avLst>
+              <a:gd name="adj" fmla="val 7433"/>
+            </a:avLst>
+          </a:prstGeom>
+          <a:solidFill>
+            <a:srgbClr val="F2EBFF"/>
+          </a:solidFill>
+          <a:ln w="3175">
+            <a:solidFill>
+              <a:schemeClr val="tx1">
+                <a:lumMod val="50000"/>
+                <a:lumOff val="50000"/>
+              </a:schemeClr>
+            </a:solidFill>
+          </a:ln>
+        </p:spPr>
+        <p:style>
+          <a:lnRef idx="2">
+            <a:schemeClr val="accent1">
+              <a:shade val="50000"/>
+            </a:schemeClr>
+          </a:lnRef>
+          <a:fillRef idx="1">
+            <a:schemeClr val="accent1"/>
+          </a:fillRef>
+          <a:effectRef idx="0">
+            <a:schemeClr val="accent1"/>
+          </a:effectRef>
+          <a:fontRef idx="minor">
+            <a:schemeClr val="lt1"/>
+          </a:fontRef>
+        </p:style>
+        <p:txBody>
+          <a:bodyPr rtlCol="0" anchor="ctr"/>
+          <a:lstStyle/>
+          <a:p>
+            <a:pPr algn="ctr"/>
+            <a:endParaRPr lang="de-DE" sz="900">
+              <a:solidFill>
+                <a:schemeClr val="tx1"/>
+              </a:solidFill>
+            </a:endParaRPr>
+          </a:p>
+        </p:txBody>
+      </p:sp>
+      <p:sp>
+        <p:nvSpPr>
+          <p:cNvPr id="35" name="Textfeld 34">
+            <a:extLst>
+              <a:ext uri="{FF2B5EF4-FFF2-40B4-BE49-F238E27FC236}">
+                <a16:creationId xmlns:a16="http://schemas.microsoft.com/office/drawing/2014/main" id="{61E92769-B636-76D9-1AB6-2ECC3F898EA3}"/>
+              </a:ext>
+            </a:extLst>
+          </p:cNvPr>
+          <p:cNvSpPr txBox="1"/>
+          <p:nvPr/>
+        </p:nvSpPr>
+        <p:spPr>
+          <a:xfrm>
+            <a:off x="6300327" y="6173159"/>
+            <a:ext cx="3190431" cy="261610"/>
+          </a:xfrm>
+          <a:prstGeom prst="rect">
+            <a:avLst/>
+          </a:prstGeom>
+          <a:noFill/>
+        </p:spPr>
+        <p:txBody>
+          <a:bodyPr wrap="square" rtlCol="0">
+            <a:spAutoFit/>
+          </a:bodyPr>
+          <a:lstStyle/>
+          <a:p>
+            <a:r>
+              <a:rPr lang="de-DE" sz="1100" b="1" i="1">
+                <a:latin typeface="Consolas" panose="020B0609020204030204" pitchFamily="49" charset="0"/>
+              </a:rPr>
+              <a:t>Link group related switching operation</a:t>
+            </a:r>
+          </a:p>
+        </p:txBody>
+      </p:sp>
+      <p:sp>
+        <p:nvSpPr>
+          <p:cNvPr id="36" name="Rechteck: abgerundete Ecken 35">
+            <a:extLst>
+              <a:ext uri="{FF2B5EF4-FFF2-40B4-BE49-F238E27FC236}">
+                <a16:creationId xmlns:a16="http://schemas.microsoft.com/office/drawing/2014/main" id="{1F43F32C-51D8-7487-B73D-20C55C9D18D5}"/>
+              </a:ext>
+            </a:extLst>
+          </p:cNvPr>
+          <p:cNvSpPr/>
+          <p:nvPr/>
+        </p:nvSpPr>
+        <p:spPr>
+          <a:xfrm>
+            <a:off x="6312261" y="6799082"/>
+            <a:ext cx="3001162" cy="240280"/>
+          </a:xfrm>
+          <a:prstGeom prst="roundRect">
+            <a:avLst/>
+          </a:prstGeom>
+          <a:solidFill>
+            <a:schemeClr val="accent5">
+              <a:lumMod val="50000"/>
+            </a:schemeClr>
+          </a:solidFill>
+          <a:ln w="3175">
+            <a:solidFill>
+              <a:schemeClr val="tx1">
+                <a:lumMod val="85000"/>
+                <a:lumOff val="15000"/>
+              </a:schemeClr>
+            </a:solidFill>
+          </a:ln>
+        </p:spPr>
+        <p:style>
+          <a:lnRef idx="2">
+            <a:schemeClr val="accent1">
+              <a:shade val="50000"/>
+            </a:schemeClr>
+          </a:lnRef>
+          <a:fillRef idx="1">
+            <a:schemeClr val="accent1"/>
+          </a:fillRef>
+          <a:effectRef idx="0">
+            <a:schemeClr val="accent1"/>
+          </a:effectRef>
+          <a:fontRef idx="minor">
+            <a:schemeClr val="lt1"/>
+          </a:fontRef>
+        </p:style>
+        <p:txBody>
+          <a:bodyPr rtlCol="0" anchor="ctr"/>
+          <a:lstStyle/>
+          <a:p>
+            <a:pPr algn="ctr"/>
+            <a:r>
+              <a:rPr lang="de-DE" sz="1000"/>
+              <a:t>SimpleActivation</a:t>
+            </a:r>
+          </a:p>
+        </p:txBody>
+      </p:sp>
+      <p:sp>
+        <p:nvSpPr>
+          <p:cNvPr id="37" name="Rechteck: abgerundete Ecken 36">
+            <a:extLst>
+              <a:ext uri="{FF2B5EF4-FFF2-40B4-BE49-F238E27FC236}">
+                <a16:creationId xmlns:a16="http://schemas.microsoft.com/office/drawing/2014/main" id="{178C83D1-BD4F-716B-CE87-D19A99B81C4C}"/>
+              </a:ext>
+            </a:extLst>
+          </p:cNvPr>
+          <p:cNvSpPr/>
+          <p:nvPr/>
+        </p:nvSpPr>
+        <p:spPr>
+          <a:xfrm>
+            <a:off x="6313833" y="7997700"/>
+            <a:ext cx="3018856" cy="240280"/>
+          </a:xfrm>
+          <a:prstGeom prst="roundRect">
+            <a:avLst/>
+          </a:prstGeom>
+          <a:solidFill>
+            <a:schemeClr val="accent5">
+              <a:lumMod val="50000"/>
+            </a:schemeClr>
+          </a:solidFill>
+          <a:ln w="3175">
+            <a:solidFill>
+              <a:schemeClr val="tx1">
+                <a:lumMod val="85000"/>
+                <a:lumOff val="15000"/>
+              </a:schemeClr>
+            </a:solidFill>
+          </a:ln>
+        </p:spPr>
+        <p:style>
+          <a:lnRef idx="2">
+            <a:schemeClr val="accent1">
+              <a:shade val="50000"/>
+            </a:schemeClr>
+          </a:lnRef>
+          <a:fillRef idx="1">
+            <a:schemeClr val="accent1"/>
+          </a:fillRef>
+          <a:effectRef idx="0">
+            <a:schemeClr val="accent1"/>
+          </a:effectRef>
+          <a:fontRef idx="minor">
+            <a:schemeClr val="lt1"/>
+          </a:fontRef>
+        </p:style>
+        <p:txBody>
+          <a:bodyPr rtlCol="0" anchor="ctr"/>
+          <a:lstStyle/>
+          <a:p>
+            <a:pPr algn="ctr"/>
+            <a:r>
+              <a:rPr lang="de-DE" sz="1000"/>
+              <a:t>PersistentDeactivation</a:t>
+            </a:r>
+          </a:p>
+        </p:txBody>
+      </p:sp>
+      <p:sp>
+        <p:nvSpPr>
+          <p:cNvPr id="47" name="Textfeld 46">
+            <a:extLst>
+              <a:ext uri="{FF2B5EF4-FFF2-40B4-BE49-F238E27FC236}">
+                <a16:creationId xmlns:a16="http://schemas.microsoft.com/office/drawing/2014/main" id="{118A8051-6013-32B2-E5FA-777EAB99AF3F}"/>
+              </a:ext>
+            </a:extLst>
+          </p:cNvPr>
+          <p:cNvSpPr txBox="1"/>
+          <p:nvPr/>
+        </p:nvSpPr>
+        <p:spPr>
+          <a:xfrm>
+            <a:off x="6311431" y="7033509"/>
+            <a:ext cx="4310717" cy="461665"/>
+          </a:xfrm>
+          <a:prstGeom prst="rect">
+            <a:avLst/>
+          </a:prstGeom>
+          <a:solidFill>
+            <a:schemeClr val="bg1"/>
+          </a:solidFill>
+          <a:ln>
+            <a:solidFill>
+              <a:schemeClr val="tx1">
+                <a:lumMod val="65000"/>
+                <a:lumOff val="35000"/>
+              </a:schemeClr>
+            </a:solidFill>
+          </a:ln>
+        </p:spPr>
+        <p:txBody>
+          <a:bodyPr wrap="square" rtlCol="0">
+            <a:spAutoFit/>
+          </a:bodyPr>
+          <a:lstStyle/>
+          <a:p>
+            <a:r>
+              <a:rPr lang="de-DE" sz="800"/>
+              <a:t>addLinksToPowerSavingActivationQueue(linkIdList, automationName, switchingOperationName)</a:t>
+            </a:r>
+          </a:p>
+          <a:p>
+            <a:r>
+              <a:rPr lang="de-DE" sz="800"/>
+              <a:t>removeLinksFromPowerSavingActivationQueue(linkId, automationName)</a:t>
+            </a:r>
+          </a:p>
+          <a:p>
+            <a:r>
+              <a:rPr lang="de-DE" sz="800"/>
+              <a:t>purgePowerSavingActivationQueue()</a:t>
+            </a:r>
+          </a:p>
+        </p:txBody>
+      </p:sp>
+      <p:sp>
+        <p:nvSpPr>
+          <p:cNvPr id="61" name="Rechteck: abgerundete Ecken 60">
+            <a:extLst>
+              <a:ext uri="{FF2B5EF4-FFF2-40B4-BE49-F238E27FC236}">
+                <a16:creationId xmlns:a16="http://schemas.microsoft.com/office/drawing/2014/main" id="{FB691098-B92B-749F-A786-393262D55085}"/>
+              </a:ext>
+            </a:extLst>
+          </p:cNvPr>
+          <p:cNvSpPr/>
+          <p:nvPr/>
+        </p:nvSpPr>
+        <p:spPr>
+          <a:xfrm>
+            <a:off x="10902061" y="6779048"/>
+            <a:ext cx="2462183" cy="240280"/>
+          </a:xfrm>
+          <a:prstGeom prst="roundRect">
+            <a:avLst/>
+          </a:prstGeom>
+          <a:solidFill>
+            <a:schemeClr val="accent5">
+              <a:lumMod val="50000"/>
+            </a:schemeClr>
+          </a:solidFill>
+          <a:ln w="3175">
+            <a:solidFill>
+              <a:schemeClr val="tx1">
+                <a:lumMod val="85000"/>
+                <a:lumOff val="15000"/>
+              </a:schemeClr>
+            </a:solidFill>
+          </a:ln>
+        </p:spPr>
+        <p:style>
+          <a:lnRef idx="2">
+            <a:schemeClr val="accent1">
+              <a:shade val="50000"/>
+            </a:schemeClr>
+          </a:lnRef>
+          <a:fillRef idx="1">
+            <a:schemeClr val="accent1"/>
+          </a:fillRef>
+          <a:effectRef idx="0">
+            <a:schemeClr val="accent1"/>
+          </a:effectRef>
+          <a:fontRef idx="minor">
+            <a:schemeClr val="lt1"/>
+          </a:fontRef>
+        </p:style>
+        <p:txBody>
+          <a:bodyPr rtlCol="0" anchor="ctr"/>
+          <a:lstStyle/>
+          <a:p>
+            <a:pPr algn="ctr"/>
+            <a:r>
+              <a:rPr lang="de-DE" sz="1000"/>
+              <a:t>RedundantTransmittersOff</a:t>
+            </a:r>
+          </a:p>
+        </p:txBody>
+      </p:sp>
+      <p:sp>
+        <p:nvSpPr>
+          <p:cNvPr id="62" name="Rechteck: abgerundete Ecken 61">
+            <a:extLst>
+              <a:ext uri="{FF2B5EF4-FFF2-40B4-BE49-F238E27FC236}">
+                <a16:creationId xmlns:a16="http://schemas.microsoft.com/office/drawing/2014/main" id="{704A4399-50FC-C3D6-2333-F54C2364471B}"/>
+              </a:ext>
+            </a:extLst>
+          </p:cNvPr>
+          <p:cNvSpPr/>
+          <p:nvPr/>
+        </p:nvSpPr>
+        <p:spPr>
+          <a:xfrm>
+            <a:off x="10902062" y="7929234"/>
+            <a:ext cx="2488343" cy="240280"/>
+          </a:xfrm>
+          <a:prstGeom prst="roundRect">
+            <a:avLst/>
+          </a:prstGeom>
+          <a:solidFill>
+            <a:schemeClr val="accent5">
+              <a:lumMod val="50000"/>
+            </a:schemeClr>
+          </a:solidFill>
+          <a:ln w="3175">
+            <a:solidFill>
+              <a:schemeClr val="tx1">
+                <a:lumMod val="85000"/>
+                <a:lumOff val="15000"/>
+              </a:schemeClr>
+            </a:solidFill>
+          </a:ln>
+        </p:spPr>
+        <p:style>
+          <a:lnRef idx="2">
+            <a:schemeClr val="accent1">
+              <a:shade val="50000"/>
+            </a:schemeClr>
+          </a:lnRef>
+          <a:fillRef idx="1">
+            <a:schemeClr val="accent1"/>
+          </a:fillRef>
+          <a:effectRef idx="0">
+            <a:schemeClr val="accent1"/>
+          </a:effectRef>
+          <a:fontRef idx="minor">
+            <a:schemeClr val="lt1"/>
+          </a:fontRef>
+        </p:style>
+        <p:txBody>
+          <a:bodyPr rtlCol="0" anchor="ctr"/>
+          <a:lstStyle/>
+          <a:p>
+            <a:pPr algn="ctr"/>
+            <a:r>
+              <a:rPr lang="de-DE" sz="1000"/>
+              <a:t>AllTransmittersOn</a:t>
+            </a:r>
+          </a:p>
+        </p:txBody>
+      </p:sp>
+      <p:sp>
+        <p:nvSpPr>
+          <p:cNvPr id="70" name="Textfeld 69">
+            <a:extLst>
+              <a:ext uri="{FF2B5EF4-FFF2-40B4-BE49-F238E27FC236}">
+                <a16:creationId xmlns:a16="http://schemas.microsoft.com/office/drawing/2014/main" id="{6C16A144-FFC4-94A2-4B14-366E82EAB8E1}"/>
+              </a:ext>
+            </a:extLst>
+          </p:cNvPr>
+          <p:cNvSpPr txBox="1"/>
+          <p:nvPr/>
+        </p:nvSpPr>
+        <p:spPr>
+          <a:xfrm>
+            <a:off x="6313836" y="8239602"/>
+            <a:ext cx="3230091" cy="461665"/>
+          </a:xfrm>
+          <a:prstGeom prst="rect">
+            <a:avLst/>
+          </a:prstGeom>
+          <a:solidFill>
+            <a:schemeClr val="bg1"/>
+          </a:solidFill>
+          <a:ln>
+            <a:solidFill>
+              <a:schemeClr val="tx1">
+                <a:lumMod val="65000"/>
+                <a:lumOff val="35000"/>
+              </a:schemeClr>
+            </a:solidFill>
+          </a:ln>
+        </p:spPr>
+        <p:txBody>
+          <a:bodyPr wrap="square" rtlCol="0">
+            <a:spAutoFit/>
+          </a:bodyPr>
+          <a:lstStyle/>
+          <a:p>
+            <a:r>
+              <a:rPr lang="de-DE" sz="800"/>
+              <a:t>addLinksToPowerSavingDeactivationQueue(linkIdList, automationName, switchingOperationName)</a:t>
+            </a:r>
+          </a:p>
+          <a:p>
+            <a:r>
+              <a:rPr lang="de-DE" sz="800"/>
+              <a:t>purgePowerSavingDeactivationQueue()</a:t>
+            </a:r>
+          </a:p>
+        </p:txBody>
+      </p:sp>
+      <p:sp>
+        <p:nvSpPr>
+          <p:cNvPr id="72" name="Textfeld 71">
+            <a:extLst>
+              <a:ext uri="{FF2B5EF4-FFF2-40B4-BE49-F238E27FC236}">
+                <a16:creationId xmlns:a16="http://schemas.microsoft.com/office/drawing/2014/main" id="{686015EE-6EE9-1CEE-FE96-6F9B18CC3F64}"/>
+              </a:ext>
+            </a:extLst>
+          </p:cNvPr>
+          <p:cNvSpPr txBox="1"/>
+          <p:nvPr/>
+        </p:nvSpPr>
+        <p:spPr>
+          <a:xfrm>
+            <a:off x="10803479" y="6178685"/>
+            <a:ext cx="2685507" cy="261610"/>
+          </a:xfrm>
+          <a:prstGeom prst="rect">
+            <a:avLst/>
+          </a:prstGeom>
+          <a:noFill/>
+        </p:spPr>
+        <p:txBody>
+          <a:bodyPr wrap="square" rtlCol="0">
+            <a:spAutoFit/>
+          </a:bodyPr>
+          <a:lstStyle/>
+          <a:p>
+            <a:r>
+              <a:rPr lang="de-DE" sz="1100" b="1" i="1">
+                <a:latin typeface="Consolas" panose="020B0609020204030204" pitchFamily="49" charset="0"/>
+              </a:rPr>
+              <a:t>Link related switching operation</a:t>
+            </a:r>
+          </a:p>
+        </p:txBody>
+      </p:sp>
+      <p:sp>
+        <p:nvSpPr>
+          <p:cNvPr id="85" name="Textfeld 84">
+            <a:extLst>
+              <a:ext uri="{FF2B5EF4-FFF2-40B4-BE49-F238E27FC236}">
+                <a16:creationId xmlns:a16="http://schemas.microsoft.com/office/drawing/2014/main" id="{898136FA-F453-4D63-CE6B-6574D32CDF8F}"/>
+              </a:ext>
+            </a:extLst>
+          </p:cNvPr>
+          <p:cNvSpPr txBox="1"/>
+          <p:nvPr/>
+        </p:nvSpPr>
+        <p:spPr>
+          <a:xfrm>
+            <a:off x="10902059" y="7020048"/>
+            <a:ext cx="2790196" cy="215444"/>
+          </a:xfrm>
+          <a:prstGeom prst="rect">
+            <a:avLst/>
+          </a:prstGeom>
+          <a:solidFill>
+            <a:schemeClr val="bg1"/>
+          </a:solidFill>
+          <a:ln>
+            <a:solidFill>
+              <a:schemeClr val="tx1">
+                <a:lumMod val="65000"/>
+                <a:lumOff val="35000"/>
+              </a:schemeClr>
+            </a:solidFill>
+          </a:ln>
+        </p:spPr>
+        <p:txBody>
+          <a:bodyPr wrap="square" rtlCol="0">
+            <a:spAutoFit/>
+          </a:bodyPr>
+          <a:lstStyle/>
+          <a:p>
+            <a:r>
+              <a:rPr lang="de-DE" sz="800">
+                <a:highlight>
+                  <a:srgbClr val="FFFF00"/>
+                </a:highlight>
+              </a:rPr>
+              <a:t>switchRedundantTransmitterPairOff(linkId, automationName)</a:t>
+            </a:r>
+          </a:p>
+        </p:txBody>
+      </p:sp>
+      <p:sp>
+        <p:nvSpPr>
+          <p:cNvPr id="86" name="Rechteck: abgerundete Ecken 85">
+            <a:extLst>
+              <a:ext uri="{FF2B5EF4-FFF2-40B4-BE49-F238E27FC236}">
+                <a16:creationId xmlns:a16="http://schemas.microsoft.com/office/drawing/2014/main" id="{03B52899-6C45-E7F5-DD62-62B51832B6AB}"/>
+              </a:ext>
+            </a:extLst>
+          </p:cNvPr>
+          <p:cNvSpPr/>
+          <p:nvPr/>
+        </p:nvSpPr>
+        <p:spPr>
+          <a:xfrm>
+            <a:off x="14502275" y="6753472"/>
+            <a:ext cx="2029034" cy="240280"/>
+          </a:xfrm>
+          <a:prstGeom prst="roundRect">
+            <a:avLst/>
+          </a:prstGeom>
+          <a:solidFill>
+            <a:schemeClr val="accent5">
+              <a:lumMod val="50000"/>
+            </a:schemeClr>
+          </a:solidFill>
+          <a:ln w="3175">
+            <a:solidFill>
+              <a:schemeClr val="tx1">
+                <a:lumMod val="85000"/>
+                <a:lumOff val="15000"/>
+              </a:schemeClr>
+            </a:solidFill>
+          </a:ln>
+        </p:spPr>
+        <p:style>
+          <a:lnRef idx="2">
+            <a:schemeClr val="accent1">
+              <a:shade val="50000"/>
+            </a:schemeClr>
+          </a:lnRef>
+          <a:fillRef idx="1">
+            <a:schemeClr val="accent1"/>
+          </a:fillRef>
+          <a:effectRef idx="0">
+            <a:schemeClr val="accent1"/>
+          </a:effectRef>
+          <a:fontRef idx="minor">
+            <a:schemeClr val="lt1"/>
+          </a:fontRef>
+        </p:style>
+        <p:txBody>
+          <a:bodyPr rtlCol="0" anchor="ctr"/>
+          <a:lstStyle/>
+          <a:p>
+            <a:pPr algn="ctr"/>
+            <a:r>
+              <a:rPr lang="de-DE" sz="1000"/>
+              <a:t>BasicLinkAnalysis</a:t>
+            </a:r>
+          </a:p>
+        </p:txBody>
+      </p:sp>
+      <p:sp>
+        <p:nvSpPr>
+          <p:cNvPr id="97" name="Textfeld 96">
+            <a:extLst>
+              <a:ext uri="{FF2B5EF4-FFF2-40B4-BE49-F238E27FC236}">
+                <a16:creationId xmlns:a16="http://schemas.microsoft.com/office/drawing/2014/main" id="{C8284784-8A80-7317-E4D2-99866808C86D}"/>
+              </a:ext>
+            </a:extLst>
+          </p:cNvPr>
+          <p:cNvSpPr txBox="1"/>
+          <p:nvPr/>
+        </p:nvSpPr>
+        <p:spPr>
+          <a:xfrm>
+            <a:off x="14507915" y="6972659"/>
+            <a:ext cx="2688793" cy="215444"/>
+          </a:xfrm>
+          <a:prstGeom prst="rect">
+            <a:avLst/>
+          </a:prstGeom>
+          <a:solidFill>
+            <a:schemeClr val="bg1"/>
+          </a:solidFill>
+          <a:ln>
+            <a:solidFill>
+              <a:schemeClr val="tx1">
+                <a:lumMod val="65000"/>
+                <a:lumOff val="35000"/>
+              </a:schemeClr>
+            </a:solidFill>
+          </a:ln>
+        </p:spPr>
+        <p:txBody>
+          <a:bodyPr wrap="square" rtlCol="0">
+            <a:spAutoFit/>
+          </a:bodyPr>
+          <a:lstStyle/>
+          <a:p>
+            <a:r>
+              <a:rPr lang="de-DE" sz="800">
+                <a:highlight>
+                  <a:srgbClr val="FFFF00"/>
+                </a:highlight>
+              </a:rPr>
+              <a:t>provideTransmitterStatusOfParallelLink(linkId)</a:t>
+            </a:r>
+          </a:p>
+        </p:txBody>
+      </p:sp>
+      <p:sp>
+        <p:nvSpPr>
+          <p:cNvPr id="105" name="Rechteck: abgerundete Ecken 104">
+            <a:extLst>
+              <a:ext uri="{FF2B5EF4-FFF2-40B4-BE49-F238E27FC236}">
+                <a16:creationId xmlns:a16="http://schemas.microsoft.com/office/drawing/2014/main" id="{AB0FABE4-E8CC-DD4B-7378-F8FC4EE8548B}"/>
+              </a:ext>
+            </a:extLst>
+          </p:cNvPr>
+          <p:cNvSpPr/>
+          <p:nvPr/>
+        </p:nvSpPr>
+        <p:spPr>
+          <a:xfrm>
+            <a:off x="7941006" y="9497111"/>
+            <a:ext cx="5648143" cy="1835995"/>
+          </a:xfrm>
+          <a:prstGeom prst="roundRect">
+            <a:avLst>
+              <a:gd name="adj" fmla="val 1868"/>
+            </a:avLst>
+          </a:prstGeom>
+          <a:solidFill>
+            <a:schemeClr val="accent6">
+              <a:lumMod val="20000"/>
+              <a:lumOff val="80000"/>
+            </a:schemeClr>
+          </a:solidFill>
+          <a:ln w="3175">
+            <a:solidFill>
+              <a:schemeClr val="tx1">
+                <a:lumMod val="50000"/>
+                <a:lumOff val="50000"/>
+              </a:schemeClr>
+            </a:solidFill>
+          </a:ln>
+        </p:spPr>
+        <p:style>
+          <a:lnRef idx="2">
+            <a:schemeClr val="accent1">
+              <a:shade val="50000"/>
+            </a:schemeClr>
+          </a:lnRef>
+          <a:fillRef idx="1">
+            <a:schemeClr val="accent1"/>
+          </a:fillRef>
+          <a:effectRef idx="0">
+            <a:schemeClr val="accent1"/>
+          </a:effectRef>
+          <a:fontRef idx="minor">
+            <a:schemeClr val="lt1"/>
+          </a:fontRef>
+        </p:style>
+        <p:txBody>
+          <a:bodyPr rtlCol="0" anchor="ctr"/>
+          <a:lstStyle/>
+          <a:p>
+            <a:pPr algn="ctr"/>
+            <a:endParaRPr lang="de-DE" sz="900">
+              <a:solidFill>
+                <a:schemeClr val="tx1"/>
+              </a:solidFill>
+            </a:endParaRPr>
+          </a:p>
+        </p:txBody>
+      </p:sp>
+      <p:sp>
+        <p:nvSpPr>
+          <p:cNvPr id="106" name="Textfeld 105">
+            <a:extLst>
+              <a:ext uri="{FF2B5EF4-FFF2-40B4-BE49-F238E27FC236}">
+                <a16:creationId xmlns:a16="http://schemas.microsoft.com/office/drawing/2014/main" id="{0899904A-0376-5F2D-F5F7-A6FDFF812B0B}"/>
+              </a:ext>
+            </a:extLst>
+          </p:cNvPr>
+          <p:cNvSpPr txBox="1"/>
+          <p:nvPr/>
+        </p:nvSpPr>
+        <p:spPr>
+          <a:xfrm>
+            <a:off x="8097817" y="9497108"/>
+            <a:ext cx="3177522" cy="261610"/>
+          </a:xfrm>
+          <a:prstGeom prst="rect">
+            <a:avLst/>
+          </a:prstGeom>
+          <a:noFill/>
+        </p:spPr>
+        <p:txBody>
+          <a:bodyPr wrap="square" rtlCol="0">
+            <a:spAutoFit/>
+          </a:bodyPr>
+          <a:lstStyle/>
+          <a:p>
+            <a:r>
+              <a:rPr lang="de-DE" sz="1100" b="1" i="1">
+                <a:latin typeface="Consolas" panose="020B0609020204030204" pitchFamily="49" charset="0"/>
+              </a:rPr>
+              <a:t>Power saving status</a:t>
+            </a:r>
+          </a:p>
+        </p:txBody>
+      </p:sp>
+      <p:sp>
+        <p:nvSpPr>
+          <p:cNvPr id="107" name="Textfeld 106">
+            <a:extLst>
+              <a:ext uri="{FF2B5EF4-FFF2-40B4-BE49-F238E27FC236}">
+                <a16:creationId xmlns:a16="http://schemas.microsoft.com/office/drawing/2014/main" id="{07961695-99F6-506C-1658-2D385A6DE7C0}"/>
+              </a:ext>
+            </a:extLst>
+          </p:cNvPr>
+          <p:cNvSpPr txBox="1"/>
+          <p:nvPr/>
+        </p:nvSpPr>
+        <p:spPr>
+          <a:xfrm>
+            <a:off x="8097817" y="10019583"/>
+            <a:ext cx="5326566" cy="1200329"/>
+          </a:xfrm>
+          <a:prstGeom prst="rect">
+            <a:avLst/>
+          </a:prstGeom>
+          <a:solidFill>
+            <a:schemeClr val="bg1"/>
+          </a:solidFill>
+          <a:ln>
+            <a:solidFill>
+              <a:schemeClr val="tx1">
+                <a:lumMod val="65000"/>
+                <a:lumOff val="35000"/>
+              </a:schemeClr>
+            </a:solidFill>
+          </a:ln>
+        </p:spPr>
+        <p:txBody>
+          <a:bodyPr wrap="square" rtlCol="0">
+            <a:spAutoFit/>
+          </a:bodyPr>
+          <a:lstStyle/>
+          <a:p>
+            <a:r>
+              <a:rPr lang="de-DE" sz="800">
+                <a:highlight>
+                  <a:srgbClr val="FFFF00"/>
+                </a:highlight>
+              </a:rPr>
+              <a:t>recordPowerSavingStatus(linkId, addDeviationsFromOriginalState, removeDeviationsFromOriginalState, </a:t>
+            </a:r>
+          </a:p>
+          <a:p>
+            <a:r>
+              <a:rPr lang="de-DE" sz="800">
+                <a:highlight>
+                  <a:srgbClr val="FFFF00"/>
+                </a:highlight>
+              </a:rPr>
+              <a:t>		       addModulesToRestoreOriginalState, removeModulesToRestoreOriginalState)</a:t>
+            </a:r>
+          </a:p>
+          <a:p>
+            <a:r>
+              <a:rPr lang="de-DE" sz="800">
+                <a:highlight>
+                  <a:srgbClr val="FFFF00"/>
+                </a:highlight>
+              </a:rPr>
+              <a:t>---------------------</a:t>
+            </a:r>
+          </a:p>
+          <a:p>
+            <a:r>
+              <a:rPr lang="de-DE" sz="800">
+                <a:highlight>
+                  <a:srgbClr val="FFFF00"/>
+                </a:highlight>
+              </a:rPr>
+              <a:t>listPowerSavingStatus()</a:t>
+            </a:r>
+          </a:p>
+          <a:p>
+            <a:r>
+              <a:rPr lang="de-DE" sz="800">
+                <a:highlight>
+                  <a:srgbClr val="FFFF00"/>
+                </a:highlight>
+              </a:rPr>
+              <a:t>providePowerSavingStatusOfLink(linkId)</a:t>
+            </a:r>
+          </a:p>
+          <a:p>
+            <a:r>
+              <a:rPr lang="de-DE" sz="800">
+                <a:highlight>
+                  <a:srgbClr val="FFFF00"/>
+                </a:highlight>
+              </a:rPr>
+              <a:t>listAffectedLinks(deviationFromOriginalState)</a:t>
+            </a:r>
+          </a:p>
+          <a:p>
+            <a:r>
+              <a:rPr lang="de-DE" sz="800">
+                <a:highlight>
+                  <a:srgbClr val="FFFF00"/>
+                </a:highlight>
+              </a:rPr>
+              <a:t>listToBeRestoredLinks(moduleToRestoreOriginalState)</a:t>
+            </a:r>
+          </a:p>
+          <a:p>
+            <a:r>
+              <a:rPr lang="de-DE" sz="800">
+                <a:highlight>
+                  <a:srgbClr val="FFFF00"/>
+                </a:highlight>
+              </a:rPr>
+              <a:t>-------------</a:t>
+            </a:r>
+          </a:p>
+          <a:p>
+            <a:r>
+              <a:rPr lang="de-DE" sz="800">
+                <a:highlight>
+                  <a:srgbClr val="FFFF00"/>
+                </a:highlight>
+              </a:rPr>
+              <a:t>deleteLinkFromPowerSavingStatusTable(linkId)</a:t>
+            </a:r>
+          </a:p>
+        </p:txBody>
+      </p:sp>
+      <p:sp>
+        <p:nvSpPr>
+          <p:cNvPr id="108" name="Rechteck: abgerundete Ecken 107">
+            <a:extLst>
+              <a:ext uri="{FF2B5EF4-FFF2-40B4-BE49-F238E27FC236}">
+                <a16:creationId xmlns:a16="http://schemas.microsoft.com/office/drawing/2014/main" id="{08E5492F-C70F-D0C9-30E9-B5C24DFF9452}"/>
+              </a:ext>
+            </a:extLst>
+          </p:cNvPr>
+          <p:cNvSpPr/>
+          <p:nvPr/>
+        </p:nvSpPr>
+        <p:spPr>
+          <a:xfrm>
+            <a:off x="8097817" y="9779300"/>
+            <a:ext cx="4056432" cy="240280"/>
+          </a:xfrm>
+          <a:prstGeom prst="roundRect">
+            <a:avLst/>
+          </a:prstGeom>
+          <a:solidFill>
+            <a:schemeClr val="accent5">
+              <a:lumMod val="50000"/>
+            </a:schemeClr>
+          </a:solidFill>
+          <a:ln w="3175">
+            <a:solidFill>
+              <a:schemeClr val="tx1">
+                <a:lumMod val="85000"/>
+                <a:lumOff val="15000"/>
+              </a:schemeClr>
+            </a:solidFill>
+          </a:ln>
+        </p:spPr>
+        <p:style>
+          <a:lnRef idx="2">
+            <a:schemeClr val="accent1">
+              <a:shade val="50000"/>
+            </a:schemeClr>
+          </a:lnRef>
+          <a:fillRef idx="1">
+            <a:schemeClr val="accent1"/>
+          </a:fillRef>
+          <a:effectRef idx="0">
+            <a:schemeClr val="accent1"/>
+          </a:effectRef>
+          <a:fontRef idx="minor">
+            <a:schemeClr val="lt1"/>
+          </a:fontRef>
+        </p:style>
+        <p:txBody>
+          <a:bodyPr rtlCol="0" anchor="ctr"/>
+          <a:lstStyle/>
+          <a:p>
+            <a:pPr algn="ctr"/>
+            <a:r>
+              <a:rPr lang="de-DE" sz="1000"/>
+              <a:t>BasicPowerSavingStatus</a:t>
+            </a:r>
+          </a:p>
+        </p:txBody>
+      </p:sp>
+      <p:sp>
+        <p:nvSpPr>
+          <p:cNvPr id="114" name="Rechteck: abgerundete Ecken 113">
+            <a:extLst>
+              <a:ext uri="{FF2B5EF4-FFF2-40B4-BE49-F238E27FC236}">
+                <a16:creationId xmlns:a16="http://schemas.microsoft.com/office/drawing/2014/main" id="{44138D4C-4AE6-1FE5-306F-8070BB068DF1}"/>
+              </a:ext>
+            </a:extLst>
+          </p:cNvPr>
+          <p:cNvSpPr/>
+          <p:nvPr/>
+        </p:nvSpPr>
+        <p:spPr>
+          <a:xfrm>
+            <a:off x="13701459" y="9497109"/>
+            <a:ext cx="3329415" cy="774358"/>
+          </a:xfrm>
+          <a:prstGeom prst="roundRect">
+            <a:avLst>
+              <a:gd name="adj" fmla="val 1868"/>
+            </a:avLst>
+          </a:prstGeom>
+          <a:solidFill>
+            <a:schemeClr val="bg1">
+              <a:lumMod val="85000"/>
+            </a:schemeClr>
+          </a:solidFill>
+          <a:ln w="3175">
+            <a:solidFill>
+              <a:schemeClr val="tx1">
+                <a:lumMod val="50000"/>
+                <a:lumOff val="50000"/>
+              </a:schemeClr>
+            </a:solidFill>
+          </a:ln>
+        </p:spPr>
+        <p:style>
+          <a:lnRef idx="2">
+            <a:schemeClr val="accent1">
+              <a:shade val="50000"/>
+            </a:schemeClr>
+          </a:lnRef>
+          <a:fillRef idx="1">
+            <a:schemeClr val="accent1"/>
+          </a:fillRef>
+          <a:effectRef idx="0">
+            <a:schemeClr val="accent1"/>
+          </a:effectRef>
+          <a:fontRef idx="minor">
+            <a:schemeClr val="lt1"/>
+          </a:fontRef>
+        </p:style>
+        <p:txBody>
+          <a:bodyPr rtlCol="0" anchor="ctr"/>
+          <a:lstStyle/>
+          <a:p>
+            <a:pPr algn="ctr"/>
+            <a:endParaRPr lang="de-DE" sz="900">
+              <a:solidFill>
+                <a:schemeClr val="tx1"/>
+              </a:solidFill>
+            </a:endParaRPr>
+          </a:p>
+        </p:txBody>
+      </p:sp>
+      <p:sp>
+        <p:nvSpPr>
+          <p:cNvPr id="115" name="Textfeld 114">
+            <a:extLst>
+              <a:ext uri="{FF2B5EF4-FFF2-40B4-BE49-F238E27FC236}">
+                <a16:creationId xmlns:a16="http://schemas.microsoft.com/office/drawing/2014/main" id="{9611E591-5543-FE83-4877-2B5A91419497}"/>
+              </a:ext>
+            </a:extLst>
+          </p:cNvPr>
+          <p:cNvSpPr txBox="1"/>
+          <p:nvPr/>
+        </p:nvSpPr>
+        <p:spPr>
+          <a:xfrm>
+            <a:off x="13701454" y="9488068"/>
+            <a:ext cx="3177522" cy="261610"/>
+          </a:xfrm>
+          <a:prstGeom prst="rect">
+            <a:avLst/>
+          </a:prstGeom>
+          <a:noFill/>
+        </p:spPr>
+        <p:txBody>
+          <a:bodyPr wrap="square" rtlCol="0">
+            <a:spAutoFit/>
+          </a:bodyPr>
+          <a:lstStyle/>
+          <a:p>
+            <a:r>
+              <a:rPr lang="de-DE" sz="1100" b="1" i="1">
+                <a:latin typeface="Consolas" panose="020B0609020204030204" pitchFamily="49" charset="0"/>
+              </a:rPr>
+              <a:t>Logging of power saving</a:t>
+            </a:r>
+          </a:p>
+        </p:txBody>
+      </p:sp>
+      <p:sp>
+        <p:nvSpPr>
+          <p:cNvPr id="116" name="Rechteck: abgerundete Ecken 115">
+            <a:extLst>
+              <a:ext uri="{FF2B5EF4-FFF2-40B4-BE49-F238E27FC236}">
+                <a16:creationId xmlns:a16="http://schemas.microsoft.com/office/drawing/2014/main" id="{085A4A1A-823A-877B-8EA0-7C51B242ACF9}"/>
+              </a:ext>
+            </a:extLst>
+          </p:cNvPr>
+          <p:cNvSpPr/>
+          <p:nvPr/>
+        </p:nvSpPr>
+        <p:spPr>
+          <a:xfrm>
+            <a:off x="13817279" y="9794195"/>
+            <a:ext cx="3101639" cy="240280"/>
+          </a:xfrm>
+          <a:prstGeom prst="roundRect">
+            <a:avLst/>
+          </a:prstGeom>
+          <a:solidFill>
+            <a:schemeClr val="tx1">
+              <a:lumMod val="75000"/>
+              <a:lumOff val="25000"/>
+            </a:schemeClr>
+          </a:solidFill>
+          <a:ln w="3175">
+            <a:solidFill>
+              <a:schemeClr val="tx1">
+                <a:lumMod val="85000"/>
+                <a:lumOff val="15000"/>
+              </a:schemeClr>
+            </a:solidFill>
+          </a:ln>
+        </p:spPr>
+        <p:style>
+          <a:lnRef idx="2">
+            <a:schemeClr val="accent1">
+              <a:shade val="50000"/>
+            </a:schemeClr>
+          </a:lnRef>
+          <a:fillRef idx="1">
+            <a:schemeClr val="accent1"/>
+          </a:fillRef>
+          <a:effectRef idx="0">
+            <a:schemeClr val="accent1"/>
+          </a:effectRef>
+          <a:fontRef idx="minor">
+            <a:schemeClr val="lt1"/>
+          </a:fontRef>
+        </p:style>
+        <p:txBody>
+          <a:bodyPr rtlCol="0" anchor="ctr"/>
+          <a:lstStyle/>
+          <a:p>
+            <a:pPr algn="ctr"/>
+            <a:r>
+              <a:rPr lang="de-DE" sz="1000"/>
+              <a:t>module in backlog for v1.0.0</a:t>
+            </a:r>
+          </a:p>
+        </p:txBody>
+      </p:sp>
+      <p:sp>
+        <p:nvSpPr>
+          <p:cNvPr id="118" name="Rechteck: abgerundete Ecken 117">
+            <a:extLst>
+              <a:ext uri="{FF2B5EF4-FFF2-40B4-BE49-F238E27FC236}">
+                <a16:creationId xmlns:a16="http://schemas.microsoft.com/office/drawing/2014/main" id="{18F3419E-93FE-2683-D014-E3888EAF1380}"/>
+              </a:ext>
+            </a:extLst>
+          </p:cNvPr>
+          <p:cNvSpPr/>
+          <p:nvPr/>
+        </p:nvSpPr>
+        <p:spPr>
+          <a:xfrm>
+            <a:off x="17180473" y="9504660"/>
+            <a:ext cx="2633496" cy="261610"/>
+          </a:xfrm>
+          <a:prstGeom prst="roundRect">
+            <a:avLst>
+              <a:gd name="adj" fmla="val 22278"/>
+            </a:avLst>
+          </a:prstGeom>
+          <a:solidFill>
+            <a:schemeClr val="bg1">
+              <a:lumMod val="65000"/>
+            </a:schemeClr>
+          </a:solidFill>
+          <a:ln w="3175">
+            <a:solidFill>
+              <a:schemeClr val="tx1">
+                <a:lumMod val="50000"/>
+                <a:lumOff val="50000"/>
+              </a:schemeClr>
+            </a:solidFill>
+          </a:ln>
+        </p:spPr>
+        <p:style>
+          <a:lnRef idx="2">
+            <a:schemeClr val="accent1">
+              <a:shade val="50000"/>
+            </a:schemeClr>
+          </a:lnRef>
+          <a:fillRef idx="1">
+            <a:schemeClr val="accent1"/>
+          </a:fillRef>
+          <a:effectRef idx="0">
+            <a:schemeClr val="accent1"/>
+          </a:effectRef>
+          <a:fontRef idx="minor">
+            <a:schemeClr val="lt1"/>
+          </a:fontRef>
+        </p:style>
+        <p:txBody>
+          <a:bodyPr rtlCol="0" anchor="ctr"/>
+          <a:lstStyle/>
+          <a:p>
+            <a:r>
+              <a:rPr lang="de-DE" sz="900" b="1" i="1">
+                <a:solidFill>
+                  <a:schemeClr val="bg1"/>
+                </a:solidFill>
+                <a:latin typeface="Consolas" panose="020B0609020204030204" pitchFamily="49" charset="0"/>
+              </a:rPr>
+              <a:t>Performance of power savings</a:t>
+            </a:r>
+          </a:p>
+        </p:txBody>
+      </p:sp>
+      <p:sp>
+        <p:nvSpPr>
+          <p:cNvPr id="119" name="Rechteck: abgerundete Ecken 118">
+            <a:extLst>
+              <a:ext uri="{FF2B5EF4-FFF2-40B4-BE49-F238E27FC236}">
+                <a16:creationId xmlns:a16="http://schemas.microsoft.com/office/drawing/2014/main" id="{08887209-ED18-2DD5-C881-D1D2186501E8}"/>
+              </a:ext>
+            </a:extLst>
+          </p:cNvPr>
+          <p:cNvSpPr/>
+          <p:nvPr/>
+        </p:nvSpPr>
+        <p:spPr>
+          <a:xfrm>
+            <a:off x="17180473" y="9839255"/>
+            <a:ext cx="2633496" cy="261610"/>
+          </a:xfrm>
+          <a:prstGeom prst="roundRect">
+            <a:avLst>
+              <a:gd name="adj" fmla="val 22278"/>
+            </a:avLst>
+          </a:prstGeom>
+          <a:solidFill>
+            <a:schemeClr val="bg1">
+              <a:lumMod val="65000"/>
+            </a:schemeClr>
+          </a:solidFill>
+          <a:ln w="3175">
+            <a:solidFill>
+              <a:schemeClr val="tx1">
+                <a:lumMod val="50000"/>
+                <a:lumOff val="50000"/>
+              </a:schemeClr>
+            </a:solidFill>
+          </a:ln>
+        </p:spPr>
+        <p:style>
+          <a:lnRef idx="2">
+            <a:schemeClr val="accent1">
+              <a:shade val="50000"/>
+            </a:schemeClr>
+          </a:lnRef>
+          <a:fillRef idx="1">
+            <a:schemeClr val="accent1"/>
+          </a:fillRef>
+          <a:effectRef idx="0">
+            <a:schemeClr val="accent1"/>
+          </a:effectRef>
+          <a:fontRef idx="minor">
+            <a:schemeClr val="lt1"/>
+          </a:fontRef>
+        </p:style>
+        <p:txBody>
+          <a:bodyPr rtlCol="0" anchor="ctr"/>
+          <a:lstStyle/>
+          <a:p>
+            <a:r>
+              <a:rPr lang="de-DE" sz="900" b="1" i="1">
+                <a:solidFill>
+                  <a:schemeClr val="bg1"/>
+                </a:solidFill>
+                <a:latin typeface="Consolas" panose="020B0609020204030204" pitchFamily="49" charset="0"/>
+              </a:rPr>
+              <a:t>Alarm management of power savings</a:t>
+            </a:r>
+          </a:p>
+        </p:txBody>
+      </p:sp>
+      <p:sp>
+        <p:nvSpPr>
+          <p:cNvPr id="28" name="Rechteck: abgerundete Ecken 27">
+            <a:extLst>
+              <a:ext uri="{FF2B5EF4-FFF2-40B4-BE49-F238E27FC236}">
+                <a16:creationId xmlns:a16="http://schemas.microsoft.com/office/drawing/2014/main" id="{E0195804-B2E2-2A63-C3BE-AB7675D74BA8}"/>
+              </a:ext>
+            </a:extLst>
+          </p:cNvPr>
+          <p:cNvSpPr/>
+          <p:nvPr/>
+        </p:nvSpPr>
+        <p:spPr>
+          <a:xfrm>
+            <a:off x="7088188" y="3934061"/>
+            <a:ext cx="2029034" cy="240280"/>
+          </a:xfrm>
+          <a:prstGeom prst="roundRect">
+            <a:avLst/>
+          </a:prstGeom>
+          <a:solidFill>
+            <a:schemeClr val="accent5">
+              <a:lumMod val="50000"/>
+            </a:schemeClr>
+          </a:solidFill>
+          <a:ln w="3175">
+            <a:solidFill>
+              <a:schemeClr val="tx1">
+                <a:lumMod val="85000"/>
+                <a:lumOff val="15000"/>
+              </a:schemeClr>
+            </a:solidFill>
+          </a:ln>
+        </p:spPr>
+        <p:style>
+          <a:lnRef idx="2">
+            <a:schemeClr val="accent1">
+              <a:shade val="50000"/>
+            </a:schemeClr>
+          </a:lnRef>
+          <a:fillRef idx="1">
+            <a:schemeClr val="accent1"/>
+          </a:fillRef>
+          <a:effectRef idx="0">
+            <a:schemeClr val="accent1"/>
+          </a:effectRef>
+          <a:fontRef idx="minor">
+            <a:schemeClr val="lt1"/>
+          </a:fontRef>
+        </p:style>
+        <p:txBody>
+          <a:bodyPr rtlCol="0" anchor="ctr"/>
+          <a:lstStyle/>
+          <a:p>
+            <a:pPr algn="ctr"/>
+            <a:r>
+              <a:rPr lang="de-DE" sz="1000"/>
+              <a:t>BlackListManagement</a:t>
+            </a:r>
+          </a:p>
+        </p:txBody>
+      </p:sp>
+      <p:pic>
+        <p:nvPicPr>
+          <p:cNvPr id="30" name="Grafik 29" descr="Liste mit einfarbiger Füllung">
+            <a:extLst>
+              <a:ext uri="{FF2B5EF4-FFF2-40B4-BE49-F238E27FC236}">
+                <a16:creationId xmlns:a16="http://schemas.microsoft.com/office/drawing/2014/main" id="{DFAB7A0C-BE4A-B0EB-3B79-B6A4151AA048}"/>
+              </a:ext>
+            </a:extLst>
+          </p:cNvPr>
+          <p:cNvPicPr>
+            <a:picLocks noChangeAspect="1"/>
+          </p:cNvPicPr>
+          <p:nvPr/>
+        </p:nvPicPr>
+        <p:blipFill>
+          <a:blip r:embed="rId3">
+            <a:extLst>
+              <a:ext uri="{28A0092B-C50C-407E-A947-70E740481C1C}">
+                <a14:useLocalDpi xmlns:a14="http://schemas.microsoft.com/office/drawing/2010/main" val="0"/>
+              </a:ext>
+              <a:ext uri="{96DAC541-7B7A-43D3-8B79-37D633B846F1}">
+                <asvg:svgBlip xmlns:asvg="http://schemas.microsoft.com/office/drawing/2016/SVG/main" r:embed="rId4"/>
+              </a:ext>
+            </a:extLst>
+          </a:blip>
+          <a:stretch>
+            <a:fillRect/>
+          </a:stretch>
+        </p:blipFill>
+        <p:spPr>
+          <a:xfrm>
+            <a:off x="9573689" y="3896351"/>
+            <a:ext cx="268091" cy="268091"/>
+          </a:xfrm>
+          <a:prstGeom prst="rect">
+            <a:avLst/>
+          </a:prstGeom>
+        </p:spPr>
+      </p:pic>
+      <p:cxnSp>
+        <p:nvCxnSpPr>
+          <p:cNvPr id="31" name="Gerade Verbindung mit Pfeil 30">
+            <a:extLst>
+              <a:ext uri="{FF2B5EF4-FFF2-40B4-BE49-F238E27FC236}">
+                <a16:creationId xmlns:a16="http://schemas.microsoft.com/office/drawing/2014/main" id="{3D419FB5-9499-E871-F6D0-0A6581CA4C7D}"/>
+              </a:ext>
+            </a:extLst>
+          </p:cNvPr>
+          <p:cNvCxnSpPr>
+            <a:cxnSpLocks/>
+          </p:cNvCxnSpPr>
+          <p:nvPr/>
+        </p:nvCxnSpPr>
+        <p:spPr>
+          <a:xfrm>
+            <a:off x="9153240" y="4030392"/>
+            <a:ext cx="420444" cy="0"/>
+          </a:xfrm>
+          <a:prstGeom prst="straightConnector1">
+            <a:avLst/>
+          </a:prstGeom>
+          <a:ln>
+            <a:solidFill>
+              <a:schemeClr val="tx1">
+                <a:lumMod val="65000"/>
+                <a:lumOff val="35000"/>
+              </a:schemeClr>
+            </a:solidFill>
+            <a:tailEnd type="triangle"/>
+          </a:ln>
+        </p:spPr>
+        <p:style>
+          <a:lnRef idx="1">
+            <a:schemeClr val="accent1"/>
+          </a:lnRef>
+          <a:fillRef idx="0">
+            <a:schemeClr val="accent1"/>
+          </a:fillRef>
+          <a:effectRef idx="0">
+            <a:schemeClr val="accent1"/>
+          </a:effectRef>
+          <a:fontRef idx="minor">
+            <a:schemeClr val="tx1"/>
+          </a:fontRef>
+        </p:style>
+      </p:cxnSp>
+      <p:cxnSp>
+        <p:nvCxnSpPr>
+          <p:cNvPr id="38" name="Gerade Verbindung mit Pfeil 37">
+            <a:extLst>
+              <a:ext uri="{FF2B5EF4-FFF2-40B4-BE49-F238E27FC236}">
+                <a16:creationId xmlns:a16="http://schemas.microsoft.com/office/drawing/2014/main" id="{A9FA621F-1083-9104-C6E4-1A480A8DAE67}"/>
+              </a:ext>
+            </a:extLst>
+          </p:cNvPr>
+          <p:cNvCxnSpPr>
+            <a:cxnSpLocks/>
+          </p:cNvCxnSpPr>
+          <p:nvPr/>
+        </p:nvCxnSpPr>
+        <p:spPr>
+          <a:xfrm flipH="1">
+            <a:off x="9153240" y="4097136"/>
+            <a:ext cx="420444" cy="0"/>
+          </a:xfrm>
+          <a:prstGeom prst="straightConnector1">
+            <a:avLst/>
+          </a:prstGeom>
+          <a:ln>
+            <a:solidFill>
+              <a:schemeClr val="tx1">
+                <a:lumMod val="65000"/>
+                <a:lumOff val="35000"/>
+              </a:schemeClr>
+            </a:solidFill>
+            <a:tailEnd type="triangle"/>
+          </a:ln>
+        </p:spPr>
+        <p:style>
+          <a:lnRef idx="1">
+            <a:schemeClr val="accent1"/>
+          </a:lnRef>
+          <a:fillRef idx="0">
+            <a:schemeClr val="accent1"/>
+          </a:fillRef>
+          <a:effectRef idx="0">
+            <a:schemeClr val="accent1"/>
+          </a:effectRef>
+          <a:fontRef idx="minor">
+            <a:schemeClr val="tx1"/>
+          </a:fontRef>
+        </p:style>
+      </p:cxnSp>
+      <p:grpSp>
+        <p:nvGrpSpPr>
+          <p:cNvPr id="53" name="Gruppieren 52">
+            <a:extLst>
+              <a:ext uri="{FF2B5EF4-FFF2-40B4-BE49-F238E27FC236}">
+                <a16:creationId xmlns:a16="http://schemas.microsoft.com/office/drawing/2014/main" id="{EE745BE4-BA41-165F-58C9-8B8D8D947C21}"/>
+              </a:ext>
+            </a:extLst>
+          </p:cNvPr>
+          <p:cNvGrpSpPr/>
+          <p:nvPr/>
+        </p:nvGrpSpPr>
+        <p:grpSpPr>
+          <a:xfrm>
+            <a:off x="16961193" y="8447017"/>
+            <a:ext cx="961897" cy="537911"/>
+            <a:chOff x="12596318" y="3860943"/>
+            <a:chExt cx="961897" cy="537911"/>
+          </a:xfrm>
+        </p:grpSpPr>
+        <p:sp>
+          <p:nvSpPr>
+            <p:cNvPr id="21" name="Flussdiagramm: Datenträger mit direktem Zugriff 20">
+              <a:extLst>
+                <a:ext uri="{FF2B5EF4-FFF2-40B4-BE49-F238E27FC236}">
+                  <a16:creationId xmlns:a16="http://schemas.microsoft.com/office/drawing/2014/main" id="{98D73E05-9C6D-6298-0898-029930B8F4BC}"/>
+                </a:ext>
+              </a:extLst>
+            </p:cNvPr>
+            <p:cNvSpPr/>
+            <p:nvPr/>
+          </p:nvSpPr>
+          <p:spPr>
+            <a:xfrm rot="16200000">
+              <a:off x="12808311" y="3648950"/>
+              <a:ext cx="537911" cy="961897"/>
+            </a:xfrm>
+            <a:prstGeom prst="flowChartMagneticDrum">
+              <a:avLst/>
+            </a:prstGeom>
+            <a:solidFill>
+              <a:schemeClr val="tx1">
+                <a:lumMod val="50000"/>
+                <a:lumOff val="50000"/>
+              </a:schemeClr>
+            </a:solidFill>
+            <a:ln w="6350">
+              <a:solidFill>
+                <a:schemeClr val="tx1"/>
+              </a:solidFill>
+            </a:ln>
+          </p:spPr>
+          <p:style>
+            <a:lnRef idx="2">
+              <a:schemeClr val="accent1">
+                <a:shade val="50000"/>
+              </a:schemeClr>
+            </a:lnRef>
+            <a:fillRef idx="1">
+              <a:schemeClr val="accent1"/>
+            </a:fillRef>
+            <a:effectRef idx="0">
+              <a:schemeClr val="accent1"/>
+            </a:effectRef>
+            <a:fontRef idx="minor">
+              <a:schemeClr val="lt1"/>
+            </a:fontRef>
+          </p:style>
+          <p:txBody>
+            <a:bodyPr rtlCol="0" anchor="ctr"/>
+            <a:lstStyle/>
+            <a:p>
+              <a:pPr algn="ctr"/>
+              <a:endParaRPr lang="de-DE"/>
+            </a:p>
+          </p:txBody>
+        </p:sp>
+        <p:sp>
+          <p:nvSpPr>
+            <p:cNvPr id="22" name="Textfeld 21">
+              <a:extLst>
+                <a:ext uri="{FF2B5EF4-FFF2-40B4-BE49-F238E27FC236}">
+                  <a16:creationId xmlns:a16="http://schemas.microsoft.com/office/drawing/2014/main" id="{D8A81A39-C3DF-7D53-036F-15867364A4EF}"/>
+                </a:ext>
+              </a:extLst>
+            </p:cNvPr>
+            <p:cNvSpPr txBox="1"/>
+            <p:nvPr/>
+          </p:nvSpPr>
+          <p:spPr>
+            <a:xfrm>
+              <a:off x="12801389" y="4055702"/>
+              <a:ext cx="551754" cy="261610"/>
+            </a:xfrm>
+            <a:prstGeom prst="rect">
+              <a:avLst/>
+            </a:prstGeom>
+            <a:noFill/>
+          </p:spPr>
+          <p:txBody>
+            <a:bodyPr wrap="none" rtlCol="0">
+              <a:spAutoFit/>
+            </a:bodyPr>
+            <a:lstStyle/>
+            <a:p>
+              <a:r>
+                <a:rPr lang="de-DE" sz="1100">
+                  <a:solidFill>
+                    <a:schemeClr val="bg1"/>
+                  </a:solidFill>
+                </a:rPr>
+                <a:t>MWDI</a:t>
+              </a:r>
+            </a:p>
+          </p:txBody>
+        </p:sp>
+      </p:grpSp>
+      <p:grpSp>
+        <p:nvGrpSpPr>
+          <p:cNvPr id="57" name="Gruppieren 56">
+            <a:extLst>
+              <a:ext uri="{FF2B5EF4-FFF2-40B4-BE49-F238E27FC236}">
+                <a16:creationId xmlns:a16="http://schemas.microsoft.com/office/drawing/2014/main" id="{5BEAAA41-C496-5A65-4FE4-696CB1BB6095}"/>
+              </a:ext>
+            </a:extLst>
+          </p:cNvPr>
+          <p:cNvGrpSpPr/>
+          <p:nvPr/>
+        </p:nvGrpSpPr>
+        <p:grpSpPr>
+          <a:xfrm>
+            <a:off x="11154358" y="11416866"/>
+            <a:ext cx="961898" cy="537911"/>
+            <a:chOff x="12596318" y="3860943"/>
+            <a:chExt cx="961898" cy="537911"/>
+          </a:xfrm>
+        </p:grpSpPr>
+        <p:sp>
+          <p:nvSpPr>
+            <p:cNvPr id="58" name="Flussdiagramm: Datenträger mit direktem Zugriff 57">
+              <a:extLst>
+                <a:ext uri="{FF2B5EF4-FFF2-40B4-BE49-F238E27FC236}">
+                  <a16:creationId xmlns:a16="http://schemas.microsoft.com/office/drawing/2014/main" id="{78DF06F7-9560-90E7-0CF2-EC0756093986}"/>
+                </a:ext>
+              </a:extLst>
+            </p:cNvPr>
+            <p:cNvSpPr/>
+            <p:nvPr/>
+          </p:nvSpPr>
+          <p:spPr>
+            <a:xfrm rot="16200000">
+              <a:off x="12808311" y="3648950"/>
+              <a:ext cx="537911" cy="961897"/>
+            </a:xfrm>
+            <a:prstGeom prst="flowChartMagneticDrum">
+              <a:avLst/>
+            </a:prstGeom>
+            <a:solidFill>
+              <a:schemeClr val="tx1">
+                <a:lumMod val="50000"/>
+                <a:lumOff val="50000"/>
+              </a:schemeClr>
+            </a:solidFill>
+            <a:ln w="6350">
+              <a:solidFill>
+                <a:schemeClr val="tx1"/>
+              </a:solidFill>
+            </a:ln>
+          </p:spPr>
+          <p:style>
+            <a:lnRef idx="2">
+              <a:schemeClr val="accent1">
+                <a:shade val="50000"/>
+              </a:schemeClr>
+            </a:lnRef>
+            <a:fillRef idx="1">
+              <a:schemeClr val="accent1"/>
+            </a:fillRef>
+            <a:effectRef idx="0">
+              <a:schemeClr val="accent1"/>
+            </a:effectRef>
+            <a:fontRef idx="minor">
+              <a:schemeClr val="lt1"/>
+            </a:fontRef>
+          </p:style>
+          <p:txBody>
+            <a:bodyPr rtlCol="0" anchor="ctr"/>
+            <a:lstStyle/>
+            <a:p>
+              <a:pPr algn="ctr"/>
+              <a:endParaRPr lang="de-DE"/>
+            </a:p>
+          </p:txBody>
+        </p:sp>
+        <p:sp>
+          <p:nvSpPr>
+            <p:cNvPr id="59" name="Textfeld 58">
+              <a:extLst>
+                <a:ext uri="{FF2B5EF4-FFF2-40B4-BE49-F238E27FC236}">
+                  <a16:creationId xmlns:a16="http://schemas.microsoft.com/office/drawing/2014/main" id="{6BA72B96-0AF7-1718-5BE4-B7AABF449CA8}"/>
+                </a:ext>
+              </a:extLst>
+            </p:cNvPr>
+            <p:cNvSpPr txBox="1"/>
+            <p:nvPr/>
+          </p:nvSpPr>
+          <p:spPr>
+            <a:xfrm>
+              <a:off x="12628153" y="4053485"/>
+              <a:ext cx="930063" cy="261610"/>
+            </a:xfrm>
+            <a:prstGeom prst="rect">
+              <a:avLst/>
+            </a:prstGeom>
+            <a:noFill/>
+          </p:spPr>
+          <p:txBody>
+            <a:bodyPr wrap="none" rtlCol="0">
+              <a:spAutoFit/>
+            </a:bodyPr>
+            <a:lstStyle/>
+            <a:p>
+              <a:r>
+                <a:rPr lang="de-DE" sz="1100">
+                  <a:solidFill>
+                    <a:schemeClr val="bg1"/>
+                  </a:solidFill>
+                </a:rPr>
+                <a:t>ElasticSearch</a:t>
+              </a:r>
+            </a:p>
+          </p:txBody>
+        </p:sp>
+      </p:grpSp>
+      <p:cxnSp>
+        <p:nvCxnSpPr>
+          <p:cNvPr id="60" name="Gerade Verbindung mit Pfeil 59">
+            <a:extLst>
+              <a:ext uri="{FF2B5EF4-FFF2-40B4-BE49-F238E27FC236}">
+                <a16:creationId xmlns:a16="http://schemas.microsoft.com/office/drawing/2014/main" id="{8B40C93D-21AA-7A3B-30BB-A3E1B7763D7B}"/>
+              </a:ext>
+            </a:extLst>
+          </p:cNvPr>
+          <p:cNvCxnSpPr>
+            <a:cxnSpLocks/>
+          </p:cNvCxnSpPr>
+          <p:nvPr/>
+        </p:nvCxnSpPr>
+        <p:spPr>
+          <a:xfrm>
+            <a:off x="11289040" y="11183317"/>
+            <a:ext cx="192208" cy="240660"/>
+          </a:xfrm>
+          <a:prstGeom prst="straightConnector1">
+            <a:avLst/>
+          </a:prstGeom>
+          <a:ln w="12700">
+            <a:solidFill>
+              <a:schemeClr val="tx1"/>
+            </a:solidFill>
+            <a:tailEnd type="triangle"/>
+          </a:ln>
+        </p:spPr>
+        <p:style>
+          <a:lnRef idx="1">
+            <a:schemeClr val="accent1"/>
+          </a:lnRef>
+          <a:fillRef idx="0">
+            <a:schemeClr val="accent1"/>
+          </a:fillRef>
+          <a:effectRef idx="0">
+            <a:schemeClr val="accent1"/>
+          </a:effectRef>
+          <a:fontRef idx="minor">
+            <a:schemeClr val="tx1"/>
+          </a:fontRef>
+        </p:style>
+      </p:cxnSp>
+      <p:cxnSp>
+        <p:nvCxnSpPr>
+          <p:cNvPr id="63" name="Gerade Verbindung mit Pfeil 62">
+            <a:extLst>
+              <a:ext uri="{FF2B5EF4-FFF2-40B4-BE49-F238E27FC236}">
+                <a16:creationId xmlns:a16="http://schemas.microsoft.com/office/drawing/2014/main" id="{59645F98-13F6-B52B-5AC2-CF5A4965FD31}"/>
+              </a:ext>
+            </a:extLst>
+          </p:cNvPr>
+          <p:cNvCxnSpPr>
+            <a:cxnSpLocks/>
+            <a:stCxn id="58" idx="4"/>
+          </p:cNvCxnSpPr>
+          <p:nvPr/>
+        </p:nvCxnSpPr>
+        <p:spPr>
+          <a:xfrm flipH="1" flipV="1">
+            <a:off x="11427503" y="11166271"/>
+            <a:ext cx="207804" cy="250592"/>
+          </a:xfrm>
+          <a:prstGeom prst="straightConnector1">
+            <a:avLst/>
+          </a:prstGeom>
+          <a:ln>
+            <a:tailEnd type="triangle"/>
+          </a:ln>
+        </p:spPr>
+        <p:style>
+          <a:lnRef idx="1">
+            <a:schemeClr val="accent1"/>
+          </a:lnRef>
+          <a:fillRef idx="0">
+            <a:schemeClr val="accent1"/>
+          </a:fillRef>
+          <a:effectRef idx="0">
+            <a:schemeClr val="accent1"/>
+          </a:effectRef>
+          <a:fontRef idx="minor">
+            <a:schemeClr val="tx1"/>
+          </a:fontRef>
+        </p:style>
+      </p:cxnSp>
+      <p:sp>
+        <p:nvSpPr>
+          <p:cNvPr id="164" name="Textfeld 163">
+            <a:extLst>
+              <a:ext uri="{FF2B5EF4-FFF2-40B4-BE49-F238E27FC236}">
+                <a16:creationId xmlns:a16="http://schemas.microsoft.com/office/drawing/2014/main" id="{76DB1ABE-A024-6EAF-2BFC-CC7B6EC9E5B5}"/>
+              </a:ext>
+            </a:extLst>
+          </p:cNvPr>
+          <p:cNvSpPr txBox="1"/>
+          <p:nvPr/>
+        </p:nvSpPr>
+        <p:spPr>
+          <a:xfrm>
+            <a:off x="7078382" y="4181593"/>
+            <a:ext cx="2644672" cy="830997"/>
+          </a:xfrm>
+          <a:prstGeom prst="rect">
+            <a:avLst/>
+          </a:prstGeom>
+          <a:solidFill>
+            <a:schemeClr val="bg1"/>
+          </a:solidFill>
+          <a:ln>
+            <a:solidFill>
+              <a:schemeClr val="tx1">
+                <a:lumMod val="65000"/>
+                <a:lumOff val="35000"/>
+              </a:schemeClr>
+            </a:solidFill>
+          </a:ln>
+        </p:spPr>
+        <p:txBody>
+          <a:bodyPr wrap="square" rtlCol="0">
+            <a:spAutoFit/>
+          </a:bodyPr>
+          <a:lstStyle>
+            <a:defPPr>
+              <a:defRPr lang="en-US"/>
+            </a:defPPr>
+            <a:lvl1pPr marL="171450" indent="-171450">
+              <a:buFont typeface="Arial" panose="020B0604020202020204" pitchFamily="34" charset="0"/>
+              <a:buChar char="•"/>
+              <a:defRPr sz="800"/>
+            </a:lvl1pPr>
+          </a:lstStyle>
+          <a:p>
+            <a:pPr marL="0" indent="0">
+              <a:buNone/>
+            </a:pPr>
+            <a:r>
+              <a:rPr lang="de-DE"/>
+              <a:t>addLinksToBlackList(linkIdList)</a:t>
+            </a:r>
+          </a:p>
+          <a:p>
+            <a:pPr marL="0" indent="0">
+              <a:buNone/>
+            </a:pPr>
+            <a:r>
+              <a:rPr lang="de-DE"/>
+              <a:t>----------------</a:t>
+            </a:r>
+          </a:p>
+          <a:p>
+            <a:pPr marL="0" indent="0">
+              <a:buNone/>
+            </a:pPr>
+            <a:r>
+              <a:rPr lang="de-DE"/>
+              <a:t>removeLinksFromBlackList(linkIdList)</a:t>
+            </a:r>
+          </a:p>
+          <a:p>
+            <a:pPr marL="0" indent="0">
+              <a:buNone/>
+            </a:pPr>
+            <a:r>
+              <a:rPr lang="de-DE"/>
+              <a:t>---------------</a:t>
+            </a:r>
+          </a:p>
+          <a:p>
+            <a:pPr marL="0" indent="0">
+              <a:buNone/>
+            </a:pPr>
+            <a:r>
+              <a:rPr lang="de-DE"/>
+              <a:t>listLinksInBlackList()</a:t>
+            </a:r>
+          </a:p>
+          <a:p>
+            <a:pPr marL="0" indent="0">
+              <a:buNone/>
+            </a:pPr>
+            <a:r>
+              <a:rPr lang="de-DE"/>
+              <a:t>isLinkBarred(linkId)</a:t>
+            </a:r>
+          </a:p>
+        </p:txBody>
+      </p:sp>
+      <p:sp>
+        <p:nvSpPr>
+          <p:cNvPr id="18" name="Textfeld 17">
+            <a:extLst>
+              <a:ext uri="{FF2B5EF4-FFF2-40B4-BE49-F238E27FC236}">
+                <a16:creationId xmlns:a16="http://schemas.microsoft.com/office/drawing/2014/main" id="{6C6C530A-45CB-DC8A-ED15-03231D6AD3C8}"/>
+              </a:ext>
+            </a:extLst>
+          </p:cNvPr>
+          <p:cNvSpPr txBox="1"/>
+          <p:nvPr/>
+        </p:nvSpPr>
+        <p:spPr>
+          <a:xfrm>
+            <a:off x="16495661" y="3420272"/>
+            <a:ext cx="1846980" cy="369332"/>
+          </a:xfrm>
+          <a:prstGeom prst="rect">
+            <a:avLst/>
+          </a:prstGeom>
+          <a:noFill/>
+        </p:spPr>
+        <p:txBody>
+          <a:bodyPr wrap="none" rtlCol="0">
+            <a:spAutoFit/>
+          </a:bodyPr>
+          <a:lstStyle/>
+          <a:p>
+            <a:pPr algn="r"/>
+            <a:r>
+              <a:rPr lang="de-DE">
+                <a:solidFill>
+                  <a:srgbClr val="C00000"/>
+                </a:solidFill>
+              </a:rPr>
+              <a:t>Included in v0.0.5</a:t>
+            </a:r>
+            <a:endParaRPr lang="de-DE" sz="1100">
+              <a:solidFill>
+                <a:srgbClr val="C00000"/>
+              </a:solidFill>
+            </a:endParaRPr>
+          </a:p>
+        </p:txBody>
+      </p:sp>
+      <p:sp>
+        <p:nvSpPr>
+          <p:cNvPr id="2" name="Rechteck: gefaltete Ecke 1">
+            <a:extLst>
+              <a:ext uri="{FF2B5EF4-FFF2-40B4-BE49-F238E27FC236}">
+                <a16:creationId xmlns:a16="http://schemas.microsoft.com/office/drawing/2014/main" id="{AB62C5E5-4DB3-D8B4-7C60-F48E02C8A960}"/>
+              </a:ext>
+            </a:extLst>
+          </p:cNvPr>
+          <p:cNvSpPr/>
+          <p:nvPr/>
+        </p:nvSpPr>
+        <p:spPr>
+          <a:xfrm>
+            <a:off x="8509505" y="4199106"/>
+            <a:ext cx="1721898" cy="196517"/>
+          </a:xfrm>
+          <a:prstGeom prst="foldedCorner">
+            <a:avLst/>
+          </a:prstGeom>
+          <a:solidFill>
+            <a:srgbClr val="FFFF00"/>
+          </a:solidFill>
+        </p:spPr>
+        <p:style>
+          <a:lnRef idx="2">
+            <a:schemeClr val="accent4">
+              <a:shade val="50000"/>
+            </a:schemeClr>
+          </a:lnRef>
+          <a:fillRef idx="1">
+            <a:schemeClr val="accent4"/>
+          </a:fillRef>
+          <a:effectRef idx="0">
+            <a:schemeClr val="accent4"/>
+          </a:effectRef>
+          <a:fontRef idx="minor">
+            <a:schemeClr val="lt1"/>
+          </a:fontRef>
+        </p:style>
+        <p:txBody>
+          <a:bodyPr rtlCol="0" anchor="ctr"/>
+          <a:lstStyle/>
+          <a:p>
+            <a:r>
+              <a:rPr lang="de-DE" sz="700">
+                <a:solidFill>
+                  <a:schemeClr val="tx1"/>
+                </a:solidFill>
+              </a:rPr>
+              <a:t>active power savings to be deactivated</a:t>
+            </a:r>
+          </a:p>
+        </p:txBody>
+      </p:sp>
+      <p:sp>
+        <p:nvSpPr>
+          <p:cNvPr id="3" name="Rechteck: gefaltete Ecke 2">
+            <a:extLst>
+              <a:ext uri="{FF2B5EF4-FFF2-40B4-BE49-F238E27FC236}">
+                <a16:creationId xmlns:a16="http://schemas.microsoft.com/office/drawing/2014/main" id="{17AC426F-5C9E-B06B-6525-BC2E8A012C91}"/>
+              </a:ext>
+            </a:extLst>
+          </p:cNvPr>
+          <p:cNvSpPr/>
+          <p:nvPr/>
+        </p:nvSpPr>
+        <p:spPr>
+          <a:xfrm>
+            <a:off x="2650274" y="4693890"/>
+            <a:ext cx="1335624" cy="276060"/>
+          </a:xfrm>
+          <a:prstGeom prst="foldedCorner">
+            <a:avLst/>
+          </a:prstGeom>
+          <a:solidFill>
+            <a:srgbClr val="FFFF00"/>
+          </a:solidFill>
+        </p:spPr>
+        <p:style>
+          <a:lnRef idx="2">
+            <a:schemeClr val="accent4">
+              <a:shade val="50000"/>
+            </a:schemeClr>
+          </a:lnRef>
+          <a:fillRef idx="1">
+            <a:schemeClr val="accent4"/>
+          </a:fillRef>
+          <a:effectRef idx="0">
+            <a:schemeClr val="accent4"/>
+          </a:effectRef>
+          <a:fontRef idx="minor">
+            <a:schemeClr val="lt1"/>
+          </a:fontRef>
+        </p:style>
+        <p:txBody>
+          <a:bodyPr rtlCol="0" anchor="ctr"/>
+          <a:lstStyle/>
+          <a:p>
+            <a:r>
+              <a:rPr lang="de-DE" sz="700">
+                <a:solidFill>
+                  <a:schemeClr val="tx1"/>
+                </a:solidFill>
+              </a:rPr>
+              <a:t>Check if active power savings need to be deactivated</a:t>
+            </a:r>
+          </a:p>
+        </p:txBody>
+      </p:sp>
+      <p:cxnSp>
+        <p:nvCxnSpPr>
+          <p:cNvPr id="39" name="Gerade Verbindung mit Pfeil 38">
+            <a:extLst>
+              <a:ext uri="{FF2B5EF4-FFF2-40B4-BE49-F238E27FC236}">
+                <a16:creationId xmlns:a16="http://schemas.microsoft.com/office/drawing/2014/main" id="{EEAA6F5C-6A46-2C71-783F-DEA9C432D4E6}"/>
+              </a:ext>
+            </a:extLst>
+          </p:cNvPr>
+          <p:cNvCxnSpPr>
+            <a:cxnSpLocks/>
+            <a:endCxn id="20" idx="1"/>
+          </p:cNvCxnSpPr>
+          <p:nvPr/>
+        </p:nvCxnSpPr>
+        <p:spPr>
+          <a:xfrm>
+            <a:off x="13711307" y="7206060"/>
+            <a:ext cx="844638" cy="1077213"/>
+          </a:xfrm>
+          <a:prstGeom prst="straightConnector1">
+            <a:avLst/>
+          </a:prstGeom>
+          <a:ln>
+            <a:solidFill>
+              <a:schemeClr val="tx1"/>
+            </a:solidFill>
+            <a:tailEnd type="triangle"/>
+          </a:ln>
+        </p:spPr>
+        <p:style>
+          <a:lnRef idx="1">
+            <a:schemeClr val="accent1"/>
+          </a:lnRef>
+          <a:fillRef idx="0">
+            <a:schemeClr val="accent1"/>
+          </a:fillRef>
+          <a:effectRef idx="0">
+            <a:schemeClr val="accent1"/>
+          </a:effectRef>
+          <a:fontRef idx="minor">
+            <a:schemeClr val="tx1"/>
+          </a:fontRef>
+        </p:style>
+      </p:cxnSp>
+      <p:cxnSp>
+        <p:nvCxnSpPr>
+          <p:cNvPr id="43" name="Gerade Verbindung mit Pfeil 42">
+            <a:extLst>
+              <a:ext uri="{FF2B5EF4-FFF2-40B4-BE49-F238E27FC236}">
+                <a16:creationId xmlns:a16="http://schemas.microsoft.com/office/drawing/2014/main" id="{508E24E4-0205-1E0B-D0EC-5E5FF0261809}"/>
+              </a:ext>
+            </a:extLst>
+          </p:cNvPr>
+          <p:cNvCxnSpPr>
+            <a:cxnSpLocks/>
+          </p:cNvCxnSpPr>
+          <p:nvPr/>
+        </p:nvCxnSpPr>
+        <p:spPr>
+          <a:xfrm>
+            <a:off x="13589149" y="8278323"/>
+            <a:ext cx="966799" cy="0"/>
+          </a:xfrm>
+          <a:prstGeom prst="straightConnector1">
+            <a:avLst/>
+          </a:prstGeom>
+          <a:ln>
+            <a:solidFill>
+              <a:schemeClr val="tx1"/>
+            </a:solidFill>
+            <a:tailEnd type="triangle"/>
+          </a:ln>
+        </p:spPr>
+        <p:style>
+          <a:lnRef idx="1">
+            <a:schemeClr val="accent1"/>
+          </a:lnRef>
+          <a:fillRef idx="0">
+            <a:schemeClr val="accent1"/>
+          </a:fillRef>
+          <a:effectRef idx="0">
+            <a:schemeClr val="accent1"/>
+          </a:effectRef>
+          <a:fontRef idx="minor">
+            <a:schemeClr val="tx1"/>
+          </a:fontRef>
+        </p:style>
+      </p:cxnSp>
+      <p:cxnSp>
+        <p:nvCxnSpPr>
+          <p:cNvPr id="79" name="Gerade Verbindung mit Pfeil 78">
+            <a:extLst>
+              <a:ext uri="{FF2B5EF4-FFF2-40B4-BE49-F238E27FC236}">
+                <a16:creationId xmlns:a16="http://schemas.microsoft.com/office/drawing/2014/main" id="{52221F3D-DD73-D78E-AE5F-C5DD14088B5E}"/>
+              </a:ext>
+            </a:extLst>
+          </p:cNvPr>
+          <p:cNvCxnSpPr>
+            <a:cxnSpLocks/>
+          </p:cNvCxnSpPr>
+          <p:nvPr/>
+        </p:nvCxnSpPr>
+        <p:spPr>
+          <a:xfrm>
+            <a:off x="17173577" y="7891242"/>
+            <a:ext cx="146158" cy="555772"/>
+          </a:xfrm>
+          <a:prstGeom prst="straightConnector1">
+            <a:avLst/>
+          </a:prstGeom>
+          <a:ln w="12700">
+            <a:solidFill>
+              <a:schemeClr val="tx1"/>
+            </a:solidFill>
+            <a:tailEnd type="triangle"/>
+          </a:ln>
+        </p:spPr>
+        <p:style>
+          <a:lnRef idx="1">
+            <a:schemeClr val="accent1"/>
+          </a:lnRef>
+          <a:fillRef idx="0">
+            <a:schemeClr val="accent1"/>
+          </a:fillRef>
+          <a:effectRef idx="0">
+            <a:schemeClr val="accent1"/>
+          </a:effectRef>
+          <a:fontRef idx="minor">
+            <a:schemeClr val="tx1"/>
+          </a:fontRef>
+        </p:style>
+      </p:cxnSp>
+      <p:sp>
+        <p:nvSpPr>
+          <p:cNvPr id="20" name="Rechteck: abgerundete Ecken 19">
+            <a:extLst>
+              <a:ext uri="{FF2B5EF4-FFF2-40B4-BE49-F238E27FC236}">
+                <a16:creationId xmlns:a16="http://schemas.microsoft.com/office/drawing/2014/main" id="{05CC324E-F1FB-A4BC-2716-C216F4F11A98}"/>
+              </a:ext>
+            </a:extLst>
+          </p:cNvPr>
+          <p:cNvSpPr/>
+          <p:nvPr/>
+        </p:nvSpPr>
+        <p:spPr>
+          <a:xfrm>
+            <a:off x="14555948" y="8141692"/>
+            <a:ext cx="828943" cy="283156"/>
+          </a:xfrm>
+          <a:prstGeom prst="roundRect">
+            <a:avLst/>
+          </a:prstGeom>
+          <a:solidFill>
+            <a:schemeClr val="tx1">
+              <a:lumMod val="50000"/>
+              <a:lumOff val="50000"/>
+            </a:schemeClr>
+          </a:solidFill>
+          <a:ln>
+            <a:solidFill>
+              <a:schemeClr val="tx1"/>
+            </a:solidFill>
+          </a:ln>
+        </p:spPr>
+        <p:style>
+          <a:lnRef idx="2">
+            <a:schemeClr val="accent1">
+              <a:shade val="50000"/>
+            </a:schemeClr>
+          </a:lnRef>
+          <a:fillRef idx="1">
+            <a:schemeClr val="accent1"/>
+          </a:fillRef>
+          <a:effectRef idx="0">
+            <a:schemeClr val="accent1"/>
+          </a:effectRef>
+          <a:fontRef idx="minor">
+            <a:schemeClr val="lt1"/>
+          </a:fontRef>
+        </p:style>
+        <p:txBody>
+          <a:bodyPr rtlCol="0" anchor="ctr"/>
+          <a:lstStyle/>
+          <a:p>
+            <a:pPr algn="ctr"/>
+            <a:r>
+              <a:rPr lang="de-DE" sz="1050"/>
+              <a:t>MWGW</a:t>
+            </a:r>
+          </a:p>
+        </p:txBody>
+      </p:sp>
+      <p:sp>
+        <p:nvSpPr>
+          <p:cNvPr id="42" name="Textfeld 41">
+            <a:extLst>
+              <a:ext uri="{FF2B5EF4-FFF2-40B4-BE49-F238E27FC236}">
+                <a16:creationId xmlns:a16="http://schemas.microsoft.com/office/drawing/2014/main" id="{83C09A3F-5DF2-A309-CE86-BCCE49FFAA52}"/>
+              </a:ext>
+            </a:extLst>
+          </p:cNvPr>
+          <p:cNvSpPr txBox="1"/>
+          <p:nvPr/>
+        </p:nvSpPr>
+        <p:spPr>
+          <a:xfrm>
+            <a:off x="16390427" y="4463938"/>
+            <a:ext cx="1566454" cy="253916"/>
+          </a:xfrm>
+          <a:prstGeom prst="rect">
+            <a:avLst/>
+          </a:prstGeom>
+          <a:noFill/>
+        </p:spPr>
+        <p:txBody>
+          <a:bodyPr wrap="none" rtlCol="0">
+            <a:spAutoFit/>
+          </a:bodyPr>
+          <a:lstStyle/>
+          <a:p>
+            <a:r>
+              <a:rPr lang="de-DE" sz="1050" i="1">
+                <a:solidFill>
+                  <a:srgbClr val="0070C0"/>
+                </a:solidFill>
+              </a:rPr>
+              <a:t>Ggf.: add diagram names</a:t>
+            </a:r>
+          </a:p>
+        </p:txBody>
+      </p:sp>
+      <p:sp>
+        <p:nvSpPr>
+          <p:cNvPr id="69" name="Textfeld 68">
+            <a:extLst>
+              <a:ext uri="{FF2B5EF4-FFF2-40B4-BE49-F238E27FC236}">
+                <a16:creationId xmlns:a16="http://schemas.microsoft.com/office/drawing/2014/main" id="{36476331-8E0B-01DF-1A81-F9395C6CF7F9}"/>
+              </a:ext>
+            </a:extLst>
+          </p:cNvPr>
+          <p:cNvSpPr txBox="1"/>
+          <p:nvPr/>
+        </p:nvSpPr>
+        <p:spPr>
+          <a:xfrm>
+            <a:off x="10902059" y="8170601"/>
+            <a:ext cx="2790196" cy="215444"/>
+          </a:xfrm>
+          <a:prstGeom prst="rect">
+            <a:avLst/>
+          </a:prstGeom>
+          <a:solidFill>
+            <a:schemeClr val="bg1"/>
+          </a:solidFill>
+          <a:ln>
+            <a:solidFill>
+              <a:schemeClr val="tx1">
+                <a:lumMod val="65000"/>
+                <a:lumOff val="35000"/>
+              </a:schemeClr>
+            </a:solidFill>
+          </a:ln>
+        </p:spPr>
+        <p:txBody>
+          <a:bodyPr wrap="square" rtlCol="0">
+            <a:spAutoFit/>
+          </a:bodyPr>
+          <a:lstStyle/>
+          <a:p>
+            <a:r>
+              <a:rPr lang="de-DE" sz="800">
+                <a:highlight>
+                  <a:srgbClr val="FFFF00"/>
+                </a:highlight>
+              </a:rPr>
+              <a:t>reactivateTransmittersOfLink(linkId, automationName)</a:t>
+            </a:r>
+          </a:p>
+        </p:txBody>
+      </p:sp>
+      <p:cxnSp>
+        <p:nvCxnSpPr>
+          <p:cNvPr id="89" name="Gerade Verbindung mit Pfeil 88">
+            <a:extLst>
+              <a:ext uri="{FF2B5EF4-FFF2-40B4-BE49-F238E27FC236}">
+                <a16:creationId xmlns:a16="http://schemas.microsoft.com/office/drawing/2014/main" id="{81D65EC0-FC12-999D-B731-D79E38D3FB52}"/>
+              </a:ext>
+            </a:extLst>
+          </p:cNvPr>
+          <p:cNvCxnSpPr>
+            <a:cxnSpLocks/>
+          </p:cNvCxnSpPr>
+          <p:nvPr/>
+        </p:nvCxnSpPr>
+        <p:spPr>
+          <a:xfrm>
+            <a:off x="17290705" y="7906933"/>
+            <a:ext cx="146158" cy="555772"/>
+          </a:xfrm>
+          <a:prstGeom prst="straightConnector1">
+            <a:avLst/>
+          </a:prstGeom>
+          <a:ln>
+            <a:headEnd type="triangle"/>
+            <a:tailEnd type="none"/>
+          </a:ln>
+        </p:spPr>
+        <p:style>
+          <a:lnRef idx="1">
+            <a:schemeClr val="accent1"/>
+          </a:lnRef>
+          <a:fillRef idx="0">
+            <a:schemeClr val="accent1"/>
+          </a:fillRef>
+          <a:effectRef idx="0">
+            <a:schemeClr val="accent1"/>
+          </a:effectRef>
+          <a:fontRef idx="minor">
+            <a:schemeClr val="tx1"/>
+          </a:fontRef>
+        </p:style>
+      </p:cxnSp>
+      <p:sp>
+        <p:nvSpPr>
+          <p:cNvPr id="7" name="Rechteck 6">
+            <a:extLst>
+              <a:ext uri="{FF2B5EF4-FFF2-40B4-BE49-F238E27FC236}">
+                <a16:creationId xmlns:a16="http://schemas.microsoft.com/office/drawing/2014/main" id="{7118DCB2-9847-0ABA-F72F-5B3067E76929}"/>
+              </a:ext>
+            </a:extLst>
+          </p:cNvPr>
+          <p:cNvSpPr/>
+          <p:nvPr/>
+        </p:nvSpPr>
+        <p:spPr>
+          <a:xfrm>
+            <a:off x="10686206" y="-2408418"/>
+            <a:ext cx="161365" cy="129891"/>
+          </a:xfrm>
+          <a:prstGeom prst="rect">
+            <a:avLst/>
+          </a:prstGeom>
+        </p:spPr>
+        <p:style>
+          <a:lnRef idx="2">
+            <a:schemeClr val="accent1">
+              <a:shade val="50000"/>
+            </a:schemeClr>
+          </a:lnRef>
+          <a:fillRef idx="1">
+            <a:schemeClr val="accent1"/>
+          </a:fillRef>
+          <a:effectRef idx="0">
+            <a:schemeClr val="accent1"/>
+          </a:effectRef>
+          <a:fontRef idx="minor">
+            <a:schemeClr val="lt1"/>
+          </a:fontRef>
+        </p:style>
+        <p:txBody>
+          <a:bodyPr rtlCol="0" anchor="ctr"/>
+          <a:lstStyle/>
+          <a:p>
+            <a:pPr algn="ctr"/>
+            <a:endParaRPr lang="de-DE"/>
+          </a:p>
+        </p:txBody>
+      </p:sp>
+      <p:sp>
+        <p:nvSpPr>
+          <p:cNvPr id="23" name="Textfeld 22">
+            <a:extLst>
+              <a:ext uri="{FF2B5EF4-FFF2-40B4-BE49-F238E27FC236}">
+                <a16:creationId xmlns:a16="http://schemas.microsoft.com/office/drawing/2014/main" id="{114F758C-5B45-BB77-4B4B-F21CCFA5D77D}"/>
+              </a:ext>
+            </a:extLst>
+          </p:cNvPr>
+          <p:cNvSpPr txBox="1"/>
+          <p:nvPr/>
+        </p:nvSpPr>
+        <p:spPr>
+          <a:xfrm>
+            <a:off x="3825727" y="9122989"/>
+            <a:ext cx="3847339" cy="261610"/>
+          </a:xfrm>
+          <a:prstGeom prst="rect">
+            <a:avLst/>
+          </a:prstGeom>
+          <a:noFill/>
+        </p:spPr>
+        <p:txBody>
+          <a:bodyPr wrap="square">
+            <a:spAutoFit/>
+          </a:bodyPr>
+          <a:lstStyle/>
+          <a:p>
+            <a:r>
+              <a:rPr lang="de-DE" sz="1100" b="1" i="1">
+                <a:latin typeface="Consolas" panose="020B0609020204030204" pitchFamily="49" charset="0"/>
+              </a:rPr>
+              <a:t>Link related automation</a:t>
+            </a:r>
+          </a:p>
+        </p:txBody>
+      </p:sp>
+      <p:sp>
+        <p:nvSpPr>
+          <p:cNvPr id="29" name="Rechteck: abgerundete Ecken 28">
+            <a:extLst>
+              <a:ext uri="{FF2B5EF4-FFF2-40B4-BE49-F238E27FC236}">
+                <a16:creationId xmlns:a16="http://schemas.microsoft.com/office/drawing/2014/main" id="{3814A108-5D38-8C01-E2E9-E942D9B0429C}"/>
+              </a:ext>
+            </a:extLst>
+          </p:cNvPr>
+          <p:cNvSpPr/>
+          <p:nvPr/>
+        </p:nvSpPr>
+        <p:spPr>
+          <a:xfrm>
+            <a:off x="3966755" y="9521824"/>
+            <a:ext cx="2670991" cy="207424"/>
+          </a:xfrm>
+          <a:prstGeom prst="roundRect">
+            <a:avLst/>
+          </a:prstGeom>
+          <a:solidFill>
+            <a:schemeClr val="accent5">
+              <a:lumMod val="50000"/>
+            </a:schemeClr>
+          </a:solidFill>
+          <a:ln w="3175">
+            <a:solidFill>
+              <a:schemeClr val="tx1">
+                <a:lumMod val="85000"/>
+                <a:lumOff val="15000"/>
+              </a:schemeClr>
+            </a:solidFill>
+          </a:ln>
+        </p:spPr>
+        <p:style>
+          <a:lnRef idx="2">
+            <a:schemeClr val="accent1">
+              <a:shade val="50000"/>
+            </a:schemeClr>
+          </a:lnRef>
+          <a:fillRef idx="1">
+            <a:schemeClr val="accent1"/>
+          </a:fillRef>
+          <a:effectRef idx="0">
+            <a:schemeClr val="accent1"/>
+          </a:effectRef>
+          <a:fontRef idx="minor">
+            <a:schemeClr val="lt1"/>
+          </a:fontRef>
+        </p:style>
+        <p:txBody>
+          <a:bodyPr rtlCol="0" anchor="ctr"/>
+          <a:lstStyle/>
+          <a:p>
+            <a:pPr algn="ctr"/>
+            <a:r>
+              <a:rPr lang="de-DE" sz="1000"/>
+              <a:t>DroppedFramesInitiatedRestoration</a:t>
+            </a:r>
+          </a:p>
+        </p:txBody>
+      </p:sp>
+      <p:sp>
+        <p:nvSpPr>
+          <p:cNvPr id="40" name="Textfeld 39">
+            <a:extLst>
+              <a:ext uri="{FF2B5EF4-FFF2-40B4-BE49-F238E27FC236}">
+                <a16:creationId xmlns:a16="http://schemas.microsoft.com/office/drawing/2014/main" id="{CB895F97-EF27-188E-9B17-D23D3463A585}"/>
+              </a:ext>
+            </a:extLst>
+          </p:cNvPr>
+          <p:cNvSpPr txBox="1"/>
+          <p:nvPr/>
+        </p:nvSpPr>
+        <p:spPr>
+          <a:xfrm>
+            <a:off x="3971385" y="9724266"/>
+            <a:ext cx="2666358" cy="338554"/>
+          </a:xfrm>
+          <a:prstGeom prst="rect">
+            <a:avLst/>
+          </a:prstGeom>
+          <a:solidFill>
+            <a:schemeClr val="bg1"/>
+          </a:solidFill>
+          <a:ln>
+            <a:solidFill>
+              <a:schemeClr val="tx1">
+                <a:lumMod val="65000"/>
+                <a:lumOff val="35000"/>
+              </a:schemeClr>
+            </a:solidFill>
+          </a:ln>
+        </p:spPr>
+        <p:txBody>
+          <a:bodyPr wrap="square" rtlCol="0">
+            <a:spAutoFit/>
+          </a:bodyPr>
+          <a:lstStyle/>
+          <a:p>
+            <a:r>
+              <a:rPr lang="de-DE" sz="800"/>
+              <a:t>startDroppedFramesMonitoring()</a:t>
+            </a:r>
+          </a:p>
+          <a:p>
+            <a:r>
+              <a:rPr lang="de-DE" sz="800"/>
+              <a:t>stopDroppedFramesMonitoring()</a:t>
+            </a:r>
+          </a:p>
+        </p:txBody>
+      </p:sp>
+      <p:grpSp>
+        <p:nvGrpSpPr>
+          <p:cNvPr id="6" name="Gruppieren 5">
+            <a:extLst>
+              <a:ext uri="{FF2B5EF4-FFF2-40B4-BE49-F238E27FC236}">
+                <a16:creationId xmlns:a16="http://schemas.microsoft.com/office/drawing/2014/main" id="{633B8535-1267-30C2-CDFC-13735010357F}"/>
+              </a:ext>
+            </a:extLst>
+          </p:cNvPr>
+          <p:cNvGrpSpPr/>
+          <p:nvPr/>
+        </p:nvGrpSpPr>
+        <p:grpSpPr>
+          <a:xfrm>
+            <a:off x="5584307" y="10820742"/>
+            <a:ext cx="961897" cy="537911"/>
+            <a:chOff x="12596318" y="3860943"/>
+            <a:chExt cx="961897" cy="537911"/>
+          </a:xfrm>
+        </p:grpSpPr>
+        <p:sp>
+          <p:nvSpPr>
+            <p:cNvPr id="9" name="Flussdiagramm: Datenträger mit direktem Zugriff 8">
+              <a:extLst>
+                <a:ext uri="{FF2B5EF4-FFF2-40B4-BE49-F238E27FC236}">
+                  <a16:creationId xmlns:a16="http://schemas.microsoft.com/office/drawing/2014/main" id="{383E010F-0C45-1071-9D41-759692F14CD1}"/>
+                </a:ext>
+              </a:extLst>
+            </p:cNvPr>
+            <p:cNvSpPr/>
+            <p:nvPr/>
+          </p:nvSpPr>
+          <p:spPr>
+            <a:xfrm rot="16200000">
+              <a:off x="12808311" y="3648950"/>
+              <a:ext cx="537911" cy="961897"/>
+            </a:xfrm>
+            <a:prstGeom prst="flowChartMagneticDrum">
+              <a:avLst/>
+            </a:prstGeom>
+            <a:solidFill>
+              <a:schemeClr val="tx1">
+                <a:lumMod val="50000"/>
+                <a:lumOff val="50000"/>
+              </a:schemeClr>
+            </a:solidFill>
+            <a:ln w="6350">
+              <a:solidFill>
+                <a:schemeClr val="tx1"/>
+              </a:solidFill>
+            </a:ln>
+          </p:spPr>
+          <p:style>
+            <a:lnRef idx="2">
+              <a:schemeClr val="accent1">
+                <a:shade val="50000"/>
+              </a:schemeClr>
+            </a:lnRef>
+            <a:fillRef idx="1">
+              <a:schemeClr val="accent1"/>
+            </a:fillRef>
+            <a:effectRef idx="0">
+              <a:schemeClr val="accent1"/>
+            </a:effectRef>
+            <a:fontRef idx="minor">
+              <a:schemeClr val="lt1"/>
+            </a:fontRef>
+          </p:style>
+          <p:txBody>
+            <a:bodyPr rtlCol="0" anchor="ctr"/>
+            <a:lstStyle/>
+            <a:p>
+              <a:pPr algn="ctr"/>
+              <a:endParaRPr lang="de-DE"/>
+            </a:p>
+          </p:txBody>
+        </p:sp>
+        <p:sp>
+          <p:nvSpPr>
+            <p:cNvPr id="11" name="Textfeld 10">
+              <a:extLst>
+                <a:ext uri="{FF2B5EF4-FFF2-40B4-BE49-F238E27FC236}">
+                  <a16:creationId xmlns:a16="http://schemas.microsoft.com/office/drawing/2014/main" id="{6FF788CB-2E86-E1AE-07FF-3981D3911E35}"/>
+                </a:ext>
+              </a:extLst>
+            </p:cNvPr>
+            <p:cNvSpPr txBox="1"/>
+            <p:nvPr/>
+          </p:nvSpPr>
+          <p:spPr>
+            <a:xfrm>
+              <a:off x="12801389" y="4055702"/>
+              <a:ext cx="551754" cy="261610"/>
+            </a:xfrm>
+            <a:prstGeom prst="rect">
+              <a:avLst/>
+            </a:prstGeom>
+            <a:noFill/>
+          </p:spPr>
+          <p:txBody>
+            <a:bodyPr wrap="none" rtlCol="0">
+              <a:spAutoFit/>
+            </a:bodyPr>
+            <a:lstStyle/>
+            <a:p>
+              <a:r>
+                <a:rPr lang="de-DE" sz="1100">
+                  <a:solidFill>
+                    <a:schemeClr val="bg1"/>
+                  </a:solidFill>
+                </a:rPr>
+                <a:t>MWDI</a:t>
+              </a:r>
+            </a:p>
+          </p:txBody>
+        </p:sp>
+      </p:grpSp>
+      <p:cxnSp>
+        <p:nvCxnSpPr>
+          <p:cNvPr id="13" name="Gerade Verbindung mit Pfeil 12">
+            <a:extLst>
+              <a:ext uri="{FF2B5EF4-FFF2-40B4-BE49-F238E27FC236}">
+                <a16:creationId xmlns:a16="http://schemas.microsoft.com/office/drawing/2014/main" id="{3AAD1EDD-801B-1190-385A-8BE2B9B4C5E7}"/>
+              </a:ext>
+            </a:extLst>
+          </p:cNvPr>
+          <p:cNvCxnSpPr>
+            <a:cxnSpLocks/>
+          </p:cNvCxnSpPr>
+          <p:nvPr/>
+        </p:nvCxnSpPr>
+        <p:spPr>
+          <a:xfrm>
+            <a:off x="5796691" y="10264967"/>
+            <a:ext cx="146158" cy="555772"/>
+          </a:xfrm>
+          <a:prstGeom prst="straightConnector1">
+            <a:avLst/>
+          </a:prstGeom>
+          <a:ln w="12700">
+            <a:solidFill>
+              <a:schemeClr val="tx1"/>
+            </a:solidFill>
+            <a:tailEnd type="triangle"/>
+          </a:ln>
+        </p:spPr>
+        <p:style>
+          <a:lnRef idx="1">
+            <a:schemeClr val="accent1"/>
+          </a:lnRef>
+          <a:fillRef idx="0">
+            <a:schemeClr val="accent1"/>
+          </a:fillRef>
+          <a:effectRef idx="0">
+            <a:schemeClr val="accent1"/>
+          </a:effectRef>
+          <a:fontRef idx="minor">
+            <a:schemeClr val="tx1"/>
+          </a:fontRef>
+        </p:style>
+      </p:cxnSp>
+      <p:cxnSp>
+        <p:nvCxnSpPr>
+          <p:cNvPr id="17" name="Gerade Verbindung mit Pfeil 16">
+            <a:extLst>
+              <a:ext uri="{FF2B5EF4-FFF2-40B4-BE49-F238E27FC236}">
+                <a16:creationId xmlns:a16="http://schemas.microsoft.com/office/drawing/2014/main" id="{2ADD3A0A-6F7D-13D8-D63F-ACE06B135D45}"/>
+              </a:ext>
+            </a:extLst>
+          </p:cNvPr>
+          <p:cNvCxnSpPr>
+            <a:cxnSpLocks/>
+          </p:cNvCxnSpPr>
+          <p:nvPr/>
+        </p:nvCxnSpPr>
+        <p:spPr>
+          <a:xfrm>
+            <a:off x="5913819" y="10280658"/>
+            <a:ext cx="146158" cy="555772"/>
+          </a:xfrm>
+          <a:prstGeom prst="straightConnector1">
+            <a:avLst/>
+          </a:prstGeom>
+          <a:ln>
+            <a:headEnd type="triangle"/>
+            <a:tailEnd type="none"/>
+          </a:ln>
+        </p:spPr>
+        <p:style>
+          <a:lnRef idx="1">
+            <a:schemeClr val="accent1"/>
+          </a:lnRef>
+          <a:fillRef idx="0">
+            <a:schemeClr val="accent1"/>
+          </a:fillRef>
+          <a:effectRef idx="0">
+            <a:schemeClr val="accent1"/>
+          </a:effectRef>
+          <a:fontRef idx="minor">
+            <a:schemeClr val="tx1"/>
+          </a:fontRef>
+        </p:style>
+      </p:cxnSp>
+      <p:sp>
+        <p:nvSpPr>
+          <p:cNvPr id="19" name="Textfeld 18">
+            <a:extLst>
+              <a:ext uri="{FF2B5EF4-FFF2-40B4-BE49-F238E27FC236}">
+                <a16:creationId xmlns:a16="http://schemas.microsoft.com/office/drawing/2014/main" id="{BFA96C4D-3807-329D-CC96-25B3278036A3}"/>
+              </a:ext>
+            </a:extLst>
+          </p:cNvPr>
+          <p:cNvSpPr txBox="1"/>
+          <p:nvPr/>
+        </p:nvSpPr>
+        <p:spPr>
+          <a:xfrm>
+            <a:off x="6480194" y="4181593"/>
+            <a:ext cx="338554" cy="1692771"/>
+          </a:xfrm>
+          <a:prstGeom prst="rect">
+            <a:avLst/>
+          </a:prstGeom>
+          <a:noFill/>
+        </p:spPr>
+        <p:txBody>
+          <a:bodyPr wrap="none" rtlCol="0">
+            <a:spAutoFit/>
+          </a:bodyPr>
+          <a:lstStyle/>
+          <a:p>
+            <a:r>
+              <a:rPr lang="de-DE" sz="800">
+                <a:solidFill>
+                  <a:srgbClr val="7030A0"/>
+                </a:solidFill>
+              </a:rPr>
+              <a:t>100</a:t>
+            </a:r>
+          </a:p>
+          <a:p>
+            <a:r>
+              <a:rPr lang="de-DE" sz="800">
+                <a:solidFill>
+                  <a:srgbClr val="7030A0"/>
+                </a:solidFill>
+              </a:rPr>
+              <a:t>101</a:t>
+            </a:r>
+          </a:p>
+          <a:p>
+            <a:r>
+              <a:rPr lang="de-DE" sz="800">
+                <a:solidFill>
+                  <a:srgbClr val="7030A0"/>
+                </a:solidFill>
+              </a:rPr>
+              <a:t>---</a:t>
+            </a:r>
+          </a:p>
+          <a:p>
+            <a:r>
+              <a:rPr lang="de-DE" sz="800">
+                <a:solidFill>
+                  <a:srgbClr val="7030A0"/>
+                </a:solidFill>
+              </a:rPr>
+              <a:t>102</a:t>
+            </a:r>
+          </a:p>
+          <a:p>
+            <a:r>
+              <a:rPr lang="de-DE" sz="800">
+                <a:solidFill>
+                  <a:srgbClr val="7030A0"/>
+                </a:solidFill>
+              </a:rPr>
+              <a:t>103</a:t>
+            </a:r>
+          </a:p>
+          <a:p>
+            <a:r>
+              <a:rPr lang="de-DE" sz="800">
+                <a:solidFill>
+                  <a:srgbClr val="7030A0"/>
+                </a:solidFill>
+              </a:rPr>
+              <a:t>104</a:t>
+            </a:r>
+          </a:p>
+          <a:p>
+            <a:r>
+              <a:rPr lang="de-DE" sz="800">
+                <a:solidFill>
+                  <a:srgbClr val="7030A0"/>
+                </a:solidFill>
+              </a:rPr>
+              <a:t>105</a:t>
+            </a:r>
+          </a:p>
+          <a:p>
+            <a:r>
+              <a:rPr lang="de-DE" sz="800">
+                <a:solidFill>
+                  <a:srgbClr val="7030A0"/>
+                </a:solidFill>
+              </a:rPr>
+              <a:t>---</a:t>
+            </a:r>
+          </a:p>
+          <a:p>
+            <a:r>
+              <a:rPr lang="de-DE" sz="800">
+                <a:solidFill>
+                  <a:srgbClr val="7030A0"/>
+                </a:solidFill>
+              </a:rPr>
+              <a:t>106</a:t>
+            </a:r>
+          </a:p>
+          <a:p>
+            <a:r>
+              <a:rPr lang="de-DE" sz="800">
+                <a:solidFill>
+                  <a:srgbClr val="7030A0"/>
+                </a:solidFill>
+              </a:rPr>
+              <a:t>107</a:t>
+            </a:r>
+          </a:p>
+          <a:p>
+            <a:r>
+              <a:rPr lang="de-DE" sz="800">
+                <a:solidFill>
+                  <a:srgbClr val="7030A0"/>
+                </a:solidFill>
+              </a:rPr>
+              <a:t>108</a:t>
+            </a:r>
+          </a:p>
+          <a:p>
+            <a:r>
+              <a:rPr lang="de-DE" sz="800">
+                <a:solidFill>
+                  <a:srgbClr val="7030A0"/>
+                </a:solidFill>
+              </a:rPr>
+              <a:t>109</a:t>
+            </a:r>
+          </a:p>
+          <a:p>
+            <a:r>
+              <a:rPr lang="de-DE" sz="800">
+                <a:solidFill>
+                  <a:srgbClr val="7030A0"/>
+                </a:solidFill>
+              </a:rPr>
+              <a:t>110</a:t>
+            </a:r>
+          </a:p>
+        </p:txBody>
+      </p:sp>
+      <p:sp>
+        <p:nvSpPr>
+          <p:cNvPr id="33" name="Textfeld 32">
+            <a:extLst>
+              <a:ext uri="{FF2B5EF4-FFF2-40B4-BE49-F238E27FC236}">
+                <a16:creationId xmlns:a16="http://schemas.microsoft.com/office/drawing/2014/main" id="{FA1DDBD4-D66D-3BE1-7092-D1370F88925A}"/>
+              </a:ext>
+            </a:extLst>
+          </p:cNvPr>
+          <p:cNvSpPr txBox="1"/>
+          <p:nvPr/>
+        </p:nvSpPr>
+        <p:spPr>
+          <a:xfrm>
+            <a:off x="6826398" y="4203587"/>
+            <a:ext cx="338554" cy="830997"/>
+          </a:xfrm>
+          <a:prstGeom prst="rect">
+            <a:avLst/>
+          </a:prstGeom>
+          <a:noFill/>
+        </p:spPr>
+        <p:txBody>
+          <a:bodyPr wrap="none" rtlCol="0">
+            <a:spAutoFit/>
+          </a:bodyPr>
+          <a:lstStyle/>
+          <a:p>
+            <a:r>
+              <a:rPr lang="de-DE" sz="800">
+                <a:solidFill>
+                  <a:srgbClr val="7030A0"/>
+                </a:solidFill>
+              </a:rPr>
+              <a:t>120</a:t>
+            </a:r>
+          </a:p>
+          <a:p>
+            <a:r>
+              <a:rPr lang="de-DE" sz="800">
+                <a:solidFill>
+                  <a:srgbClr val="7030A0"/>
+                </a:solidFill>
+              </a:rPr>
+              <a:t>---</a:t>
+            </a:r>
+          </a:p>
+          <a:p>
+            <a:r>
+              <a:rPr lang="de-DE" sz="800">
+                <a:solidFill>
+                  <a:srgbClr val="7030A0"/>
+                </a:solidFill>
+              </a:rPr>
+              <a:t>121</a:t>
+            </a:r>
+          </a:p>
+          <a:p>
+            <a:r>
+              <a:rPr lang="de-DE" sz="800">
+                <a:solidFill>
+                  <a:srgbClr val="7030A0"/>
+                </a:solidFill>
+              </a:rPr>
+              <a:t>---</a:t>
+            </a:r>
+          </a:p>
+          <a:p>
+            <a:r>
+              <a:rPr lang="de-DE" sz="800">
+                <a:solidFill>
+                  <a:srgbClr val="7030A0"/>
+                </a:solidFill>
+              </a:rPr>
+              <a:t>122</a:t>
+            </a:r>
+          </a:p>
+          <a:p>
+            <a:r>
+              <a:rPr lang="de-DE" sz="800">
+                <a:solidFill>
+                  <a:srgbClr val="7030A0"/>
+                </a:solidFill>
+              </a:rPr>
+              <a:t>123</a:t>
+            </a:r>
+          </a:p>
+        </p:txBody>
+      </p:sp>
+      <p:sp>
+        <p:nvSpPr>
+          <p:cNvPr id="41" name="Textfeld 40">
+            <a:extLst>
+              <a:ext uri="{FF2B5EF4-FFF2-40B4-BE49-F238E27FC236}">
+                <a16:creationId xmlns:a16="http://schemas.microsoft.com/office/drawing/2014/main" id="{0D495AB1-593A-51C2-3A1E-A352FB3F1387}"/>
+              </a:ext>
+            </a:extLst>
+          </p:cNvPr>
+          <p:cNvSpPr txBox="1"/>
+          <p:nvPr/>
+        </p:nvSpPr>
+        <p:spPr>
+          <a:xfrm>
+            <a:off x="5567244" y="6841489"/>
+            <a:ext cx="338554" cy="1323439"/>
+          </a:xfrm>
+          <a:prstGeom prst="rect">
+            <a:avLst/>
+          </a:prstGeom>
+          <a:noFill/>
+        </p:spPr>
+        <p:txBody>
+          <a:bodyPr wrap="none" rtlCol="0">
+            <a:spAutoFit/>
+          </a:bodyPr>
+          <a:lstStyle/>
+          <a:p>
+            <a:r>
+              <a:rPr lang="de-DE" sz="800">
+                <a:solidFill>
+                  <a:srgbClr val="7030A0"/>
+                </a:solidFill>
+              </a:rPr>
+              <a:t>200</a:t>
+            </a:r>
+          </a:p>
+          <a:p>
+            <a:r>
+              <a:rPr lang="de-DE" sz="800">
+                <a:solidFill>
+                  <a:srgbClr val="7030A0"/>
+                </a:solidFill>
+              </a:rPr>
+              <a:t>201</a:t>
+            </a:r>
+          </a:p>
+          <a:p>
+            <a:r>
+              <a:rPr lang="de-DE" sz="800">
+                <a:solidFill>
+                  <a:srgbClr val="7030A0"/>
+                </a:solidFill>
+              </a:rPr>
+              <a:t>202</a:t>
+            </a:r>
+          </a:p>
+          <a:p>
+            <a:r>
+              <a:rPr lang="de-DE" sz="800">
+                <a:solidFill>
+                  <a:srgbClr val="7030A0"/>
+                </a:solidFill>
+              </a:rPr>
+              <a:t>203</a:t>
+            </a:r>
+          </a:p>
+          <a:p>
+            <a:r>
+              <a:rPr lang="de-DE" sz="800">
+                <a:solidFill>
+                  <a:srgbClr val="7030A0"/>
+                </a:solidFill>
+              </a:rPr>
+              <a:t>204</a:t>
+            </a:r>
+          </a:p>
+          <a:p>
+            <a:r>
+              <a:rPr lang="de-DE" sz="800">
+                <a:solidFill>
+                  <a:srgbClr val="7030A0"/>
+                </a:solidFill>
+              </a:rPr>
+              <a:t>---</a:t>
+            </a:r>
+          </a:p>
+          <a:p>
+            <a:r>
+              <a:rPr lang="de-DE" sz="800">
+                <a:solidFill>
+                  <a:srgbClr val="7030A0"/>
+                </a:solidFill>
+              </a:rPr>
+              <a:t>205</a:t>
+            </a:r>
+          </a:p>
+          <a:p>
+            <a:r>
+              <a:rPr lang="de-DE" sz="800">
+                <a:solidFill>
+                  <a:srgbClr val="7030A0"/>
+                </a:solidFill>
+              </a:rPr>
+              <a:t>---</a:t>
+            </a:r>
+          </a:p>
+          <a:p>
+            <a:r>
+              <a:rPr lang="de-DE" sz="800">
+                <a:solidFill>
+                  <a:srgbClr val="7030A0"/>
+                </a:solidFill>
+              </a:rPr>
+              <a:t>210</a:t>
+            </a:r>
+          </a:p>
+          <a:p>
+            <a:r>
+              <a:rPr lang="de-DE" sz="800">
+                <a:solidFill>
+                  <a:srgbClr val="7030A0"/>
+                </a:solidFill>
+              </a:rPr>
+              <a:t>211</a:t>
+            </a:r>
+          </a:p>
+        </p:txBody>
+      </p:sp>
+      <p:sp>
+        <p:nvSpPr>
+          <p:cNvPr id="44" name="Textfeld 43">
+            <a:extLst>
+              <a:ext uri="{FF2B5EF4-FFF2-40B4-BE49-F238E27FC236}">
+                <a16:creationId xmlns:a16="http://schemas.microsoft.com/office/drawing/2014/main" id="{63DBA483-BCD0-088D-C1AD-9AC601F28362}"/>
+              </a:ext>
+            </a:extLst>
+          </p:cNvPr>
+          <p:cNvSpPr txBox="1"/>
+          <p:nvPr/>
+        </p:nvSpPr>
+        <p:spPr>
+          <a:xfrm>
+            <a:off x="10320463" y="3527019"/>
+            <a:ext cx="301686" cy="369332"/>
+          </a:xfrm>
+          <a:prstGeom prst="rect">
+            <a:avLst/>
+          </a:prstGeom>
+          <a:noFill/>
+        </p:spPr>
+        <p:txBody>
+          <a:bodyPr wrap="none" rtlCol="0">
+            <a:spAutoFit/>
+          </a:bodyPr>
+          <a:lstStyle/>
+          <a:p>
+            <a:r>
+              <a:rPr lang="de-DE"/>
+              <a:t>1</a:t>
+            </a:r>
+          </a:p>
+        </p:txBody>
+      </p:sp>
+      <p:sp>
+        <p:nvSpPr>
+          <p:cNvPr id="45" name="Textfeld 44">
+            <a:extLst>
+              <a:ext uri="{FF2B5EF4-FFF2-40B4-BE49-F238E27FC236}">
+                <a16:creationId xmlns:a16="http://schemas.microsoft.com/office/drawing/2014/main" id="{F95639E7-C122-2BB0-59C5-D28C007C1D6F}"/>
+              </a:ext>
+            </a:extLst>
+          </p:cNvPr>
+          <p:cNvSpPr txBox="1"/>
+          <p:nvPr/>
+        </p:nvSpPr>
+        <p:spPr>
+          <a:xfrm>
+            <a:off x="5930674" y="8683323"/>
+            <a:ext cx="301686" cy="369332"/>
+          </a:xfrm>
+          <a:prstGeom prst="rect">
+            <a:avLst/>
+          </a:prstGeom>
+          <a:noFill/>
+        </p:spPr>
+        <p:txBody>
+          <a:bodyPr wrap="none" rtlCol="0">
+            <a:spAutoFit/>
+          </a:bodyPr>
+          <a:lstStyle/>
+          <a:p>
+            <a:r>
+              <a:rPr lang="de-DE"/>
+              <a:t>2</a:t>
+            </a:r>
+          </a:p>
+        </p:txBody>
+      </p:sp>
+      <p:sp>
+        <p:nvSpPr>
+          <p:cNvPr id="46" name="Textfeld 45">
+            <a:extLst>
+              <a:ext uri="{FF2B5EF4-FFF2-40B4-BE49-F238E27FC236}">
+                <a16:creationId xmlns:a16="http://schemas.microsoft.com/office/drawing/2014/main" id="{59F4251F-F44C-1386-9B93-53328792C159}"/>
+              </a:ext>
+            </a:extLst>
+          </p:cNvPr>
+          <p:cNvSpPr txBox="1"/>
+          <p:nvPr/>
+        </p:nvSpPr>
+        <p:spPr>
+          <a:xfrm>
+            <a:off x="7154305" y="9915293"/>
+            <a:ext cx="301686" cy="369332"/>
+          </a:xfrm>
+          <a:prstGeom prst="rect">
+            <a:avLst/>
+          </a:prstGeom>
+          <a:noFill/>
+        </p:spPr>
+        <p:txBody>
+          <a:bodyPr wrap="none" rtlCol="0">
+            <a:spAutoFit/>
+          </a:bodyPr>
+          <a:lstStyle/>
+          <a:p>
+            <a:r>
+              <a:rPr lang="de-DE"/>
+              <a:t>3</a:t>
+            </a:r>
+          </a:p>
+        </p:txBody>
+      </p:sp>
+      <p:sp>
+        <p:nvSpPr>
+          <p:cNvPr id="48" name="Textfeld 47">
+            <a:extLst>
+              <a:ext uri="{FF2B5EF4-FFF2-40B4-BE49-F238E27FC236}">
+                <a16:creationId xmlns:a16="http://schemas.microsoft.com/office/drawing/2014/main" id="{51CA234E-016E-6225-6DFE-22BAB143EDF1}"/>
+              </a:ext>
+            </a:extLst>
+          </p:cNvPr>
+          <p:cNvSpPr txBox="1"/>
+          <p:nvPr/>
+        </p:nvSpPr>
+        <p:spPr>
+          <a:xfrm>
+            <a:off x="10357054" y="8683323"/>
+            <a:ext cx="301686" cy="369332"/>
+          </a:xfrm>
+          <a:prstGeom prst="rect">
+            <a:avLst/>
+          </a:prstGeom>
+          <a:noFill/>
+        </p:spPr>
+        <p:txBody>
+          <a:bodyPr wrap="none" rtlCol="0">
+            <a:spAutoFit/>
+          </a:bodyPr>
+          <a:lstStyle/>
+          <a:p>
+            <a:r>
+              <a:rPr lang="de-DE"/>
+              <a:t>4</a:t>
+            </a:r>
+          </a:p>
+        </p:txBody>
+      </p:sp>
+      <p:sp>
+        <p:nvSpPr>
+          <p:cNvPr id="49" name="Textfeld 48">
+            <a:extLst>
+              <a:ext uri="{FF2B5EF4-FFF2-40B4-BE49-F238E27FC236}">
+                <a16:creationId xmlns:a16="http://schemas.microsoft.com/office/drawing/2014/main" id="{228BED19-5AD1-DD5B-741F-C3FF6AA8D97E}"/>
+              </a:ext>
+            </a:extLst>
+          </p:cNvPr>
+          <p:cNvSpPr txBox="1"/>
+          <p:nvPr/>
+        </p:nvSpPr>
+        <p:spPr>
+          <a:xfrm>
+            <a:off x="14003456" y="8756053"/>
+            <a:ext cx="301686" cy="369332"/>
+          </a:xfrm>
+          <a:prstGeom prst="rect">
+            <a:avLst/>
+          </a:prstGeom>
+          <a:noFill/>
+        </p:spPr>
+        <p:txBody>
+          <a:bodyPr wrap="none" rtlCol="0">
+            <a:spAutoFit/>
+          </a:bodyPr>
+          <a:lstStyle/>
+          <a:p>
+            <a:r>
+              <a:rPr lang="de-DE"/>
+              <a:t>5</a:t>
+            </a:r>
+          </a:p>
+        </p:txBody>
+      </p:sp>
+      <p:sp>
+        <p:nvSpPr>
+          <p:cNvPr id="50" name="Textfeld 49">
+            <a:extLst>
+              <a:ext uri="{FF2B5EF4-FFF2-40B4-BE49-F238E27FC236}">
+                <a16:creationId xmlns:a16="http://schemas.microsoft.com/office/drawing/2014/main" id="{E47DBC21-7061-BB0D-416D-948DC80EB76D}"/>
+              </a:ext>
+            </a:extLst>
+          </p:cNvPr>
+          <p:cNvSpPr txBox="1"/>
+          <p:nvPr/>
+        </p:nvSpPr>
+        <p:spPr>
+          <a:xfrm>
+            <a:off x="17204331" y="7556745"/>
+            <a:ext cx="301686" cy="369332"/>
+          </a:xfrm>
+          <a:prstGeom prst="rect">
+            <a:avLst/>
+          </a:prstGeom>
+          <a:noFill/>
+        </p:spPr>
+        <p:txBody>
+          <a:bodyPr wrap="none" rtlCol="0">
+            <a:spAutoFit/>
+          </a:bodyPr>
+          <a:lstStyle/>
+          <a:p>
+            <a:r>
+              <a:rPr lang="de-DE"/>
+              <a:t>6</a:t>
+            </a:r>
+          </a:p>
+        </p:txBody>
+      </p:sp>
+      <p:sp>
+        <p:nvSpPr>
+          <p:cNvPr id="51" name="Textfeld 50">
+            <a:extLst>
+              <a:ext uri="{FF2B5EF4-FFF2-40B4-BE49-F238E27FC236}">
+                <a16:creationId xmlns:a16="http://schemas.microsoft.com/office/drawing/2014/main" id="{CA31537C-F7A5-6B98-4C3A-E64DD5958A6D}"/>
+              </a:ext>
+            </a:extLst>
+          </p:cNvPr>
+          <p:cNvSpPr txBox="1"/>
+          <p:nvPr/>
+        </p:nvSpPr>
+        <p:spPr>
+          <a:xfrm>
+            <a:off x="13302149" y="9467187"/>
+            <a:ext cx="301686" cy="369332"/>
+          </a:xfrm>
+          <a:prstGeom prst="rect">
+            <a:avLst/>
+          </a:prstGeom>
+          <a:noFill/>
+        </p:spPr>
+        <p:txBody>
+          <a:bodyPr wrap="none" rtlCol="0">
+            <a:spAutoFit/>
+          </a:bodyPr>
+          <a:lstStyle/>
+          <a:p>
+            <a:r>
+              <a:rPr lang="de-DE"/>
+              <a:t>7</a:t>
+            </a:r>
+          </a:p>
+        </p:txBody>
+      </p:sp>
+      <p:sp>
+        <p:nvSpPr>
+          <p:cNvPr id="52" name="Textfeld 51">
+            <a:extLst>
+              <a:ext uri="{FF2B5EF4-FFF2-40B4-BE49-F238E27FC236}">
+                <a16:creationId xmlns:a16="http://schemas.microsoft.com/office/drawing/2014/main" id="{FA87CFE9-532D-E67C-1F50-875A093536FD}"/>
+              </a:ext>
+            </a:extLst>
+          </p:cNvPr>
+          <p:cNvSpPr txBox="1"/>
+          <p:nvPr/>
+        </p:nvSpPr>
+        <p:spPr>
+          <a:xfrm>
+            <a:off x="16774998" y="9450799"/>
+            <a:ext cx="301686" cy="369332"/>
+          </a:xfrm>
+          <a:prstGeom prst="rect">
+            <a:avLst/>
+          </a:prstGeom>
+          <a:noFill/>
+        </p:spPr>
+        <p:txBody>
+          <a:bodyPr wrap="none" rtlCol="0">
+            <a:spAutoFit/>
+          </a:bodyPr>
+          <a:lstStyle/>
+          <a:p>
+            <a:r>
+              <a:rPr lang="de-DE"/>
+              <a:t>8</a:t>
+            </a:r>
+          </a:p>
+        </p:txBody>
+      </p:sp>
+      <p:sp>
+        <p:nvSpPr>
+          <p:cNvPr id="54" name="Textfeld 53">
+            <a:extLst>
+              <a:ext uri="{FF2B5EF4-FFF2-40B4-BE49-F238E27FC236}">
+                <a16:creationId xmlns:a16="http://schemas.microsoft.com/office/drawing/2014/main" id="{4B873882-88D0-83D7-4746-06A4A459140F}"/>
+              </a:ext>
+            </a:extLst>
+          </p:cNvPr>
+          <p:cNvSpPr txBox="1"/>
+          <p:nvPr/>
+        </p:nvSpPr>
+        <p:spPr>
+          <a:xfrm>
+            <a:off x="19493093" y="9442030"/>
+            <a:ext cx="301686" cy="369332"/>
+          </a:xfrm>
+          <a:prstGeom prst="rect">
+            <a:avLst/>
+          </a:prstGeom>
+          <a:noFill/>
+        </p:spPr>
+        <p:txBody>
+          <a:bodyPr wrap="none" rtlCol="0">
+            <a:spAutoFit/>
+          </a:bodyPr>
+          <a:lstStyle/>
+          <a:p>
+            <a:r>
+              <a:rPr lang="de-DE"/>
+              <a:t>9</a:t>
+            </a:r>
+          </a:p>
+        </p:txBody>
+      </p:sp>
+      <p:sp>
+        <p:nvSpPr>
+          <p:cNvPr id="55" name="Textfeld 54">
+            <a:extLst>
+              <a:ext uri="{FF2B5EF4-FFF2-40B4-BE49-F238E27FC236}">
+                <a16:creationId xmlns:a16="http://schemas.microsoft.com/office/drawing/2014/main" id="{EF3FFBE8-1CD6-5924-5E13-28C4B2957D3E}"/>
+              </a:ext>
+            </a:extLst>
+          </p:cNvPr>
+          <p:cNvSpPr txBox="1"/>
+          <p:nvPr/>
+        </p:nvSpPr>
+        <p:spPr>
+          <a:xfrm>
+            <a:off x="19447283" y="9779300"/>
+            <a:ext cx="423663" cy="369332"/>
+          </a:xfrm>
+          <a:prstGeom prst="rect">
+            <a:avLst/>
+          </a:prstGeom>
+          <a:noFill/>
+        </p:spPr>
+        <p:txBody>
+          <a:bodyPr wrap="square" rtlCol="0">
+            <a:spAutoFit/>
+          </a:bodyPr>
+          <a:lstStyle/>
+          <a:p>
+            <a:r>
+              <a:rPr lang="de-DE"/>
+              <a:t>10</a:t>
+            </a:r>
+          </a:p>
+        </p:txBody>
+      </p:sp>
+      <p:sp>
+        <p:nvSpPr>
+          <p:cNvPr id="64" name="Textfeld 63">
+            <a:extLst>
+              <a:ext uri="{FF2B5EF4-FFF2-40B4-BE49-F238E27FC236}">
+                <a16:creationId xmlns:a16="http://schemas.microsoft.com/office/drawing/2014/main" id="{51B58F6C-997A-8C21-9AE8-ACA675836D87}"/>
+              </a:ext>
+            </a:extLst>
+          </p:cNvPr>
+          <p:cNvSpPr txBox="1"/>
+          <p:nvPr/>
+        </p:nvSpPr>
+        <p:spPr>
+          <a:xfrm>
+            <a:off x="10331459" y="7034399"/>
+            <a:ext cx="338554" cy="461665"/>
+          </a:xfrm>
+          <a:prstGeom prst="rect">
+            <a:avLst/>
+          </a:prstGeom>
+          <a:noFill/>
+        </p:spPr>
+        <p:txBody>
+          <a:bodyPr wrap="none" rtlCol="0">
+            <a:spAutoFit/>
+          </a:bodyPr>
+          <a:lstStyle/>
+          <a:p>
+            <a:r>
+              <a:rPr lang="de-DE" sz="800">
+                <a:solidFill>
+                  <a:srgbClr val="7030A0"/>
+                </a:solidFill>
+              </a:rPr>
+              <a:t>400</a:t>
+            </a:r>
+          </a:p>
+          <a:p>
+            <a:r>
+              <a:rPr lang="de-DE" sz="800">
+                <a:solidFill>
+                  <a:srgbClr val="7030A0"/>
+                </a:solidFill>
+              </a:rPr>
+              <a:t>401</a:t>
+            </a:r>
+          </a:p>
+          <a:p>
+            <a:r>
+              <a:rPr lang="de-DE" sz="800">
+                <a:solidFill>
+                  <a:srgbClr val="7030A0"/>
+                </a:solidFill>
+              </a:rPr>
+              <a:t>402</a:t>
+            </a:r>
+          </a:p>
+        </p:txBody>
+      </p:sp>
+      <p:sp>
+        <p:nvSpPr>
+          <p:cNvPr id="65" name="Textfeld 64">
+            <a:extLst>
+              <a:ext uri="{FF2B5EF4-FFF2-40B4-BE49-F238E27FC236}">
+                <a16:creationId xmlns:a16="http://schemas.microsoft.com/office/drawing/2014/main" id="{30FB7B17-3634-5478-8D74-7D0054564D37}"/>
+              </a:ext>
+            </a:extLst>
+          </p:cNvPr>
+          <p:cNvSpPr txBox="1"/>
+          <p:nvPr/>
+        </p:nvSpPr>
+        <p:spPr>
+          <a:xfrm>
+            <a:off x="9526275" y="8247123"/>
+            <a:ext cx="338554" cy="461665"/>
+          </a:xfrm>
+          <a:prstGeom prst="rect">
+            <a:avLst/>
+          </a:prstGeom>
+          <a:noFill/>
+        </p:spPr>
+        <p:txBody>
+          <a:bodyPr wrap="none" rtlCol="0">
+            <a:spAutoFit/>
+          </a:bodyPr>
+          <a:lstStyle/>
+          <a:p>
+            <a:r>
+              <a:rPr lang="de-DE" sz="800">
+                <a:solidFill>
+                  <a:srgbClr val="7030A0"/>
+                </a:solidFill>
+              </a:rPr>
+              <a:t>410</a:t>
+            </a:r>
+          </a:p>
+          <a:p>
+            <a:endParaRPr lang="de-DE" sz="800">
+              <a:solidFill>
+                <a:srgbClr val="7030A0"/>
+              </a:solidFill>
+            </a:endParaRPr>
+          </a:p>
+          <a:p>
+            <a:r>
+              <a:rPr lang="de-DE" sz="800">
+                <a:solidFill>
+                  <a:srgbClr val="7030A0"/>
+                </a:solidFill>
+              </a:rPr>
+              <a:t>411</a:t>
+            </a:r>
+          </a:p>
+        </p:txBody>
+      </p:sp>
+      <p:sp>
+        <p:nvSpPr>
+          <p:cNvPr id="66" name="Textfeld 65">
+            <a:extLst>
+              <a:ext uri="{FF2B5EF4-FFF2-40B4-BE49-F238E27FC236}">
+                <a16:creationId xmlns:a16="http://schemas.microsoft.com/office/drawing/2014/main" id="{3F56B4F1-6183-3CB3-F2AF-DD67BDC87136}"/>
+              </a:ext>
+            </a:extLst>
+          </p:cNvPr>
+          <p:cNvSpPr txBox="1"/>
+          <p:nvPr/>
+        </p:nvSpPr>
+        <p:spPr>
+          <a:xfrm>
+            <a:off x="13672605" y="6984035"/>
+            <a:ext cx="338554" cy="215444"/>
+          </a:xfrm>
+          <a:prstGeom prst="rect">
+            <a:avLst/>
+          </a:prstGeom>
+          <a:noFill/>
+        </p:spPr>
+        <p:txBody>
+          <a:bodyPr wrap="none" rtlCol="0">
+            <a:spAutoFit/>
+          </a:bodyPr>
+          <a:lstStyle/>
+          <a:p>
+            <a:r>
+              <a:rPr lang="de-DE" sz="800">
+                <a:solidFill>
+                  <a:srgbClr val="7030A0"/>
+                </a:solidFill>
+              </a:rPr>
+              <a:t>500</a:t>
+            </a:r>
+          </a:p>
+        </p:txBody>
+      </p:sp>
+      <p:sp>
+        <p:nvSpPr>
+          <p:cNvPr id="67" name="Textfeld 66">
+            <a:extLst>
+              <a:ext uri="{FF2B5EF4-FFF2-40B4-BE49-F238E27FC236}">
+                <a16:creationId xmlns:a16="http://schemas.microsoft.com/office/drawing/2014/main" id="{67B422B5-0A8E-114B-835E-1F119B43F4AE}"/>
+              </a:ext>
+            </a:extLst>
+          </p:cNvPr>
+          <p:cNvSpPr txBox="1"/>
+          <p:nvPr/>
+        </p:nvSpPr>
+        <p:spPr>
+          <a:xfrm>
+            <a:off x="13672605" y="8298161"/>
+            <a:ext cx="338554" cy="215444"/>
+          </a:xfrm>
+          <a:prstGeom prst="rect">
+            <a:avLst/>
+          </a:prstGeom>
+          <a:noFill/>
+        </p:spPr>
+        <p:txBody>
+          <a:bodyPr wrap="none" rtlCol="0">
+            <a:spAutoFit/>
+          </a:bodyPr>
+          <a:lstStyle/>
+          <a:p>
+            <a:r>
+              <a:rPr lang="de-DE" sz="800">
+                <a:solidFill>
+                  <a:srgbClr val="7030A0"/>
+                </a:solidFill>
+              </a:rPr>
+              <a:t>510</a:t>
+            </a:r>
+          </a:p>
+        </p:txBody>
+      </p:sp>
+      <p:sp>
+        <p:nvSpPr>
+          <p:cNvPr id="68" name="Textfeld 67">
+            <a:extLst>
+              <a:ext uri="{FF2B5EF4-FFF2-40B4-BE49-F238E27FC236}">
+                <a16:creationId xmlns:a16="http://schemas.microsoft.com/office/drawing/2014/main" id="{4157F15F-B2FD-C3FC-B164-FDD383DF6E71}"/>
+              </a:ext>
+            </a:extLst>
+          </p:cNvPr>
+          <p:cNvSpPr txBox="1"/>
+          <p:nvPr/>
+        </p:nvSpPr>
+        <p:spPr>
+          <a:xfrm>
+            <a:off x="16844358" y="6960835"/>
+            <a:ext cx="338554" cy="215444"/>
+          </a:xfrm>
+          <a:prstGeom prst="rect">
+            <a:avLst/>
+          </a:prstGeom>
+          <a:noFill/>
+        </p:spPr>
+        <p:txBody>
+          <a:bodyPr wrap="none" rtlCol="0">
+            <a:spAutoFit/>
+          </a:bodyPr>
+          <a:lstStyle/>
+          <a:p>
+            <a:r>
+              <a:rPr lang="de-DE" sz="800">
+                <a:solidFill>
+                  <a:srgbClr val="7030A0"/>
+                </a:solidFill>
+              </a:rPr>
+              <a:t>600</a:t>
+            </a:r>
+          </a:p>
+        </p:txBody>
+      </p:sp>
+      <p:sp>
+        <p:nvSpPr>
+          <p:cNvPr id="73" name="Textfeld 72">
+            <a:extLst>
+              <a:ext uri="{FF2B5EF4-FFF2-40B4-BE49-F238E27FC236}">
+                <a16:creationId xmlns:a16="http://schemas.microsoft.com/office/drawing/2014/main" id="{B47B1F85-E31B-C9A2-75E4-1010C6729B85}"/>
+              </a:ext>
+            </a:extLst>
+          </p:cNvPr>
+          <p:cNvSpPr txBox="1"/>
+          <p:nvPr/>
+        </p:nvSpPr>
+        <p:spPr>
+          <a:xfrm>
+            <a:off x="6327575" y="9728290"/>
+            <a:ext cx="338554" cy="338554"/>
+          </a:xfrm>
+          <a:prstGeom prst="rect">
+            <a:avLst/>
+          </a:prstGeom>
+          <a:noFill/>
+        </p:spPr>
+        <p:txBody>
+          <a:bodyPr wrap="none" rtlCol="0">
+            <a:spAutoFit/>
+          </a:bodyPr>
+          <a:lstStyle/>
+          <a:p>
+            <a:r>
+              <a:rPr lang="de-DE" sz="800">
+                <a:solidFill>
+                  <a:srgbClr val="7030A0"/>
+                </a:solidFill>
+              </a:rPr>
+              <a:t>300</a:t>
+            </a:r>
+          </a:p>
+          <a:p>
+            <a:r>
+              <a:rPr lang="de-DE" sz="800">
+                <a:solidFill>
+                  <a:srgbClr val="7030A0"/>
+                </a:solidFill>
+              </a:rPr>
+              <a:t>301</a:t>
+            </a:r>
+          </a:p>
+        </p:txBody>
+      </p:sp>
+      <p:sp>
+        <p:nvSpPr>
+          <p:cNvPr id="74" name="Textfeld 73">
+            <a:extLst>
+              <a:ext uri="{FF2B5EF4-FFF2-40B4-BE49-F238E27FC236}">
+                <a16:creationId xmlns:a16="http://schemas.microsoft.com/office/drawing/2014/main" id="{BAD97932-7456-9086-CAB5-26492966AA27}"/>
+              </a:ext>
+            </a:extLst>
+          </p:cNvPr>
+          <p:cNvSpPr txBox="1"/>
+          <p:nvPr/>
+        </p:nvSpPr>
+        <p:spPr>
+          <a:xfrm>
+            <a:off x="13110111" y="10034475"/>
+            <a:ext cx="338554" cy="1200329"/>
+          </a:xfrm>
+          <a:prstGeom prst="rect">
+            <a:avLst/>
+          </a:prstGeom>
+          <a:noFill/>
+        </p:spPr>
+        <p:txBody>
+          <a:bodyPr wrap="none" rtlCol="0">
+            <a:spAutoFit/>
+          </a:bodyPr>
+          <a:lstStyle/>
+          <a:p>
+            <a:r>
+              <a:rPr lang="de-DE" sz="800">
+                <a:solidFill>
+                  <a:srgbClr val="7030A0"/>
+                </a:solidFill>
+              </a:rPr>
+              <a:t>700</a:t>
+            </a:r>
+          </a:p>
+          <a:p>
+            <a:endParaRPr lang="de-DE" sz="800">
+              <a:solidFill>
+                <a:srgbClr val="7030A0"/>
+              </a:solidFill>
+            </a:endParaRPr>
+          </a:p>
+          <a:p>
+            <a:endParaRPr lang="de-DE" sz="800">
+              <a:solidFill>
+                <a:srgbClr val="7030A0"/>
+              </a:solidFill>
+            </a:endParaRPr>
+          </a:p>
+          <a:p>
+            <a:r>
+              <a:rPr lang="de-DE" sz="800">
+                <a:solidFill>
+                  <a:srgbClr val="7030A0"/>
+                </a:solidFill>
+              </a:rPr>
+              <a:t>701</a:t>
+            </a:r>
+          </a:p>
+          <a:p>
+            <a:r>
+              <a:rPr lang="de-DE" sz="800">
+                <a:solidFill>
+                  <a:srgbClr val="7030A0"/>
+                </a:solidFill>
+              </a:rPr>
+              <a:t>702</a:t>
+            </a:r>
+          </a:p>
+          <a:p>
+            <a:r>
+              <a:rPr lang="de-DE" sz="800">
+                <a:solidFill>
+                  <a:srgbClr val="7030A0"/>
+                </a:solidFill>
+              </a:rPr>
+              <a:t>703</a:t>
+            </a:r>
+          </a:p>
+          <a:p>
+            <a:r>
+              <a:rPr lang="de-DE" sz="800">
+                <a:solidFill>
+                  <a:srgbClr val="7030A0"/>
+                </a:solidFill>
+              </a:rPr>
+              <a:t>704</a:t>
+            </a:r>
+          </a:p>
+          <a:p>
+            <a:endParaRPr lang="de-DE" sz="800">
+              <a:solidFill>
+                <a:srgbClr val="7030A0"/>
+              </a:solidFill>
+            </a:endParaRPr>
+          </a:p>
+          <a:p>
+            <a:r>
+              <a:rPr lang="de-DE" sz="800">
+                <a:solidFill>
+                  <a:srgbClr val="7030A0"/>
+                </a:solidFill>
+              </a:rPr>
+              <a:t>705</a:t>
+            </a:r>
+          </a:p>
+        </p:txBody>
+      </p:sp>
+      <p:sp>
+        <p:nvSpPr>
+          <p:cNvPr id="56" name="Textfeld 55">
+            <a:extLst>
+              <a:ext uri="{FF2B5EF4-FFF2-40B4-BE49-F238E27FC236}">
+                <a16:creationId xmlns:a16="http://schemas.microsoft.com/office/drawing/2014/main" id="{6E111F6A-8629-EECD-35AF-31D1C657EF0B}"/>
+              </a:ext>
+            </a:extLst>
+          </p:cNvPr>
+          <p:cNvSpPr txBox="1"/>
+          <p:nvPr/>
+        </p:nvSpPr>
+        <p:spPr>
+          <a:xfrm>
+            <a:off x="17514626" y="6464827"/>
+            <a:ext cx="3595154" cy="1015663"/>
+          </a:xfrm>
+          <a:prstGeom prst="rect">
+            <a:avLst/>
+          </a:prstGeom>
+          <a:noFill/>
+        </p:spPr>
+        <p:txBody>
+          <a:bodyPr wrap="square" rtlCol="0">
+            <a:spAutoFit/>
+          </a:bodyPr>
+          <a:lstStyle/>
+          <a:p>
+            <a:r>
+              <a:rPr lang="de-DE" sz="1200">
+                <a:solidFill>
+                  <a:srgbClr val="C00000"/>
+                </a:solidFill>
+              </a:rPr>
+              <a:t>provideTransmitterStatusOfParallelLink needs network topology services from MWDI, which are not yet available.</a:t>
+            </a:r>
+          </a:p>
+          <a:p>
+            <a:r>
+              <a:rPr lang="de-DE" sz="1200">
+                <a:solidFill>
+                  <a:srgbClr val="C00000"/>
+                </a:solidFill>
+              </a:rPr>
+              <a:t>So for testing in lab, we need to mock a suitable response (hardcoded values).</a:t>
+            </a:r>
+          </a:p>
+        </p:txBody>
+      </p:sp>
+      <p:cxnSp>
+        <p:nvCxnSpPr>
+          <p:cNvPr id="76" name="Gerader Verbinder 75">
+            <a:extLst>
+              <a:ext uri="{FF2B5EF4-FFF2-40B4-BE49-F238E27FC236}">
+                <a16:creationId xmlns:a16="http://schemas.microsoft.com/office/drawing/2014/main" id="{5EFFB45C-977D-09CA-F5E1-F93008E33241}"/>
+              </a:ext>
+            </a:extLst>
+          </p:cNvPr>
+          <p:cNvCxnSpPr>
+            <a:stCxn id="68" idx="0"/>
+          </p:cNvCxnSpPr>
+          <p:nvPr/>
+        </p:nvCxnSpPr>
+        <p:spPr>
+          <a:xfrm flipV="1">
+            <a:off x="17013635" y="6728343"/>
+            <a:ext cx="545244" cy="232492"/>
+          </a:xfrm>
+          <a:prstGeom prst="line">
+            <a:avLst/>
+          </a:prstGeom>
+        </p:spPr>
+        <p:style>
+          <a:lnRef idx="1">
+            <a:schemeClr val="accent1"/>
+          </a:lnRef>
+          <a:fillRef idx="0">
+            <a:schemeClr val="accent1"/>
+          </a:fillRef>
+          <a:effectRef idx="0">
+            <a:schemeClr val="accent1"/>
+          </a:effectRef>
+          <a:fontRef idx="minor">
+            <a:schemeClr val="tx1"/>
+          </a:fontRef>
+        </p:style>
+      </p:cxnSp>
+    </p:spTree>
+    <p:extLst>
+      <p:ext uri="{BB962C8B-B14F-4D97-AF65-F5344CB8AC3E}">
+        <p14:creationId xmlns:p14="http://schemas.microsoft.com/office/powerpoint/2010/main" val="56617266"/>
       </p:ext>
     </p:extLst>
   </p:cSld>

--- a/spec/input/aips_modules-overview.pptx
+++ b/spec/input/aips_modules-overview.pptx
@@ -5,15 +5,14 @@
     <p:sldMasterId id="2147483696" r:id="rId1"/>
   </p:sldMasterIdLst>
   <p:notesMasterIdLst>
-    <p:notesMasterId r:id="rId8"/>
+    <p:notesMasterId r:id="rId7"/>
   </p:notesMasterIdLst>
   <p:sldIdLst>
-    <p:sldId id="281" r:id="rId2"/>
+    <p:sldId id="283" r:id="rId2"/>
     <p:sldId id="276" r:id="rId3"/>
     <p:sldId id="266" r:id="rId4"/>
-    <p:sldId id="280" r:id="rId5"/>
-    <p:sldId id="273" r:id="rId6"/>
-    <p:sldId id="282" r:id="rId7"/>
+    <p:sldId id="273" r:id="rId5"/>
+    <p:sldId id="282" r:id="rId6"/>
   </p:sldIdLst>
   <p:sldSz cx="21599525" cy="16200438"/>
   <p:notesSz cx="6858000" cy="9144000"/>
@@ -628,7 +627,7 @@
           <a:p>
             <a:fld id="{D1A63696-B99F-4FC8-B6C7-8DFA2920F24D}" type="slidenum">
               <a:rPr lang="de-DE" smtClean="0"/>
-              <a:t>6</a:t>
+              <a:t>5</a:t>
             </a:fld>
             <a:endParaRPr lang="de-DE"/>
           </a:p>
@@ -5377,7 +5376,7 @@
         <p:spPr>
           <a:xfrm>
             <a:off x="10070047" y="4774877"/>
-            <a:ext cx="2467950" cy="954107"/>
+            <a:ext cx="2467950" cy="1077218"/>
           </a:xfrm>
           <a:prstGeom prst="rect">
             <a:avLst/>
@@ -5406,7 +5405,7 @@
             </a:pPr>
             <a:r>
               <a:rPr lang="de-DE" sz="800"/>
-              <a:t>Activate power saving mode on a link after ensuring both transmitters of a parallel link are operating at their maximum configured modulation</a:t>
+              <a:t>Activate power saving mode on a link after ensuring both transmitters of any parallel link are operating at their maximum configured modulation (if there are multiple parallel links, it‘s enough if one of those links is operating properly)</a:t>
             </a:r>
           </a:p>
           <a:p>
@@ -5664,7 +5663,7 @@
         <p:spPr>
           <a:xfrm>
             <a:off x="13285859" y="4481050"/>
-            <a:ext cx="2467950" cy="1446550"/>
+            <a:ext cx="2467950" cy="1077218"/>
           </a:xfrm>
           <a:prstGeom prst="rect">
             <a:avLst/>
@@ -5693,7 +5692,7 @@
             </a:pPr>
             <a:r>
               <a:rPr lang="de-DE" sz="800"/>
-              <a:t>Translates passed link-ID into uuid of related AirLayer connection</a:t>
+              <a:t>Calls upon MWDI (later MWDI) to get the list of parallel links and to translate linkIDs into link endpoint address triples</a:t>
             </a:r>
           </a:p>
           <a:p>
@@ -5703,53 +5702,7 @@
             </a:pPr>
             <a:r>
               <a:rPr lang="de-DE" sz="800"/>
-              <a:t>Analyzes if there is a parallel AirLayerConnection</a:t>
-            </a:r>
-          </a:p>
-          <a:p>
-            <a:pPr marL="171450" indent="-171450">
-              <a:buFont typeface="Arial" panose="020B0604020202020204" pitchFamily="34" charset="0"/>
-              <a:buChar char="•"/>
-            </a:pPr>
-            <a:r>
-              <a:rPr lang="de-DE" sz="800"/>
-              <a:t>Determines mount names, uuids, local-Ids of ther Air Interface that terminate </a:t>
-            </a:r>
-          </a:p>
-          <a:p>
-            <a:pPr marL="358775" lvl="1" indent="-179388">
-              <a:buFont typeface="Arial" panose="020B0604020202020204" pitchFamily="34" charset="0"/>
-              <a:buChar char="•"/>
-              <a:tabLst>
-                <a:tab pos="358775" algn="l"/>
-              </a:tabLst>
-            </a:pPr>
-            <a:r>
-              <a:rPr lang="de-DE" sz="800"/>
-              <a:t>the AirLayer connection</a:t>
-            </a:r>
-          </a:p>
-          <a:p>
-            <a:pPr marL="358775" lvl="1" indent="-179388">
-              <a:buFont typeface="Arial" panose="020B0604020202020204" pitchFamily="34" charset="0"/>
-              <a:buChar char="•"/>
-              <a:tabLst>
-                <a:tab pos="358775" algn="l"/>
-              </a:tabLst>
-            </a:pPr>
-            <a:r>
-              <a:rPr lang="de-DE" sz="800"/>
-              <a:t>and parallel AirLayer connection</a:t>
-            </a:r>
-          </a:p>
-          <a:p>
-            <a:pPr marL="171450" indent="-171450">
-              <a:buFont typeface="Arial" panose="020B0604020202020204" pitchFamily="34" charset="0"/>
-              <a:buChar char="•"/>
-            </a:pPr>
-            <a:r>
-              <a:rPr lang="de-DE" sz="800"/>
-              <a:t>Reads transmitterIsOn, transmissionModeMax, transmissionModeCur</a:t>
+              <a:t>Reads interfaceStatus (transmitterIsOn information is not sufficient), transmissionModeMax, transmissionModeCur</a:t>
             </a:r>
           </a:p>
           <a:p>
@@ -8328,272 +8281,6 @@
           </a:fontRef>
         </p:style>
       </p:cxnSp>
-      <p:grpSp>
-        <p:nvGrpSpPr>
-          <p:cNvPr id="90" name="Gruppieren 89">
-            <a:extLst>
-              <a:ext uri="{FF2B5EF4-FFF2-40B4-BE49-F238E27FC236}">
-                <a16:creationId xmlns:a16="http://schemas.microsoft.com/office/drawing/2014/main" id="{2352F7E4-D9C7-EF78-0474-25B46B249169}"/>
-              </a:ext>
-            </a:extLst>
-          </p:cNvPr>
-          <p:cNvGrpSpPr/>
-          <p:nvPr/>
-        </p:nvGrpSpPr>
-        <p:grpSpPr>
-          <a:xfrm>
-            <a:off x="12928297" y="1761668"/>
-            <a:ext cx="4756998" cy="2055037"/>
-            <a:chOff x="6863224" y="-1253100"/>
-            <a:chExt cx="4756998" cy="2055037"/>
-          </a:xfrm>
-        </p:grpSpPr>
-        <p:sp>
-          <p:nvSpPr>
-            <p:cNvPr id="122" name="Rechteck: gefaltete Ecke 121">
-              <a:extLst>
-                <a:ext uri="{FF2B5EF4-FFF2-40B4-BE49-F238E27FC236}">
-                  <a16:creationId xmlns:a16="http://schemas.microsoft.com/office/drawing/2014/main" id="{89D46D64-13CB-9293-59DF-461FF0301CBC}"/>
-                </a:ext>
-              </a:extLst>
-            </p:cNvPr>
-            <p:cNvSpPr/>
-            <p:nvPr/>
-          </p:nvSpPr>
-          <p:spPr>
-            <a:xfrm>
-              <a:off x="6863224" y="-1253100"/>
-              <a:ext cx="3595671" cy="2055037"/>
-            </a:xfrm>
-            <a:prstGeom prst="foldedCorner">
-              <a:avLst>
-                <a:gd name="adj" fmla="val 6114"/>
-              </a:avLst>
-            </a:prstGeom>
-            <a:solidFill>
-              <a:schemeClr val="bg1">
-                <a:lumMod val="95000"/>
-              </a:schemeClr>
-            </a:solidFill>
-            <a:ln>
-              <a:solidFill>
-                <a:schemeClr val="tx1">
-                  <a:lumMod val="50000"/>
-                  <a:lumOff val="50000"/>
-                </a:schemeClr>
-              </a:solidFill>
-              <a:prstDash val="sysDash"/>
-            </a:ln>
-          </p:spPr>
-          <p:style>
-            <a:lnRef idx="2">
-              <a:schemeClr val="accent4">
-                <a:shade val="50000"/>
-              </a:schemeClr>
-            </a:lnRef>
-            <a:fillRef idx="1">
-              <a:schemeClr val="accent4"/>
-            </a:fillRef>
-            <a:effectRef idx="0">
-              <a:schemeClr val="accent4"/>
-            </a:effectRef>
-            <a:fontRef idx="minor">
-              <a:schemeClr val="lt1"/>
-            </a:fontRef>
-          </p:style>
-          <p:txBody>
-            <a:bodyPr rtlCol="0" anchor="ctr"/>
-            <a:lstStyle/>
-            <a:p>
-              <a:pPr marL="171450" indent="-171450">
-                <a:buFont typeface="Arial" panose="020B0604020202020204" pitchFamily="34" charset="0"/>
-                <a:buChar char="•"/>
-              </a:pPr>
-              <a:r>
-                <a:rPr lang="de-DE" sz="800">
-                  <a:solidFill>
-                    <a:srgbClr val="0070C0"/>
-                  </a:solidFill>
-                </a:rPr>
-                <a:t>A link L1 connects AirInterfaces (A1-B1) on 2 devices (A,B). It can have a parallel link L2, which also connectes A &amp; B, but from different AirInterfaces (e.g. A2-B3).</a:t>
-              </a:r>
-            </a:p>
-            <a:p>
-              <a:pPr marL="171450" indent="-171450">
-                <a:buFont typeface="Arial" panose="020B0604020202020204" pitchFamily="34" charset="0"/>
-                <a:buChar char="•"/>
-              </a:pPr>
-              <a:endParaRPr lang="de-DE" sz="800">
-                <a:solidFill>
-                  <a:srgbClr val="0070C0"/>
-                </a:solidFill>
-              </a:endParaRPr>
-            </a:p>
-            <a:p>
-              <a:pPr marL="171450" indent="-171450">
-                <a:buFont typeface="Arial" panose="020B0604020202020204" pitchFamily="34" charset="0"/>
-                <a:buChar char="•"/>
-              </a:pPr>
-              <a:r>
-                <a:rPr lang="de-DE" sz="800">
-                  <a:solidFill>
-                    <a:srgbClr val="0070C0"/>
-                  </a:solidFill>
-                </a:rPr>
-                <a:t>BasicLinkAnalysis has a service to resolve the AirInterface address info (2 triplets) for a link: </a:t>
-              </a:r>
-            </a:p>
-            <a:p>
-              <a:pPr marL="361950" lvl="1" indent="-180975" defTabSz="361950">
-                <a:buFont typeface="Arial" panose="020B0604020202020204" pitchFamily="34" charset="0"/>
-                <a:buChar char="•"/>
-              </a:pPr>
-              <a:r>
-                <a:rPr lang="de-DE" sz="800">
-                  <a:solidFill>
-                    <a:srgbClr val="0070C0"/>
-                  </a:solidFill>
-                </a:rPr>
-                <a:t>Input: linkID; Output: 2 triples (mount-name, uuid (airInterface), local-id (ltp)); 1 triple for each side of the link.</a:t>
-              </a:r>
-            </a:p>
-            <a:p>
-              <a:pPr marL="361950" lvl="1" indent="-180975" defTabSz="361950">
-                <a:buFont typeface="Arial" panose="020B0604020202020204" pitchFamily="34" charset="0"/>
-                <a:buChar char="•"/>
-              </a:pPr>
-              <a:r>
-                <a:rPr lang="de-DE" sz="800">
-                  <a:solidFill>
-                    <a:srgbClr val="0070C0"/>
-                  </a:solidFill>
-                </a:rPr>
-                <a:t>It is called for L1; to find the parallel link L2, BLA needs to search on the same device A for other AirInterfaces that also have a connection to an AirInterface on device B. (Different AirfInterfaces than for L1). </a:t>
-              </a:r>
-            </a:p>
-            <a:p>
-              <a:endParaRPr lang="de-DE" sz="800">
-                <a:solidFill>
-                  <a:srgbClr val="0070C0"/>
-                </a:solidFill>
-              </a:endParaRPr>
-            </a:p>
-            <a:p>
-              <a:pPr marL="171450" indent="-171450">
-                <a:buFont typeface="Arial" panose="020B0604020202020204" pitchFamily="34" charset="0"/>
-                <a:buChar char="•"/>
-              </a:pPr>
-              <a:r>
-                <a:rPr lang="de-DE" sz="800">
-                  <a:solidFill>
-                    <a:srgbClr val="0070C0"/>
-                  </a:solidFill>
-                </a:rPr>
-                <a:t>If the parallel link is found, transmissionMode information can be retrieved for it (via its AirInterface address info).</a:t>
-              </a:r>
-            </a:p>
-            <a:p>
-              <a:pPr marL="171450" indent="-171450">
-                <a:buFont typeface="Arial" panose="020B0604020202020204" pitchFamily="34" charset="0"/>
-                <a:buChar char="•"/>
-              </a:pPr>
-              <a:r>
-                <a:rPr lang="de-DE" sz="800">
-                  <a:solidFill>
-                    <a:srgbClr val="0070C0"/>
-                  </a:solidFill>
-                </a:rPr>
-                <a:t>BLA only returns the data, but does not perform checks on it.</a:t>
-              </a:r>
-            </a:p>
-          </p:txBody>
-        </p:sp>
-        <p:sp>
-          <p:nvSpPr>
-            <p:cNvPr id="149" name="Rechteck: gefaltete Ecke 148">
-              <a:extLst>
-                <a:ext uri="{FF2B5EF4-FFF2-40B4-BE49-F238E27FC236}">
-                  <a16:creationId xmlns:a16="http://schemas.microsoft.com/office/drawing/2014/main" id="{1D5FAEBD-A340-99CC-E1CD-42BFFFA9D02F}"/>
-                </a:ext>
-              </a:extLst>
-            </p:cNvPr>
-            <p:cNvSpPr/>
-            <p:nvPr/>
-          </p:nvSpPr>
-          <p:spPr>
-            <a:xfrm>
-              <a:off x="10458895" y="-801306"/>
-              <a:ext cx="1161327" cy="1496931"/>
-            </a:xfrm>
-            <a:prstGeom prst="foldedCorner">
-              <a:avLst>
-                <a:gd name="adj" fmla="val 6114"/>
-              </a:avLst>
-            </a:prstGeom>
-            <a:solidFill>
-              <a:schemeClr val="bg1">
-                <a:lumMod val="95000"/>
-              </a:schemeClr>
-            </a:solidFill>
-            <a:ln>
-              <a:solidFill>
-                <a:schemeClr val="tx1">
-                  <a:lumMod val="50000"/>
-                  <a:lumOff val="50000"/>
-                </a:schemeClr>
-              </a:solidFill>
-              <a:prstDash val="sysDash"/>
-            </a:ln>
-          </p:spPr>
-          <p:style>
-            <a:lnRef idx="2">
-              <a:schemeClr val="accent4">
-                <a:shade val="50000"/>
-              </a:schemeClr>
-            </a:lnRef>
-            <a:fillRef idx="1">
-              <a:schemeClr val="accent4"/>
-            </a:fillRef>
-            <a:effectRef idx="0">
-              <a:schemeClr val="accent4"/>
-            </a:effectRef>
-            <a:fontRef idx="minor">
-              <a:schemeClr val="lt1"/>
-            </a:fontRef>
-          </p:style>
-          <p:txBody>
-            <a:bodyPr rtlCol="0" anchor="ctr"/>
-            <a:lstStyle/>
-            <a:p>
-              <a:r>
-                <a:rPr lang="de-DE" sz="800">
-                  <a:solidFill>
-                    <a:srgbClr val="0070C0"/>
-                  </a:solidFill>
-                </a:rPr>
-                <a:t>Find connection information not part of MWDI, but MWNI (MWDI will evolve to MWNI)</a:t>
-              </a:r>
-            </a:p>
-            <a:p>
-              <a:endParaRPr lang="de-DE" sz="800">
-                <a:solidFill>
-                  <a:srgbClr val="0070C0"/>
-                </a:solidFill>
-              </a:endParaRPr>
-            </a:p>
-            <a:p>
-              <a:r>
-                <a:rPr lang="de-DE" sz="800">
-                  <a:solidFill>
-                    <a:srgbClr val="0070C0"/>
-                  </a:solidFill>
-                </a:rPr>
-                <a:t>But: MWDI will be extended already provide these required services for AIPS</a:t>
-              </a:r>
-            </a:p>
-          </p:txBody>
-        </p:sp>
-      </p:grpSp>
       <p:sp>
         <p:nvSpPr>
           <p:cNvPr id="150" name="Textfeld 149">
@@ -10076,8 +9763,8 @@
         </p:nvSpPr>
         <p:spPr>
           <a:xfrm>
-            <a:off x="10209030" y="1813800"/>
-            <a:ext cx="2642615" cy="1925946"/>
+            <a:off x="10209030" y="2398544"/>
+            <a:ext cx="2642615" cy="1341201"/>
           </a:xfrm>
           <a:prstGeom prst="foldedCorner">
             <a:avLst>
@@ -10125,7 +9812,7 @@
                   <a:srgbClr val="0070C0"/>
                 </a:solidFill>
               </a:rPr>
-              <a:t>Link related switching operations first call PowerSavingStatus for the given link to determine, if they even have to do something; if not they immediately return a „success“ </a:t>
+              <a:t>Link related switching operations first determine, if they even have to do something; if not they immediately return a „success“ </a:t>
             </a:r>
           </a:p>
           <a:p>
@@ -10154,7 +9841,7 @@
                   <a:srgbClr val="0070C0"/>
                 </a:solidFill>
               </a:rPr>
-              <a:t>: asks PowerSavingStatus, if deviationsFromOriginalState has an entry for RedundantTransmittersOff; if yes: done</a:t>
+              <a:t>: check interfaceStatus of parallelLinks, if not UP: done</a:t>
             </a:r>
           </a:p>
           <a:p>
@@ -10188,17 +9875,6 @@
                 </a:solidFill>
               </a:rPr>
               <a:t>: asks PowerSavingStatus if modulesToRestoreOriginalState does NOT contain AllTransmittersOn; if not, then done.</a:t>
-            </a:r>
-          </a:p>
-          <a:p>
-            <a:pPr marL="180975"/>
-            <a:r>
-              <a:rPr lang="de-DE" sz="800" i="1">
-                <a:solidFill>
-                  <a:srgbClr val="0070C0"/>
-                </a:solidFill>
-              </a:rPr>
-              <a:t>Note: might lead to issues if powerSavingStatus records could not be set properly due to DCN issues (might require some manual work to fix the status)</a:t>
             </a:r>
           </a:p>
         </p:txBody>
@@ -10492,7 +10168,7 @@
                   <a:srgbClr val="0070C0"/>
                 </a:solidFill>
               </a:rPr>
-              <a:t>If a link A should be turned off and ist parallel link B is already turned off, B‘s transmitter is off and its current transmissionMode is also missing; so nothing is done for A</a:t>
+              <a:t>If a link A should be turned off and its parallel link B is already turned off, B‘s interface-status is not UP and its current transmissionMode is also missing; so nothing is done for A</a:t>
             </a:r>
           </a:p>
         </p:txBody>
@@ -11068,7 +10744,7 @@
                   <a:srgbClr val="0070C0"/>
                 </a:solidFill>
               </a:rPr>
-              <a:t>Note: counters/attributes need to be checked on both sides of the (parallel) link</a:t>
+              <a:t>Note: counters/attributes need to be checked on both sides of a (parallel) link</a:t>
             </a:r>
           </a:p>
         </p:txBody>
@@ -11427,201 +11103,290 @@
       </p:sp>
       <p:sp>
         <p:nvSpPr>
-          <p:cNvPr id="17" name="Textfeld 16">
-            <a:extLst>
-              <a:ext uri="{FF2B5EF4-FFF2-40B4-BE49-F238E27FC236}">
-                <a16:creationId xmlns:a16="http://schemas.microsoft.com/office/drawing/2014/main" id="{D3AA9D0E-FD4A-AC42-5D98-1255A90059E0}"/>
-              </a:ext>
-            </a:extLst>
-          </p:cNvPr>
-          <p:cNvSpPr txBox="1"/>
-          <p:nvPr/>
-        </p:nvSpPr>
-        <p:spPr>
-          <a:xfrm>
-            <a:off x="17863852" y="1634982"/>
-            <a:ext cx="3928640" cy="923330"/>
-          </a:xfrm>
-          <a:prstGeom prst="rect">
-            <a:avLst/>
-          </a:prstGeom>
-          <a:noFill/>
-        </p:spPr>
-        <p:txBody>
-          <a:bodyPr wrap="none" rtlCol="0">
-            <a:spAutoFit/>
-          </a:bodyPr>
-          <a:lstStyle/>
-          <a:p>
-            <a:r>
-              <a:rPr lang="de-DE">
+          <p:cNvPr id="19" name="Rechteck: gefaltete Ecke 18">
+            <a:extLst>
+              <a:ext uri="{FF2B5EF4-FFF2-40B4-BE49-F238E27FC236}">
+                <a16:creationId xmlns:a16="http://schemas.microsoft.com/office/drawing/2014/main" id="{9EB0589C-C52F-43F8-CAB2-82F132C3B567}"/>
+              </a:ext>
+            </a:extLst>
+          </p:cNvPr>
+          <p:cNvSpPr/>
+          <p:nvPr/>
+        </p:nvSpPr>
+        <p:spPr>
+          <a:xfrm>
+            <a:off x="12926275" y="2301125"/>
+            <a:ext cx="3595671" cy="1406551"/>
+          </a:xfrm>
+          <a:prstGeom prst="foldedCorner">
+            <a:avLst>
+              <a:gd name="adj" fmla="val 6114"/>
+            </a:avLst>
+          </a:prstGeom>
+          <a:solidFill>
+            <a:schemeClr val="bg1">
+              <a:lumMod val="95000"/>
+            </a:schemeClr>
+          </a:solidFill>
+          <a:ln>
+            <a:solidFill>
+              <a:schemeClr val="tx1">
+                <a:lumMod val="50000"/>
+                <a:lumOff val="50000"/>
+              </a:schemeClr>
+            </a:solidFill>
+            <a:prstDash val="sysDash"/>
+          </a:ln>
+        </p:spPr>
+        <p:style>
+          <a:lnRef idx="2">
+            <a:schemeClr val="accent4">
+              <a:shade val="50000"/>
+            </a:schemeClr>
+          </a:lnRef>
+          <a:fillRef idx="1">
+            <a:schemeClr val="accent4"/>
+          </a:fillRef>
+          <a:effectRef idx="0">
+            <a:schemeClr val="accent4"/>
+          </a:effectRef>
+          <a:fontRef idx="minor">
+            <a:schemeClr val="lt1"/>
+          </a:fontRef>
+        </p:style>
+        <p:txBody>
+          <a:bodyPr rtlCol="0" anchor="ctr"/>
+          <a:lstStyle/>
+          <a:p>
+            <a:r>
+              <a:rPr lang="de-DE" sz="800">
                 <a:solidFill>
-                  <a:srgbClr val="FF0000"/>
+                  <a:srgbClr val="0070C0"/>
                 </a:solidFill>
               </a:rPr>
-              <a:t>isTransmitterOn ist nicht aussagekräftig:</a:t>
-            </a:r>
-          </a:p>
-          <a:p>
-            <a:r>
-              <a:rPr lang="en-US">
+              <a:t>Parallel links:</a:t>
+            </a:r>
+          </a:p>
+          <a:p>
+            <a:pPr marL="171450" indent="-171450">
+              <a:buFont typeface="Arial" panose="020B0604020202020204" pitchFamily="34" charset="0"/>
+              <a:buChar char="•"/>
+            </a:pPr>
+            <a:r>
+              <a:rPr lang="de-DE" sz="800">
                 <a:solidFill>
-                  <a:srgbClr val="FF0000"/>
+                  <a:srgbClr val="0070C0"/>
                 </a:solidFill>
               </a:rPr>
-              <a:t>airIfSTatus</a:t>
-            </a:r>
-          </a:p>
-          <a:p>
-            <a:r>
-              <a:rPr lang="en-US">
+              <a:t>A link can have multiple parallel links</a:t>
+            </a:r>
+          </a:p>
+          <a:p>
+            <a:pPr marL="171450" indent="-171450">
+              <a:buFont typeface="Arial" panose="020B0604020202020204" pitchFamily="34" charset="0"/>
+              <a:buChar char="•"/>
+            </a:pPr>
+            <a:r>
+              <a:rPr lang="de-DE" sz="800">
                 <a:solidFill>
-                  <a:srgbClr val="FF0000"/>
+                  <a:srgbClr val="0070C0"/>
                 </a:solidFill>
               </a:rPr>
-              <a:t>interfaceStatus  -&gt; muss UP sein</a:t>
-            </a:r>
-            <a:endParaRPr lang="de-DE">
-              <a:solidFill>
-                <a:srgbClr val="FF0000"/>
-              </a:solidFill>
-            </a:endParaRPr>
-          </a:p>
-        </p:txBody>
-      </p:sp>
-      <p:sp>
-        <p:nvSpPr>
-          <p:cNvPr id="18" name="Textfeld 17">
-            <a:extLst>
-              <a:ext uri="{FF2B5EF4-FFF2-40B4-BE49-F238E27FC236}">
-                <a16:creationId xmlns:a16="http://schemas.microsoft.com/office/drawing/2014/main" id="{88CEBDB2-D218-EF4F-5A9F-C6E0B175C320}"/>
-              </a:ext>
-            </a:extLst>
-          </p:cNvPr>
-          <p:cNvSpPr txBox="1"/>
-          <p:nvPr/>
-        </p:nvSpPr>
-        <p:spPr>
-          <a:xfrm>
-            <a:off x="17863852" y="2852514"/>
-            <a:ext cx="2698781" cy="938719"/>
-          </a:xfrm>
-          <a:prstGeom prst="rect">
-            <a:avLst/>
-          </a:prstGeom>
-          <a:noFill/>
-        </p:spPr>
-        <p:txBody>
-          <a:bodyPr wrap="square" rtlCol="0">
-            <a:spAutoFit/>
-          </a:bodyPr>
-          <a:lstStyle/>
-          <a:p>
-            <a:r>
-              <a:rPr lang="de-DE" sz="1100">
+              <a:t>MWDI (later MWNI) will offer services to…:</a:t>
+            </a:r>
+          </a:p>
+          <a:p>
+            <a:pPr marL="358775" lvl="1" indent="-171450">
+              <a:buFont typeface="Arial" panose="020B0604020202020204" pitchFamily="34" charset="0"/>
+              <a:buChar char="•"/>
+            </a:pPr>
+            <a:r>
+              <a:rPr lang="de-DE" sz="800">
                 <a:solidFill>
-                  <a:srgbClr val="FF0000"/>
+                  <a:srgbClr val="0070C0"/>
                 </a:solidFill>
               </a:rPr>
-              <a:t>resolveAddressTriple nicht mehr benötigt;</a:t>
-            </a:r>
-          </a:p>
-          <a:p>
-            <a:r>
-              <a:rPr lang="de-DE" sz="1100">
+              <a:t>retrieve the parallel links for a given linkID</a:t>
+            </a:r>
+          </a:p>
+          <a:p>
+            <a:pPr marL="358775" lvl="1" indent="-171450">
+              <a:buFont typeface="Arial" panose="020B0604020202020204" pitchFamily="34" charset="0"/>
+              <a:buChar char="•"/>
+            </a:pPr>
+            <a:r>
+              <a:rPr lang="de-DE" sz="800">
                 <a:solidFill>
-                  <a:srgbClr val="FF0000"/>
+                  <a:srgbClr val="0070C0"/>
                 </a:solidFill>
               </a:rPr>
-              <a:t>Weil uuid = linkID (wir müssen LinkID nicht mehr in UUID übersetzen!) sowieso gelten muss, brauchen wir das nicht mehr, sondern können direkt am MWDI anfragen</a:t>
-            </a:r>
-          </a:p>
-        </p:txBody>
-      </p:sp>
-      <p:sp>
-        <p:nvSpPr>
-          <p:cNvPr id="21" name="Textfeld 20">
-            <a:extLst>
-              <a:ext uri="{FF2B5EF4-FFF2-40B4-BE49-F238E27FC236}">
-                <a16:creationId xmlns:a16="http://schemas.microsoft.com/office/drawing/2014/main" id="{3DB080B2-B0A2-90A0-F347-B8AB47A86B2F}"/>
-              </a:ext>
-            </a:extLst>
-          </p:cNvPr>
-          <p:cNvSpPr txBox="1"/>
-          <p:nvPr/>
-        </p:nvSpPr>
-        <p:spPr>
-          <a:xfrm>
-            <a:off x="17754470" y="4398683"/>
-            <a:ext cx="2698781" cy="938719"/>
-          </a:xfrm>
-          <a:prstGeom prst="rect">
-            <a:avLst/>
-          </a:prstGeom>
-          <a:noFill/>
-        </p:spPr>
-        <p:txBody>
-          <a:bodyPr wrap="square" rtlCol="0">
-            <a:spAutoFit/>
-          </a:bodyPr>
-          <a:lstStyle/>
-          <a:p>
-            <a:r>
-              <a:rPr lang="de-DE" sz="1100">
+              <a:t>Translate the linkId into 2 address triples, one for each link endpoint (i.e. link side): (mount-name, airInterface-uuid, ltp-localId)</a:t>
+            </a:r>
+          </a:p>
+          <a:p>
+            <a:pPr marL="171450" indent="-171450">
+              <a:buFont typeface="Arial" panose="020B0604020202020204" pitchFamily="34" charset="0"/>
+              <a:buChar char="•"/>
+            </a:pPr>
+            <a:r>
+              <a:rPr lang="de-DE" sz="800">
                 <a:solidFill>
-                  <a:srgbClr val="FF0000"/>
+                  <a:srgbClr val="0070C0"/>
                 </a:solidFill>
               </a:rPr>
-              <a:t>Es können mehrere parallele Links geben;</a:t>
-            </a:r>
-          </a:p>
-          <a:p>
-            <a:r>
-              <a:rPr lang="de-DE" sz="1100">
+              <a:t>How identify parallel links: for a given link, retrieve the adress triples of both link-endpoints, then check if there are more connections between the same devices found for both endpoints, with different (uuid, localIds).</a:t>
+            </a:r>
+          </a:p>
+          <a:p>
+            <a:pPr marL="171450" indent="-171450">
+              <a:buFont typeface="Arial" panose="020B0604020202020204" pitchFamily="34" charset="0"/>
+              <a:buChar char="•"/>
+            </a:pPr>
+            <a:r>
+              <a:rPr lang="de-DE" sz="800">
                 <a:solidFill>
-                  <a:srgbClr val="FF0000"/>
+                  <a:srgbClr val="0070C0"/>
                 </a:solidFill>
               </a:rPr>
-              <a:t>Wir holen für alle die transmission-Info;</a:t>
-            </a:r>
-          </a:p>
-          <a:p>
-            <a:r>
-              <a:rPr lang="de-DE" sz="1100">
+              <a:t>AIPS calls upon the MWDI services to retrieve necessary information</a:t>
+            </a:r>
+          </a:p>
+        </p:txBody>
+      </p:sp>
+      <p:sp>
+        <p:nvSpPr>
+          <p:cNvPr id="80" name="Rechteck: gefaltete Ecke 79">
+            <a:extLst>
+              <a:ext uri="{FF2B5EF4-FFF2-40B4-BE49-F238E27FC236}">
+                <a16:creationId xmlns:a16="http://schemas.microsoft.com/office/drawing/2014/main" id="{CFBADBFF-CCFF-8F91-DA08-ED53812A14C8}"/>
+              </a:ext>
+            </a:extLst>
+          </p:cNvPr>
+          <p:cNvSpPr/>
+          <p:nvPr/>
+        </p:nvSpPr>
+        <p:spPr>
+          <a:xfrm>
+            <a:off x="108475" y="4042377"/>
+            <a:ext cx="2344912" cy="2049391"/>
+          </a:xfrm>
+          <a:prstGeom prst="foldedCorner">
+            <a:avLst>
+              <a:gd name="adj" fmla="val 6114"/>
+            </a:avLst>
+          </a:prstGeom>
+          <a:solidFill>
+            <a:schemeClr val="bg1">
+              <a:lumMod val="95000"/>
+            </a:schemeClr>
+          </a:solidFill>
+          <a:ln>
+            <a:solidFill>
+              <a:schemeClr val="tx1">
+                <a:lumMod val="50000"/>
+                <a:lumOff val="50000"/>
+              </a:schemeClr>
+            </a:solidFill>
+            <a:prstDash val="sysDash"/>
+          </a:ln>
+        </p:spPr>
+        <p:style>
+          <a:lnRef idx="2">
+            <a:schemeClr val="accent4">
+              <a:shade val="50000"/>
+            </a:schemeClr>
+          </a:lnRef>
+          <a:fillRef idx="1">
+            <a:schemeClr val="accent4"/>
+          </a:fillRef>
+          <a:effectRef idx="0">
+            <a:schemeClr val="accent4"/>
+          </a:effectRef>
+          <a:fontRef idx="minor">
+            <a:schemeClr val="lt1"/>
+          </a:fontRef>
+        </p:style>
+        <p:txBody>
+          <a:bodyPr rtlCol="0" anchor="ctr"/>
+          <a:lstStyle/>
+          <a:p>
+            <a:r>
+              <a:rPr lang="de-DE" sz="800">
                 <a:solidFill>
-                  <a:srgbClr val="FF0000"/>
+                  <a:srgbClr val="0070C0"/>
                 </a:solidFill>
               </a:rPr>
-              <a:t>Wenn es zu dem Link X, den wir betrachten mind. 1 parallel Link gibt, der stabil läuft, können wir Link X aussschalten</a:t>
+              <a:t>A reconcilation module is required, which might be part of Link group related automation.</a:t>
+            </a:r>
+          </a:p>
+          <a:p>
+            <a:pPr marL="171450" indent="-171450">
+              <a:buFont typeface="Arial" panose="020B0604020202020204" pitchFamily="34" charset="0"/>
+              <a:buChar char="•"/>
+            </a:pPr>
+            <a:r>
+              <a:rPr lang="de-DE" sz="800">
+                <a:solidFill>
+                  <a:srgbClr val="0070C0"/>
+                </a:solidFill>
+              </a:rPr>
+              <a:t>When links or automation assignments are deleted from staticList, it‘s tried to restore the related links original state. However that may fail (e.g. if persistentDeactivationQueue is purged).</a:t>
+            </a:r>
+          </a:p>
+          <a:p>
+            <a:pPr marL="171450" indent="-171450">
+              <a:buFont typeface="Arial" panose="020B0604020202020204" pitchFamily="34" charset="0"/>
+              <a:buChar char="•"/>
+            </a:pPr>
+            <a:r>
+              <a:rPr lang="de-DE" sz="800">
+                <a:solidFill>
+                  <a:srgbClr val="0070C0"/>
+                </a:solidFill>
+              </a:rPr>
+              <a:t>In periodic intervals PowerSavingStatusTable and staticList need to be compared to identify affected links and trigger persistentDeactivation again.</a:t>
+            </a:r>
+          </a:p>
+          <a:p>
+            <a:pPr marL="171450" indent="-171450">
+              <a:buFont typeface="Arial" panose="020B0604020202020204" pitchFamily="34" charset="0"/>
+              <a:buChar char="•"/>
+            </a:pPr>
+            <a:r>
+              <a:rPr lang="de-DE" sz="800">
+                <a:solidFill>
+                  <a:srgbClr val="0070C0"/>
+                </a:solidFill>
+              </a:rPr>
+              <a:t>Also if there are links, which have been decomissioned, additional rules might be required for reconciliation (maybe also reading of planning data)</a:t>
             </a:r>
           </a:p>
         </p:txBody>
       </p:sp>
       <p:cxnSp>
         <p:nvCxnSpPr>
-          <p:cNvPr id="55" name="Gerade Verbindung mit Pfeil 54">
-            <a:extLst>
-              <a:ext uri="{FF2B5EF4-FFF2-40B4-BE49-F238E27FC236}">
-                <a16:creationId xmlns:a16="http://schemas.microsoft.com/office/drawing/2014/main" id="{1CCEEAB1-C8D0-206F-B39B-970E52402721}"/>
-              </a:ext>
-            </a:extLst>
-          </p:cNvPr>
-          <p:cNvCxnSpPr/>
+          <p:cNvPr id="82" name="Gerader Verbinder 81">
+            <a:extLst>
+              <a:ext uri="{FF2B5EF4-FFF2-40B4-BE49-F238E27FC236}">
+                <a16:creationId xmlns:a16="http://schemas.microsoft.com/office/drawing/2014/main" id="{248E03F1-8DF7-8E97-E74C-AF96D1DD907E}"/>
+              </a:ext>
+            </a:extLst>
+          </p:cNvPr>
+          <p:cNvCxnSpPr>
+            <a:cxnSpLocks/>
+          </p:cNvCxnSpPr>
           <p:nvPr/>
         </p:nvCxnSpPr>
         <p:spPr>
           <a:xfrm flipH="1" flipV="1">
-            <a:off x="12362622" y="4914900"/>
-            <a:ext cx="5358863" cy="137681"/>
-          </a:xfrm>
-          <a:prstGeom prst="straightConnector1">
+            <a:off x="2468415" y="4273972"/>
+            <a:ext cx="59786" cy="1927"/>
+          </a:xfrm>
+          <a:prstGeom prst="line">
             <a:avLst/>
           </a:prstGeom>
           <a:ln>
-            <a:solidFill>
-              <a:srgbClr val="FF0000"/>
-            </a:solidFill>
-            <a:tailEnd type="triangle"/>
+            <a:prstDash val="dash"/>
           </a:ln>
         </p:spPr>
         <p:style>
@@ -11639,62 +11404,10 @@
           </a:fontRef>
         </p:style>
       </p:cxnSp>
-      <p:sp>
-        <p:nvSpPr>
-          <p:cNvPr id="57" name="Flussdiagramm: Alternativer Prozess 56">
-            <a:extLst>
-              <a:ext uri="{FF2B5EF4-FFF2-40B4-BE49-F238E27FC236}">
-                <a16:creationId xmlns:a16="http://schemas.microsoft.com/office/drawing/2014/main" id="{94C460BB-768C-AB43-82A2-38968C36E837}"/>
-              </a:ext>
-            </a:extLst>
-          </p:cNvPr>
-          <p:cNvSpPr/>
-          <p:nvPr/>
-        </p:nvSpPr>
-        <p:spPr>
-          <a:xfrm rot="20831377">
-            <a:off x="687731" y="5128248"/>
-            <a:ext cx="19183677" cy="858612"/>
-          </a:xfrm>
-          <a:prstGeom prst="flowChartAlternateProcess">
-            <a:avLst/>
-          </a:prstGeom>
-          <a:solidFill>
-            <a:srgbClr val="C00000"/>
-          </a:solidFill>
-        </p:spPr>
-        <p:style>
-          <a:lnRef idx="2">
-            <a:schemeClr val="accent1">
-              <a:shade val="50000"/>
-            </a:schemeClr>
-          </a:lnRef>
-          <a:fillRef idx="1">
-            <a:schemeClr val="accent1"/>
-          </a:fillRef>
-          <a:effectRef idx="0">
-            <a:schemeClr val="accent1"/>
-          </a:effectRef>
-          <a:fontRef idx="minor">
-            <a:schemeClr val="lt1"/>
-          </a:fontRef>
-        </p:style>
-        <p:txBody>
-          <a:bodyPr rtlCol="0" anchor="ctr"/>
-          <a:lstStyle/>
-          <a:p>
-            <a:pPr algn="ctr"/>
-            <a:r>
-              <a:rPr lang="de-DE"/>
-              <a:t>Under construction</a:t>
-            </a:r>
-          </a:p>
-        </p:txBody>
-      </p:sp>
     </p:spTree>
     <p:extLst>
       <p:ext uri="{BB962C8B-B14F-4D97-AF65-F5344CB8AC3E}">
-        <p14:creationId xmlns:p14="http://schemas.microsoft.com/office/powerpoint/2010/main" val="3032603168"/>
+        <p14:creationId xmlns:p14="http://schemas.microsoft.com/office/powerpoint/2010/main" val="2679300394"/>
       </p:ext>
     </p:extLst>
   </p:cSld>
@@ -17418,156 +17131,6 @@
 <file path=ppt/slides/slide4.xml><?xml version="1.0" encoding="utf-8"?>
 <p:sld xmlns:a="http://schemas.openxmlformats.org/drawingml/2006/main" xmlns:r="http://schemas.openxmlformats.org/officeDocument/2006/relationships" xmlns:p="http://schemas.openxmlformats.org/presentationml/2006/main">
   <p:cSld>
-    <p:spTree>
-      <p:nvGrpSpPr>
-        <p:cNvPr id="1" name=""/>
-        <p:cNvGrpSpPr/>
-        <p:nvPr/>
-      </p:nvGrpSpPr>
-      <p:grpSpPr>
-        <a:xfrm>
-          <a:off x="0" y="0"/>
-          <a:ext cx="0" cy="0"/>
-          <a:chOff x="0" y="0"/>
-          <a:chExt cx="0" cy="0"/>
-        </a:xfrm>
-      </p:grpSpPr>
-      <p:sp>
-        <p:nvSpPr>
-          <p:cNvPr id="4" name="Textfeld 3">
-            <a:extLst>
-              <a:ext uri="{FF2B5EF4-FFF2-40B4-BE49-F238E27FC236}">
-                <a16:creationId xmlns:a16="http://schemas.microsoft.com/office/drawing/2014/main" id="{FCB139EB-C6C1-A828-E28E-9C3D5B2EC5F6}"/>
-              </a:ext>
-            </a:extLst>
-          </p:cNvPr>
-          <p:cNvSpPr txBox="1"/>
-          <p:nvPr/>
-        </p:nvSpPr>
-        <p:spPr>
-          <a:xfrm>
-            <a:off x="1295400" y="1866900"/>
-            <a:ext cx="4085414" cy="369332"/>
-          </a:xfrm>
-          <a:prstGeom prst="rect">
-            <a:avLst/>
-          </a:prstGeom>
-          <a:noFill/>
-        </p:spPr>
-        <p:txBody>
-          <a:bodyPr wrap="none" rtlCol="0">
-            <a:spAutoFit/>
-          </a:bodyPr>
-          <a:lstStyle/>
-          <a:p>
-            <a:r>
-              <a:rPr lang="de-DE" b="1"/>
-              <a:t>Notes, Questions, etc. for future releases</a:t>
-            </a:r>
-          </a:p>
-        </p:txBody>
-      </p:sp>
-      <p:sp>
-        <p:nvSpPr>
-          <p:cNvPr id="5" name="Textfeld 4">
-            <a:extLst>
-              <a:ext uri="{FF2B5EF4-FFF2-40B4-BE49-F238E27FC236}">
-                <a16:creationId xmlns:a16="http://schemas.microsoft.com/office/drawing/2014/main" id="{8C9282B5-2DE6-6A7B-1558-B5A50A8D5273}"/>
-              </a:ext>
-            </a:extLst>
-          </p:cNvPr>
-          <p:cNvSpPr txBox="1"/>
-          <p:nvPr/>
-        </p:nvSpPr>
-        <p:spPr>
-          <a:xfrm>
-            <a:off x="1351104" y="2401757"/>
-            <a:ext cx="8059420" cy="4524315"/>
-          </a:xfrm>
-          <a:prstGeom prst="rect">
-            <a:avLst/>
-          </a:prstGeom>
-          <a:noFill/>
-        </p:spPr>
-        <p:txBody>
-          <a:bodyPr wrap="square" rtlCol="0">
-            <a:spAutoFit/>
-          </a:bodyPr>
-          <a:lstStyle/>
-          <a:p>
-            <a:r>
-              <a:rPr lang="de-DE" b="1"/>
-              <a:t>Reconciliation module needed:</a:t>
-            </a:r>
-          </a:p>
-          <a:p>
-            <a:pPr marL="285750" indent="-285750">
-              <a:buFont typeface="Arial" panose="020B0604020202020204" pitchFamily="34" charset="0"/>
-              <a:buChar char="•"/>
-            </a:pPr>
-            <a:r>
-              <a:rPr lang="de-DE"/>
-              <a:t>staticList &amp; basicPowerStatus table are not synchronized</a:t>
-            </a:r>
-          </a:p>
-          <a:p>
-            <a:pPr marL="285750" indent="-285750">
-              <a:buFont typeface="Arial" panose="020B0604020202020204" pitchFamily="34" charset="0"/>
-              <a:buChar char="•"/>
-            </a:pPr>
-            <a:r>
-              <a:rPr lang="de-DE"/>
-              <a:t>There‘s a cleanup procedure to remove links from BPS if a link is not seen in staticList anymore, but, only if the link was not in power saving mode</a:t>
-            </a:r>
-          </a:p>
-          <a:p>
-            <a:pPr marL="285750" indent="-285750">
-              <a:buFont typeface="Arial" panose="020B0604020202020204" pitchFamily="34" charset="0"/>
-              <a:buChar char="•"/>
-            </a:pPr>
-            <a:r>
-              <a:rPr lang="de-DE"/>
-              <a:t>If links (or automations) are removed from staticList, it‘s tried to rollback, BUT this could fail (e.g. if persistentDeactivation queue is purged) and then the link would never get back into its original state</a:t>
-            </a:r>
-          </a:p>
-          <a:p>
-            <a:pPr marL="285750" indent="-285750">
-              <a:buFont typeface="Arial" panose="020B0604020202020204" pitchFamily="34" charset="0"/>
-              <a:buChar char="•"/>
-            </a:pPr>
-            <a:r>
-              <a:rPr lang="de-DE"/>
-              <a:t>There needs to be a reconcilation module (could be part of link group related automation module), which periodically tries to bring back affected links into their original status (i.e. try to turn power saving off)</a:t>
-            </a:r>
-          </a:p>
-          <a:p>
-            <a:pPr marL="742950" lvl="1" indent="-285750">
-              <a:buFont typeface="Arial" panose="020B0604020202020204" pitchFamily="34" charset="0"/>
-              <a:buChar char="•"/>
-            </a:pPr>
-            <a:r>
-              <a:rPr lang="de-DE"/>
-              <a:t>There may be different intervals for different purposes; e.g. if just an automation is removed, we would like to see the rollback as soon as possible; if there‘s a link marked for „Abbau“ and it suddenly goes missing, we might not need to rollback, but just check, if it is even available anymore and if not remove it; therefore we might need planning data, etc. (the time period can be bigger)</a:t>
-            </a:r>
-          </a:p>
-        </p:txBody>
-      </p:sp>
-    </p:spTree>
-    <p:extLst>
-      <p:ext uri="{BB962C8B-B14F-4D97-AF65-F5344CB8AC3E}">
-        <p14:creationId xmlns:p14="http://schemas.microsoft.com/office/powerpoint/2010/main" val="3418233448"/>
-      </p:ext>
-    </p:extLst>
-  </p:cSld>
-  <p:clrMapOvr>
-    <a:masterClrMapping/>
-  </p:clrMapOvr>
-</p:sld>
-</file>
-
-<file path=ppt/slides/slide5.xml><?xml version="1.0" encoding="utf-8"?>
-<p:sld xmlns:a="http://schemas.openxmlformats.org/drawingml/2006/main" xmlns:r="http://schemas.openxmlformats.org/officeDocument/2006/relationships" xmlns:p="http://schemas.openxmlformats.org/presentationml/2006/main">
-  <p:cSld>
     <p:bg>
       <p:bgPr>
         <a:solidFill>
@@ -17603,7 +17166,7 @@
 </p:sld>
 </file>
 
-<file path=ppt/slides/slide6.xml><?xml version="1.0" encoding="utf-8"?>
+<file path=ppt/slides/slide5.xml><?xml version="1.0" encoding="utf-8"?>
 <p:sld xmlns:a="http://schemas.openxmlformats.org/drawingml/2006/main" xmlns:r="http://schemas.openxmlformats.org/officeDocument/2006/relationships" xmlns:p="http://schemas.openxmlformats.org/presentationml/2006/main">
   <p:cSld>
     <p:spTree>

--- a/spec/input/aips_modules-overview.pptx
+++ b/spec/input/aips_modules-overview.pptx
@@ -5,12 +5,14 @@
     <p:sldMasterId id="2147483696" r:id="rId1"/>
   </p:sldMasterIdLst>
   <p:notesMasterIdLst>
-    <p:notesMasterId r:id="rId5"/>
+    <p:notesMasterId r:id="rId7"/>
   </p:notesMasterIdLst>
   <p:sldIdLst>
-    <p:sldId id="271" r:id="rId2"/>
-    <p:sldId id="270" r:id="rId3"/>
+    <p:sldId id="283" r:id="rId2"/>
+    <p:sldId id="276" r:id="rId3"/>
     <p:sldId id="266" r:id="rId4"/>
+    <p:sldId id="273" r:id="rId5"/>
+    <p:sldId id="282" r:id="rId6"/>
   </p:sldIdLst>
   <p:sldSz cx="21599525" cy="16200438"/>
   <p:notesSz cx="6858000" cy="9144000"/>
@@ -199,7 +201,7 @@
           <a:p>
             <a:fld id="{A3452810-26A9-40DA-8249-F444BD7C2EE7}" type="datetimeFigureOut">
               <a:rPr lang="de-DE" smtClean="0"/>
-              <a:t>28.09.2023</a:t>
+              <a:t>16.10.2023</a:t>
             </a:fld>
             <a:endParaRPr lang="de-DE"/>
           </a:p>
@@ -545,7 +547,96 @@
     </p:spTree>
     <p:extLst>
       <p:ext uri="{BB962C8B-B14F-4D97-AF65-F5344CB8AC3E}">
-        <p14:creationId xmlns:p14="http://schemas.microsoft.com/office/powerpoint/2010/main" val="2685122353"/>
+        <p14:creationId xmlns:p14="http://schemas.microsoft.com/office/powerpoint/2010/main" val="1165251609"/>
+      </p:ext>
+    </p:extLst>
+  </p:cSld>
+  <p:clrMapOvr>
+    <a:masterClrMapping/>
+  </p:clrMapOvr>
+</p:notes>
+</file>
+
+<file path=ppt/notesSlides/notesSlide2.xml><?xml version="1.0" encoding="utf-8"?>
+<p:notes xmlns:a="http://schemas.openxmlformats.org/drawingml/2006/main" xmlns:r="http://schemas.openxmlformats.org/officeDocument/2006/relationships" xmlns:p="http://schemas.openxmlformats.org/presentationml/2006/main">
+  <p:cSld>
+    <p:spTree>
+      <p:nvGrpSpPr>
+        <p:cNvPr id="1" name=""/>
+        <p:cNvGrpSpPr/>
+        <p:nvPr/>
+      </p:nvGrpSpPr>
+      <p:grpSpPr>
+        <a:xfrm>
+          <a:off x="0" y="0"/>
+          <a:ext cx="0" cy="0"/>
+          <a:chOff x="0" y="0"/>
+          <a:chExt cx="0" cy="0"/>
+        </a:xfrm>
+      </p:grpSpPr>
+      <p:sp>
+        <p:nvSpPr>
+          <p:cNvPr id="2" name="Folienbildplatzhalter 1"/>
+          <p:cNvSpPr>
+            <a:spLocks noGrp="1" noRot="1" noChangeAspect="1"/>
+          </p:cNvSpPr>
+          <p:nvPr>
+            <p:ph type="sldImg"/>
+          </p:nvPr>
+        </p:nvSpPr>
+        <p:spPr>
+          <a:xfrm>
+            <a:off x="1373188" y="1143000"/>
+            <a:ext cx="4111625" cy="3086100"/>
+          </a:xfrm>
+        </p:spPr>
+      </p:sp>
+      <p:sp>
+        <p:nvSpPr>
+          <p:cNvPr id="3" name="Notizenplatzhalter 2"/>
+          <p:cNvSpPr>
+            <a:spLocks noGrp="1"/>
+          </p:cNvSpPr>
+          <p:nvPr>
+            <p:ph type="body" idx="1"/>
+          </p:nvPr>
+        </p:nvSpPr>
+        <p:spPr/>
+        <p:txBody>
+          <a:bodyPr/>
+          <a:lstStyle/>
+          <a:p>
+            <a:endParaRPr lang="de-DE"/>
+          </a:p>
+        </p:txBody>
+      </p:sp>
+      <p:sp>
+        <p:nvSpPr>
+          <p:cNvPr id="4" name="Foliennummernplatzhalter 3"/>
+          <p:cNvSpPr>
+            <a:spLocks noGrp="1"/>
+          </p:cNvSpPr>
+          <p:nvPr>
+            <p:ph type="sldNum" sz="quarter" idx="5"/>
+          </p:nvPr>
+        </p:nvSpPr>
+        <p:spPr/>
+        <p:txBody>
+          <a:bodyPr/>
+          <a:lstStyle/>
+          <a:p>
+            <a:fld id="{D1A63696-B99F-4FC8-B6C7-8DFA2920F24D}" type="slidenum">
+              <a:rPr lang="de-DE" smtClean="0"/>
+              <a:t>5</a:t>
+            </a:fld>
+            <a:endParaRPr lang="de-DE"/>
+          </a:p>
+        </p:txBody>
+      </p:sp>
+    </p:spTree>
+    <p:extLst>
+      <p:ext uri="{BB962C8B-B14F-4D97-AF65-F5344CB8AC3E}">
+        <p14:creationId xmlns:p14="http://schemas.microsoft.com/office/powerpoint/2010/main" val="3350255855"/>
       </p:ext>
     </p:extLst>
   </p:cSld>
@@ -686,7 +777,7 @@
           <a:p>
             <a:fld id="{131BAEAD-BED5-4858-A3F1-D44338CDCC09}" type="datetimeFigureOut">
               <a:rPr lang="de-DE" smtClean="0"/>
-              <a:t>28.09.2023</a:t>
+              <a:t>16.10.2023</a:t>
             </a:fld>
             <a:endParaRPr lang="de-DE"/>
           </a:p>
@@ -856,7 +947,7 @@
           <a:p>
             <a:fld id="{131BAEAD-BED5-4858-A3F1-D44338CDCC09}" type="datetimeFigureOut">
               <a:rPr lang="de-DE" smtClean="0"/>
-              <a:t>28.09.2023</a:t>
+              <a:t>16.10.2023</a:t>
             </a:fld>
             <a:endParaRPr lang="de-DE"/>
           </a:p>
@@ -1036,7 +1127,7 @@
           <a:p>
             <a:fld id="{131BAEAD-BED5-4858-A3F1-D44338CDCC09}" type="datetimeFigureOut">
               <a:rPr lang="de-DE" smtClean="0"/>
-              <a:t>28.09.2023</a:t>
+              <a:t>16.10.2023</a:t>
             </a:fld>
             <a:endParaRPr lang="de-DE"/>
           </a:p>
@@ -1206,7 +1297,7 @@
           <a:p>
             <a:fld id="{131BAEAD-BED5-4858-A3F1-D44338CDCC09}" type="datetimeFigureOut">
               <a:rPr lang="de-DE" smtClean="0"/>
-              <a:t>28.09.2023</a:t>
+              <a:t>16.10.2023</a:t>
             </a:fld>
             <a:endParaRPr lang="de-DE"/>
           </a:p>
@@ -1450,7 +1541,7 @@
           <a:p>
             <a:fld id="{131BAEAD-BED5-4858-A3F1-D44338CDCC09}" type="datetimeFigureOut">
               <a:rPr lang="de-DE" smtClean="0"/>
-              <a:t>28.09.2023</a:t>
+              <a:t>16.10.2023</a:t>
             </a:fld>
             <a:endParaRPr lang="de-DE"/>
           </a:p>
@@ -1682,7 +1773,7 @@
           <a:p>
             <a:fld id="{131BAEAD-BED5-4858-A3F1-D44338CDCC09}" type="datetimeFigureOut">
               <a:rPr lang="de-DE" smtClean="0"/>
-              <a:t>28.09.2023</a:t>
+              <a:t>16.10.2023</a:t>
             </a:fld>
             <a:endParaRPr lang="de-DE"/>
           </a:p>
@@ -2049,7 +2140,7 @@
           <a:p>
             <a:fld id="{131BAEAD-BED5-4858-A3F1-D44338CDCC09}" type="datetimeFigureOut">
               <a:rPr lang="de-DE" smtClean="0"/>
-              <a:t>28.09.2023</a:t>
+              <a:t>16.10.2023</a:t>
             </a:fld>
             <a:endParaRPr lang="de-DE"/>
           </a:p>
@@ -2167,7 +2258,7 @@
           <a:p>
             <a:fld id="{131BAEAD-BED5-4858-A3F1-D44338CDCC09}" type="datetimeFigureOut">
               <a:rPr lang="de-DE" smtClean="0"/>
-              <a:t>28.09.2023</a:t>
+              <a:t>16.10.2023</a:t>
             </a:fld>
             <a:endParaRPr lang="de-DE"/>
           </a:p>
@@ -2262,7 +2353,7 @@
           <a:p>
             <a:fld id="{131BAEAD-BED5-4858-A3F1-D44338CDCC09}" type="datetimeFigureOut">
               <a:rPr lang="de-DE" smtClean="0"/>
-              <a:t>28.09.2023</a:t>
+              <a:t>16.10.2023</a:t>
             </a:fld>
             <a:endParaRPr lang="de-DE"/>
           </a:p>
@@ -2539,7 +2630,7 @@
           <a:p>
             <a:fld id="{131BAEAD-BED5-4858-A3F1-D44338CDCC09}" type="datetimeFigureOut">
               <a:rPr lang="de-DE" smtClean="0"/>
-              <a:t>28.09.2023</a:t>
+              <a:t>16.10.2023</a:t>
             </a:fld>
             <a:endParaRPr lang="de-DE"/>
           </a:p>
@@ -2796,7 +2887,7 @@
           <a:p>
             <a:fld id="{131BAEAD-BED5-4858-A3F1-D44338CDCC09}" type="datetimeFigureOut">
               <a:rPr lang="de-DE" smtClean="0"/>
-              <a:t>28.09.2023</a:t>
+              <a:t>16.10.2023</a:t>
             </a:fld>
             <a:endParaRPr lang="de-DE"/>
           </a:p>
@@ -3009,7 +3100,7 @@
           <a:p>
             <a:fld id="{131BAEAD-BED5-4858-A3F1-D44338CDCC09}" type="datetimeFigureOut">
               <a:rPr lang="de-DE" smtClean="0"/>
-              <a:t>28.09.2023</a:t>
+              <a:t>16.10.2023</a:t>
             </a:fld>
             <a:endParaRPr lang="de-DE"/>
           </a:p>
@@ -3498,7 +3589,7 @@
         </p:nvSpPr>
         <p:spPr>
           <a:xfrm>
-            <a:off x="2521891" y="795465"/>
+            <a:off x="2521891" y="300165"/>
             <a:ext cx="4015722" cy="1480112"/>
           </a:xfrm>
           <a:prstGeom prst="foldedCorner">
@@ -3789,8 +3880,8 @@
         </p:nvSpPr>
         <p:spPr>
           <a:xfrm>
-            <a:off x="2528203" y="2434719"/>
-            <a:ext cx="4626994" cy="1450892"/>
+            <a:off x="2528203" y="1939418"/>
+            <a:ext cx="4626994" cy="1942885"/>
           </a:xfrm>
           <a:prstGeom prst="roundRect">
             <a:avLst>
@@ -3855,7 +3946,7 @@
         </p:nvSpPr>
         <p:spPr>
           <a:xfrm>
-            <a:off x="2675572" y="2893845"/>
+            <a:off x="2675572" y="2398545"/>
             <a:ext cx="2029034" cy="240280"/>
           </a:xfrm>
           <a:prstGeom prst="roundRect">
@@ -3934,7 +4025,7 @@
         </p:blipFill>
         <p:spPr>
           <a:xfrm>
-            <a:off x="5125055" y="2879943"/>
+            <a:off x="5125055" y="2384643"/>
             <a:ext cx="268091" cy="268091"/>
           </a:xfrm>
           <a:prstGeom prst="rect">
@@ -3958,7 +4049,7 @@
         </p:nvCxnSpPr>
         <p:spPr>
           <a:xfrm>
-            <a:off x="4704606" y="3013984"/>
+            <a:off x="4704606" y="2518684"/>
             <a:ext cx="420444" cy="0"/>
           </a:xfrm>
           <a:prstGeom prst="straightConnector1">
@@ -4005,7 +4096,7 @@
         </p:nvCxnSpPr>
         <p:spPr>
           <a:xfrm flipH="1">
-            <a:off x="4704606" y="3080728"/>
+            <a:off x="4704606" y="2585428"/>
             <a:ext cx="420444" cy="0"/>
           </a:xfrm>
           <a:prstGeom prst="straightConnector1">
@@ -4050,7 +4141,7 @@
         </p:nvSpPr>
         <p:spPr>
           <a:xfrm>
-            <a:off x="5393146" y="2546430"/>
+            <a:off x="5393146" y="2051130"/>
             <a:ext cx="1595193" cy="830997"/>
           </a:xfrm>
           <a:prstGeom prst="rect">
@@ -4136,7 +4227,7 @@
         </p:nvSpPr>
         <p:spPr>
           <a:xfrm>
-            <a:off x="2528206" y="2470955"/>
+            <a:off x="2528206" y="1975655"/>
             <a:ext cx="1800493" cy="261610"/>
           </a:xfrm>
           <a:prstGeom prst="rect">
@@ -4173,7 +4264,7 @@
         </p:nvSpPr>
         <p:spPr>
           <a:xfrm>
-            <a:off x="7265435" y="2122875"/>
+            <a:off x="2649921" y="3557789"/>
             <a:ext cx="2633496" cy="261610"/>
           </a:xfrm>
           <a:prstGeom prst="roundRect">
@@ -4189,8 +4280,8 @@
           <a:ln w="3175">
             <a:solidFill>
               <a:schemeClr val="tx1">
-                <a:lumMod val="50000"/>
-                <a:lumOff val="50000"/>
+                <a:lumMod val="85000"/>
+                <a:lumOff val="15000"/>
               </a:schemeClr>
             </a:solidFill>
           </a:ln>
@@ -4215,13 +4306,9 @@
           <a:bodyPr rtlCol="0" anchor="ctr"/>
           <a:lstStyle/>
           <a:p>
-            <a:r>
-              <a:rPr lang="de-DE" sz="900" b="1" i="1">
-                <a:solidFill>
-                  <a:schemeClr val="bg1"/>
-                </a:solidFill>
-                <a:latin typeface="Consolas" panose="020B0609020204030204" pitchFamily="49" charset="0"/>
-              </a:rPr>
+            <a:pPr algn="ctr"/>
+            <a:r>
+              <a:rPr lang="de-DE" sz="1000"/>
               <a:t>Visualization of Automation Management</a:t>
             </a:r>
           </a:p>
@@ -5289,7 +5376,7 @@
         <p:spPr>
           <a:xfrm>
             <a:off x="10070047" y="4774877"/>
-            <a:ext cx="2467950" cy="954107"/>
+            <a:ext cx="2467950" cy="1077218"/>
           </a:xfrm>
           <a:prstGeom prst="rect">
             <a:avLst/>
@@ -5318,7 +5405,7 @@
             </a:pPr>
             <a:r>
               <a:rPr lang="de-DE" sz="800"/>
-              <a:t>Activate power saving mode on a link after ensuring both transmitters of a parallel link are operating at their maximum configured modulation</a:t>
+              <a:t>Activate power saving mode on a link after ensuring both transmitters of any parallel link are operating at their maximum configured modulation (if there are multiple parallel links, it‘s enough if one of those links is operating properly)</a:t>
             </a:r>
           </a:p>
           <a:p>
@@ -5576,7 +5663,7 @@
         <p:spPr>
           <a:xfrm>
             <a:off x="13285859" y="4481050"/>
-            <a:ext cx="2467950" cy="1446550"/>
+            <a:ext cx="2467950" cy="1077218"/>
           </a:xfrm>
           <a:prstGeom prst="rect">
             <a:avLst/>
@@ -5605,7 +5692,7 @@
             </a:pPr>
             <a:r>
               <a:rPr lang="de-DE" sz="800"/>
-              <a:t>Translates passed link-ID into uuid of related AirLayer connection</a:t>
+              <a:t>Calls upon MWDI (later MWDI) to get the list of parallel links and to translate linkIDs into link endpoint address triples</a:t>
             </a:r>
           </a:p>
           <a:p>
@@ -5615,53 +5702,7 @@
             </a:pPr>
             <a:r>
               <a:rPr lang="de-DE" sz="800"/>
-              <a:t>Analyzes if there is a parallel AirLayerConnection</a:t>
-            </a:r>
-          </a:p>
-          <a:p>
-            <a:pPr marL="171450" indent="-171450">
-              <a:buFont typeface="Arial" panose="020B0604020202020204" pitchFamily="34" charset="0"/>
-              <a:buChar char="•"/>
-            </a:pPr>
-            <a:r>
-              <a:rPr lang="de-DE" sz="800"/>
-              <a:t>Determines mount names, uuids, local-Ids of ther Air Interface that terminate </a:t>
-            </a:r>
-          </a:p>
-          <a:p>
-            <a:pPr marL="358775" lvl="1" indent="-179388">
-              <a:buFont typeface="Arial" panose="020B0604020202020204" pitchFamily="34" charset="0"/>
-              <a:buChar char="•"/>
-              <a:tabLst>
-                <a:tab pos="358775" algn="l"/>
-              </a:tabLst>
-            </a:pPr>
-            <a:r>
-              <a:rPr lang="de-DE" sz="800"/>
-              <a:t>the AirLayer connection</a:t>
-            </a:r>
-          </a:p>
-          <a:p>
-            <a:pPr marL="358775" lvl="1" indent="-179388">
-              <a:buFont typeface="Arial" panose="020B0604020202020204" pitchFamily="34" charset="0"/>
-              <a:buChar char="•"/>
-              <a:tabLst>
-                <a:tab pos="358775" algn="l"/>
-              </a:tabLst>
-            </a:pPr>
-            <a:r>
-              <a:rPr lang="de-DE" sz="800"/>
-              <a:t>and parallel AirLayer connection</a:t>
-            </a:r>
-          </a:p>
-          <a:p>
-            <a:pPr marL="171450" indent="-171450">
-              <a:buFont typeface="Arial" panose="020B0604020202020204" pitchFamily="34" charset="0"/>
-              <a:buChar char="•"/>
-            </a:pPr>
-            <a:r>
-              <a:rPr lang="de-DE" sz="800"/>
-              <a:t>Reads transmitterIsOn, transmissionModeMax, transmissionModeCur</a:t>
+              <a:t>Reads interfaceStatus (transmitterIsOn information is not sufficient), transmissionModeMax, transmissionModeCur</a:t>
             </a:r>
           </a:p>
           <a:p>
@@ -6490,7 +6531,7 @@
         </p:nvSpPr>
         <p:spPr>
           <a:xfrm>
-            <a:off x="2639552" y="3547597"/>
+            <a:off x="2639552" y="3052297"/>
             <a:ext cx="2029034" cy="240280"/>
           </a:xfrm>
           <a:prstGeom prst="roundRect">
@@ -6569,7 +6610,7 @@
         </p:blipFill>
         <p:spPr>
           <a:xfrm>
-            <a:off x="5125053" y="3509887"/>
+            <a:off x="5125053" y="3014587"/>
             <a:ext cx="268091" cy="268091"/>
           </a:xfrm>
           <a:prstGeom prst="rect">
@@ -6593,7 +6634,7 @@
         </p:nvCxnSpPr>
         <p:spPr>
           <a:xfrm>
-            <a:off x="4704604" y="3643928"/>
+            <a:off x="4704604" y="3148628"/>
             <a:ext cx="420444" cy="0"/>
           </a:xfrm>
           <a:prstGeom prst="straightConnector1">
@@ -6640,7 +6681,7 @@
         </p:nvCxnSpPr>
         <p:spPr>
           <a:xfrm flipH="1">
-            <a:off x="4704604" y="3710672"/>
+            <a:off x="4704604" y="3215372"/>
             <a:ext cx="420444" cy="0"/>
           </a:xfrm>
           <a:prstGeom prst="straightConnector1">
@@ -6685,7 +6726,7 @@
         </p:nvSpPr>
         <p:spPr>
           <a:xfrm>
-            <a:off x="5361518" y="3512644"/>
+            <a:off x="5361518" y="3017344"/>
             <a:ext cx="1595193" cy="338554"/>
           </a:xfrm>
           <a:prstGeom prst="rect">
@@ -7066,7 +7107,7 @@
         </p:nvCxnSpPr>
         <p:spPr>
           <a:xfrm>
-            <a:off x="3542921" y="3148031"/>
+            <a:off x="3542921" y="2652731"/>
             <a:ext cx="0" cy="399566"/>
           </a:xfrm>
           <a:prstGeom prst="straightConnector1">
@@ -7105,7 +7146,7 @@
         </p:nvCxnSpPr>
         <p:spPr>
           <a:xfrm>
-            <a:off x="3661138" y="3148031"/>
+            <a:off x="3661138" y="2652731"/>
             <a:ext cx="0" cy="399566"/>
           </a:xfrm>
           <a:prstGeom prst="straightConnector1">
@@ -7550,7 +7591,7 @@
         </p:nvSpPr>
         <p:spPr>
           <a:xfrm>
-            <a:off x="7265435" y="2776776"/>
+            <a:off x="7265435" y="2281476"/>
             <a:ext cx="2804612" cy="1103211"/>
           </a:xfrm>
           <a:prstGeom prst="foldedCorner">
@@ -7746,7 +7787,7 @@
         </p:nvCxnSpPr>
         <p:spPr>
           <a:xfrm>
-            <a:off x="7265435" y="3328379"/>
+            <a:off x="7265435" y="2833079"/>
             <a:ext cx="0" cy="0"/>
           </a:xfrm>
           <a:prstGeom prst="line">
@@ -7785,7 +7826,7 @@
         </p:nvCxnSpPr>
         <p:spPr>
           <a:xfrm flipH="1">
-            <a:off x="7155197" y="3328379"/>
+            <a:off x="7155197" y="2833079"/>
             <a:ext cx="110238" cy="165788"/>
           </a:xfrm>
           <a:prstGeom prst="line">
@@ -8240,272 +8281,6 @@
           </a:fontRef>
         </p:style>
       </p:cxnSp>
-      <p:grpSp>
-        <p:nvGrpSpPr>
-          <p:cNvPr id="90" name="Gruppieren 89">
-            <a:extLst>
-              <a:ext uri="{FF2B5EF4-FFF2-40B4-BE49-F238E27FC236}">
-                <a16:creationId xmlns:a16="http://schemas.microsoft.com/office/drawing/2014/main" id="{2352F7E4-D9C7-EF78-0474-25B46B249169}"/>
-              </a:ext>
-            </a:extLst>
-          </p:cNvPr>
-          <p:cNvGrpSpPr/>
-          <p:nvPr/>
-        </p:nvGrpSpPr>
-        <p:grpSpPr>
-          <a:xfrm>
-            <a:off x="12928297" y="1761668"/>
-            <a:ext cx="4756998" cy="2055037"/>
-            <a:chOff x="6863224" y="-1253100"/>
-            <a:chExt cx="4756998" cy="2055037"/>
-          </a:xfrm>
-        </p:grpSpPr>
-        <p:sp>
-          <p:nvSpPr>
-            <p:cNvPr id="122" name="Rechteck: gefaltete Ecke 121">
-              <a:extLst>
-                <a:ext uri="{FF2B5EF4-FFF2-40B4-BE49-F238E27FC236}">
-                  <a16:creationId xmlns:a16="http://schemas.microsoft.com/office/drawing/2014/main" id="{89D46D64-13CB-9293-59DF-461FF0301CBC}"/>
-                </a:ext>
-              </a:extLst>
-            </p:cNvPr>
-            <p:cNvSpPr/>
-            <p:nvPr/>
-          </p:nvSpPr>
-          <p:spPr>
-            <a:xfrm>
-              <a:off x="6863224" y="-1253100"/>
-              <a:ext cx="3595671" cy="2055037"/>
-            </a:xfrm>
-            <a:prstGeom prst="foldedCorner">
-              <a:avLst>
-                <a:gd name="adj" fmla="val 6114"/>
-              </a:avLst>
-            </a:prstGeom>
-            <a:solidFill>
-              <a:schemeClr val="bg1">
-                <a:lumMod val="95000"/>
-              </a:schemeClr>
-            </a:solidFill>
-            <a:ln>
-              <a:solidFill>
-                <a:schemeClr val="tx1">
-                  <a:lumMod val="50000"/>
-                  <a:lumOff val="50000"/>
-                </a:schemeClr>
-              </a:solidFill>
-              <a:prstDash val="sysDash"/>
-            </a:ln>
-          </p:spPr>
-          <p:style>
-            <a:lnRef idx="2">
-              <a:schemeClr val="accent4">
-                <a:shade val="50000"/>
-              </a:schemeClr>
-            </a:lnRef>
-            <a:fillRef idx="1">
-              <a:schemeClr val="accent4"/>
-            </a:fillRef>
-            <a:effectRef idx="0">
-              <a:schemeClr val="accent4"/>
-            </a:effectRef>
-            <a:fontRef idx="minor">
-              <a:schemeClr val="lt1"/>
-            </a:fontRef>
-          </p:style>
-          <p:txBody>
-            <a:bodyPr rtlCol="0" anchor="ctr"/>
-            <a:lstStyle/>
-            <a:p>
-              <a:pPr marL="171450" indent="-171450">
-                <a:buFont typeface="Arial" panose="020B0604020202020204" pitchFamily="34" charset="0"/>
-                <a:buChar char="•"/>
-              </a:pPr>
-              <a:r>
-                <a:rPr lang="de-DE" sz="800">
-                  <a:solidFill>
-                    <a:srgbClr val="0070C0"/>
-                  </a:solidFill>
-                </a:rPr>
-                <a:t>A link L1 connects AirInterfaces (A1-B1) on 2 devices (A,B). It can have a parallel link L2, which also connectes A &amp; B, but from different AirInterfaces (e.g. A2-B3).</a:t>
-              </a:r>
-            </a:p>
-            <a:p>
-              <a:pPr marL="171450" indent="-171450">
-                <a:buFont typeface="Arial" panose="020B0604020202020204" pitchFamily="34" charset="0"/>
-                <a:buChar char="•"/>
-              </a:pPr>
-              <a:endParaRPr lang="de-DE" sz="800">
-                <a:solidFill>
-                  <a:srgbClr val="0070C0"/>
-                </a:solidFill>
-              </a:endParaRPr>
-            </a:p>
-            <a:p>
-              <a:pPr marL="171450" indent="-171450">
-                <a:buFont typeface="Arial" panose="020B0604020202020204" pitchFamily="34" charset="0"/>
-                <a:buChar char="•"/>
-              </a:pPr>
-              <a:r>
-                <a:rPr lang="de-DE" sz="800">
-                  <a:solidFill>
-                    <a:srgbClr val="0070C0"/>
-                  </a:solidFill>
-                </a:rPr>
-                <a:t>BasicLinkAnalysis has a service to resolve the AirInterface address info (2 triplets) for a link: </a:t>
-              </a:r>
-            </a:p>
-            <a:p>
-              <a:pPr marL="361950" lvl="1" indent="-180975" defTabSz="361950">
-                <a:buFont typeface="Arial" panose="020B0604020202020204" pitchFamily="34" charset="0"/>
-                <a:buChar char="•"/>
-              </a:pPr>
-              <a:r>
-                <a:rPr lang="de-DE" sz="800">
-                  <a:solidFill>
-                    <a:srgbClr val="0070C0"/>
-                  </a:solidFill>
-                </a:rPr>
-                <a:t>Input: linkID; Output: 2 triples (mount-name, uuid (airInterface), local-id (ltp)); 1 triple for each side of the link.</a:t>
-              </a:r>
-            </a:p>
-            <a:p>
-              <a:pPr marL="361950" lvl="1" indent="-180975" defTabSz="361950">
-                <a:buFont typeface="Arial" panose="020B0604020202020204" pitchFamily="34" charset="0"/>
-                <a:buChar char="•"/>
-              </a:pPr>
-              <a:r>
-                <a:rPr lang="de-DE" sz="800">
-                  <a:solidFill>
-                    <a:srgbClr val="0070C0"/>
-                  </a:solidFill>
-                </a:rPr>
-                <a:t>It is called for L1; to find the parallel link L2, BLA needs to search on the same device A for other AirInterfaces that also have a connection to an AirInterface on device B. (Different AirfInterfaces than for L1). </a:t>
-              </a:r>
-            </a:p>
-            <a:p>
-              <a:endParaRPr lang="de-DE" sz="800">
-                <a:solidFill>
-                  <a:srgbClr val="0070C0"/>
-                </a:solidFill>
-              </a:endParaRPr>
-            </a:p>
-            <a:p>
-              <a:pPr marL="171450" indent="-171450">
-                <a:buFont typeface="Arial" panose="020B0604020202020204" pitchFamily="34" charset="0"/>
-                <a:buChar char="•"/>
-              </a:pPr>
-              <a:r>
-                <a:rPr lang="de-DE" sz="800">
-                  <a:solidFill>
-                    <a:srgbClr val="0070C0"/>
-                  </a:solidFill>
-                </a:rPr>
-                <a:t>If the parallel link is found, transmissionMode information can be retrieved for it (via its AirInterface address info).</a:t>
-              </a:r>
-            </a:p>
-            <a:p>
-              <a:pPr marL="171450" indent="-171450">
-                <a:buFont typeface="Arial" panose="020B0604020202020204" pitchFamily="34" charset="0"/>
-                <a:buChar char="•"/>
-              </a:pPr>
-              <a:r>
-                <a:rPr lang="de-DE" sz="800">
-                  <a:solidFill>
-                    <a:srgbClr val="0070C0"/>
-                  </a:solidFill>
-                </a:rPr>
-                <a:t>BLA only returns the data, but does not perform checks on it.</a:t>
-              </a:r>
-            </a:p>
-          </p:txBody>
-        </p:sp>
-        <p:sp>
-          <p:nvSpPr>
-            <p:cNvPr id="149" name="Rechteck: gefaltete Ecke 148">
-              <a:extLst>
-                <a:ext uri="{FF2B5EF4-FFF2-40B4-BE49-F238E27FC236}">
-                  <a16:creationId xmlns:a16="http://schemas.microsoft.com/office/drawing/2014/main" id="{1D5FAEBD-A340-99CC-E1CD-42BFFFA9D02F}"/>
-                </a:ext>
-              </a:extLst>
-            </p:cNvPr>
-            <p:cNvSpPr/>
-            <p:nvPr/>
-          </p:nvSpPr>
-          <p:spPr>
-            <a:xfrm>
-              <a:off x="10458895" y="-801306"/>
-              <a:ext cx="1161327" cy="1496931"/>
-            </a:xfrm>
-            <a:prstGeom prst="foldedCorner">
-              <a:avLst>
-                <a:gd name="adj" fmla="val 6114"/>
-              </a:avLst>
-            </a:prstGeom>
-            <a:solidFill>
-              <a:schemeClr val="bg1">
-                <a:lumMod val="95000"/>
-              </a:schemeClr>
-            </a:solidFill>
-            <a:ln>
-              <a:solidFill>
-                <a:schemeClr val="tx1">
-                  <a:lumMod val="50000"/>
-                  <a:lumOff val="50000"/>
-                </a:schemeClr>
-              </a:solidFill>
-              <a:prstDash val="sysDash"/>
-            </a:ln>
-          </p:spPr>
-          <p:style>
-            <a:lnRef idx="2">
-              <a:schemeClr val="accent4">
-                <a:shade val="50000"/>
-              </a:schemeClr>
-            </a:lnRef>
-            <a:fillRef idx="1">
-              <a:schemeClr val="accent4"/>
-            </a:fillRef>
-            <a:effectRef idx="0">
-              <a:schemeClr val="accent4"/>
-            </a:effectRef>
-            <a:fontRef idx="minor">
-              <a:schemeClr val="lt1"/>
-            </a:fontRef>
-          </p:style>
-          <p:txBody>
-            <a:bodyPr rtlCol="0" anchor="ctr"/>
-            <a:lstStyle/>
-            <a:p>
-              <a:r>
-                <a:rPr lang="de-DE" sz="800">
-                  <a:solidFill>
-                    <a:srgbClr val="0070C0"/>
-                  </a:solidFill>
-                </a:rPr>
-                <a:t>Find connection information not part of MWDI, but MWNI (MWDI will evolve to MWNI)</a:t>
-              </a:r>
-            </a:p>
-            <a:p>
-              <a:endParaRPr lang="de-DE" sz="800">
-                <a:solidFill>
-                  <a:srgbClr val="0070C0"/>
-                </a:solidFill>
-              </a:endParaRPr>
-            </a:p>
-            <a:p>
-              <a:r>
-                <a:rPr lang="de-DE" sz="800">
-                  <a:solidFill>
-                    <a:srgbClr val="0070C0"/>
-                  </a:solidFill>
-                </a:rPr>
-                <a:t>But: MWDI will be extended already provide these required services for AIPS</a:t>
-              </a:r>
-            </a:p>
-          </p:txBody>
-        </p:sp>
-      </p:grpSp>
       <p:sp>
         <p:nvSpPr>
           <p:cNvPr id="150" name="Textfeld 149">
@@ -8829,16 +8604,10 @@
           <p:cNvGraphicFramePr>
             <a:graphicFrameLocks noGrp="1"/>
           </p:cNvGraphicFramePr>
-          <p:nvPr>
-            <p:extLst>
-              <p:ext uri="{D42A27DB-BD31-4B8C-83A1-F6EECF244321}">
-                <p14:modId xmlns:p14="http://schemas.microsoft.com/office/powerpoint/2010/main" val="3715970399"/>
-              </p:ext>
-            </p:extLst>
-          </p:nvPr>
+          <p:nvPr/>
         </p:nvGraphicFramePr>
         <p:xfrm>
-          <a:off x="2642497" y="1074308"/>
+          <a:off x="2642497" y="579008"/>
           <a:ext cx="2895440" cy="1146560"/>
         </p:xfrm>
         <a:graphic>
@@ -8998,7 +8767,7 @@
                     <a:p>
                       <a:r>
                         <a:rPr lang="de-DE" sz="700"/>
-                        <a:t>206552300</a:t>
+                        <a:t>206552200</a:t>
                       </a:r>
                     </a:p>
                   </a:txBody>
@@ -9084,7 +8853,7 @@
         </p:nvSpPr>
         <p:spPr>
           <a:xfrm>
-            <a:off x="2691008" y="793070"/>
+            <a:off x="2691008" y="297770"/>
             <a:ext cx="715260" cy="261610"/>
           </a:xfrm>
           <a:prstGeom prst="rect">
@@ -9117,16 +8886,10 @@
           <p:cNvGraphicFramePr>
             <a:graphicFrameLocks noGrp="1"/>
           </p:cNvGraphicFramePr>
-          <p:nvPr>
-            <p:extLst>
-              <p:ext uri="{D42A27DB-BD31-4B8C-83A1-F6EECF244321}">
-                <p14:modId xmlns:p14="http://schemas.microsoft.com/office/powerpoint/2010/main" val="902782447"/>
-              </p:ext>
-            </p:extLst>
-          </p:nvPr>
+          <p:nvPr/>
         </p:nvGraphicFramePr>
         <p:xfrm>
-          <a:off x="5766580" y="1086401"/>
+          <a:off x="5766580" y="591101"/>
           <a:ext cx="712518" cy="917248"/>
         </p:xfrm>
         <a:graphic>
@@ -9268,7 +9031,7 @@
         </p:nvSpPr>
         <p:spPr>
           <a:xfrm>
-            <a:off x="5735962" y="805163"/>
+            <a:off x="5735962" y="309863"/>
             <a:ext cx="694421" cy="261610"/>
           </a:xfrm>
           <a:prstGeom prst="rect">
@@ -9303,7 +9066,7 @@
         </p:nvCxnSpPr>
         <p:spPr>
           <a:xfrm flipH="1">
-            <a:off x="5366278" y="1428863"/>
+            <a:off x="5366278" y="933563"/>
             <a:ext cx="444743" cy="0"/>
           </a:xfrm>
           <a:prstGeom prst="straightConnector1">
@@ -9343,13 +9106,7 @@
           <p:cNvGraphicFramePr>
             <a:graphicFrameLocks noGrp="1"/>
           </p:cNvGraphicFramePr>
-          <p:nvPr>
-            <p:extLst>
-              <p:ext uri="{D42A27DB-BD31-4B8C-83A1-F6EECF244321}">
-                <p14:modId xmlns:p14="http://schemas.microsoft.com/office/powerpoint/2010/main" val="2579890840"/>
-              </p:ext>
-            </p:extLst>
-          </p:nvPr>
+          <p:nvPr/>
         </p:nvGraphicFramePr>
         <p:xfrm>
           <a:off x="7631529" y="9520105"/>
@@ -9572,7 +9329,7 @@
                     <a:p>
                       <a:r>
                         <a:rPr lang="de-DE" sz="700"/>
-                        <a:t>206552300</a:t>
+                        <a:t>206552200</a:t>
                       </a:r>
                     </a:p>
                   </a:txBody>
@@ -9905,7 +9662,7 @@
                 </a:solidFill>
                 <a:sym typeface="Symbol" panose="05050102010706020507" pitchFamily="18" charset="2"/>
               </a:rPr>
-              <a:t>sync with staticList periodically to remove dead records</a:t>
+              <a:t>periodically cleanup to remove dead records (only if in original power saving status)</a:t>
             </a:r>
           </a:p>
         </p:txBody>
@@ -9967,7 +9724,7 @@
         </p:nvCxnSpPr>
         <p:spPr>
           <a:xfrm>
-            <a:off x="5658543" y="2285104"/>
+            <a:off x="5658543" y="1789804"/>
             <a:ext cx="79975" cy="142080"/>
           </a:xfrm>
           <a:prstGeom prst="line">
@@ -10006,8 +9763,8 @@
         </p:nvSpPr>
         <p:spPr>
           <a:xfrm>
-            <a:off x="10209030" y="1813800"/>
-            <a:ext cx="2642615" cy="1925946"/>
+            <a:off x="10209030" y="2398544"/>
+            <a:ext cx="2642615" cy="1341201"/>
           </a:xfrm>
           <a:prstGeom prst="foldedCorner">
             <a:avLst>
@@ -10055,7 +9812,7 @@
                   <a:srgbClr val="0070C0"/>
                 </a:solidFill>
               </a:rPr>
-              <a:t>Link related switching operations first call PowerSavingStatus for the given link to determine, if they even have to do something; if not they immediately return a „success“ </a:t>
+              <a:t>Link related switching operations first determine, if they even have to do something; if not they immediately return a „success“ </a:t>
             </a:r>
           </a:p>
           <a:p>
@@ -10084,7 +9841,7 @@
                   <a:srgbClr val="0070C0"/>
                 </a:solidFill>
               </a:rPr>
-              <a:t>: asks PowerSavingStatus, if deviationsFromOriginalState has an entry for RedundantTransmittersOff; if yes: done</a:t>
+              <a:t>: check interfaceStatus of parallelLinks, if not UP: done</a:t>
             </a:r>
           </a:p>
           <a:p>
@@ -10118,17 +9875,6 @@
                 </a:solidFill>
               </a:rPr>
               <a:t>: asks PowerSavingStatus if modulesToRestoreOriginalState does NOT contain AllTransmittersOn; if not, then done.</a:t>
-            </a:r>
-          </a:p>
-          <a:p>
-            <a:pPr marL="180975"/>
-            <a:r>
-              <a:rPr lang="de-DE" sz="800" i="1">
-                <a:solidFill>
-                  <a:srgbClr val="0070C0"/>
-                </a:solidFill>
-              </a:rPr>
-              <a:t>Note: might lead to issues if powerSavingStatus records could not be set properly due to DCN issues (might require some manual work to fix the status)</a:t>
             </a:r>
           </a:p>
         </p:txBody>
@@ -10422,7 +10168,7 @@
                   <a:srgbClr val="0070C0"/>
                 </a:solidFill>
               </a:rPr>
-              <a:t>If a link A should be turned off and ist parallel link B is already turned off, B‘s transmitter is off and its current transmissionMode is also missing; so nothing is done for A</a:t>
+              <a:t>If a link A should be turned off and its parallel link B is already turned off, B‘s interface-status is not UP and its current transmissionMode is also missing; so nothing is done for A</a:t>
             </a:r>
           </a:p>
         </p:txBody>
@@ -10998,7 +10744,7 @@
                   <a:srgbClr val="0070C0"/>
                 </a:solidFill>
               </a:rPr>
-              <a:t>Note: counters/attributes need to be checked on both sides of the (parallel) link</a:t>
+              <a:t>Note: counters/attributes need to be checked on both sides of a (parallel) link</a:t>
             </a:r>
           </a:p>
         </p:txBody>
@@ -11206,10 +10952,462 @@
           </a:fontRef>
         </p:style>
       </p:cxnSp>
+      <p:sp>
+        <p:nvSpPr>
+          <p:cNvPr id="7" name="Textfeld 6">
+            <a:extLst>
+              <a:ext uri="{FF2B5EF4-FFF2-40B4-BE49-F238E27FC236}">
+                <a16:creationId xmlns:a16="http://schemas.microsoft.com/office/drawing/2014/main" id="{4D13615C-7CE4-68F5-CDE5-B061F0E927B0}"/>
+              </a:ext>
+            </a:extLst>
+          </p:cNvPr>
+          <p:cNvSpPr txBox="1"/>
+          <p:nvPr/>
+        </p:nvSpPr>
+        <p:spPr>
+          <a:xfrm>
+            <a:off x="512456" y="2556183"/>
+            <a:ext cx="1955959" cy="992227"/>
+          </a:xfrm>
+          <a:prstGeom prst="rect">
+            <a:avLst/>
+          </a:prstGeom>
+          <a:solidFill>
+            <a:schemeClr val="bg1">
+              <a:lumMod val="95000"/>
+            </a:schemeClr>
+          </a:solidFill>
+          <a:ln>
+            <a:solidFill>
+              <a:schemeClr val="tx1">
+                <a:lumMod val="50000"/>
+                <a:lumOff val="50000"/>
+              </a:schemeClr>
+            </a:solidFill>
+            <a:prstDash val="sysDash"/>
+          </a:ln>
+        </p:spPr>
+        <p:style>
+          <a:lnRef idx="2">
+            <a:schemeClr val="accent4">
+              <a:shade val="50000"/>
+            </a:schemeClr>
+          </a:lnRef>
+          <a:fillRef idx="1">
+            <a:schemeClr val="accent4"/>
+          </a:fillRef>
+          <a:effectRef idx="0">
+            <a:schemeClr val="accent4"/>
+          </a:effectRef>
+          <a:fontRef idx="minor">
+            <a:schemeClr val="lt1"/>
+          </a:fontRef>
+        </p:style>
+        <p:txBody>
+          <a:bodyPr rtlCol="0" anchor="ctr"/>
+          <a:lstStyle>
+            <a:defPPr>
+              <a:defRPr lang="en-US"/>
+            </a:defPPr>
+            <a:lvl1pPr>
+              <a:defRPr sz="800">
+                <a:solidFill>
+                  <a:srgbClr val="0070C0"/>
+                </a:solidFill>
+              </a:defRPr>
+            </a:lvl1pPr>
+            <a:lvl2pPr>
+              <a:defRPr>
+                <a:solidFill>
+                  <a:schemeClr val="lt1"/>
+                </a:solidFill>
+              </a:defRPr>
+            </a:lvl2pPr>
+            <a:lvl3pPr>
+              <a:defRPr>
+                <a:solidFill>
+                  <a:schemeClr val="lt1"/>
+                </a:solidFill>
+              </a:defRPr>
+            </a:lvl3pPr>
+            <a:lvl4pPr>
+              <a:defRPr>
+                <a:solidFill>
+                  <a:schemeClr val="lt1"/>
+                </a:solidFill>
+              </a:defRPr>
+            </a:lvl4pPr>
+            <a:lvl5pPr>
+              <a:defRPr>
+                <a:solidFill>
+                  <a:schemeClr val="lt1"/>
+                </a:solidFill>
+              </a:defRPr>
+            </a:lvl5pPr>
+            <a:lvl6pPr>
+              <a:defRPr>
+                <a:solidFill>
+                  <a:schemeClr val="lt1"/>
+                </a:solidFill>
+              </a:defRPr>
+            </a:lvl6pPr>
+            <a:lvl7pPr>
+              <a:defRPr>
+                <a:solidFill>
+                  <a:schemeClr val="lt1"/>
+                </a:solidFill>
+              </a:defRPr>
+            </a:lvl7pPr>
+            <a:lvl8pPr>
+              <a:defRPr>
+                <a:solidFill>
+                  <a:schemeClr val="lt1"/>
+                </a:solidFill>
+              </a:defRPr>
+            </a:lvl8pPr>
+            <a:lvl9pPr>
+              <a:defRPr>
+                <a:solidFill>
+                  <a:schemeClr val="lt1"/>
+                </a:solidFill>
+              </a:defRPr>
+            </a:lvl9pPr>
+          </a:lstStyle>
+          <a:p>
+            <a:r>
+              <a:rPr lang="de-DE" b="1"/>
+              <a:t>Where to check if power saving is (not) allowed for a link due to blackList?</a:t>
+            </a:r>
+          </a:p>
+          <a:p>
+            <a:pPr marL="171450" indent="-171450">
+              <a:buFontTx/>
+              <a:buChar char="-"/>
+            </a:pPr>
+            <a:r>
+              <a:rPr lang="de-DE"/>
+              <a:t>Done in link group related switching (module 4)</a:t>
+            </a:r>
+          </a:p>
+          <a:p>
+            <a:pPr marL="171450" indent="-171450">
+              <a:buFontTx/>
+              <a:buChar char="-"/>
+            </a:pPr>
+            <a:r>
+              <a:rPr lang="de-DE"/>
+              <a:t>Not done in link related switching operation</a:t>
+            </a:r>
+          </a:p>
+        </p:txBody>
+      </p:sp>
+      <p:sp>
+        <p:nvSpPr>
+          <p:cNvPr id="19" name="Rechteck: gefaltete Ecke 18">
+            <a:extLst>
+              <a:ext uri="{FF2B5EF4-FFF2-40B4-BE49-F238E27FC236}">
+                <a16:creationId xmlns:a16="http://schemas.microsoft.com/office/drawing/2014/main" id="{9EB0589C-C52F-43F8-CAB2-82F132C3B567}"/>
+              </a:ext>
+            </a:extLst>
+          </p:cNvPr>
+          <p:cNvSpPr/>
+          <p:nvPr/>
+        </p:nvSpPr>
+        <p:spPr>
+          <a:xfrm>
+            <a:off x="12926275" y="2301125"/>
+            <a:ext cx="3595671" cy="1406551"/>
+          </a:xfrm>
+          <a:prstGeom prst="foldedCorner">
+            <a:avLst>
+              <a:gd name="adj" fmla="val 6114"/>
+            </a:avLst>
+          </a:prstGeom>
+          <a:solidFill>
+            <a:schemeClr val="bg1">
+              <a:lumMod val="95000"/>
+            </a:schemeClr>
+          </a:solidFill>
+          <a:ln>
+            <a:solidFill>
+              <a:schemeClr val="tx1">
+                <a:lumMod val="50000"/>
+                <a:lumOff val="50000"/>
+              </a:schemeClr>
+            </a:solidFill>
+            <a:prstDash val="sysDash"/>
+          </a:ln>
+        </p:spPr>
+        <p:style>
+          <a:lnRef idx="2">
+            <a:schemeClr val="accent4">
+              <a:shade val="50000"/>
+            </a:schemeClr>
+          </a:lnRef>
+          <a:fillRef idx="1">
+            <a:schemeClr val="accent4"/>
+          </a:fillRef>
+          <a:effectRef idx="0">
+            <a:schemeClr val="accent4"/>
+          </a:effectRef>
+          <a:fontRef idx="minor">
+            <a:schemeClr val="lt1"/>
+          </a:fontRef>
+        </p:style>
+        <p:txBody>
+          <a:bodyPr rtlCol="0" anchor="ctr"/>
+          <a:lstStyle/>
+          <a:p>
+            <a:r>
+              <a:rPr lang="de-DE" sz="800">
+                <a:solidFill>
+                  <a:srgbClr val="0070C0"/>
+                </a:solidFill>
+              </a:rPr>
+              <a:t>Parallel links:</a:t>
+            </a:r>
+          </a:p>
+          <a:p>
+            <a:pPr marL="171450" indent="-171450">
+              <a:buFont typeface="Arial" panose="020B0604020202020204" pitchFamily="34" charset="0"/>
+              <a:buChar char="•"/>
+            </a:pPr>
+            <a:r>
+              <a:rPr lang="de-DE" sz="800">
+                <a:solidFill>
+                  <a:srgbClr val="0070C0"/>
+                </a:solidFill>
+              </a:rPr>
+              <a:t>A link can have multiple parallel links</a:t>
+            </a:r>
+          </a:p>
+          <a:p>
+            <a:pPr marL="171450" indent="-171450">
+              <a:buFont typeface="Arial" panose="020B0604020202020204" pitchFamily="34" charset="0"/>
+              <a:buChar char="•"/>
+            </a:pPr>
+            <a:r>
+              <a:rPr lang="de-DE" sz="800">
+                <a:solidFill>
+                  <a:srgbClr val="0070C0"/>
+                </a:solidFill>
+              </a:rPr>
+              <a:t>MWDI (later MWNI) will offer services to…:</a:t>
+            </a:r>
+          </a:p>
+          <a:p>
+            <a:pPr marL="358775" lvl="1" indent="-171450">
+              <a:buFont typeface="Arial" panose="020B0604020202020204" pitchFamily="34" charset="0"/>
+              <a:buChar char="•"/>
+            </a:pPr>
+            <a:r>
+              <a:rPr lang="de-DE" sz="800">
+                <a:solidFill>
+                  <a:srgbClr val="0070C0"/>
+                </a:solidFill>
+              </a:rPr>
+              <a:t>retrieve the parallel links for a given linkID</a:t>
+            </a:r>
+          </a:p>
+          <a:p>
+            <a:pPr marL="358775" lvl="1" indent="-171450">
+              <a:buFont typeface="Arial" panose="020B0604020202020204" pitchFamily="34" charset="0"/>
+              <a:buChar char="•"/>
+            </a:pPr>
+            <a:r>
+              <a:rPr lang="de-DE" sz="800">
+                <a:solidFill>
+                  <a:srgbClr val="0070C0"/>
+                </a:solidFill>
+              </a:rPr>
+              <a:t>Translate the linkId into 2 address triples, one for each link endpoint (i.e. link side): (mount-name, airInterface-uuid, ltp-localId)</a:t>
+            </a:r>
+          </a:p>
+          <a:p>
+            <a:pPr marL="171450" indent="-171450">
+              <a:buFont typeface="Arial" panose="020B0604020202020204" pitchFamily="34" charset="0"/>
+              <a:buChar char="•"/>
+            </a:pPr>
+            <a:r>
+              <a:rPr lang="de-DE" sz="800">
+                <a:solidFill>
+                  <a:srgbClr val="0070C0"/>
+                </a:solidFill>
+              </a:rPr>
+              <a:t>How identify parallel links: for a given link, retrieve the adress triples of both link-endpoints, then check if there are more connections between the same devices found for both endpoints, with different (uuid, localIds).</a:t>
+            </a:r>
+          </a:p>
+          <a:p>
+            <a:pPr marL="171450" indent="-171450">
+              <a:buFont typeface="Arial" panose="020B0604020202020204" pitchFamily="34" charset="0"/>
+              <a:buChar char="•"/>
+            </a:pPr>
+            <a:r>
+              <a:rPr lang="de-DE" sz="800">
+                <a:solidFill>
+                  <a:srgbClr val="0070C0"/>
+                </a:solidFill>
+              </a:rPr>
+              <a:t>AIPS calls upon the MWDI services to retrieve necessary information</a:t>
+            </a:r>
+          </a:p>
+        </p:txBody>
+      </p:sp>
+      <p:sp>
+        <p:nvSpPr>
+          <p:cNvPr id="80" name="Rechteck: gefaltete Ecke 79">
+            <a:extLst>
+              <a:ext uri="{FF2B5EF4-FFF2-40B4-BE49-F238E27FC236}">
+                <a16:creationId xmlns:a16="http://schemas.microsoft.com/office/drawing/2014/main" id="{CFBADBFF-CCFF-8F91-DA08-ED53812A14C8}"/>
+              </a:ext>
+            </a:extLst>
+          </p:cNvPr>
+          <p:cNvSpPr/>
+          <p:nvPr/>
+        </p:nvSpPr>
+        <p:spPr>
+          <a:xfrm>
+            <a:off x="108475" y="4042377"/>
+            <a:ext cx="2344912" cy="2049391"/>
+          </a:xfrm>
+          <a:prstGeom prst="foldedCorner">
+            <a:avLst>
+              <a:gd name="adj" fmla="val 6114"/>
+            </a:avLst>
+          </a:prstGeom>
+          <a:solidFill>
+            <a:schemeClr val="bg1">
+              <a:lumMod val="95000"/>
+            </a:schemeClr>
+          </a:solidFill>
+          <a:ln>
+            <a:solidFill>
+              <a:schemeClr val="tx1">
+                <a:lumMod val="50000"/>
+                <a:lumOff val="50000"/>
+              </a:schemeClr>
+            </a:solidFill>
+            <a:prstDash val="sysDash"/>
+          </a:ln>
+        </p:spPr>
+        <p:style>
+          <a:lnRef idx="2">
+            <a:schemeClr val="accent4">
+              <a:shade val="50000"/>
+            </a:schemeClr>
+          </a:lnRef>
+          <a:fillRef idx="1">
+            <a:schemeClr val="accent4"/>
+          </a:fillRef>
+          <a:effectRef idx="0">
+            <a:schemeClr val="accent4"/>
+          </a:effectRef>
+          <a:fontRef idx="minor">
+            <a:schemeClr val="lt1"/>
+          </a:fontRef>
+        </p:style>
+        <p:txBody>
+          <a:bodyPr rtlCol="0" anchor="ctr"/>
+          <a:lstStyle/>
+          <a:p>
+            <a:r>
+              <a:rPr lang="de-DE" sz="800">
+                <a:solidFill>
+                  <a:srgbClr val="0070C0"/>
+                </a:solidFill>
+              </a:rPr>
+              <a:t>A reconcilation module is required, which might be part of Link group related automation.</a:t>
+            </a:r>
+          </a:p>
+          <a:p>
+            <a:pPr marL="171450" indent="-171450">
+              <a:buFont typeface="Arial" panose="020B0604020202020204" pitchFamily="34" charset="0"/>
+              <a:buChar char="•"/>
+            </a:pPr>
+            <a:r>
+              <a:rPr lang="de-DE" sz="800">
+                <a:solidFill>
+                  <a:srgbClr val="0070C0"/>
+                </a:solidFill>
+              </a:rPr>
+              <a:t>When links or automation assignments are deleted from staticList, it‘s tried to restore the related links original state. However that may fail (e.g. if persistentDeactivationQueue is purged).</a:t>
+            </a:r>
+          </a:p>
+          <a:p>
+            <a:pPr marL="171450" indent="-171450">
+              <a:buFont typeface="Arial" panose="020B0604020202020204" pitchFamily="34" charset="0"/>
+              <a:buChar char="•"/>
+            </a:pPr>
+            <a:r>
+              <a:rPr lang="de-DE" sz="800">
+                <a:solidFill>
+                  <a:srgbClr val="0070C0"/>
+                </a:solidFill>
+              </a:rPr>
+              <a:t>In periodic intervals PowerSavingStatusTable and staticList need to be compared to identify affected links and trigger persistentDeactivation again.</a:t>
+            </a:r>
+          </a:p>
+          <a:p>
+            <a:pPr marL="171450" indent="-171450">
+              <a:buFont typeface="Arial" panose="020B0604020202020204" pitchFamily="34" charset="0"/>
+              <a:buChar char="•"/>
+            </a:pPr>
+            <a:r>
+              <a:rPr lang="de-DE" sz="800">
+                <a:solidFill>
+                  <a:srgbClr val="0070C0"/>
+                </a:solidFill>
+              </a:rPr>
+              <a:t>Also if there are links, which have been decomissioned, additional rules might be required for reconciliation (maybe also reading of planning data)</a:t>
+            </a:r>
+          </a:p>
+        </p:txBody>
+      </p:sp>
+      <p:cxnSp>
+        <p:nvCxnSpPr>
+          <p:cNvPr id="82" name="Gerader Verbinder 81">
+            <a:extLst>
+              <a:ext uri="{FF2B5EF4-FFF2-40B4-BE49-F238E27FC236}">
+                <a16:creationId xmlns:a16="http://schemas.microsoft.com/office/drawing/2014/main" id="{248E03F1-8DF7-8E97-E74C-AF96D1DD907E}"/>
+              </a:ext>
+            </a:extLst>
+          </p:cNvPr>
+          <p:cNvCxnSpPr>
+            <a:cxnSpLocks/>
+          </p:cNvCxnSpPr>
+          <p:nvPr/>
+        </p:nvCxnSpPr>
+        <p:spPr>
+          <a:xfrm flipH="1" flipV="1">
+            <a:off x="2468415" y="4273972"/>
+            <a:ext cx="59786" cy="1927"/>
+          </a:xfrm>
+          <a:prstGeom prst="line">
+            <a:avLst/>
+          </a:prstGeom>
+          <a:ln>
+            <a:prstDash val="dash"/>
+          </a:ln>
+        </p:spPr>
+        <p:style>
+          <a:lnRef idx="1">
+            <a:schemeClr val="accent1"/>
+          </a:lnRef>
+          <a:fillRef idx="0">
+            <a:schemeClr val="accent1"/>
+          </a:fillRef>
+          <a:effectRef idx="0">
+            <a:schemeClr val="accent1"/>
+          </a:effectRef>
+          <a:fontRef idx="minor">
+            <a:schemeClr val="tx1"/>
+          </a:fontRef>
+        </p:style>
+      </p:cxnSp>
     </p:spTree>
     <p:extLst>
       <p:ext uri="{BB962C8B-B14F-4D97-AF65-F5344CB8AC3E}">
-        <p14:creationId xmlns:p14="http://schemas.microsoft.com/office/powerpoint/2010/main" val="2561092248"/>
+        <p14:creationId xmlns:p14="http://schemas.microsoft.com/office/powerpoint/2010/main" val="2679300394"/>
       </p:ext>
     </p:extLst>
   </p:cSld>
@@ -11250,7 +11448,7 @@
         </p:nvSpPr>
         <p:spPr>
           <a:xfrm>
-            <a:off x="14431223" y="6178688"/>
+            <a:off x="14439358" y="6153383"/>
             <a:ext cx="3056604" cy="1714904"/>
           </a:xfrm>
           <a:prstGeom prst="roundRect">
@@ -11414,7 +11612,7 @@
         <p:spPr>
           <a:xfrm>
             <a:off x="6267886" y="6198225"/>
-            <a:ext cx="4354263" cy="2841005"/>
+            <a:ext cx="4381246" cy="2841005"/>
           </a:xfrm>
           <a:prstGeom prst="roundRect">
             <a:avLst>
@@ -11939,7 +12137,7 @@
         </p:nvSpPr>
         <p:spPr>
           <a:xfrm>
-            <a:off x="10730746" y="3536236"/>
+            <a:off x="7088188" y="5605656"/>
             <a:ext cx="2633496" cy="261610"/>
           </a:xfrm>
           <a:prstGeom prst="roundRect">
@@ -11955,8 +12153,8 @@
           <a:ln w="3175">
             <a:solidFill>
               <a:schemeClr val="tx1">
-                <a:lumMod val="50000"/>
-                <a:lumOff val="50000"/>
+                <a:lumMod val="85000"/>
+                <a:lumOff val="15000"/>
               </a:schemeClr>
             </a:solidFill>
           </a:ln>
@@ -11981,13 +12179,9 @@
           <a:bodyPr rtlCol="0" anchor="ctr"/>
           <a:lstStyle/>
           <a:p>
-            <a:r>
-              <a:rPr lang="de-DE" sz="900" b="1" i="1">
-                <a:solidFill>
-                  <a:schemeClr val="bg1"/>
-                </a:solidFill>
-                <a:latin typeface="Consolas" panose="020B0609020204030204" pitchFamily="49" charset="0"/>
-              </a:rPr>
+            <a:pPr algn="ctr"/>
+            <a:r>
+              <a:rPr lang="de-DE" sz="1000"/>
               <a:t>Visualization of Automation Management</a:t>
             </a:r>
           </a:p>
@@ -12334,8 +12528,8 @@
         </p:nvSpPr>
         <p:spPr>
           <a:xfrm>
-            <a:off x="6995675" y="6173159"/>
-            <a:ext cx="3747388" cy="261610"/>
+            <a:off x="6300327" y="6173159"/>
+            <a:ext cx="3190431" cy="261610"/>
           </a:xfrm>
           <a:prstGeom prst="rect">
             <a:avLst/>
@@ -12496,7 +12690,7 @@
         <p:spPr>
           <a:xfrm>
             <a:off x="6311431" y="7033509"/>
-            <a:ext cx="4229541" cy="461665"/>
+            <a:ext cx="4310717" cy="461665"/>
           </a:xfrm>
           <a:prstGeom prst="rect">
             <a:avLst/>
@@ -12527,7 +12721,7 @@
           <a:p>
             <a:r>
               <a:rPr lang="de-DE" sz="800"/>
-              <a:t>removeLinksFromPowerSavingActivationQueue(linkId, switchingAutomationName)</a:t>
+              <a:t>removeLinksFromPowerSavingActivationQueue(linkId, automationName)</a:t>
             </a:r>
           </a:p>
           <a:p>
@@ -12872,7 +13066,7 @@
         <p:spPr>
           <a:xfrm>
             <a:off x="14507915" y="6972659"/>
-            <a:ext cx="2688793" cy="338554"/>
+            <a:ext cx="2688793" cy="215444"/>
           </a:xfrm>
           <a:prstGeom prst="rect">
             <a:avLst/>
@@ -12897,13 +13091,7 @@
           <a:p>
             <a:r>
               <a:rPr lang="de-DE" sz="800"/>
-              <a:t>resolveAirInterfaceAddressTriples(linkId)</a:t>
-            </a:r>
-          </a:p>
-          <a:p>
-            <a:r>
-              <a:rPr lang="de-DE" sz="800"/>
-              <a:t>analyzeStatusOfParallelLink(linkId)</a:t>
+              <a:t>provideTransmitterStatusOfParallelLink(linkId)</a:t>
             </a:r>
           </a:p>
         </p:txBody>
@@ -13051,7 +13239,13 @@
           <a:p>
             <a:r>
               <a:rPr lang="de-DE" sz="800"/>
-              <a:t>recordPowerSavingStatus(linkId, addDeviationsFromOriginalState, removeDeviationsFromOriginalState, addModulesToRestoreOriginalState, removeModulesToRestoreOriginalState)</a:t>
+              <a:t>recordPowerSavingStatus(linkId, addDeviationsFromOriginalState, removeDeviationsFromOriginalState, </a:t>
+            </a:r>
+          </a:p>
+          <a:p>
+            <a:r>
+              <a:rPr lang="de-DE" sz="800"/>
+              <a:t>		       addModulesToRestoreOriginalState, removeModulesToRestoreOriginalState)</a:t>
             </a:r>
           </a:p>
           <a:p>
@@ -13069,7 +13263,7 @@
           <a:p>
             <a:r>
               <a:rPr lang="de-DE" sz="800"/>
-              <a:t>listPowerSavingStatusOfLink(linkId)</a:t>
+              <a:t>providePowerSavingStatusOfLink(linkId)</a:t>
             </a:r>
           </a:p>
           <a:p>
@@ -13093,7 +13287,7 @@
           <a:p>
             <a:r>
               <a:rPr lang="de-DE" sz="800"/>
-              <a:t>syncPowerSavingStatusListWithStaticLinkList()</a:t>
+              <a:t>deleteLinkFromPowerSavingStatusTable(linkId)</a:t>
             </a:r>
           </a:p>
         </p:txBody>
@@ -14092,8 +14286,8 @@
         </p:nvSpPr>
         <p:spPr>
           <a:xfrm>
-            <a:off x="16144603" y="3420272"/>
-            <a:ext cx="2198038" cy="538609"/>
+            <a:off x="16518872" y="3420272"/>
+            <a:ext cx="1823769" cy="369332"/>
           </a:xfrm>
           <a:prstGeom prst="rect">
             <a:avLst/>
@@ -14106,25 +14300,20 @@
           </a:bodyPr>
           <a:lstStyle/>
           <a:p>
+            <a:pPr algn="r"/>
             <a:r>
               <a:rPr lang="de-DE">
                 <a:solidFill>
                   <a:srgbClr val="C00000"/>
                 </a:solidFill>
               </a:rPr>
-              <a:t>Offered Services</a:t>
-            </a:r>
-          </a:p>
-          <a:p>
-            <a:pPr algn="r"/>
-            <a:r>
-              <a:rPr lang="de-DE" sz="1100">
-                <a:solidFill>
-                  <a:srgbClr val="C00000"/>
-                </a:solidFill>
-              </a:rPr>
-              <a:t>(AIPS v1.0.0)</a:t>
-            </a:r>
+              <a:t>Module structure</a:t>
+            </a:r>
+            <a:endParaRPr lang="de-DE" sz="1100">
+              <a:solidFill>
+                <a:srgbClr val="C00000"/>
+              </a:solidFill>
+            </a:endParaRPr>
           </a:p>
         </p:txBody>
       </p:sp>
@@ -14742,13 +14931,13 @@
           <a:p>
             <a:r>
               <a:rPr lang="de-DE" sz="800"/>
-              <a:t>startMonitoring()</a:t>
+              <a:t>startDroppedFramesMonitoring()</a:t>
             </a:r>
           </a:p>
           <a:p>
             <a:r>
               <a:rPr lang="de-DE" sz="800"/>
-              <a:t>stopMonitoring()</a:t>
+              <a:t>stopDroppedFramesMonitoring()</a:t>
             </a:r>
           </a:p>
         </p:txBody>
@@ -14956,10 +15145,1128 @@
           </a:fontRef>
         </p:style>
       </p:cxnSp>
+      <p:sp>
+        <p:nvSpPr>
+          <p:cNvPr id="19" name="Textfeld 18">
+            <a:extLst>
+              <a:ext uri="{FF2B5EF4-FFF2-40B4-BE49-F238E27FC236}">
+                <a16:creationId xmlns:a16="http://schemas.microsoft.com/office/drawing/2014/main" id="{BFA96C4D-3807-329D-CC96-25B3278036A3}"/>
+              </a:ext>
+            </a:extLst>
+          </p:cNvPr>
+          <p:cNvSpPr txBox="1"/>
+          <p:nvPr/>
+        </p:nvSpPr>
+        <p:spPr>
+          <a:xfrm>
+            <a:off x="6480194" y="4181593"/>
+            <a:ext cx="338554" cy="1692771"/>
+          </a:xfrm>
+          <a:prstGeom prst="rect">
+            <a:avLst/>
+          </a:prstGeom>
+          <a:noFill/>
+        </p:spPr>
+        <p:txBody>
+          <a:bodyPr wrap="none" rtlCol="0">
+            <a:spAutoFit/>
+          </a:bodyPr>
+          <a:lstStyle/>
+          <a:p>
+            <a:r>
+              <a:rPr lang="de-DE" sz="800">
+                <a:solidFill>
+                  <a:srgbClr val="7030A0"/>
+                </a:solidFill>
+              </a:rPr>
+              <a:t>100</a:t>
+            </a:r>
+          </a:p>
+          <a:p>
+            <a:r>
+              <a:rPr lang="de-DE" sz="800">
+                <a:solidFill>
+                  <a:srgbClr val="7030A0"/>
+                </a:solidFill>
+              </a:rPr>
+              <a:t>101</a:t>
+            </a:r>
+          </a:p>
+          <a:p>
+            <a:r>
+              <a:rPr lang="de-DE" sz="800">
+                <a:solidFill>
+                  <a:srgbClr val="7030A0"/>
+                </a:solidFill>
+              </a:rPr>
+              <a:t>---</a:t>
+            </a:r>
+          </a:p>
+          <a:p>
+            <a:r>
+              <a:rPr lang="de-DE" sz="800">
+                <a:solidFill>
+                  <a:srgbClr val="7030A0"/>
+                </a:solidFill>
+              </a:rPr>
+              <a:t>102</a:t>
+            </a:r>
+          </a:p>
+          <a:p>
+            <a:r>
+              <a:rPr lang="de-DE" sz="800">
+                <a:solidFill>
+                  <a:srgbClr val="7030A0"/>
+                </a:solidFill>
+              </a:rPr>
+              <a:t>103</a:t>
+            </a:r>
+          </a:p>
+          <a:p>
+            <a:r>
+              <a:rPr lang="de-DE" sz="800">
+                <a:solidFill>
+                  <a:srgbClr val="7030A0"/>
+                </a:solidFill>
+              </a:rPr>
+              <a:t>104</a:t>
+            </a:r>
+          </a:p>
+          <a:p>
+            <a:r>
+              <a:rPr lang="de-DE" sz="800">
+                <a:solidFill>
+                  <a:srgbClr val="7030A0"/>
+                </a:solidFill>
+              </a:rPr>
+              <a:t>105</a:t>
+            </a:r>
+          </a:p>
+          <a:p>
+            <a:r>
+              <a:rPr lang="de-DE" sz="800">
+                <a:solidFill>
+                  <a:srgbClr val="7030A0"/>
+                </a:solidFill>
+              </a:rPr>
+              <a:t>---</a:t>
+            </a:r>
+          </a:p>
+          <a:p>
+            <a:r>
+              <a:rPr lang="de-DE" sz="800">
+                <a:solidFill>
+                  <a:srgbClr val="7030A0"/>
+                </a:solidFill>
+              </a:rPr>
+              <a:t>106</a:t>
+            </a:r>
+          </a:p>
+          <a:p>
+            <a:r>
+              <a:rPr lang="de-DE" sz="800">
+                <a:solidFill>
+                  <a:srgbClr val="7030A0"/>
+                </a:solidFill>
+              </a:rPr>
+              <a:t>107</a:t>
+            </a:r>
+          </a:p>
+          <a:p>
+            <a:r>
+              <a:rPr lang="de-DE" sz="800">
+                <a:solidFill>
+                  <a:srgbClr val="7030A0"/>
+                </a:solidFill>
+              </a:rPr>
+              <a:t>108</a:t>
+            </a:r>
+          </a:p>
+          <a:p>
+            <a:r>
+              <a:rPr lang="de-DE" sz="800">
+                <a:solidFill>
+                  <a:srgbClr val="7030A0"/>
+                </a:solidFill>
+              </a:rPr>
+              <a:t>109</a:t>
+            </a:r>
+          </a:p>
+          <a:p>
+            <a:r>
+              <a:rPr lang="de-DE" sz="800">
+                <a:solidFill>
+                  <a:srgbClr val="7030A0"/>
+                </a:solidFill>
+              </a:rPr>
+              <a:t>110</a:t>
+            </a:r>
+          </a:p>
+        </p:txBody>
+      </p:sp>
+      <p:sp>
+        <p:nvSpPr>
+          <p:cNvPr id="33" name="Textfeld 32">
+            <a:extLst>
+              <a:ext uri="{FF2B5EF4-FFF2-40B4-BE49-F238E27FC236}">
+                <a16:creationId xmlns:a16="http://schemas.microsoft.com/office/drawing/2014/main" id="{FA1DDBD4-D66D-3BE1-7092-D1370F88925A}"/>
+              </a:ext>
+            </a:extLst>
+          </p:cNvPr>
+          <p:cNvSpPr txBox="1"/>
+          <p:nvPr/>
+        </p:nvSpPr>
+        <p:spPr>
+          <a:xfrm>
+            <a:off x="6826398" y="4203587"/>
+            <a:ext cx="338554" cy="830997"/>
+          </a:xfrm>
+          <a:prstGeom prst="rect">
+            <a:avLst/>
+          </a:prstGeom>
+          <a:noFill/>
+        </p:spPr>
+        <p:txBody>
+          <a:bodyPr wrap="none" rtlCol="0">
+            <a:spAutoFit/>
+          </a:bodyPr>
+          <a:lstStyle/>
+          <a:p>
+            <a:r>
+              <a:rPr lang="de-DE" sz="800">
+                <a:solidFill>
+                  <a:srgbClr val="7030A0"/>
+                </a:solidFill>
+              </a:rPr>
+              <a:t>120</a:t>
+            </a:r>
+          </a:p>
+          <a:p>
+            <a:r>
+              <a:rPr lang="de-DE" sz="800">
+                <a:solidFill>
+                  <a:srgbClr val="7030A0"/>
+                </a:solidFill>
+              </a:rPr>
+              <a:t>---</a:t>
+            </a:r>
+          </a:p>
+          <a:p>
+            <a:r>
+              <a:rPr lang="de-DE" sz="800">
+                <a:solidFill>
+                  <a:srgbClr val="7030A0"/>
+                </a:solidFill>
+              </a:rPr>
+              <a:t>121</a:t>
+            </a:r>
+          </a:p>
+          <a:p>
+            <a:r>
+              <a:rPr lang="de-DE" sz="800">
+                <a:solidFill>
+                  <a:srgbClr val="7030A0"/>
+                </a:solidFill>
+              </a:rPr>
+              <a:t>---</a:t>
+            </a:r>
+          </a:p>
+          <a:p>
+            <a:r>
+              <a:rPr lang="de-DE" sz="800">
+                <a:solidFill>
+                  <a:srgbClr val="7030A0"/>
+                </a:solidFill>
+              </a:rPr>
+              <a:t>122</a:t>
+            </a:r>
+          </a:p>
+          <a:p>
+            <a:r>
+              <a:rPr lang="de-DE" sz="800">
+                <a:solidFill>
+                  <a:srgbClr val="7030A0"/>
+                </a:solidFill>
+              </a:rPr>
+              <a:t>123</a:t>
+            </a:r>
+          </a:p>
+        </p:txBody>
+      </p:sp>
+      <p:sp>
+        <p:nvSpPr>
+          <p:cNvPr id="41" name="Textfeld 40">
+            <a:extLst>
+              <a:ext uri="{FF2B5EF4-FFF2-40B4-BE49-F238E27FC236}">
+                <a16:creationId xmlns:a16="http://schemas.microsoft.com/office/drawing/2014/main" id="{0D495AB1-593A-51C2-3A1E-A352FB3F1387}"/>
+              </a:ext>
+            </a:extLst>
+          </p:cNvPr>
+          <p:cNvSpPr txBox="1"/>
+          <p:nvPr/>
+        </p:nvSpPr>
+        <p:spPr>
+          <a:xfrm>
+            <a:off x="5567244" y="6841489"/>
+            <a:ext cx="338554" cy="1323439"/>
+          </a:xfrm>
+          <a:prstGeom prst="rect">
+            <a:avLst/>
+          </a:prstGeom>
+          <a:noFill/>
+        </p:spPr>
+        <p:txBody>
+          <a:bodyPr wrap="none" rtlCol="0">
+            <a:spAutoFit/>
+          </a:bodyPr>
+          <a:lstStyle/>
+          <a:p>
+            <a:r>
+              <a:rPr lang="de-DE" sz="800">
+                <a:solidFill>
+                  <a:srgbClr val="7030A0"/>
+                </a:solidFill>
+              </a:rPr>
+              <a:t>200</a:t>
+            </a:r>
+          </a:p>
+          <a:p>
+            <a:r>
+              <a:rPr lang="de-DE" sz="800">
+                <a:solidFill>
+                  <a:srgbClr val="7030A0"/>
+                </a:solidFill>
+              </a:rPr>
+              <a:t>201</a:t>
+            </a:r>
+          </a:p>
+          <a:p>
+            <a:r>
+              <a:rPr lang="de-DE" sz="800">
+                <a:solidFill>
+                  <a:srgbClr val="7030A0"/>
+                </a:solidFill>
+              </a:rPr>
+              <a:t>202</a:t>
+            </a:r>
+          </a:p>
+          <a:p>
+            <a:r>
+              <a:rPr lang="de-DE" sz="800">
+                <a:solidFill>
+                  <a:srgbClr val="7030A0"/>
+                </a:solidFill>
+              </a:rPr>
+              <a:t>203</a:t>
+            </a:r>
+          </a:p>
+          <a:p>
+            <a:r>
+              <a:rPr lang="de-DE" sz="800">
+                <a:solidFill>
+                  <a:srgbClr val="7030A0"/>
+                </a:solidFill>
+              </a:rPr>
+              <a:t>204</a:t>
+            </a:r>
+          </a:p>
+          <a:p>
+            <a:r>
+              <a:rPr lang="de-DE" sz="800">
+                <a:solidFill>
+                  <a:srgbClr val="7030A0"/>
+                </a:solidFill>
+              </a:rPr>
+              <a:t>---</a:t>
+            </a:r>
+          </a:p>
+          <a:p>
+            <a:r>
+              <a:rPr lang="de-DE" sz="800">
+                <a:solidFill>
+                  <a:srgbClr val="7030A0"/>
+                </a:solidFill>
+              </a:rPr>
+              <a:t>205</a:t>
+            </a:r>
+          </a:p>
+          <a:p>
+            <a:r>
+              <a:rPr lang="de-DE" sz="800">
+                <a:solidFill>
+                  <a:srgbClr val="7030A0"/>
+                </a:solidFill>
+              </a:rPr>
+              <a:t>---</a:t>
+            </a:r>
+          </a:p>
+          <a:p>
+            <a:r>
+              <a:rPr lang="de-DE" sz="800">
+                <a:solidFill>
+                  <a:srgbClr val="7030A0"/>
+                </a:solidFill>
+              </a:rPr>
+              <a:t>210</a:t>
+            </a:r>
+          </a:p>
+          <a:p>
+            <a:r>
+              <a:rPr lang="de-DE" sz="800">
+                <a:solidFill>
+                  <a:srgbClr val="7030A0"/>
+                </a:solidFill>
+              </a:rPr>
+              <a:t>211</a:t>
+            </a:r>
+          </a:p>
+        </p:txBody>
+      </p:sp>
+      <p:sp>
+        <p:nvSpPr>
+          <p:cNvPr id="44" name="Textfeld 43">
+            <a:extLst>
+              <a:ext uri="{FF2B5EF4-FFF2-40B4-BE49-F238E27FC236}">
+                <a16:creationId xmlns:a16="http://schemas.microsoft.com/office/drawing/2014/main" id="{63DBA483-BCD0-088D-C1AD-9AC601F28362}"/>
+              </a:ext>
+            </a:extLst>
+          </p:cNvPr>
+          <p:cNvSpPr txBox="1"/>
+          <p:nvPr/>
+        </p:nvSpPr>
+        <p:spPr>
+          <a:xfrm>
+            <a:off x="10320463" y="3527019"/>
+            <a:ext cx="301686" cy="369332"/>
+          </a:xfrm>
+          <a:prstGeom prst="rect">
+            <a:avLst/>
+          </a:prstGeom>
+          <a:noFill/>
+        </p:spPr>
+        <p:txBody>
+          <a:bodyPr wrap="none" rtlCol="0">
+            <a:spAutoFit/>
+          </a:bodyPr>
+          <a:lstStyle/>
+          <a:p>
+            <a:r>
+              <a:rPr lang="de-DE"/>
+              <a:t>1</a:t>
+            </a:r>
+          </a:p>
+        </p:txBody>
+      </p:sp>
+      <p:sp>
+        <p:nvSpPr>
+          <p:cNvPr id="45" name="Textfeld 44">
+            <a:extLst>
+              <a:ext uri="{FF2B5EF4-FFF2-40B4-BE49-F238E27FC236}">
+                <a16:creationId xmlns:a16="http://schemas.microsoft.com/office/drawing/2014/main" id="{F95639E7-C122-2BB0-59C5-D28C007C1D6F}"/>
+              </a:ext>
+            </a:extLst>
+          </p:cNvPr>
+          <p:cNvSpPr txBox="1"/>
+          <p:nvPr/>
+        </p:nvSpPr>
+        <p:spPr>
+          <a:xfrm>
+            <a:off x="5930674" y="8683323"/>
+            <a:ext cx="301686" cy="369332"/>
+          </a:xfrm>
+          <a:prstGeom prst="rect">
+            <a:avLst/>
+          </a:prstGeom>
+          <a:noFill/>
+        </p:spPr>
+        <p:txBody>
+          <a:bodyPr wrap="none" rtlCol="0">
+            <a:spAutoFit/>
+          </a:bodyPr>
+          <a:lstStyle/>
+          <a:p>
+            <a:r>
+              <a:rPr lang="de-DE"/>
+              <a:t>2</a:t>
+            </a:r>
+          </a:p>
+        </p:txBody>
+      </p:sp>
+      <p:sp>
+        <p:nvSpPr>
+          <p:cNvPr id="46" name="Textfeld 45">
+            <a:extLst>
+              <a:ext uri="{FF2B5EF4-FFF2-40B4-BE49-F238E27FC236}">
+                <a16:creationId xmlns:a16="http://schemas.microsoft.com/office/drawing/2014/main" id="{59F4251F-F44C-1386-9B93-53328792C159}"/>
+              </a:ext>
+            </a:extLst>
+          </p:cNvPr>
+          <p:cNvSpPr txBox="1"/>
+          <p:nvPr/>
+        </p:nvSpPr>
+        <p:spPr>
+          <a:xfrm>
+            <a:off x="7154305" y="9915293"/>
+            <a:ext cx="301686" cy="369332"/>
+          </a:xfrm>
+          <a:prstGeom prst="rect">
+            <a:avLst/>
+          </a:prstGeom>
+          <a:noFill/>
+        </p:spPr>
+        <p:txBody>
+          <a:bodyPr wrap="none" rtlCol="0">
+            <a:spAutoFit/>
+          </a:bodyPr>
+          <a:lstStyle/>
+          <a:p>
+            <a:r>
+              <a:rPr lang="de-DE"/>
+              <a:t>3</a:t>
+            </a:r>
+          </a:p>
+        </p:txBody>
+      </p:sp>
+      <p:sp>
+        <p:nvSpPr>
+          <p:cNvPr id="48" name="Textfeld 47">
+            <a:extLst>
+              <a:ext uri="{FF2B5EF4-FFF2-40B4-BE49-F238E27FC236}">
+                <a16:creationId xmlns:a16="http://schemas.microsoft.com/office/drawing/2014/main" id="{51CA234E-016E-6225-6DFE-22BAB143EDF1}"/>
+              </a:ext>
+            </a:extLst>
+          </p:cNvPr>
+          <p:cNvSpPr txBox="1"/>
+          <p:nvPr/>
+        </p:nvSpPr>
+        <p:spPr>
+          <a:xfrm>
+            <a:off x="10357054" y="8683323"/>
+            <a:ext cx="301686" cy="369332"/>
+          </a:xfrm>
+          <a:prstGeom prst="rect">
+            <a:avLst/>
+          </a:prstGeom>
+          <a:noFill/>
+        </p:spPr>
+        <p:txBody>
+          <a:bodyPr wrap="none" rtlCol="0">
+            <a:spAutoFit/>
+          </a:bodyPr>
+          <a:lstStyle/>
+          <a:p>
+            <a:r>
+              <a:rPr lang="de-DE"/>
+              <a:t>4</a:t>
+            </a:r>
+          </a:p>
+        </p:txBody>
+      </p:sp>
+      <p:sp>
+        <p:nvSpPr>
+          <p:cNvPr id="49" name="Textfeld 48">
+            <a:extLst>
+              <a:ext uri="{FF2B5EF4-FFF2-40B4-BE49-F238E27FC236}">
+                <a16:creationId xmlns:a16="http://schemas.microsoft.com/office/drawing/2014/main" id="{228BED19-5AD1-DD5B-741F-C3FF6AA8D97E}"/>
+              </a:ext>
+            </a:extLst>
+          </p:cNvPr>
+          <p:cNvSpPr txBox="1"/>
+          <p:nvPr/>
+        </p:nvSpPr>
+        <p:spPr>
+          <a:xfrm>
+            <a:off x="14003456" y="8756053"/>
+            <a:ext cx="301686" cy="369332"/>
+          </a:xfrm>
+          <a:prstGeom prst="rect">
+            <a:avLst/>
+          </a:prstGeom>
+          <a:noFill/>
+        </p:spPr>
+        <p:txBody>
+          <a:bodyPr wrap="none" rtlCol="0">
+            <a:spAutoFit/>
+          </a:bodyPr>
+          <a:lstStyle/>
+          <a:p>
+            <a:r>
+              <a:rPr lang="de-DE"/>
+              <a:t>5</a:t>
+            </a:r>
+          </a:p>
+        </p:txBody>
+      </p:sp>
+      <p:sp>
+        <p:nvSpPr>
+          <p:cNvPr id="50" name="Textfeld 49">
+            <a:extLst>
+              <a:ext uri="{FF2B5EF4-FFF2-40B4-BE49-F238E27FC236}">
+                <a16:creationId xmlns:a16="http://schemas.microsoft.com/office/drawing/2014/main" id="{E47DBC21-7061-BB0D-416D-948DC80EB76D}"/>
+              </a:ext>
+            </a:extLst>
+          </p:cNvPr>
+          <p:cNvSpPr txBox="1"/>
+          <p:nvPr/>
+        </p:nvSpPr>
+        <p:spPr>
+          <a:xfrm>
+            <a:off x="17204331" y="7556745"/>
+            <a:ext cx="301686" cy="369332"/>
+          </a:xfrm>
+          <a:prstGeom prst="rect">
+            <a:avLst/>
+          </a:prstGeom>
+          <a:noFill/>
+        </p:spPr>
+        <p:txBody>
+          <a:bodyPr wrap="none" rtlCol="0">
+            <a:spAutoFit/>
+          </a:bodyPr>
+          <a:lstStyle/>
+          <a:p>
+            <a:r>
+              <a:rPr lang="de-DE"/>
+              <a:t>6</a:t>
+            </a:r>
+          </a:p>
+        </p:txBody>
+      </p:sp>
+      <p:sp>
+        <p:nvSpPr>
+          <p:cNvPr id="51" name="Textfeld 50">
+            <a:extLst>
+              <a:ext uri="{FF2B5EF4-FFF2-40B4-BE49-F238E27FC236}">
+                <a16:creationId xmlns:a16="http://schemas.microsoft.com/office/drawing/2014/main" id="{CA31537C-F7A5-6B98-4C3A-E64DD5958A6D}"/>
+              </a:ext>
+            </a:extLst>
+          </p:cNvPr>
+          <p:cNvSpPr txBox="1"/>
+          <p:nvPr/>
+        </p:nvSpPr>
+        <p:spPr>
+          <a:xfrm>
+            <a:off x="13302149" y="9467187"/>
+            <a:ext cx="301686" cy="369332"/>
+          </a:xfrm>
+          <a:prstGeom prst="rect">
+            <a:avLst/>
+          </a:prstGeom>
+          <a:noFill/>
+        </p:spPr>
+        <p:txBody>
+          <a:bodyPr wrap="none" rtlCol="0">
+            <a:spAutoFit/>
+          </a:bodyPr>
+          <a:lstStyle/>
+          <a:p>
+            <a:r>
+              <a:rPr lang="de-DE"/>
+              <a:t>7</a:t>
+            </a:r>
+          </a:p>
+        </p:txBody>
+      </p:sp>
+      <p:sp>
+        <p:nvSpPr>
+          <p:cNvPr id="52" name="Textfeld 51">
+            <a:extLst>
+              <a:ext uri="{FF2B5EF4-FFF2-40B4-BE49-F238E27FC236}">
+                <a16:creationId xmlns:a16="http://schemas.microsoft.com/office/drawing/2014/main" id="{FA87CFE9-532D-E67C-1F50-875A093536FD}"/>
+              </a:ext>
+            </a:extLst>
+          </p:cNvPr>
+          <p:cNvSpPr txBox="1"/>
+          <p:nvPr/>
+        </p:nvSpPr>
+        <p:spPr>
+          <a:xfrm>
+            <a:off x="16774998" y="9450799"/>
+            <a:ext cx="301686" cy="369332"/>
+          </a:xfrm>
+          <a:prstGeom prst="rect">
+            <a:avLst/>
+          </a:prstGeom>
+          <a:noFill/>
+        </p:spPr>
+        <p:txBody>
+          <a:bodyPr wrap="none" rtlCol="0">
+            <a:spAutoFit/>
+          </a:bodyPr>
+          <a:lstStyle/>
+          <a:p>
+            <a:r>
+              <a:rPr lang="de-DE"/>
+              <a:t>8</a:t>
+            </a:r>
+          </a:p>
+        </p:txBody>
+      </p:sp>
+      <p:sp>
+        <p:nvSpPr>
+          <p:cNvPr id="54" name="Textfeld 53">
+            <a:extLst>
+              <a:ext uri="{FF2B5EF4-FFF2-40B4-BE49-F238E27FC236}">
+                <a16:creationId xmlns:a16="http://schemas.microsoft.com/office/drawing/2014/main" id="{4B873882-88D0-83D7-4746-06A4A459140F}"/>
+              </a:ext>
+            </a:extLst>
+          </p:cNvPr>
+          <p:cNvSpPr txBox="1"/>
+          <p:nvPr/>
+        </p:nvSpPr>
+        <p:spPr>
+          <a:xfrm>
+            <a:off x="19493093" y="9442030"/>
+            <a:ext cx="301686" cy="369332"/>
+          </a:xfrm>
+          <a:prstGeom prst="rect">
+            <a:avLst/>
+          </a:prstGeom>
+          <a:noFill/>
+        </p:spPr>
+        <p:txBody>
+          <a:bodyPr wrap="none" rtlCol="0">
+            <a:spAutoFit/>
+          </a:bodyPr>
+          <a:lstStyle/>
+          <a:p>
+            <a:r>
+              <a:rPr lang="de-DE"/>
+              <a:t>9</a:t>
+            </a:r>
+          </a:p>
+        </p:txBody>
+      </p:sp>
+      <p:sp>
+        <p:nvSpPr>
+          <p:cNvPr id="55" name="Textfeld 54">
+            <a:extLst>
+              <a:ext uri="{FF2B5EF4-FFF2-40B4-BE49-F238E27FC236}">
+                <a16:creationId xmlns:a16="http://schemas.microsoft.com/office/drawing/2014/main" id="{EF3FFBE8-1CD6-5924-5E13-28C4B2957D3E}"/>
+              </a:ext>
+            </a:extLst>
+          </p:cNvPr>
+          <p:cNvSpPr txBox="1"/>
+          <p:nvPr/>
+        </p:nvSpPr>
+        <p:spPr>
+          <a:xfrm>
+            <a:off x="19447283" y="9779300"/>
+            <a:ext cx="423663" cy="369332"/>
+          </a:xfrm>
+          <a:prstGeom prst="rect">
+            <a:avLst/>
+          </a:prstGeom>
+          <a:noFill/>
+        </p:spPr>
+        <p:txBody>
+          <a:bodyPr wrap="square" rtlCol="0">
+            <a:spAutoFit/>
+          </a:bodyPr>
+          <a:lstStyle/>
+          <a:p>
+            <a:r>
+              <a:rPr lang="de-DE"/>
+              <a:t>10</a:t>
+            </a:r>
+          </a:p>
+        </p:txBody>
+      </p:sp>
+      <p:sp>
+        <p:nvSpPr>
+          <p:cNvPr id="64" name="Textfeld 63">
+            <a:extLst>
+              <a:ext uri="{FF2B5EF4-FFF2-40B4-BE49-F238E27FC236}">
+                <a16:creationId xmlns:a16="http://schemas.microsoft.com/office/drawing/2014/main" id="{51B58F6C-997A-8C21-9AE8-ACA675836D87}"/>
+              </a:ext>
+            </a:extLst>
+          </p:cNvPr>
+          <p:cNvSpPr txBox="1"/>
+          <p:nvPr/>
+        </p:nvSpPr>
+        <p:spPr>
+          <a:xfrm>
+            <a:off x="10331459" y="7034399"/>
+            <a:ext cx="338554" cy="461665"/>
+          </a:xfrm>
+          <a:prstGeom prst="rect">
+            <a:avLst/>
+          </a:prstGeom>
+          <a:noFill/>
+        </p:spPr>
+        <p:txBody>
+          <a:bodyPr wrap="none" rtlCol="0">
+            <a:spAutoFit/>
+          </a:bodyPr>
+          <a:lstStyle/>
+          <a:p>
+            <a:r>
+              <a:rPr lang="de-DE" sz="800">
+                <a:solidFill>
+                  <a:srgbClr val="7030A0"/>
+                </a:solidFill>
+              </a:rPr>
+              <a:t>400</a:t>
+            </a:r>
+          </a:p>
+          <a:p>
+            <a:r>
+              <a:rPr lang="de-DE" sz="800">
+                <a:solidFill>
+                  <a:srgbClr val="7030A0"/>
+                </a:solidFill>
+              </a:rPr>
+              <a:t>401</a:t>
+            </a:r>
+          </a:p>
+          <a:p>
+            <a:r>
+              <a:rPr lang="de-DE" sz="800">
+                <a:solidFill>
+                  <a:srgbClr val="7030A0"/>
+                </a:solidFill>
+              </a:rPr>
+              <a:t>402</a:t>
+            </a:r>
+          </a:p>
+        </p:txBody>
+      </p:sp>
+      <p:sp>
+        <p:nvSpPr>
+          <p:cNvPr id="65" name="Textfeld 64">
+            <a:extLst>
+              <a:ext uri="{FF2B5EF4-FFF2-40B4-BE49-F238E27FC236}">
+                <a16:creationId xmlns:a16="http://schemas.microsoft.com/office/drawing/2014/main" id="{30FB7B17-3634-5478-8D74-7D0054564D37}"/>
+              </a:ext>
+            </a:extLst>
+          </p:cNvPr>
+          <p:cNvSpPr txBox="1"/>
+          <p:nvPr/>
+        </p:nvSpPr>
+        <p:spPr>
+          <a:xfrm>
+            <a:off x="9526275" y="8247123"/>
+            <a:ext cx="338554" cy="461665"/>
+          </a:xfrm>
+          <a:prstGeom prst="rect">
+            <a:avLst/>
+          </a:prstGeom>
+          <a:noFill/>
+        </p:spPr>
+        <p:txBody>
+          <a:bodyPr wrap="none" rtlCol="0">
+            <a:spAutoFit/>
+          </a:bodyPr>
+          <a:lstStyle/>
+          <a:p>
+            <a:r>
+              <a:rPr lang="de-DE" sz="800">
+                <a:solidFill>
+                  <a:srgbClr val="7030A0"/>
+                </a:solidFill>
+              </a:rPr>
+              <a:t>410</a:t>
+            </a:r>
+          </a:p>
+          <a:p>
+            <a:endParaRPr lang="de-DE" sz="800">
+              <a:solidFill>
+                <a:srgbClr val="7030A0"/>
+              </a:solidFill>
+            </a:endParaRPr>
+          </a:p>
+          <a:p>
+            <a:r>
+              <a:rPr lang="de-DE" sz="800">
+                <a:solidFill>
+                  <a:srgbClr val="7030A0"/>
+                </a:solidFill>
+              </a:rPr>
+              <a:t>411</a:t>
+            </a:r>
+          </a:p>
+        </p:txBody>
+      </p:sp>
+      <p:sp>
+        <p:nvSpPr>
+          <p:cNvPr id="66" name="Textfeld 65">
+            <a:extLst>
+              <a:ext uri="{FF2B5EF4-FFF2-40B4-BE49-F238E27FC236}">
+                <a16:creationId xmlns:a16="http://schemas.microsoft.com/office/drawing/2014/main" id="{3F56B4F1-6183-3CB3-F2AF-DD67BDC87136}"/>
+              </a:ext>
+            </a:extLst>
+          </p:cNvPr>
+          <p:cNvSpPr txBox="1"/>
+          <p:nvPr/>
+        </p:nvSpPr>
+        <p:spPr>
+          <a:xfrm>
+            <a:off x="13672605" y="6984035"/>
+            <a:ext cx="338554" cy="215444"/>
+          </a:xfrm>
+          <a:prstGeom prst="rect">
+            <a:avLst/>
+          </a:prstGeom>
+          <a:noFill/>
+        </p:spPr>
+        <p:txBody>
+          <a:bodyPr wrap="none" rtlCol="0">
+            <a:spAutoFit/>
+          </a:bodyPr>
+          <a:lstStyle/>
+          <a:p>
+            <a:r>
+              <a:rPr lang="de-DE" sz="800">
+                <a:solidFill>
+                  <a:srgbClr val="7030A0"/>
+                </a:solidFill>
+              </a:rPr>
+              <a:t>500</a:t>
+            </a:r>
+          </a:p>
+        </p:txBody>
+      </p:sp>
+      <p:sp>
+        <p:nvSpPr>
+          <p:cNvPr id="67" name="Textfeld 66">
+            <a:extLst>
+              <a:ext uri="{FF2B5EF4-FFF2-40B4-BE49-F238E27FC236}">
+                <a16:creationId xmlns:a16="http://schemas.microsoft.com/office/drawing/2014/main" id="{67B422B5-0A8E-114B-835E-1F119B43F4AE}"/>
+              </a:ext>
+            </a:extLst>
+          </p:cNvPr>
+          <p:cNvSpPr txBox="1"/>
+          <p:nvPr/>
+        </p:nvSpPr>
+        <p:spPr>
+          <a:xfrm>
+            <a:off x="13672605" y="8298161"/>
+            <a:ext cx="338554" cy="215444"/>
+          </a:xfrm>
+          <a:prstGeom prst="rect">
+            <a:avLst/>
+          </a:prstGeom>
+          <a:noFill/>
+        </p:spPr>
+        <p:txBody>
+          <a:bodyPr wrap="none" rtlCol="0">
+            <a:spAutoFit/>
+          </a:bodyPr>
+          <a:lstStyle/>
+          <a:p>
+            <a:r>
+              <a:rPr lang="de-DE" sz="800">
+                <a:solidFill>
+                  <a:srgbClr val="7030A0"/>
+                </a:solidFill>
+              </a:rPr>
+              <a:t>510</a:t>
+            </a:r>
+          </a:p>
+        </p:txBody>
+      </p:sp>
+      <p:sp>
+        <p:nvSpPr>
+          <p:cNvPr id="68" name="Textfeld 67">
+            <a:extLst>
+              <a:ext uri="{FF2B5EF4-FFF2-40B4-BE49-F238E27FC236}">
+                <a16:creationId xmlns:a16="http://schemas.microsoft.com/office/drawing/2014/main" id="{4157F15F-B2FD-C3FC-B164-FDD383DF6E71}"/>
+              </a:ext>
+            </a:extLst>
+          </p:cNvPr>
+          <p:cNvSpPr txBox="1"/>
+          <p:nvPr/>
+        </p:nvSpPr>
+        <p:spPr>
+          <a:xfrm>
+            <a:off x="16844358" y="6960835"/>
+            <a:ext cx="338554" cy="215444"/>
+          </a:xfrm>
+          <a:prstGeom prst="rect">
+            <a:avLst/>
+          </a:prstGeom>
+          <a:noFill/>
+        </p:spPr>
+        <p:txBody>
+          <a:bodyPr wrap="none" rtlCol="0">
+            <a:spAutoFit/>
+          </a:bodyPr>
+          <a:lstStyle/>
+          <a:p>
+            <a:r>
+              <a:rPr lang="de-DE" sz="800">
+                <a:solidFill>
+                  <a:srgbClr val="7030A0"/>
+                </a:solidFill>
+              </a:rPr>
+              <a:t>600</a:t>
+            </a:r>
+          </a:p>
+        </p:txBody>
+      </p:sp>
+      <p:sp>
+        <p:nvSpPr>
+          <p:cNvPr id="73" name="Textfeld 72">
+            <a:extLst>
+              <a:ext uri="{FF2B5EF4-FFF2-40B4-BE49-F238E27FC236}">
+                <a16:creationId xmlns:a16="http://schemas.microsoft.com/office/drawing/2014/main" id="{B47B1F85-E31B-C9A2-75E4-1010C6729B85}"/>
+              </a:ext>
+            </a:extLst>
+          </p:cNvPr>
+          <p:cNvSpPr txBox="1"/>
+          <p:nvPr/>
+        </p:nvSpPr>
+        <p:spPr>
+          <a:xfrm>
+            <a:off x="6327575" y="9728290"/>
+            <a:ext cx="338554" cy="338554"/>
+          </a:xfrm>
+          <a:prstGeom prst="rect">
+            <a:avLst/>
+          </a:prstGeom>
+          <a:noFill/>
+        </p:spPr>
+        <p:txBody>
+          <a:bodyPr wrap="none" rtlCol="0">
+            <a:spAutoFit/>
+          </a:bodyPr>
+          <a:lstStyle/>
+          <a:p>
+            <a:r>
+              <a:rPr lang="de-DE" sz="800">
+                <a:solidFill>
+                  <a:srgbClr val="7030A0"/>
+                </a:solidFill>
+              </a:rPr>
+              <a:t>300</a:t>
+            </a:r>
+          </a:p>
+          <a:p>
+            <a:r>
+              <a:rPr lang="de-DE" sz="800">
+                <a:solidFill>
+                  <a:srgbClr val="7030A0"/>
+                </a:solidFill>
+              </a:rPr>
+              <a:t>301</a:t>
+            </a:r>
+          </a:p>
+        </p:txBody>
+      </p:sp>
+      <p:sp>
+        <p:nvSpPr>
+          <p:cNvPr id="74" name="Textfeld 73">
+            <a:extLst>
+              <a:ext uri="{FF2B5EF4-FFF2-40B4-BE49-F238E27FC236}">
+                <a16:creationId xmlns:a16="http://schemas.microsoft.com/office/drawing/2014/main" id="{BAD97932-7456-9086-CAB5-26492966AA27}"/>
+              </a:ext>
+            </a:extLst>
+          </p:cNvPr>
+          <p:cNvSpPr txBox="1"/>
+          <p:nvPr/>
+        </p:nvSpPr>
+        <p:spPr>
+          <a:xfrm>
+            <a:off x="13110111" y="10034475"/>
+            <a:ext cx="338554" cy="1200329"/>
+          </a:xfrm>
+          <a:prstGeom prst="rect">
+            <a:avLst/>
+          </a:prstGeom>
+          <a:noFill/>
+        </p:spPr>
+        <p:txBody>
+          <a:bodyPr wrap="none" rtlCol="0">
+            <a:spAutoFit/>
+          </a:bodyPr>
+          <a:lstStyle/>
+          <a:p>
+            <a:r>
+              <a:rPr lang="de-DE" sz="800">
+                <a:solidFill>
+                  <a:srgbClr val="7030A0"/>
+                </a:solidFill>
+              </a:rPr>
+              <a:t>700</a:t>
+            </a:r>
+          </a:p>
+          <a:p>
+            <a:endParaRPr lang="de-DE" sz="800">
+              <a:solidFill>
+                <a:srgbClr val="7030A0"/>
+              </a:solidFill>
+            </a:endParaRPr>
+          </a:p>
+          <a:p>
+            <a:endParaRPr lang="de-DE" sz="800">
+              <a:solidFill>
+                <a:srgbClr val="7030A0"/>
+              </a:solidFill>
+            </a:endParaRPr>
+          </a:p>
+          <a:p>
+            <a:r>
+              <a:rPr lang="de-DE" sz="800">
+                <a:solidFill>
+                  <a:srgbClr val="7030A0"/>
+                </a:solidFill>
+              </a:rPr>
+              <a:t>701</a:t>
+            </a:r>
+          </a:p>
+          <a:p>
+            <a:r>
+              <a:rPr lang="de-DE" sz="800">
+                <a:solidFill>
+                  <a:srgbClr val="7030A0"/>
+                </a:solidFill>
+              </a:rPr>
+              <a:t>702</a:t>
+            </a:r>
+          </a:p>
+          <a:p>
+            <a:r>
+              <a:rPr lang="de-DE" sz="800">
+                <a:solidFill>
+                  <a:srgbClr val="7030A0"/>
+                </a:solidFill>
+              </a:rPr>
+              <a:t>703</a:t>
+            </a:r>
+          </a:p>
+          <a:p>
+            <a:r>
+              <a:rPr lang="de-DE" sz="800">
+                <a:solidFill>
+                  <a:srgbClr val="7030A0"/>
+                </a:solidFill>
+              </a:rPr>
+              <a:t>704</a:t>
+            </a:r>
+          </a:p>
+          <a:p>
+            <a:endParaRPr lang="de-DE" sz="800">
+              <a:solidFill>
+                <a:srgbClr val="7030A0"/>
+              </a:solidFill>
+            </a:endParaRPr>
+          </a:p>
+          <a:p>
+            <a:r>
+              <a:rPr lang="de-DE" sz="800">
+                <a:solidFill>
+                  <a:srgbClr val="7030A0"/>
+                </a:solidFill>
+              </a:rPr>
+              <a:t>705</a:t>
+            </a:r>
+          </a:p>
+        </p:txBody>
+      </p:sp>
     </p:spTree>
     <p:extLst>
       <p:ext uri="{BB962C8B-B14F-4D97-AF65-F5344CB8AC3E}">
-        <p14:creationId xmlns:p14="http://schemas.microsoft.com/office/powerpoint/2010/main" val="2423873346"/>
+        <p14:creationId xmlns:p14="http://schemas.microsoft.com/office/powerpoint/2010/main" val="2708643473"/>
       </p:ext>
     </p:extLst>
   </p:cSld>
@@ -15812,6 +17119,5038 @@
     <p:extLst>
       <p:ext uri="{BB962C8B-B14F-4D97-AF65-F5344CB8AC3E}">
         <p14:creationId xmlns:p14="http://schemas.microsoft.com/office/powerpoint/2010/main" val="3285652926"/>
+      </p:ext>
+    </p:extLst>
+  </p:cSld>
+  <p:clrMapOvr>
+    <a:masterClrMapping/>
+  </p:clrMapOvr>
+</p:sld>
+</file>
+
+<file path=ppt/slides/slide4.xml><?xml version="1.0" encoding="utf-8"?>
+<p:sld xmlns:a="http://schemas.openxmlformats.org/drawingml/2006/main" xmlns:r="http://schemas.openxmlformats.org/officeDocument/2006/relationships" xmlns:p="http://schemas.openxmlformats.org/presentationml/2006/main">
+  <p:cSld>
+    <p:bg>
+      <p:bgPr>
+        <a:solidFill>
+          <a:schemeClr val="tx1"/>
+        </a:solidFill>
+        <a:effectLst/>
+      </p:bgPr>
+    </p:bg>
+    <p:spTree>
+      <p:nvGrpSpPr>
+        <p:cNvPr id="1" name=""/>
+        <p:cNvGrpSpPr/>
+        <p:nvPr/>
+      </p:nvGrpSpPr>
+      <p:grpSpPr>
+        <a:xfrm>
+          <a:off x="0" y="0"/>
+          <a:ext cx="0" cy="0"/>
+          <a:chOff x="0" y="0"/>
+          <a:chExt cx="0" cy="0"/>
+        </a:xfrm>
+      </p:grpSpPr>
+    </p:spTree>
+    <p:extLst>
+      <p:ext uri="{BB962C8B-B14F-4D97-AF65-F5344CB8AC3E}">
+        <p14:creationId xmlns:p14="http://schemas.microsoft.com/office/powerpoint/2010/main" val="2447299132"/>
+      </p:ext>
+    </p:extLst>
+  </p:cSld>
+  <p:clrMapOvr>
+    <a:masterClrMapping/>
+  </p:clrMapOvr>
+</p:sld>
+</file>
+
+<file path=ppt/slides/slide5.xml><?xml version="1.0" encoding="utf-8"?>
+<p:sld xmlns:a="http://schemas.openxmlformats.org/drawingml/2006/main" xmlns:r="http://schemas.openxmlformats.org/officeDocument/2006/relationships" xmlns:p="http://schemas.openxmlformats.org/presentationml/2006/main">
+  <p:cSld>
+    <p:spTree>
+      <p:nvGrpSpPr>
+        <p:cNvPr id="1" name=""/>
+        <p:cNvGrpSpPr/>
+        <p:nvPr/>
+      </p:nvGrpSpPr>
+      <p:grpSpPr>
+        <a:xfrm>
+          <a:off x="0" y="0"/>
+          <a:ext cx="0" cy="0"/>
+          <a:chOff x="0" y="0"/>
+          <a:chExt cx="0" cy="0"/>
+        </a:xfrm>
+      </p:grpSpPr>
+      <p:sp>
+        <p:nvSpPr>
+          <p:cNvPr id="98" name="Rechteck: abgerundete Ecken 97">
+            <a:extLst>
+              <a:ext uri="{FF2B5EF4-FFF2-40B4-BE49-F238E27FC236}">
+                <a16:creationId xmlns:a16="http://schemas.microsoft.com/office/drawing/2014/main" id="{0999812A-356B-7BB2-7BBC-970F7D490A7C}"/>
+              </a:ext>
+            </a:extLst>
+          </p:cNvPr>
+          <p:cNvSpPr/>
+          <p:nvPr/>
+        </p:nvSpPr>
+        <p:spPr>
+          <a:xfrm>
+            <a:off x="14439358" y="6153383"/>
+            <a:ext cx="3056604" cy="1714904"/>
+          </a:xfrm>
+          <a:prstGeom prst="roundRect">
+            <a:avLst>
+              <a:gd name="adj" fmla="val 1868"/>
+            </a:avLst>
+          </a:prstGeom>
+          <a:solidFill>
+            <a:srgbClr val="FFEBEB"/>
+          </a:solidFill>
+          <a:ln w="3175">
+            <a:solidFill>
+              <a:schemeClr val="tx1">
+                <a:lumMod val="50000"/>
+                <a:lumOff val="50000"/>
+              </a:schemeClr>
+            </a:solidFill>
+          </a:ln>
+        </p:spPr>
+        <p:style>
+          <a:lnRef idx="2">
+            <a:schemeClr val="accent1">
+              <a:shade val="50000"/>
+            </a:schemeClr>
+          </a:lnRef>
+          <a:fillRef idx="1">
+            <a:schemeClr val="accent1"/>
+          </a:fillRef>
+          <a:effectRef idx="0">
+            <a:schemeClr val="accent1"/>
+          </a:effectRef>
+          <a:fontRef idx="minor">
+            <a:schemeClr val="lt1"/>
+          </a:fontRef>
+        </p:style>
+        <p:txBody>
+          <a:bodyPr rtlCol="0" anchor="ctr"/>
+          <a:lstStyle/>
+          <a:p>
+            <a:pPr algn="ctr"/>
+            <a:endParaRPr lang="de-DE" sz="900">
+              <a:solidFill>
+                <a:schemeClr val="tx1"/>
+              </a:solidFill>
+            </a:endParaRPr>
+          </a:p>
+        </p:txBody>
+      </p:sp>
+      <p:sp>
+        <p:nvSpPr>
+          <p:cNvPr id="99" name="Textfeld 98">
+            <a:extLst>
+              <a:ext uri="{FF2B5EF4-FFF2-40B4-BE49-F238E27FC236}">
+                <a16:creationId xmlns:a16="http://schemas.microsoft.com/office/drawing/2014/main" id="{8F04C3DD-E92D-A5BE-ECC7-A5FFEA98468A}"/>
+              </a:ext>
+            </a:extLst>
+          </p:cNvPr>
+          <p:cNvSpPr txBox="1"/>
+          <p:nvPr/>
+        </p:nvSpPr>
+        <p:spPr>
+          <a:xfrm>
+            <a:off x="14439205" y="6174918"/>
+            <a:ext cx="3177522" cy="261610"/>
+          </a:xfrm>
+          <a:prstGeom prst="rect">
+            <a:avLst/>
+          </a:prstGeom>
+          <a:noFill/>
+        </p:spPr>
+        <p:txBody>
+          <a:bodyPr wrap="square" rtlCol="0">
+            <a:spAutoFit/>
+          </a:bodyPr>
+          <a:lstStyle/>
+          <a:p>
+            <a:r>
+              <a:rPr lang="de-DE" sz="1100" b="1" i="1">
+                <a:latin typeface="Consolas" panose="020B0609020204030204" pitchFamily="49" charset="0"/>
+              </a:rPr>
+              <a:t>Link analysis</a:t>
+            </a:r>
+          </a:p>
+        </p:txBody>
+      </p:sp>
+      <p:sp>
+        <p:nvSpPr>
+          <p:cNvPr id="71" name="Rechteck: abgerundete Ecken 70">
+            <a:extLst>
+              <a:ext uri="{FF2B5EF4-FFF2-40B4-BE49-F238E27FC236}">
+                <a16:creationId xmlns:a16="http://schemas.microsoft.com/office/drawing/2014/main" id="{30812037-23C3-C634-6976-7710BD4F8803}"/>
+              </a:ext>
+            </a:extLst>
+          </p:cNvPr>
+          <p:cNvSpPr/>
+          <p:nvPr/>
+        </p:nvSpPr>
+        <p:spPr>
+          <a:xfrm>
+            <a:off x="10760610" y="6170216"/>
+            <a:ext cx="3532155" cy="2904250"/>
+          </a:xfrm>
+          <a:prstGeom prst="roundRect">
+            <a:avLst>
+              <a:gd name="adj" fmla="val 1868"/>
+            </a:avLst>
+          </a:prstGeom>
+          <a:solidFill>
+            <a:srgbClr val="F2EBFF"/>
+          </a:solidFill>
+          <a:ln w="3175">
+            <a:solidFill>
+              <a:schemeClr val="tx1">
+                <a:lumMod val="50000"/>
+                <a:lumOff val="50000"/>
+              </a:schemeClr>
+            </a:solidFill>
+          </a:ln>
+        </p:spPr>
+        <p:style>
+          <a:lnRef idx="2">
+            <a:schemeClr val="accent1">
+              <a:shade val="50000"/>
+            </a:schemeClr>
+          </a:lnRef>
+          <a:fillRef idx="1">
+            <a:schemeClr val="accent1"/>
+          </a:fillRef>
+          <a:effectRef idx="0">
+            <a:schemeClr val="accent1"/>
+          </a:effectRef>
+          <a:fontRef idx="minor">
+            <a:schemeClr val="lt1"/>
+          </a:fontRef>
+        </p:style>
+        <p:txBody>
+          <a:bodyPr rtlCol="0" anchor="ctr"/>
+          <a:lstStyle/>
+          <a:p>
+            <a:pPr algn="ctr"/>
+            <a:endParaRPr lang="de-DE" sz="900">
+              <a:solidFill>
+                <a:schemeClr val="tx1"/>
+              </a:solidFill>
+            </a:endParaRPr>
+          </a:p>
+        </p:txBody>
+      </p:sp>
+      <p:sp>
+        <p:nvSpPr>
+          <p:cNvPr id="34" name="Rechteck: abgerundete Ecken 33">
+            <a:extLst>
+              <a:ext uri="{FF2B5EF4-FFF2-40B4-BE49-F238E27FC236}">
+                <a16:creationId xmlns:a16="http://schemas.microsoft.com/office/drawing/2014/main" id="{4ECFBE1A-0DB4-2C42-5DF9-FB578B874734}"/>
+              </a:ext>
+            </a:extLst>
+          </p:cNvPr>
+          <p:cNvSpPr/>
+          <p:nvPr/>
+        </p:nvSpPr>
+        <p:spPr>
+          <a:xfrm>
+            <a:off x="6267886" y="6198225"/>
+            <a:ext cx="4381246" cy="2841005"/>
+          </a:xfrm>
+          <a:prstGeom prst="roundRect">
+            <a:avLst>
+              <a:gd name="adj" fmla="val 1868"/>
+            </a:avLst>
+          </a:prstGeom>
+          <a:solidFill>
+            <a:srgbClr val="FFF6DD"/>
+          </a:solidFill>
+          <a:ln w="3175">
+            <a:solidFill>
+              <a:schemeClr val="tx1">
+                <a:lumMod val="50000"/>
+                <a:lumOff val="50000"/>
+              </a:schemeClr>
+            </a:solidFill>
+          </a:ln>
+        </p:spPr>
+        <p:style>
+          <a:lnRef idx="2">
+            <a:schemeClr val="accent1">
+              <a:shade val="50000"/>
+            </a:schemeClr>
+          </a:lnRef>
+          <a:fillRef idx="1">
+            <a:schemeClr val="accent1"/>
+          </a:fillRef>
+          <a:effectRef idx="0">
+            <a:schemeClr val="accent1"/>
+          </a:effectRef>
+          <a:fontRef idx="minor">
+            <a:schemeClr val="lt1"/>
+          </a:fontRef>
+        </p:style>
+        <p:txBody>
+          <a:bodyPr rtlCol="0" anchor="ctr"/>
+          <a:lstStyle/>
+          <a:p>
+            <a:pPr algn="ctr"/>
+            <a:endParaRPr lang="de-DE" sz="900">
+              <a:solidFill>
+                <a:schemeClr val="tx1"/>
+              </a:solidFill>
+            </a:endParaRPr>
+          </a:p>
+        </p:txBody>
+      </p:sp>
+      <p:sp>
+        <p:nvSpPr>
+          <p:cNvPr id="4" name="Rechteck: abgerundete Ecken 3">
+            <a:extLst>
+              <a:ext uri="{FF2B5EF4-FFF2-40B4-BE49-F238E27FC236}">
+                <a16:creationId xmlns:a16="http://schemas.microsoft.com/office/drawing/2014/main" id="{80D090B2-52A8-B88E-9DED-D6C3B5BBC578}"/>
+              </a:ext>
+            </a:extLst>
+          </p:cNvPr>
+          <p:cNvSpPr/>
+          <p:nvPr/>
+        </p:nvSpPr>
+        <p:spPr>
+          <a:xfrm>
+            <a:off x="3772805" y="3536239"/>
+            <a:ext cx="6849343" cy="2611859"/>
+          </a:xfrm>
+          <a:prstGeom prst="roundRect">
+            <a:avLst>
+              <a:gd name="adj" fmla="val 1868"/>
+            </a:avLst>
+          </a:prstGeom>
+          <a:solidFill>
+            <a:schemeClr val="accent1">
+              <a:lumMod val="20000"/>
+              <a:lumOff val="80000"/>
+            </a:schemeClr>
+          </a:solidFill>
+          <a:ln w="3175">
+            <a:solidFill>
+              <a:schemeClr val="tx1">
+                <a:lumMod val="50000"/>
+                <a:lumOff val="50000"/>
+              </a:schemeClr>
+            </a:solidFill>
+          </a:ln>
+        </p:spPr>
+        <p:style>
+          <a:lnRef idx="2">
+            <a:schemeClr val="accent1">
+              <a:shade val="50000"/>
+            </a:schemeClr>
+          </a:lnRef>
+          <a:fillRef idx="1">
+            <a:schemeClr val="accent1"/>
+          </a:fillRef>
+          <a:effectRef idx="0">
+            <a:schemeClr val="accent1"/>
+          </a:effectRef>
+          <a:fontRef idx="minor">
+            <a:schemeClr val="lt1"/>
+          </a:fontRef>
+        </p:style>
+        <p:txBody>
+          <a:bodyPr rtlCol="0" anchor="ctr"/>
+          <a:lstStyle/>
+          <a:p>
+            <a:pPr algn="ctr"/>
+            <a:endParaRPr lang="de-DE" sz="900">
+              <a:solidFill>
+                <a:schemeClr val="tx1"/>
+              </a:solidFill>
+            </a:endParaRPr>
+          </a:p>
+        </p:txBody>
+      </p:sp>
+      <p:sp>
+        <p:nvSpPr>
+          <p:cNvPr id="5" name="Rechteck: abgerundete Ecken 4">
+            <a:extLst>
+              <a:ext uri="{FF2B5EF4-FFF2-40B4-BE49-F238E27FC236}">
+                <a16:creationId xmlns:a16="http://schemas.microsoft.com/office/drawing/2014/main" id="{997B73EA-8C26-134A-5530-2AD5374E8076}"/>
+              </a:ext>
+            </a:extLst>
+          </p:cNvPr>
+          <p:cNvSpPr/>
+          <p:nvPr/>
+        </p:nvSpPr>
+        <p:spPr>
+          <a:xfrm>
+            <a:off x="3920172" y="3942608"/>
+            <a:ext cx="2029034" cy="240280"/>
+          </a:xfrm>
+          <a:prstGeom prst="roundRect">
+            <a:avLst/>
+          </a:prstGeom>
+          <a:solidFill>
+            <a:schemeClr val="accent5">
+              <a:lumMod val="50000"/>
+            </a:schemeClr>
+          </a:solidFill>
+          <a:ln w="3175">
+            <a:solidFill>
+              <a:schemeClr val="tx1">
+                <a:lumMod val="85000"/>
+                <a:lumOff val="15000"/>
+              </a:schemeClr>
+            </a:solidFill>
+          </a:ln>
+        </p:spPr>
+        <p:style>
+          <a:lnRef idx="2">
+            <a:schemeClr val="accent1">
+              <a:shade val="50000"/>
+            </a:schemeClr>
+          </a:lnRef>
+          <a:fillRef idx="1">
+            <a:schemeClr val="accent1"/>
+          </a:fillRef>
+          <a:effectRef idx="0">
+            <a:schemeClr val="accent1"/>
+          </a:effectRef>
+          <a:fontRef idx="minor">
+            <a:schemeClr val="lt1"/>
+          </a:fontRef>
+        </p:style>
+        <p:txBody>
+          <a:bodyPr rtlCol="0" anchor="ctr"/>
+          <a:lstStyle/>
+          <a:p>
+            <a:pPr algn="ctr"/>
+            <a:r>
+              <a:rPr lang="de-DE" sz="1000"/>
+              <a:t>StaticListAutomationManagement</a:t>
+            </a:r>
+          </a:p>
+        </p:txBody>
+      </p:sp>
+      <p:pic>
+        <p:nvPicPr>
+          <p:cNvPr id="8" name="Grafik 7" descr="Liste mit einfarbiger Füllung">
+            <a:extLst>
+              <a:ext uri="{FF2B5EF4-FFF2-40B4-BE49-F238E27FC236}">
+                <a16:creationId xmlns:a16="http://schemas.microsoft.com/office/drawing/2014/main" id="{26B61A38-E64B-4453-9EE6-722E583638EB}"/>
+              </a:ext>
+            </a:extLst>
+          </p:cNvPr>
+          <p:cNvPicPr>
+            <a:picLocks noChangeAspect="1"/>
+          </p:cNvPicPr>
+          <p:nvPr/>
+        </p:nvPicPr>
+        <p:blipFill>
+          <a:blip r:embed="rId3">
+            <a:extLst>
+              <a:ext uri="{28A0092B-C50C-407E-A947-70E740481C1C}">
+                <a14:useLocalDpi xmlns:a14="http://schemas.microsoft.com/office/drawing/2010/main" val="0"/>
+              </a:ext>
+              <a:ext uri="{96DAC541-7B7A-43D3-8B79-37D633B846F1}">
+                <asvg:svgBlip xmlns:asvg="http://schemas.microsoft.com/office/drawing/2016/SVG/main" r:embed="rId4"/>
+              </a:ext>
+            </a:extLst>
+          </a:blip>
+          <a:stretch>
+            <a:fillRect/>
+          </a:stretch>
+        </p:blipFill>
+        <p:spPr>
+          <a:xfrm>
+            <a:off x="6369655" y="3920160"/>
+            <a:ext cx="268091" cy="268091"/>
+          </a:xfrm>
+          <a:prstGeom prst="rect">
+            <a:avLst/>
+          </a:prstGeom>
+        </p:spPr>
+      </p:pic>
+      <p:cxnSp>
+        <p:nvCxnSpPr>
+          <p:cNvPr id="10" name="Gerade Verbindung mit Pfeil 9">
+            <a:extLst>
+              <a:ext uri="{FF2B5EF4-FFF2-40B4-BE49-F238E27FC236}">
+                <a16:creationId xmlns:a16="http://schemas.microsoft.com/office/drawing/2014/main" id="{CEA3A790-BCF4-941C-E5AA-0E50A8B68B1D}"/>
+              </a:ext>
+            </a:extLst>
+          </p:cNvPr>
+          <p:cNvCxnSpPr>
+            <a:cxnSpLocks/>
+          </p:cNvCxnSpPr>
+          <p:nvPr/>
+        </p:nvCxnSpPr>
+        <p:spPr>
+          <a:xfrm>
+            <a:off x="5949206" y="4054201"/>
+            <a:ext cx="420444" cy="0"/>
+          </a:xfrm>
+          <a:prstGeom prst="straightConnector1">
+            <a:avLst/>
+          </a:prstGeom>
+          <a:ln>
+            <a:solidFill>
+              <a:schemeClr val="tx1">
+                <a:lumMod val="65000"/>
+                <a:lumOff val="35000"/>
+              </a:schemeClr>
+            </a:solidFill>
+            <a:tailEnd type="triangle"/>
+          </a:ln>
+        </p:spPr>
+        <p:style>
+          <a:lnRef idx="1">
+            <a:schemeClr val="accent1"/>
+          </a:lnRef>
+          <a:fillRef idx="0">
+            <a:schemeClr val="accent1"/>
+          </a:fillRef>
+          <a:effectRef idx="0">
+            <a:schemeClr val="accent1"/>
+          </a:effectRef>
+          <a:fontRef idx="minor">
+            <a:schemeClr val="tx1"/>
+          </a:fontRef>
+        </p:style>
+      </p:cxnSp>
+      <p:cxnSp>
+        <p:nvCxnSpPr>
+          <p:cNvPr id="12" name="Gerade Verbindung mit Pfeil 11">
+            <a:extLst>
+              <a:ext uri="{FF2B5EF4-FFF2-40B4-BE49-F238E27FC236}">
+                <a16:creationId xmlns:a16="http://schemas.microsoft.com/office/drawing/2014/main" id="{C7C7FF90-CCFB-7544-99F9-C732DF67A01F}"/>
+              </a:ext>
+            </a:extLst>
+          </p:cNvPr>
+          <p:cNvCxnSpPr>
+            <a:cxnSpLocks/>
+          </p:cNvCxnSpPr>
+          <p:nvPr/>
+        </p:nvCxnSpPr>
+        <p:spPr>
+          <a:xfrm flipH="1">
+            <a:off x="5949206" y="4120945"/>
+            <a:ext cx="420444" cy="0"/>
+          </a:xfrm>
+          <a:prstGeom prst="straightConnector1">
+            <a:avLst/>
+          </a:prstGeom>
+          <a:ln>
+            <a:solidFill>
+              <a:schemeClr val="tx1">
+                <a:lumMod val="65000"/>
+                <a:lumOff val="35000"/>
+              </a:schemeClr>
+            </a:solidFill>
+            <a:tailEnd type="triangle"/>
+          </a:ln>
+        </p:spPr>
+        <p:style>
+          <a:lnRef idx="1">
+            <a:schemeClr val="accent1"/>
+          </a:lnRef>
+          <a:fillRef idx="0">
+            <a:schemeClr val="accent1"/>
+          </a:fillRef>
+          <a:effectRef idx="0">
+            <a:schemeClr val="accent1"/>
+          </a:effectRef>
+          <a:fontRef idx="minor">
+            <a:schemeClr val="tx1"/>
+          </a:fontRef>
+        </p:style>
+      </p:cxnSp>
+      <p:sp>
+        <p:nvSpPr>
+          <p:cNvPr id="14" name="Textfeld 13">
+            <a:extLst>
+              <a:ext uri="{FF2B5EF4-FFF2-40B4-BE49-F238E27FC236}">
+                <a16:creationId xmlns:a16="http://schemas.microsoft.com/office/drawing/2014/main" id="{58D77ED1-3D66-C377-D257-5C3AD73EF90C}"/>
+              </a:ext>
+            </a:extLst>
+          </p:cNvPr>
+          <p:cNvSpPr txBox="1"/>
+          <p:nvPr/>
+        </p:nvSpPr>
+        <p:spPr>
+          <a:xfrm>
+            <a:off x="3920175" y="4188199"/>
+            <a:ext cx="2829497" cy="1692771"/>
+          </a:xfrm>
+          <a:prstGeom prst="rect">
+            <a:avLst/>
+          </a:prstGeom>
+          <a:solidFill>
+            <a:schemeClr val="bg1"/>
+          </a:solidFill>
+          <a:ln>
+            <a:solidFill>
+              <a:schemeClr val="tx1">
+                <a:lumMod val="65000"/>
+                <a:lumOff val="35000"/>
+              </a:schemeClr>
+            </a:solidFill>
+          </a:ln>
+        </p:spPr>
+        <p:txBody>
+          <a:bodyPr wrap="square" rtlCol="0">
+            <a:spAutoFit/>
+          </a:bodyPr>
+          <a:lstStyle>
+            <a:defPPr>
+              <a:defRPr lang="en-US"/>
+            </a:defPPr>
+            <a:lvl1pPr marL="171450" indent="-171450">
+              <a:buFont typeface="Arial" panose="020B0604020202020204" pitchFamily="34" charset="0"/>
+              <a:buChar char="•"/>
+              <a:defRPr sz="800"/>
+            </a:lvl1pPr>
+          </a:lstStyle>
+          <a:p>
+            <a:pPr marL="0" indent="0">
+              <a:buNone/>
+            </a:pPr>
+            <a:r>
+              <a:rPr lang="de-DE"/>
+              <a:t>addLinksToStaticList(linkIdList)</a:t>
+            </a:r>
+          </a:p>
+          <a:p>
+            <a:pPr marL="0" indent="0">
+              <a:buNone/>
+            </a:pPr>
+            <a:r>
+              <a:rPr lang="de-DE"/>
+              <a:t>assignAutomationToLinks(automationName,linkIdList)</a:t>
+            </a:r>
+          </a:p>
+          <a:p>
+            <a:pPr marL="0" indent="0">
+              <a:buNone/>
+            </a:pPr>
+            <a:r>
+              <a:rPr lang="de-DE"/>
+              <a:t>--------------------</a:t>
+            </a:r>
+          </a:p>
+          <a:p>
+            <a:pPr marL="0" indent="0">
+              <a:buNone/>
+            </a:pPr>
+            <a:r>
+              <a:rPr lang="de-DE"/>
+              <a:t>removeLinksFromStaticList(linkIdList)</a:t>
+            </a:r>
+          </a:p>
+          <a:p>
+            <a:pPr marL="0" indent="0">
+              <a:buNone/>
+            </a:pPr>
+            <a:r>
+              <a:rPr lang="de-DE"/>
+              <a:t>unassignAutomationFromLinks(automationName,linkIdList)</a:t>
+            </a:r>
+          </a:p>
+          <a:p>
+            <a:pPr marL="0" indent="0">
+              <a:buNone/>
+            </a:pPr>
+            <a:r>
+              <a:rPr lang="de-DE"/>
+              <a:t>unassignAllAutomationsFromLinks(linkIdList)</a:t>
+            </a:r>
+          </a:p>
+          <a:p>
+            <a:pPr marL="0" indent="0">
+              <a:buNone/>
+            </a:pPr>
+            <a:r>
+              <a:rPr lang="de-DE"/>
+              <a:t>unassignAutomationFromAllLinks(automationName)</a:t>
+            </a:r>
+          </a:p>
+          <a:p>
+            <a:pPr marL="0" indent="0">
+              <a:buNone/>
+            </a:pPr>
+            <a:r>
+              <a:rPr lang="de-DE"/>
+              <a:t>-------------------</a:t>
+            </a:r>
+          </a:p>
+          <a:p>
+            <a:pPr marL="0" indent="0">
+              <a:buNone/>
+            </a:pPr>
+            <a:r>
+              <a:rPr lang="de-DE"/>
+              <a:t>listLinks(optional: linkIdList)</a:t>
+            </a:r>
+          </a:p>
+          <a:p>
+            <a:pPr marL="0" indent="0">
+              <a:buNone/>
+            </a:pPr>
+            <a:r>
+              <a:rPr lang="de-DE"/>
+              <a:t>listAutomationNames()</a:t>
+            </a:r>
+          </a:p>
+          <a:p>
+            <a:pPr marL="0" indent="0">
+              <a:buNone/>
+            </a:pPr>
+            <a:r>
+              <a:rPr lang="de-DE"/>
+              <a:t>listAssignmentsForSpecificLink(linkId)</a:t>
+            </a:r>
+          </a:p>
+          <a:p>
+            <a:pPr marL="0" indent="0">
+              <a:buNone/>
+            </a:pPr>
+            <a:r>
+              <a:rPr lang="de-DE"/>
+              <a:t>listLinksWithSpecificNumberOfAssignments(number) </a:t>
+            </a:r>
+          </a:p>
+          <a:p>
+            <a:pPr marL="0" indent="0">
+              <a:buNone/>
+            </a:pPr>
+            <a:r>
+              <a:rPr lang="de-DE"/>
+              <a:t>listLinksWithSpecificAutomationAssigned(automationName)</a:t>
+            </a:r>
+          </a:p>
+        </p:txBody>
+      </p:sp>
+      <p:sp>
+        <p:nvSpPr>
+          <p:cNvPr id="15" name="Textfeld 14">
+            <a:extLst>
+              <a:ext uri="{FF2B5EF4-FFF2-40B4-BE49-F238E27FC236}">
+                <a16:creationId xmlns:a16="http://schemas.microsoft.com/office/drawing/2014/main" id="{58A609E8-2BC3-58A8-95F6-6786B0F3A728}"/>
+              </a:ext>
+            </a:extLst>
+          </p:cNvPr>
+          <p:cNvSpPr txBox="1"/>
+          <p:nvPr/>
+        </p:nvSpPr>
+        <p:spPr>
+          <a:xfrm>
+            <a:off x="3772806" y="3511172"/>
+            <a:ext cx="1800493" cy="261610"/>
+          </a:xfrm>
+          <a:prstGeom prst="rect">
+            <a:avLst/>
+          </a:prstGeom>
+          <a:noFill/>
+        </p:spPr>
+        <p:txBody>
+          <a:bodyPr wrap="none" rtlCol="0">
+            <a:spAutoFit/>
+          </a:bodyPr>
+          <a:lstStyle/>
+          <a:p>
+            <a:r>
+              <a:rPr lang="de-DE" sz="1100" b="1" i="1">
+                <a:latin typeface="Consolas" panose="020B0609020204030204" pitchFamily="49" charset="0"/>
+              </a:rPr>
+              <a:t>Automation Management</a:t>
+            </a:r>
+          </a:p>
+        </p:txBody>
+      </p:sp>
+      <p:sp>
+        <p:nvSpPr>
+          <p:cNvPr id="16" name="Rechteck: abgerundete Ecken 15">
+            <a:extLst>
+              <a:ext uri="{FF2B5EF4-FFF2-40B4-BE49-F238E27FC236}">
+                <a16:creationId xmlns:a16="http://schemas.microsoft.com/office/drawing/2014/main" id="{CF530D81-CF08-3589-2358-2B674695471E}"/>
+              </a:ext>
+            </a:extLst>
+          </p:cNvPr>
+          <p:cNvSpPr/>
+          <p:nvPr/>
+        </p:nvSpPr>
+        <p:spPr>
+          <a:xfrm>
+            <a:off x="7088188" y="5605656"/>
+            <a:ext cx="2633496" cy="261610"/>
+          </a:xfrm>
+          <a:prstGeom prst="roundRect">
+            <a:avLst>
+              <a:gd name="adj" fmla="val 22278"/>
+            </a:avLst>
+          </a:prstGeom>
+          <a:solidFill>
+            <a:schemeClr val="bg1">
+              <a:lumMod val="65000"/>
+            </a:schemeClr>
+          </a:solidFill>
+          <a:ln w="3175">
+            <a:solidFill>
+              <a:schemeClr val="tx1">
+                <a:lumMod val="85000"/>
+                <a:lumOff val="15000"/>
+              </a:schemeClr>
+            </a:solidFill>
+          </a:ln>
+        </p:spPr>
+        <p:style>
+          <a:lnRef idx="2">
+            <a:schemeClr val="accent1">
+              <a:shade val="50000"/>
+            </a:schemeClr>
+          </a:lnRef>
+          <a:fillRef idx="1">
+            <a:schemeClr val="accent1"/>
+          </a:fillRef>
+          <a:effectRef idx="0">
+            <a:schemeClr val="accent1"/>
+          </a:effectRef>
+          <a:fontRef idx="minor">
+            <a:schemeClr val="lt1"/>
+          </a:fontRef>
+        </p:style>
+        <p:txBody>
+          <a:bodyPr rtlCol="0" anchor="ctr"/>
+          <a:lstStyle/>
+          <a:p>
+            <a:pPr algn="ctr"/>
+            <a:r>
+              <a:rPr lang="de-DE" sz="1000"/>
+              <a:t>Visualization of Automation Management</a:t>
+            </a:r>
+          </a:p>
+        </p:txBody>
+      </p:sp>
+      <p:sp>
+        <p:nvSpPr>
+          <p:cNvPr id="24" name="Rechteck: abgerundete Ecken 23">
+            <a:extLst>
+              <a:ext uri="{FF2B5EF4-FFF2-40B4-BE49-F238E27FC236}">
+                <a16:creationId xmlns:a16="http://schemas.microsoft.com/office/drawing/2014/main" id="{9D4A9F8A-1343-749E-1ADE-4D56409EF4CB}"/>
+              </a:ext>
+            </a:extLst>
+          </p:cNvPr>
+          <p:cNvSpPr/>
+          <p:nvPr/>
+        </p:nvSpPr>
+        <p:spPr>
+          <a:xfrm>
+            <a:off x="3772807" y="6198223"/>
+            <a:ext cx="2424027" cy="2813290"/>
+          </a:xfrm>
+          <a:prstGeom prst="roundRect">
+            <a:avLst>
+              <a:gd name="adj" fmla="val 1868"/>
+            </a:avLst>
+          </a:prstGeom>
+          <a:solidFill>
+            <a:schemeClr val="accent4">
+              <a:lumMod val="20000"/>
+              <a:lumOff val="80000"/>
+            </a:schemeClr>
+          </a:solidFill>
+          <a:ln w="3175">
+            <a:solidFill>
+              <a:schemeClr val="tx1">
+                <a:lumMod val="50000"/>
+                <a:lumOff val="50000"/>
+              </a:schemeClr>
+            </a:solidFill>
+          </a:ln>
+        </p:spPr>
+        <p:style>
+          <a:lnRef idx="2">
+            <a:schemeClr val="accent1">
+              <a:shade val="50000"/>
+            </a:schemeClr>
+          </a:lnRef>
+          <a:fillRef idx="1">
+            <a:schemeClr val="accent1"/>
+          </a:fillRef>
+          <a:effectRef idx="0">
+            <a:schemeClr val="accent1"/>
+          </a:effectRef>
+          <a:fontRef idx="minor">
+            <a:schemeClr val="lt1"/>
+          </a:fontRef>
+        </p:style>
+        <p:txBody>
+          <a:bodyPr rtlCol="0" anchor="ctr"/>
+          <a:lstStyle/>
+          <a:p>
+            <a:pPr algn="ctr"/>
+            <a:endParaRPr lang="de-DE" sz="900">
+              <a:solidFill>
+                <a:schemeClr val="tx1"/>
+              </a:solidFill>
+            </a:endParaRPr>
+          </a:p>
+        </p:txBody>
+      </p:sp>
+      <p:sp>
+        <p:nvSpPr>
+          <p:cNvPr id="25" name="Textfeld 24">
+            <a:extLst>
+              <a:ext uri="{FF2B5EF4-FFF2-40B4-BE49-F238E27FC236}">
+                <a16:creationId xmlns:a16="http://schemas.microsoft.com/office/drawing/2014/main" id="{AFD44217-BE78-3D5E-FB92-64268358892B}"/>
+              </a:ext>
+            </a:extLst>
+          </p:cNvPr>
+          <p:cNvSpPr txBox="1"/>
+          <p:nvPr/>
+        </p:nvSpPr>
+        <p:spPr>
+          <a:xfrm>
+            <a:off x="3772803" y="6173158"/>
+            <a:ext cx="2416046" cy="261610"/>
+          </a:xfrm>
+          <a:prstGeom prst="rect">
+            <a:avLst/>
+          </a:prstGeom>
+          <a:noFill/>
+        </p:spPr>
+        <p:txBody>
+          <a:bodyPr wrap="none" rtlCol="0">
+            <a:spAutoFit/>
+          </a:bodyPr>
+          <a:lstStyle/>
+          <a:p>
+            <a:r>
+              <a:rPr lang="de-DE" sz="1100" b="1" i="1">
+                <a:latin typeface="Consolas" panose="020B0609020204030204" pitchFamily="49" charset="0"/>
+              </a:rPr>
+              <a:t>Link group related automation</a:t>
+            </a:r>
+          </a:p>
+        </p:txBody>
+      </p:sp>
+      <p:sp>
+        <p:nvSpPr>
+          <p:cNvPr id="26" name="Rechteck: abgerundete Ecken 25">
+            <a:extLst>
+              <a:ext uri="{FF2B5EF4-FFF2-40B4-BE49-F238E27FC236}">
+                <a16:creationId xmlns:a16="http://schemas.microsoft.com/office/drawing/2014/main" id="{9D7C8B1F-86C2-B51C-E4D9-7186CF21ED50}"/>
+              </a:ext>
+            </a:extLst>
+          </p:cNvPr>
+          <p:cNvSpPr/>
+          <p:nvPr/>
+        </p:nvSpPr>
+        <p:spPr>
+          <a:xfrm>
+            <a:off x="3879523" y="6599286"/>
+            <a:ext cx="2033667" cy="240280"/>
+          </a:xfrm>
+          <a:prstGeom prst="roundRect">
+            <a:avLst/>
+          </a:prstGeom>
+          <a:solidFill>
+            <a:schemeClr val="accent5">
+              <a:lumMod val="50000"/>
+            </a:schemeClr>
+          </a:solidFill>
+          <a:ln w="3175">
+            <a:solidFill>
+              <a:schemeClr val="tx1">
+                <a:lumMod val="85000"/>
+                <a:lumOff val="15000"/>
+              </a:schemeClr>
+            </a:solidFill>
+          </a:ln>
+        </p:spPr>
+        <p:style>
+          <a:lnRef idx="2">
+            <a:schemeClr val="accent1">
+              <a:shade val="50000"/>
+            </a:schemeClr>
+          </a:lnRef>
+          <a:fillRef idx="1">
+            <a:schemeClr val="accent1"/>
+          </a:fillRef>
+          <a:effectRef idx="0">
+            <a:schemeClr val="accent1"/>
+          </a:effectRef>
+          <a:fontRef idx="minor">
+            <a:schemeClr val="lt1"/>
+          </a:fontRef>
+        </p:style>
+        <p:txBody>
+          <a:bodyPr rtlCol="0" anchor="ctr"/>
+          <a:lstStyle/>
+          <a:p>
+            <a:pPr algn="ctr"/>
+            <a:r>
+              <a:rPr lang="de-DE" sz="1000"/>
+              <a:t>TimeBasedPowerSaving</a:t>
+            </a:r>
+          </a:p>
+        </p:txBody>
+      </p:sp>
+      <p:sp>
+        <p:nvSpPr>
+          <p:cNvPr id="27" name="Textfeld 26">
+            <a:extLst>
+              <a:ext uri="{FF2B5EF4-FFF2-40B4-BE49-F238E27FC236}">
+                <a16:creationId xmlns:a16="http://schemas.microsoft.com/office/drawing/2014/main" id="{5DFAE504-5EE9-6653-9034-04FDAE2BD477}"/>
+              </a:ext>
+            </a:extLst>
+          </p:cNvPr>
+          <p:cNvSpPr txBox="1"/>
+          <p:nvPr/>
+        </p:nvSpPr>
+        <p:spPr>
+          <a:xfrm>
+            <a:off x="3884153" y="6840687"/>
+            <a:ext cx="2029034" cy="1323439"/>
+          </a:xfrm>
+          <a:prstGeom prst="rect">
+            <a:avLst/>
+          </a:prstGeom>
+          <a:solidFill>
+            <a:schemeClr val="bg1"/>
+          </a:solidFill>
+          <a:ln>
+            <a:solidFill>
+              <a:schemeClr val="tx1">
+                <a:lumMod val="65000"/>
+                <a:lumOff val="35000"/>
+              </a:schemeClr>
+            </a:solidFill>
+          </a:ln>
+        </p:spPr>
+        <p:txBody>
+          <a:bodyPr wrap="square" rtlCol="0">
+            <a:spAutoFit/>
+          </a:bodyPr>
+          <a:lstStyle/>
+          <a:p>
+            <a:r>
+              <a:rPr lang="de-DE" sz="800"/>
+              <a:t>addStartTrigger(time)</a:t>
+            </a:r>
+          </a:p>
+          <a:p>
+            <a:r>
+              <a:rPr lang="de-DE" sz="800"/>
+              <a:t>addEndTrigger(time)</a:t>
+            </a:r>
+          </a:p>
+          <a:p>
+            <a:r>
+              <a:rPr lang="de-DE" sz="800"/>
+              <a:t>removeStartTrigger(time)</a:t>
+            </a:r>
+          </a:p>
+          <a:p>
+            <a:r>
+              <a:rPr lang="de-DE" sz="800"/>
+              <a:t>removeEndTrigger(time)</a:t>
+            </a:r>
+          </a:p>
+          <a:p>
+            <a:r>
+              <a:rPr lang="de-DE" sz="800"/>
+              <a:t>removeAllTriggers()</a:t>
+            </a:r>
+          </a:p>
+          <a:p>
+            <a:r>
+              <a:rPr lang="de-DE" sz="800"/>
+              <a:t>------------------</a:t>
+            </a:r>
+          </a:p>
+          <a:p>
+            <a:r>
+              <a:rPr lang="de-DE" sz="800"/>
+              <a:t>listAllTriggers()</a:t>
+            </a:r>
+          </a:p>
+          <a:p>
+            <a:r>
+              <a:rPr lang="de-DE" sz="800"/>
+              <a:t>------------------</a:t>
+            </a:r>
+          </a:p>
+          <a:p>
+            <a:r>
+              <a:rPr lang="de-DE" sz="800"/>
+              <a:t>startTimeBasedPowerSaving()</a:t>
+            </a:r>
+          </a:p>
+          <a:p>
+            <a:r>
+              <a:rPr lang="de-DE" sz="800"/>
+              <a:t>stopTimeBasedPowerSaving()</a:t>
+            </a:r>
+          </a:p>
+        </p:txBody>
+      </p:sp>
+      <p:sp>
+        <p:nvSpPr>
+          <p:cNvPr id="32" name="Rechteck: abgerundete Ecken 31">
+            <a:extLst>
+              <a:ext uri="{FF2B5EF4-FFF2-40B4-BE49-F238E27FC236}">
+                <a16:creationId xmlns:a16="http://schemas.microsoft.com/office/drawing/2014/main" id="{B647B858-4454-149F-B45F-8A30B1F5DE46}"/>
+              </a:ext>
+            </a:extLst>
+          </p:cNvPr>
+          <p:cNvSpPr/>
+          <p:nvPr/>
+        </p:nvSpPr>
+        <p:spPr>
+          <a:xfrm>
+            <a:off x="3772806" y="9091384"/>
+            <a:ext cx="3685895" cy="1180083"/>
+          </a:xfrm>
+          <a:prstGeom prst="roundRect">
+            <a:avLst>
+              <a:gd name="adj" fmla="val 7433"/>
+            </a:avLst>
+          </a:prstGeom>
+          <a:solidFill>
+            <a:srgbClr val="F2EBFF"/>
+          </a:solidFill>
+          <a:ln w="3175">
+            <a:solidFill>
+              <a:schemeClr val="tx1">
+                <a:lumMod val="50000"/>
+                <a:lumOff val="50000"/>
+              </a:schemeClr>
+            </a:solidFill>
+          </a:ln>
+        </p:spPr>
+        <p:style>
+          <a:lnRef idx="2">
+            <a:schemeClr val="accent1">
+              <a:shade val="50000"/>
+            </a:schemeClr>
+          </a:lnRef>
+          <a:fillRef idx="1">
+            <a:schemeClr val="accent1"/>
+          </a:fillRef>
+          <a:effectRef idx="0">
+            <a:schemeClr val="accent1"/>
+          </a:effectRef>
+          <a:fontRef idx="minor">
+            <a:schemeClr val="lt1"/>
+          </a:fontRef>
+        </p:style>
+        <p:txBody>
+          <a:bodyPr rtlCol="0" anchor="ctr"/>
+          <a:lstStyle/>
+          <a:p>
+            <a:pPr algn="ctr"/>
+            <a:endParaRPr lang="de-DE" sz="900">
+              <a:solidFill>
+                <a:schemeClr val="tx1"/>
+              </a:solidFill>
+            </a:endParaRPr>
+          </a:p>
+        </p:txBody>
+      </p:sp>
+      <p:sp>
+        <p:nvSpPr>
+          <p:cNvPr id="35" name="Textfeld 34">
+            <a:extLst>
+              <a:ext uri="{FF2B5EF4-FFF2-40B4-BE49-F238E27FC236}">
+                <a16:creationId xmlns:a16="http://schemas.microsoft.com/office/drawing/2014/main" id="{61E92769-B636-76D9-1AB6-2ECC3F898EA3}"/>
+              </a:ext>
+            </a:extLst>
+          </p:cNvPr>
+          <p:cNvSpPr txBox="1"/>
+          <p:nvPr/>
+        </p:nvSpPr>
+        <p:spPr>
+          <a:xfrm>
+            <a:off x="6300327" y="6173159"/>
+            <a:ext cx="3190431" cy="261610"/>
+          </a:xfrm>
+          <a:prstGeom prst="rect">
+            <a:avLst/>
+          </a:prstGeom>
+          <a:noFill/>
+        </p:spPr>
+        <p:txBody>
+          <a:bodyPr wrap="square" rtlCol="0">
+            <a:spAutoFit/>
+          </a:bodyPr>
+          <a:lstStyle/>
+          <a:p>
+            <a:r>
+              <a:rPr lang="de-DE" sz="1100" b="1" i="1">
+                <a:latin typeface="Consolas" panose="020B0609020204030204" pitchFamily="49" charset="0"/>
+              </a:rPr>
+              <a:t>Link group related switching operation</a:t>
+            </a:r>
+          </a:p>
+        </p:txBody>
+      </p:sp>
+      <p:sp>
+        <p:nvSpPr>
+          <p:cNvPr id="36" name="Rechteck: abgerundete Ecken 35">
+            <a:extLst>
+              <a:ext uri="{FF2B5EF4-FFF2-40B4-BE49-F238E27FC236}">
+                <a16:creationId xmlns:a16="http://schemas.microsoft.com/office/drawing/2014/main" id="{1F43F32C-51D8-7487-B73D-20C55C9D18D5}"/>
+              </a:ext>
+            </a:extLst>
+          </p:cNvPr>
+          <p:cNvSpPr/>
+          <p:nvPr/>
+        </p:nvSpPr>
+        <p:spPr>
+          <a:xfrm>
+            <a:off x="6312261" y="6799082"/>
+            <a:ext cx="3001162" cy="240280"/>
+          </a:xfrm>
+          <a:prstGeom prst="roundRect">
+            <a:avLst/>
+          </a:prstGeom>
+          <a:solidFill>
+            <a:schemeClr val="accent5">
+              <a:lumMod val="50000"/>
+            </a:schemeClr>
+          </a:solidFill>
+          <a:ln w="3175">
+            <a:solidFill>
+              <a:schemeClr val="tx1">
+                <a:lumMod val="85000"/>
+                <a:lumOff val="15000"/>
+              </a:schemeClr>
+            </a:solidFill>
+          </a:ln>
+        </p:spPr>
+        <p:style>
+          <a:lnRef idx="2">
+            <a:schemeClr val="accent1">
+              <a:shade val="50000"/>
+            </a:schemeClr>
+          </a:lnRef>
+          <a:fillRef idx="1">
+            <a:schemeClr val="accent1"/>
+          </a:fillRef>
+          <a:effectRef idx="0">
+            <a:schemeClr val="accent1"/>
+          </a:effectRef>
+          <a:fontRef idx="minor">
+            <a:schemeClr val="lt1"/>
+          </a:fontRef>
+        </p:style>
+        <p:txBody>
+          <a:bodyPr rtlCol="0" anchor="ctr"/>
+          <a:lstStyle/>
+          <a:p>
+            <a:pPr algn="ctr"/>
+            <a:r>
+              <a:rPr lang="de-DE" sz="1000"/>
+              <a:t>SimpleActivation</a:t>
+            </a:r>
+          </a:p>
+        </p:txBody>
+      </p:sp>
+      <p:sp>
+        <p:nvSpPr>
+          <p:cNvPr id="37" name="Rechteck: abgerundete Ecken 36">
+            <a:extLst>
+              <a:ext uri="{FF2B5EF4-FFF2-40B4-BE49-F238E27FC236}">
+                <a16:creationId xmlns:a16="http://schemas.microsoft.com/office/drawing/2014/main" id="{178C83D1-BD4F-716B-CE87-D19A99B81C4C}"/>
+              </a:ext>
+            </a:extLst>
+          </p:cNvPr>
+          <p:cNvSpPr/>
+          <p:nvPr/>
+        </p:nvSpPr>
+        <p:spPr>
+          <a:xfrm>
+            <a:off x="6313833" y="7997700"/>
+            <a:ext cx="3018856" cy="240280"/>
+          </a:xfrm>
+          <a:prstGeom prst="roundRect">
+            <a:avLst/>
+          </a:prstGeom>
+          <a:solidFill>
+            <a:schemeClr val="accent5">
+              <a:lumMod val="50000"/>
+            </a:schemeClr>
+          </a:solidFill>
+          <a:ln w="3175">
+            <a:solidFill>
+              <a:schemeClr val="tx1">
+                <a:lumMod val="85000"/>
+                <a:lumOff val="15000"/>
+              </a:schemeClr>
+            </a:solidFill>
+          </a:ln>
+        </p:spPr>
+        <p:style>
+          <a:lnRef idx="2">
+            <a:schemeClr val="accent1">
+              <a:shade val="50000"/>
+            </a:schemeClr>
+          </a:lnRef>
+          <a:fillRef idx="1">
+            <a:schemeClr val="accent1"/>
+          </a:fillRef>
+          <a:effectRef idx="0">
+            <a:schemeClr val="accent1"/>
+          </a:effectRef>
+          <a:fontRef idx="minor">
+            <a:schemeClr val="lt1"/>
+          </a:fontRef>
+        </p:style>
+        <p:txBody>
+          <a:bodyPr rtlCol="0" anchor="ctr"/>
+          <a:lstStyle/>
+          <a:p>
+            <a:pPr algn="ctr"/>
+            <a:r>
+              <a:rPr lang="de-DE" sz="1000"/>
+              <a:t>PersistentDeactivation</a:t>
+            </a:r>
+          </a:p>
+        </p:txBody>
+      </p:sp>
+      <p:sp>
+        <p:nvSpPr>
+          <p:cNvPr id="47" name="Textfeld 46">
+            <a:extLst>
+              <a:ext uri="{FF2B5EF4-FFF2-40B4-BE49-F238E27FC236}">
+                <a16:creationId xmlns:a16="http://schemas.microsoft.com/office/drawing/2014/main" id="{118A8051-6013-32B2-E5FA-777EAB99AF3F}"/>
+              </a:ext>
+            </a:extLst>
+          </p:cNvPr>
+          <p:cNvSpPr txBox="1"/>
+          <p:nvPr/>
+        </p:nvSpPr>
+        <p:spPr>
+          <a:xfrm>
+            <a:off x="6311431" y="7033509"/>
+            <a:ext cx="4310717" cy="461665"/>
+          </a:xfrm>
+          <a:prstGeom prst="rect">
+            <a:avLst/>
+          </a:prstGeom>
+          <a:solidFill>
+            <a:schemeClr val="bg1"/>
+          </a:solidFill>
+          <a:ln>
+            <a:solidFill>
+              <a:schemeClr val="tx1">
+                <a:lumMod val="65000"/>
+                <a:lumOff val="35000"/>
+              </a:schemeClr>
+            </a:solidFill>
+          </a:ln>
+        </p:spPr>
+        <p:txBody>
+          <a:bodyPr wrap="square" rtlCol="0">
+            <a:spAutoFit/>
+          </a:bodyPr>
+          <a:lstStyle/>
+          <a:p>
+            <a:r>
+              <a:rPr lang="de-DE" sz="800"/>
+              <a:t>addLinksToPowerSavingActivationQueue(linkIdList, automationName, switchingOperationName)</a:t>
+            </a:r>
+          </a:p>
+          <a:p>
+            <a:r>
+              <a:rPr lang="de-DE" sz="800"/>
+              <a:t>removeLinksFromPowerSavingActivationQueue(linkId, automationName)</a:t>
+            </a:r>
+          </a:p>
+          <a:p>
+            <a:r>
+              <a:rPr lang="de-DE" sz="800"/>
+              <a:t>purgePowerSavingActivationQueue()</a:t>
+            </a:r>
+          </a:p>
+        </p:txBody>
+      </p:sp>
+      <p:sp>
+        <p:nvSpPr>
+          <p:cNvPr id="61" name="Rechteck: abgerundete Ecken 60">
+            <a:extLst>
+              <a:ext uri="{FF2B5EF4-FFF2-40B4-BE49-F238E27FC236}">
+                <a16:creationId xmlns:a16="http://schemas.microsoft.com/office/drawing/2014/main" id="{FB691098-B92B-749F-A786-393262D55085}"/>
+              </a:ext>
+            </a:extLst>
+          </p:cNvPr>
+          <p:cNvSpPr/>
+          <p:nvPr/>
+        </p:nvSpPr>
+        <p:spPr>
+          <a:xfrm>
+            <a:off x="10902061" y="6779048"/>
+            <a:ext cx="2462183" cy="240280"/>
+          </a:xfrm>
+          <a:prstGeom prst="roundRect">
+            <a:avLst/>
+          </a:prstGeom>
+          <a:solidFill>
+            <a:schemeClr val="accent5">
+              <a:lumMod val="50000"/>
+            </a:schemeClr>
+          </a:solidFill>
+          <a:ln w="3175">
+            <a:solidFill>
+              <a:schemeClr val="tx1">
+                <a:lumMod val="85000"/>
+                <a:lumOff val="15000"/>
+              </a:schemeClr>
+            </a:solidFill>
+          </a:ln>
+        </p:spPr>
+        <p:style>
+          <a:lnRef idx="2">
+            <a:schemeClr val="accent1">
+              <a:shade val="50000"/>
+            </a:schemeClr>
+          </a:lnRef>
+          <a:fillRef idx="1">
+            <a:schemeClr val="accent1"/>
+          </a:fillRef>
+          <a:effectRef idx="0">
+            <a:schemeClr val="accent1"/>
+          </a:effectRef>
+          <a:fontRef idx="minor">
+            <a:schemeClr val="lt1"/>
+          </a:fontRef>
+        </p:style>
+        <p:txBody>
+          <a:bodyPr rtlCol="0" anchor="ctr"/>
+          <a:lstStyle/>
+          <a:p>
+            <a:pPr algn="ctr"/>
+            <a:r>
+              <a:rPr lang="de-DE" sz="1000"/>
+              <a:t>RedundantTransmittersOff</a:t>
+            </a:r>
+          </a:p>
+        </p:txBody>
+      </p:sp>
+      <p:sp>
+        <p:nvSpPr>
+          <p:cNvPr id="62" name="Rechteck: abgerundete Ecken 61">
+            <a:extLst>
+              <a:ext uri="{FF2B5EF4-FFF2-40B4-BE49-F238E27FC236}">
+                <a16:creationId xmlns:a16="http://schemas.microsoft.com/office/drawing/2014/main" id="{704A4399-50FC-C3D6-2333-F54C2364471B}"/>
+              </a:ext>
+            </a:extLst>
+          </p:cNvPr>
+          <p:cNvSpPr/>
+          <p:nvPr/>
+        </p:nvSpPr>
+        <p:spPr>
+          <a:xfrm>
+            <a:off x="10902062" y="7929234"/>
+            <a:ext cx="2488343" cy="240280"/>
+          </a:xfrm>
+          <a:prstGeom prst="roundRect">
+            <a:avLst/>
+          </a:prstGeom>
+          <a:solidFill>
+            <a:schemeClr val="accent5">
+              <a:lumMod val="50000"/>
+            </a:schemeClr>
+          </a:solidFill>
+          <a:ln w="3175">
+            <a:solidFill>
+              <a:schemeClr val="tx1">
+                <a:lumMod val="85000"/>
+                <a:lumOff val="15000"/>
+              </a:schemeClr>
+            </a:solidFill>
+          </a:ln>
+        </p:spPr>
+        <p:style>
+          <a:lnRef idx="2">
+            <a:schemeClr val="accent1">
+              <a:shade val="50000"/>
+            </a:schemeClr>
+          </a:lnRef>
+          <a:fillRef idx="1">
+            <a:schemeClr val="accent1"/>
+          </a:fillRef>
+          <a:effectRef idx="0">
+            <a:schemeClr val="accent1"/>
+          </a:effectRef>
+          <a:fontRef idx="minor">
+            <a:schemeClr val="lt1"/>
+          </a:fontRef>
+        </p:style>
+        <p:txBody>
+          <a:bodyPr rtlCol="0" anchor="ctr"/>
+          <a:lstStyle/>
+          <a:p>
+            <a:pPr algn="ctr"/>
+            <a:r>
+              <a:rPr lang="de-DE" sz="1000"/>
+              <a:t>AllTransmittersOn</a:t>
+            </a:r>
+          </a:p>
+        </p:txBody>
+      </p:sp>
+      <p:sp>
+        <p:nvSpPr>
+          <p:cNvPr id="70" name="Textfeld 69">
+            <a:extLst>
+              <a:ext uri="{FF2B5EF4-FFF2-40B4-BE49-F238E27FC236}">
+                <a16:creationId xmlns:a16="http://schemas.microsoft.com/office/drawing/2014/main" id="{6C16A144-FFC4-94A2-4B14-366E82EAB8E1}"/>
+              </a:ext>
+            </a:extLst>
+          </p:cNvPr>
+          <p:cNvSpPr txBox="1"/>
+          <p:nvPr/>
+        </p:nvSpPr>
+        <p:spPr>
+          <a:xfrm>
+            <a:off x="6313836" y="8239602"/>
+            <a:ext cx="3230091" cy="461665"/>
+          </a:xfrm>
+          <a:prstGeom prst="rect">
+            <a:avLst/>
+          </a:prstGeom>
+          <a:solidFill>
+            <a:schemeClr val="bg1"/>
+          </a:solidFill>
+          <a:ln>
+            <a:solidFill>
+              <a:schemeClr val="tx1">
+                <a:lumMod val="65000"/>
+                <a:lumOff val="35000"/>
+              </a:schemeClr>
+            </a:solidFill>
+          </a:ln>
+        </p:spPr>
+        <p:txBody>
+          <a:bodyPr wrap="square" rtlCol="0">
+            <a:spAutoFit/>
+          </a:bodyPr>
+          <a:lstStyle/>
+          <a:p>
+            <a:r>
+              <a:rPr lang="de-DE" sz="800"/>
+              <a:t>addLinksToPowerSavingDeactivationQueue(linkIdList, automationName, switchingOperationName)</a:t>
+            </a:r>
+          </a:p>
+          <a:p>
+            <a:r>
+              <a:rPr lang="de-DE" sz="800"/>
+              <a:t>purgePowerSavingDeactivationQueue()</a:t>
+            </a:r>
+          </a:p>
+        </p:txBody>
+      </p:sp>
+      <p:sp>
+        <p:nvSpPr>
+          <p:cNvPr id="72" name="Textfeld 71">
+            <a:extLst>
+              <a:ext uri="{FF2B5EF4-FFF2-40B4-BE49-F238E27FC236}">
+                <a16:creationId xmlns:a16="http://schemas.microsoft.com/office/drawing/2014/main" id="{686015EE-6EE9-1CEE-FE96-6F9B18CC3F64}"/>
+              </a:ext>
+            </a:extLst>
+          </p:cNvPr>
+          <p:cNvSpPr txBox="1"/>
+          <p:nvPr/>
+        </p:nvSpPr>
+        <p:spPr>
+          <a:xfrm>
+            <a:off x="10803479" y="6178685"/>
+            <a:ext cx="2685507" cy="261610"/>
+          </a:xfrm>
+          <a:prstGeom prst="rect">
+            <a:avLst/>
+          </a:prstGeom>
+          <a:noFill/>
+        </p:spPr>
+        <p:txBody>
+          <a:bodyPr wrap="square" rtlCol="0">
+            <a:spAutoFit/>
+          </a:bodyPr>
+          <a:lstStyle/>
+          <a:p>
+            <a:r>
+              <a:rPr lang="de-DE" sz="1100" b="1" i="1">
+                <a:latin typeface="Consolas" panose="020B0609020204030204" pitchFamily="49" charset="0"/>
+              </a:rPr>
+              <a:t>Link related switching operation</a:t>
+            </a:r>
+          </a:p>
+        </p:txBody>
+      </p:sp>
+      <p:sp>
+        <p:nvSpPr>
+          <p:cNvPr id="85" name="Textfeld 84">
+            <a:extLst>
+              <a:ext uri="{FF2B5EF4-FFF2-40B4-BE49-F238E27FC236}">
+                <a16:creationId xmlns:a16="http://schemas.microsoft.com/office/drawing/2014/main" id="{898136FA-F453-4D63-CE6B-6574D32CDF8F}"/>
+              </a:ext>
+            </a:extLst>
+          </p:cNvPr>
+          <p:cNvSpPr txBox="1"/>
+          <p:nvPr/>
+        </p:nvSpPr>
+        <p:spPr>
+          <a:xfrm>
+            <a:off x="10902059" y="7020048"/>
+            <a:ext cx="2790196" cy="215444"/>
+          </a:xfrm>
+          <a:prstGeom prst="rect">
+            <a:avLst/>
+          </a:prstGeom>
+          <a:solidFill>
+            <a:schemeClr val="bg1"/>
+          </a:solidFill>
+          <a:ln>
+            <a:solidFill>
+              <a:schemeClr val="tx1">
+                <a:lumMod val="65000"/>
+                <a:lumOff val="35000"/>
+              </a:schemeClr>
+            </a:solidFill>
+          </a:ln>
+        </p:spPr>
+        <p:txBody>
+          <a:bodyPr wrap="square" rtlCol="0">
+            <a:spAutoFit/>
+          </a:bodyPr>
+          <a:lstStyle/>
+          <a:p>
+            <a:r>
+              <a:rPr lang="de-DE" sz="800">
+                <a:highlight>
+                  <a:srgbClr val="FFFF00"/>
+                </a:highlight>
+              </a:rPr>
+              <a:t>switchRedundantTransmitterPairOff(linkId, automationName)</a:t>
+            </a:r>
+          </a:p>
+        </p:txBody>
+      </p:sp>
+      <p:sp>
+        <p:nvSpPr>
+          <p:cNvPr id="86" name="Rechteck: abgerundete Ecken 85">
+            <a:extLst>
+              <a:ext uri="{FF2B5EF4-FFF2-40B4-BE49-F238E27FC236}">
+                <a16:creationId xmlns:a16="http://schemas.microsoft.com/office/drawing/2014/main" id="{03B52899-6C45-E7F5-DD62-62B51832B6AB}"/>
+              </a:ext>
+            </a:extLst>
+          </p:cNvPr>
+          <p:cNvSpPr/>
+          <p:nvPr/>
+        </p:nvSpPr>
+        <p:spPr>
+          <a:xfrm>
+            <a:off x="14502275" y="6753472"/>
+            <a:ext cx="2029034" cy="240280"/>
+          </a:xfrm>
+          <a:prstGeom prst="roundRect">
+            <a:avLst/>
+          </a:prstGeom>
+          <a:solidFill>
+            <a:schemeClr val="accent5">
+              <a:lumMod val="50000"/>
+            </a:schemeClr>
+          </a:solidFill>
+          <a:ln w="3175">
+            <a:solidFill>
+              <a:schemeClr val="tx1">
+                <a:lumMod val="85000"/>
+                <a:lumOff val="15000"/>
+              </a:schemeClr>
+            </a:solidFill>
+          </a:ln>
+        </p:spPr>
+        <p:style>
+          <a:lnRef idx="2">
+            <a:schemeClr val="accent1">
+              <a:shade val="50000"/>
+            </a:schemeClr>
+          </a:lnRef>
+          <a:fillRef idx="1">
+            <a:schemeClr val="accent1"/>
+          </a:fillRef>
+          <a:effectRef idx="0">
+            <a:schemeClr val="accent1"/>
+          </a:effectRef>
+          <a:fontRef idx="minor">
+            <a:schemeClr val="lt1"/>
+          </a:fontRef>
+        </p:style>
+        <p:txBody>
+          <a:bodyPr rtlCol="0" anchor="ctr"/>
+          <a:lstStyle/>
+          <a:p>
+            <a:pPr algn="ctr"/>
+            <a:r>
+              <a:rPr lang="de-DE" sz="1000"/>
+              <a:t>BasicLinkAnalysis</a:t>
+            </a:r>
+          </a:p>
+        </p:txBody>
+      </p:sp>
+      <p:sp>
+        <p:nvSpPr>
+          <p:cNvPr id="97" name="Textfeld 96">
+            <a:extLst>
+              <a:ext uri="{FF2B5EF4-FFF2-40B4-BE49-F238E27FC236}">
+                <a16:creationId xmlns:a16="http://schemas.microsoft.com/office/drawing/2014/main" id="{C8284784-8A80-7317-E4D2-99866808C86D}"/>
+              </a:ext>
+            </a:extLst>
+          </p:cNvPr>
+          <p:cNvSpPr txBox="1"/>
+          <p:nvPr/>
+        </p:nvSpPr>
+        <p:spPr>
+          <a:xfrm>
+            <a:off x="14507915" y="6972659"/>
+            <a:ext cx="2688793" cy="215444"/>
+          </a:xfrm>
+          <a:prstGeom prst="rect">
+            <a:avLst/>
+          </a:prstGeom>
+          <a:solidFill>
+            <a:schemeClr val="bg1"/>
+          </a:solidFill>
+          <a:ln>
+            <a:solidFill>
+              <a:schemeClr val="tx1">
+                <a:lumMod val="65000"/>
+                <a:lumOff val="35000"/>
+              </a:schemeClr>
+            </a:solidFill>
+          </a:ln>
+        </p:spPr>
+        <p:txBody>
+          <a:bodyPr wrap="square" rtlCol="0">
+            <a:spAutoFit/>
+          </a:bodyPr>
+          <a:lstStyle/>
+          <a:p>
+            <a:r>
+              <a:rPr lang="de-DE" sz="800">
+                <a:highlight>
+                  <a:srgbClr val="FFFF00"/>
+                </a:highlight>
+              </a:rPr>
+              <a:t>provideTransmitterStatusOfParallelLink(linkId)</a:t>
+            </a:r>
+          </a:p>
+        </p:txBody>
+      </p:sp>
+      <p:sp>
+        <p:nvSpPr>
+          <p:cNvPr id="105" name="Rechteck: abgerundete Ecken 104">
+            <a:extLst>
+              <a:ext uri="{FF2B5EF4-FFF2-40B4-BE49-F238E27FC236}">
+                <a16:creationId xmlns:a16="http://schemas.microsoft.com/office/drawing/2014/main" id="{AB0FABE4-E8CC-DD4B-7378-F8FC4EE8548B}"/>
+              </a:ext>
+            </a:extLst>
+          </p:cNvPr>
+          <p:cNvSpPr/>
+          <p:nvPr/>
+        </p:nvSpPr>
+        <p:spPr>
+          <a:xfrm>
+            <a:off x="7941006" y="9497111"/>
+            <a:ext cx="5648143" cy="1835995"/>
+          </a:xfrm>
+          <a:prstGeom prst="roundRect">
+            <a:avLst>
+              <a:gd name="adj" fmla="val 1868"/>
+            </a:avLst>
+          </a:prstGeom>
+          <a:solidFill>
+            <a:schemeClr val="accent6">
+              <a:lumMod val="20000"/>
+              <a:lumOff val="80000"/>
+            </a:schemeClr>
+          </a:solidFill>
+          <a:ln w="3175">
+            <a:solidFill>
+              <a:schemeClr val="tx1">
+                <a:lumMod val="50000"/>
+                <a:lumOff val="50000"/>
+              </a:schemeClr>
+            </a:solidFill>
+          </a:ln>
+        </p:spPr>
+        <p:style>
+          <a:lnRef idx="2">
+            <a:schemeClr val="accent1">
+              <a:shade val="50000"/>
+            </a:schemeClr>
+          </a:lnRef>
+          <a:fillRef idx="1">
+            <a:schemeClr val="accent1"/>
+          </a:fillRef>
+          <a:effectRef idx="0">
+            <a:schemeClr val="accent1"/>
+          </a:effectRef>
+          <a:fontRef idx="minor">
+            <a:schemeClr val="lt1"/>
+          </a:fontRef>
+        </p:style>
+        <p:txBody>
+          <a:bodyPr rtlCol="0" anchor="ctr"/>
+          <a:lstStyle/>
+          <a:p>
+            <a:pPr algn="ctr"/>
+            <a:endParaRPr lang="de-DE" sz="900">
+              <a:solidFill>
+                <a:schemeClr val="tx1"/>
+              </a:solidFill>
+            </a:endParaRPr>
+          </a:p>
+        </p:txBody>
+      </p:sp>
+      <p:sp>
+        <p:nvSpPr>
+          <p:cNvPr id="106" name="Textfeld 105">
+            <a:extLst>
+              <a:ext uri="{FF2B5EF4-FFF2-40B4-BE49-F238E27FC236}">
+                <a16:creationId xmlns:a16="http://schemas.microsoft.com/office/drawing/2014/main" id="{0899904A-0376-5F2D-F5F7-A6FDFF812B0B}"/>
+              </a:ext>
+            </a:extLst>
+          </p:cNvPr>
+          <p:cNvSpPr txBox="1"/>
+          <p:nvPr/>
+        </p:nvSpPr>
+        <p:spPr>
+          <a:xfrm>
+            <a:off x="8097817" y="9497108"/>
+            <a:ext cx="3177522" cy="261610"/>
+          </a:xfrm>
+          <a:prstGeom prst="rect">
+            <a:avLst/>
+          </a:prstGeom>
+          <a:noFill/>
+        </p:spPr>
+        <p:txBody>
+          <a:bodyPr wrap="square" rtlCol="0">
+            <a:spAutoFit/>
+          </a:bodyPr>
+          <a:lstStyle/>
+          <a:p>
+            <a:r>
+              <a:rPr lang="de-DE" sz="1100" b="1" i="1">
+                <a:latin typeface="Consolas" panose="020B0609020204030204" pitchFamily="49" charset="0"/>
+              </a:rPr>
+              <a:t>Power saving status</a:t>
+            </a:r>
+          </a:p>
+        </p:txBody>
+      </p:sp>
+      <p:sp>
+        <p:nvSpPr>
+          <p:cNvPr id="107" name="Textfeld 106">
+            <a:extLst>
+              <a:ext uri="{FF2B5EF4-FFF2-40B4-BE49-F238E27FC236}">
+                <a16:creationId xmlns:a16="http://schemas.microsoft.com/office/drawing/2014/main" id="{07961695-99F6-506C-1658-2D385A6DE7C0}"/>
+              </a:ext>
+            </a:extLst>
+          </p:cNvPr>
+          <p:cNvSpPr txBox="1"/>
+          <p:nvPr/>
+        </p:nvSpPr>
+        <p:spPr>
+          <a:xfrm>
+            <a:off x="8097817" y="10019583"/>
+            <a:ext cx="5326566" cy="1200329"/>
+          </a:xfrm>
+          <a:prstGeom prst="rect">
+            <a:avLst/>
+          </a:prstGeom>
+          <a:solidFill>
+            <a:schemeClr val="bg1"/>
+          </a:solidFill>
+          <a:ln>
+            <a:solidFill>
+              <a:schemeClr val="tx1">
+                <a:lumMod val="65000"/>
+                <a:lumOff val="35000"/>
+              </a:schemeClr>
+            </a:solidFill>
+          </a:ln>
+        </p:spPr>
+        <p:txBody>
+          <a:bodyPr wrap="square" rtlCol="0">
+            <a:spAutoFit/>
+          </a:bodyPr>
+          <a:lstStyle/>
+          <a:p>
+            <a:r>
+              <a:rPr lang="de-DE" sz="800">
+                <a:highlight>
+                  <a:srgbClr val="FFFF00"/>
+                </a:highlight>
+              </a:rPr>
+              <a:t>recordPowerSavingStatus(linkId, addDeviationsFromOriginalState, removeDeviationsFromOriginalState, </a:t>
+            </a:r>
+          </a:p>
+          <a:p>
+            <a:r>
+              <a:rPr lang="de-DE" sz="800">
+                <a:highlight>
+                  <a:srgbClr val="FFFF00"/>
+                </a:highlight>
+              </a:rPr>
+              <a:t>		       addModulesToRestoreOriginalState, removeModulesToRestoreOriginalState)</a:t>
+            </a:r>
+          </a:p>
+          <a:p>
+            <a:r>
+              <a:rPr lang="de-DE" sz="800">
+                <a:highlight>
+                  <a:srgbClr val="FFFF00"/>
+                </a:highlight>
+              </a:rPr>
+              <a:t>---------------------</a:t>
+            </a:r>
+          </a:p>
+          <a:p>
+            <a:r>
+              <a:rPr lang="de-DE" sz="800">
+                <a:highlight>
+                  <a:srgbClr val="FFFF00"/>
+                </a:highlight>
+              </a:rPr>
+              <a:t>listPowerSavingStatus()</a:t>
+            </a:r>
+          </a:p>
+          <a:p>
+            <a:r>
+              <a:rPr lang="de-DE" sz="800">
+                <a:highlight>
+                  <a:srgbClr val="FFFF00"/>
+                </a:highlight>
+              </a:rPr>
+              <a:t>providePowerSavingStatusOfLink(linkId)</a:t>
+            </a:r>
+          </a:p>
+          <a:p>
+            <a:r>
+              <a:rPr lang="de-DE" sz="800">
+                <a:highlight>
+                  <a:srgbClr val="FFFF00"/>
+                </a:highlight>
+              </a:rPr>
+              <a:t>listAffectedLinks(deviationFromOriginalState)</a:t>
+            </a:r>
+          </a:p>
+          <a:p>
+            <a:r>
+              <a:rPr lang="de-DE" sz="800">
+                <a:highlight>
+                  <a:srgbClr val="FFFF00"/>
+                </a:highlight>
+              </a:rPr>
+              <a:t>listToBeRestoredLinks(moduleToRestoreOriginalState)</a:t>
+            </a:r>
+          </a:p>
+          <a:p>
+            <a:r>
+              <a:rPr lang="de-DE" sz="800">
+                <a:highlight>
+                  <a:srgbClr val="FFFF00"/>
+                </a:highlight>
+              </a:rPr>
+              <a:t>-------------</a:t>
+            </a:r>
+          </a:p>
+          <a:p>
+            <a:r>
+              <a:rPr lang="de-DE" sz="800">
+                <a:highlight>
+                  <a:srgbClr val="FFFF00"/>
+                </a:highlight>
+              </a:rPr>
+              <a:t>deleteLinkFromPowerSavingStatusTable(linkId)</a:t>
+            </a:r>
+          </a:p>
+        </p:txBody>
+      </p:sp>
+      <p:sp>
+        <p:nvSpPr>
+          <p:cNvPr id="108" name="Rechteck: abgerundete Ecken 107">
+            <a:extLst>
+              <a:ext uri="{FF2B5EF4-FFF2-40B4-BE49-F238E27FC236}">
+                <a16:creationId xmlns:a16="http://schemas.microsoft.com/office/drawing/2014/main" id="{08E5492F-C70F-D0C9-30E9-B5C24DFF9452}"/>
+              </a:ext>
+            </a:extLst>
+          </p:cNvPr>
+          <p:cNvSpPr/>
+          <p:nvPr/>
+        </p:nvSpPr>
+        <p:spPr>
+          <a:xfrm>
+            <a:off x="8097817" y="9779300"/>
+            <a:ext cx="4056432" cy="240280"/>
+          </a:xfrm>
+          <a:prstGeom prst="roundRect">
+            <a:avLst/>
+          </a:prstGeom>
+          <a:solidFill>
+            <a:schemeClr val="accent5">
+              <a:lumMod val="50000"/>
+            </a:schemeClr>
+          </a:solidFill>
+          <a:ln w="3175">
+            <a:solidFill>
+              <a:schemeClr val="tx1">
+                <a:lumMod val="85000"/>
+                <a:lumOff val="15000"/>
+              </a:schemeClr>
+            </a:solidFill>
+          </a:ln>
+        </p:spPr>
+        <p:style>
+          <a:lnRef idx="2">
+            <a:schemeClr val="accent1">
+              <a:shade val="50000"/>
+            </a:schemeClr>
+          </a:lnRef>
+          <a:fillRef idx="1">
+            <a:schemeClr val="accent1"/>
+          </a:fillRef>
+          <a:effectRef idx="0">
+            <a:schemeClr val="accent1"/>
+          </a:effectRef>
+          <a:fontRef idx="minor">
+            <a:schemeClr val="lt1"/>
+          </a:fontRef>
+        </p:style>
+        <p:txBody>
+          <a:bodyPr rtlCol="0" anchor="ctr"/>
+          <a:lstStyle/>
+          <a:p>
+            <a:pPr algn="ctr"/>
+            <a:r>
+              <a:rPr lang="de-DE" sz="1000"/>
+              <a:t>BasicPowerSavingStatus</a:t>
+            </a:r>
+          </a:p>
+        </p:txBody>
+      </p:sp>
+      <p:sp>
+        <p:nvSpPr>
+          <p:cNvPr id="114" name="Rechteck: abgerundete Ecken 113">
+            <a:extLst>
+              <a:ext uri="{FF2B5EF4-FFF2-40B4-BE49-F238E27FC236}">
+                <a16:creationId xmlns:a16="http://schemas.microsoft.com/office/drawing/2014/main" id="{44138D4C-4AE6-1FE5-306F-8070BB068DF1}"/>
+              </a:ext>
+            </a:extLst>
+          </p:cNvPr>
+          <p:cNvSpPr/>
+          <p:nvPr/>
+        </p:nvSpPr>
+        <p:spPr>
+          <a:xfrm>
+            <a:off x="13701459" y="9497109"/>
+            <a:ext cx="3329415" cy="774358"/>
+          </a:xfrm>
+          <a:prstGeom prst="roundRect">
+            <a:avLst>
+              <a:gd name="adj" fmla="val 1868"/>
+            </a:avLst>
+          </a:prstGeom>
+          <a:solidFill>
+            <a:schemeClr val="bg1">
+              <a:lumMod val="85000"/>
+            </a:schemeClr>
+          </a:solidFill>
+          <a:ln w="3175">
+            <a:solidFill>
+              <a:schemeClr val="tx1">
+                <a:lumMod val="50000"/>
+                <a:lumOff val="50000"/>
+              </a:schemeClr>
+            </a:solidFill>
+          </a:ln>
+        </p:spPr>
+        <p:style>
+          <a:lnRef idx="2">
+            <a:schemeClr val="accent1">
+              <a:shade val="50000"/>
+            </a:schemeClr>
+          </a:lnRef>
+          <a:fillRef idx="1">
+            <a:schemeClr val="accent1"/>
+          </a:fillRef>
+          <a:effectRef idx="0">
+            <a:schemeClr val="accent1"/>
+          </a:effectRef>
+          <a:fontRef idx="minor">
+            <a:schemeClr val="lt1"/>
+          </a:fontRef>
+        </p:style>
+        <p:txBody>
+          <a:bodyPr rtlCol="0" anchor="ctr"/>
+          <a:lstStyle/>
+          <a:p>
+            <a:pPr algn="ctr"/>
+            <a:endParaRPr lang="de-DE" sz="900">
+              <a:solidFill>
+                <a:schemeClr val="tx1"/>
+              </a:solidFill>
+            </a:endParaRPr>
+          </a:p>
+        </p:txBody>
+      </p:sp>
+      <p:sp>
+        <p:nvSpPr>
+          <p:cNvPr id="115" name="Textfeld 114">
+            <a:extLst>
+              <a:ext uri="{FF2B5EF4-FFF2-40B4-BE49-F238E27FC236}">
+                <a16:creationId xmlns:a16="http://schemas.microsoft.com/office/drawing/2014/main" id="{9611E591-5543-FE83-4877-2B5A91419497}"/>
+              </a:ext>
+            </a:extLst>
+          </p:cNvPr>
+          <p:cNvSpPr txBox="1"/>
+          <p:nvPr/>
+        </p:nvSpPr>
+        <p:spPr>
+          <a:xfrm>
+            <a:off x="13701454" y="9488068"/>
+            <a:ext cx="3177522" cy="261610"/>
+          </a:xfrm>
+          <a:prstGeom prst="rect">
+            <a:avLst/>
+          </a:prstGeom>
+          <a:noFill/>
+        </p:spPr>
+        <p:txBody>
+          <a:bodyPr wrap="square" rtlCol="0">
+            <a:spAutoFit/>
+          </a:bodyPr>
+          <a:lstStyle/>
+          <a:p>
+            <a:r>
+              <a:rPr lang="de-DE" sz="1100" b="1" i="1">
+                <a:latin typeface="Consolas" panose="020B0609020204030204" pitchFamily="49" charset="0"/>
+              </a:rPr>
+              <a:t>Logging of power saving</a:t>
+            </a:r>
+          </a:p>
+        </p:txBody>
+      </p:sp>
+      <p:sp>
+        <p:nvSpPr>
+          <p:cNvPr id="116" name="Rechteck: abgerundete Ecken 115">
+            <a:extLst>
+              <a:ext uri="{FF2B5EF4-FFF2-40B4-BE49-F238E27FC236}">
+                <a16:creationId xmlns:a16="http://schemas.microsoft.com/office/drawing/2014/main" id="{085A4A1A-823A-877B-8EA0-7C51B242ACF9}"/>
+              </a:ext>
+            </a:extLst>
+          </p:cNvPr>
+          <p:cNvSpPr/>
+          <p:nvPr/>
+        </p:nvSpPr>
+        <p:spPr>
+          <a:xfrm>
+            <a:off x="13817279" y="9794195"/>
+            <a:ext cx="3101639" cy="240280"/>
+          </a:xfrm>
+          <a:prstGeom prst="roundRect">
+            <a:avLst/>
+          </a:prstGeom>
+          <a:solidFill>
+            <a:schemeClr val="tx1">
+              <a:lumMod val="75000"/>
+              <a:lumOff val="25000"/>
+            </a:schemeClr>
+          </a:solidFill>
+          <a:ln w="3175">
+            <a:solidFill>
+              <a:schemeClr val="tx1">
+                <a:lumMod val="85000"/>
+                <a:lumOff val="15000"/>
+              </a:schemeClr>
+            </a:solidFill>
+          </a:ln>
+        </p:spPr>
+        <p:style>
+          <a:lnRef idx="2">
+            <a:schemeClr val="accent1">
+              <a:shade val="50000"/>
+            </a:schemeClr>
+          </a:lnRef>
+          <a:fillRef idx="1">
+            <a:schemeClr val="accent1"/>
+          </a:fillRef>
+          <a:effectRef idx="0">
+            <a:schemeClr val="accent1"/>
+          </a:effectRef>
+          <a:fontRef idx="minor">
+            <a:schemeClr val="lt1"/>
+          </a:fontRef>
+        </p:style>
+        <p:txBody>
+          <a:bodyPr rtlCol="0" anchor="ctr"/>
+          <a:lstStyle/>
+          <a:p>
+            <a:pPr algn="ctr"/>
+            <a:r>
+              <a:rPr lang="de-DE" sz="1000"/>
+              <a:t>module in backlog for v1.0.0</a:t>
+            </a:r>
+          </a:p>
+        </p:txBody>
+      </p:sp>
+      <p:sp>
+        <p:nvSpPr>
+          <p:cNvPr id="118" name="Rechteck: abgerundete Ecken 117">
+            <a:extLst>
+              <a:ext uri="{FF2B5EF4-FFF2-40B4-BE49-F238E27FC236}">
+                <a16:creationId xmlns:a16="http://schemas.microsoft.com/office/drawing/2014/main" id="{18F3419E-93FE-2683-D014-E3888EAF1380}"/>
+              </a:ext>
+            </a:extLst>
+          </p:cNvPr>
+          <p:cNvSpPr/>
+          <p:nvPr/>
+        </p:nvSpPr>
+        <p:spPr>
+          <a:xfrm>
+            <a:off x="17180473" y="9504660"/>
+            <a:ext cx="2633496" cy="261610"/>
+          </a:xfrm>
+          <a:prstGeom prst="roundRect">
+            <a:avLst>
+              <a:gd name="adj" fmla="val 22278"/>
+            </a:avLst>
+          </a:prstGeom>
+          <a:solidFill>
+            <a:schemeClr val="bg1">
+              <a:lumMod val="65000"/>
+            </a:schemeClr>
+          </a:solidFill>
+          <a:ln w="3175">
+            <a:solidFill>
+              <a:schemeClr val="tx1">
+                <a:lumMod val="50000"/>
+                <a:lumOff val="50000"/>
+              </a:schemeClr>
+            </a:solidFill>
+          </a:ln>
+        </p:spPr>
+        <p:style>
+          <a:lnRef idx="2">
+            <a:schemeClr val="accent1">
+              <a:shade val="50000"/>
+            </a:schemeClr>
+          </a:lnRef>
+          <a:fillRef idx="1">
+            <a:schemeClr val="accent1"/>
+          </a:fillRef>
+          <a:effectRef idx="0">
+            <a:schemeClr val="accent1"/>
+          </a:effectRef>
+          <a:fontRef idx="minor">
+            <a:schemeClr val="lt1"/>
+          </a:fontRef>
+        </p:style>
+        <p:txBody>
+          <a:bodyPr rtlCol="0" anchor="ctr"/>
+          <a:lstStyle/>
+          <a:p>
+            <a:r>
+              <a:rPr lang="de-DE" sz="900" b="1" i="1">
+                <a:solidFill>
+                  <a:schemeClr val="bg1"/>
+                </a:solidFill>
+                <a:latin typeface="Consolas" panose="020B0609020204030204" pitchFamily="49" charset="0"/>
+              </a:rPr>
+              <a:t>Performance of power savings</a:t>
+            </a:r>
+          </a:p>
+        </p:txBody>
+      </p:sp>
+      <p:sp>
+        <p:nvSpPr>
+          <p:cNvPr id="119" name="Rechteck: abgerundete Ecken 118">
+            <a:extLst>
+              <a:ext uri="{FF2B5EF4-FFF2-40B4-BE49-F238E27FC236}">
+                <a16:creationId xmlns:a16="http://schemas.microsoft.com/office/drawing/2014/main" id="{08887209-ED18-2DD5-C881-D1D2186501E8}"/>
+              </a:ext>
+            </a:extLst>
+          </p:cNvPr>
+          <p:cNvSpPr/>
+          <p:nvPr/>
+        </p:nvSpPr>
+        <p:spPr>
+          <a:xfrm>
+            <a:off x="17180473" y="9839255"/>
+            <a:ext cx="2633496" cy="261610"/>
+          </a:xfrm>
+          <a:prstGeom prst="roundRect">
+            <a:avLst>
+              <a:gd name="adj" fmla="val 22278"/>
+            </a:avLst>
+          </a:prstGeom>
+          <a:solidFill>
+            <a:schemeClr val="bg1">
+              <a:lumMod val="65000"/>
+            </a:schemeClr>
+          </a:solidFill>
+          <a:ln w="3175">
+            <a:solidFill>
+              <a:schemeClr val="tx1">
+                <a:lumMod val="50000"/>
+                <a:lumOff val="50000"/>
+              </a:schemeClr>
+            </a:solidFill>
+          </a:ln>
+        </p:spPr>
+        <p:style>
+          <a:lnRef idx="2">
+            <a:schemeClr val="accent1">
+              <a:shade val="50000"/>
+            </a:schemeClr>
+          </a:lnRef>
+          <a:fillRef idx="1">
+            <a:schemeClr val="accent1"/>
+          </a:fillRef>
+          <a:effectRef idx="0">
+            <a:schemeClr val="accent1"/>
+          </a:effectRef>
+          <a:fontRef idx="minor">
+            <a:schemeClr val="lt1"/>
+          </a:fontRef>
+        </p:style>
+        <p:txBody>
+          <a:bodyPr rtlCol="0" anchor="ctr"/>
+          <a:lstStyle/>
+          <a:p>
+            <a:r>
+              <a:rPr lang="de-DE" sz="900" b="1" i="1">
+                <a:solidFill>
+                  <a:schemeClr val="bg1"/>
+                </a:solidFill>
+                <a:latin typeface="Consolas" panose="020B0609020204030204" pitchFamily="49" charset="0"/>
+              </a:rPr>
+              <a:t>Alarm management of power savings</a:t>
+            </a:r>
+          </a:p>
+        </p:txBody>
+      </p:sp>
+      <p:sp>
+        <p:nvSpPr>
+          <p:cNvPr id="28" name="Rechteck: abgerundete Ecken 27">
+            <a:extLst>
+              <a:ext uri="{FF2B5EF4-FFF2-40B4-BE49-F238E27FC236}">
+                <a16:creationId xmlns:a16="http://schemas.microsoft.com/office/drawing/2014/main" id="{E0195804-B2E2-2A63-C3BE-AB7675D74BA8}"/>
+              </a:ext>
+            </a:extLst>
+          </p:cNvPr>
+          <p:cNvSpPr/>
+          <p:nvPr/>
+        </p:nvSpPr>
+        <p:spPr>
+          <a:xfrm>
+            <a:off x="7088188" y="3934061"/>
+            <a:ext cx="2029034" cy="240280"/>
+          </a:xfrm>
+          <a:prstGeom prst="roundRect">
+            <a:avLst/>
+          </a:prstGeom>
+          <a:solidFill>
+            <a:schemeClr val="accent5">
+              <a:lumMod val="50000"/>
+            </a:schemeClr>
+          </a:solidFill>
+          <a:ln w="3175">
+            <a:solidFill>
+              <a:schemeClr val="tx1">
+                <a:lumMod val="85000"/>
+                <a:lumOff val="15000"/>
+              </a:schemeClr>
+            </a:solidFill>
+          </a:ln>
+        </p:spPr>
+        <p:style>
+          <a:lnRef idx="2">
+            <a:schemeClr val="accent1">
+              <a:shade val="50000"/>
+            </a:schemeClr>
+          </a:lnRef>
+          <a:fillRef idx="1">
+            <a:schemeClr val="accent1"/>
+          </a:fillRef>
+          <a:effectRef idx="0">
+            <a:schemeClr val="accent1"/>
+          </a:effectRef>
+          <a:fontRef idx="minor">
+            <a:schemeClr val="lt1"/>
+          </a:fontRef>
+        </p:style>
+        <p:txBody>
+          <a:bodyPr rtlCol="0" anchor="ctr"/>
+          <a:lstStyle/>
+          <a:p>
+            <a:pPr algn="ctr"/>
+            <a:r>
+              <a:rPr lang="de-DE" sz="1000"/>
+              <a:t>BlackListManagement</a:t>
+            </a:r>
+          </a:p>
+        </p:txBody>
+      </p:sp>
+      <p:pic>
+        <p:nvPicPr>
+          <p:cNvPr id="30" name="Grafik 29" descr="Liste mit einfarbiger Füllung">
+            <a:extLst>
+              <a:ext uri="{FF2B5EF4-FFF2-40B4-BE49-F238E27FC236}">
+                <a16:creationId xmlns:a16="http://schemas.microsoft.com/office/drawing/2014/main" id="{DFAB7A0C-BE4A-B0EB-3B79-B6A4151AA048}"/>
+              </a:ext>
+            </a:extLst>
+          </p:cNvPr>
+          <p:cNvPicPr>
+            <a:picLocks noChangeAspect="1"/>
+          </p:cNvPicPr>
+          <p:nvPr/>
+        </p:nvPicPr>
+        <p:blipFill>
+          <a:blip r:embed="rId3">
+            <a:extLst>
+              <a:ext uri="{28A0092B-C50C-407E-A947-70E740481C1C}">
+                <a14:useLocalDpi xmlns:a14="http://schemas.microsoft.com/office/drawing/2010/main" val="0"/>
+              </a:ext>
+              <a:ext uri="{96DAC541-7B7A-43D3-8B79-37D633B846F1}">
+                <asvg:svgBlip xmlns:asvg="http://schemas.microsoft.com/office/drawing/2016/SVG/main" r:embed="rId4"/>
+              </a:ext>
+            </a:extLst>
+          </a:blip>
+          <a:stretch>
+            <a:fillRect/>
+          </a:stretch>
+        </p:blipFill>
+        <p:spPr>
+          <a:xfrm>
+            <a:off x="9573689" y="3896351"/>
+            <a:ext cx="268091" cy="268091"/>
+          </a:xfrm>
+          <a:prstGeom prst="rect">
+            <a:avLst/>
+          </a:prstGeom>
+        </p:spPr>
+      </p:pic>
+      <p:cxnSp>
+        <p:nvCxnSpPr>
+          <p:cNvPr id="31" name="Gerade Verbindung mit Pfeil 30">
+            <a:extLst>
+              <a:ext uri="{FF2B5EF4-FFF2-40B4-BE49-F238E27FC236}">
+                <a16:creationId xmlns:a16="http://schemas.microsoft.com/office/drawing/2014/main" id="{3D419FB5-9499-E871-F6D0-0A6581CA4C7D}"/>
+              </a:ext>
+            </a:extLst>
+          </p:cNvPr>
+          <p:cNvCxnSpPr>
+            <a:cxnSpLocks/>
+          </p:cNvCxnSpPr>
+          <p:nvPr/>
+        </p:nvCxnSpPr>
+        <p:spPr>
+          <a:xfrm>
+            <a:off x="9153240" y="4030392"/>
+            <a:ext cx="420444" cy="0"/>
+          </a:xfrm>
+          <a:prstGeom prst="straightConnector1">
+            <a:avLst/>
+          </a:prstGeom>
+          <a:ln>
+            <a:solidFill>
+              <a:schemeClr val="tx1">
+                <a:lumMod val="65000"/>
+                <a:lumOff val="35000"/>
+              </a:schemeClr>
+            </a:solidFill>
+            <a:tailEnd type="triangle"/>
+          </a:ln>
+        </p:spPr>
+        <p:style>
+          <a:lnRef idx="1">
+            <a:schemeClr val="accent1"/>
+          </a:lnRef>
+          <a:fillRef idx="0">
+            <a:schemeClr val="accent1"/>
+          </a:fillRef>
+          <a:effectRef idx="0">
+            <a:schemeClr val="accent1"/>
+          </a:effectRef>
+          <a:fontRef idx="minor">
+            <a:schemeClr val="tx1"/>
+          </a:fontRef>
+        </p:style>
+      </p:cxnSp>
+      <p:cxnSp>
+        <p:nvCxnSpPr>
+          <p:cNvPr id="38" name="Gerade Verbindung mit Pfeil 37">
+            <a:extLst>
+              <a:ext uri="{FF2B5EF4-FFF2-40B4-BE49-F238E27FC236}">
+                <a16:creationId xmlns:a16="http://schemas.microsoft.com/office/drawing/2014/main" id="{A9FA621F-1083-9104-C6E4-1A480A8DAE67}"/>
+              </a:ext>
+            </a:extLst>
+          </p:cNvPr>
+          <p:cNvCxnSpPr>
+            <a:cxnSpLocks/>
+          </p:cNvCxnSpPr>
+          <p:nvPr/>
+        </p:nvCxnSpPr>
+        <p:spPr>
+          <a:xfrm flipH="1">
+            <a:off x="9153240" y="4097136"/>
+            <a:ext cx="420444" cy="0"/>
+          </a:xfrm>
+          <a:prstGeom prst="straightConnector1">
+            <a:avLst/>
+          </a:prstGeom>
+          <a:ln>
+            <a:solidFill>
+              <a:schemeClr val="tx1">
+                <a:lumMod val="65000"/>
+                <a:lumOff val="35000"/>
+              </a:schemeClr>
+            </a:solidFill>
+            <a:tailEnd type="triangle"/>
+          </a:ln>
+        </p:spPr>
+        <p:style>
+          <a:lnRef idx="1">
+            <a:schemeClr val="accent1"/>
+          </a:lnRef>
+          <a:fillRef idx="0">
+            <a:schemeClr val="accent1"/>
+          </a:fillRef>
+          <a:effectRef idx="0">
+            <a:schemeClr val="accent1"/>
+          </a:effectRef>
+          <a:fontRef idx="minor">
+            <a:schemeClr val="tx1"/>
+          </a:fontRef>
+        </p:style>
+      </p:cxnSp>
+      <p:grpSp>
+        <p:nvGrpSpPr>
+          <p:cNvPr id="53" name="Gruppieren 52">
+            <a:extLst>
+              <a:ext uri="{FF2B5EF4-FFF2-40B4-BE49-F238E27FC236}">
+                <a16:creationId xmlns:a16="http://schemas.microsoft.com/office/drawing/2014/main" id="{EE745BE4-BA41-165F-58C9-8B8D8D947C21}"/>
+              </a:ext>
+            </a:extLst>
+          </p:cNvPr>
+          <p:cNvGrpSpPr/>
+          <p:nvPr/>
+        </p:nvGrpSpPr>
+        <p:grpSpPr>
+          <a:xfrm>
+            <a:off x="16961193" y="8447017"/>
+            <a:ext cx="961897" cy="537911"/>
+            <a:chOff x="12596318" y="3860943"/>
+            <a:chExt cx="961897" cy="537911"/>
+          </a:xfrm>
+        </p:grpSpPr>
+        <p:sp>
+          <p:nvSpPr>
+            <p:cNvPr id="21" name="Flussdiagramm: Datenträger mit direktem Zugriff 20">
+              <a:extLst>
+                <a:ext uri="{FF2B5EF4-FFF2-40B4-BE49-F238E27FC236}">
+                  <a16:creationId xmlns:a16="http://schemas.microsoft.com/office/drawing/2014/main" id="{98D73E05-9C6D-6298-0898-029930B8F4BC}"/>
+                </a:ext>
+              </a:extLst>
+            </p:cNvPr>
+            <p:cNvSpPr/>
+            <p:nvPr/>
+          </p:nvSpPr>
+          <p:spPr>
+            <a:xfrm rot="16200000">
+              <a:off x="12808311" y="3648950"/>
+              <a:ext cx="537911" cy="961897"/>
+            </a:xfrm>
+            <a:prstGeom prst="flowChartMagneticDrum">
+              <a:avLst/>
+            </a:prstGeom>
+            <a:solidFill>
+              <a:schemeClr val="tx1">
+                <a:lumMod val="50000"/>
+                <a:lumOff val="50000"/>
+              </a:schemeClr>
+            </a:solidFill>
+            <a:ln w="6350">
+              <a:solidFill>
+                <a:schemeClr val="tx1"/>
+              </a:solidFill>
+            </a:ln>
+          </p:spPr>
+          <p:style>
+            <a:lnRef idx="2">
+              <a:schemeClr val="accent1">
+                <a:shade val="50000"/>
+              </a:schemeClr>
+            </a:lnRef>
+            <a:fillRef idx="1">
+              <a:schemeClr val="accent1"/>
+            </a:fillRef>
+            <a:effectRef idx="0">
+              <a:schemeClr val="accent1"/>
+            </a:effectRef>
+            <a:fontRef idx="minor">
+              <a:schemeClr val="lt1"/>
+            </a:fontRef>
+          </p:style>
+          <p:txBody>
+            <a:bodyPr rtlCol="0" anchor="ctr"/>
+            <a:lstStyle/>
+            <a:p>
+              <a:pPr algn="ctr"/>
+              <a:endParaRPr lang="de-DE"/>
+            </a:p>
+          </p:txBody>
+        </p:sp>
+        <p:sp>
+          <p:nvSpPr>
+            <p:cNvPr id="22" name="Textfeld 21">
+              <a:extLst>
+                <a:ext uri="{FF2B5EF4-FFF2-40B4-BE49-F238E27FC236}">
+                  <a16:creationId xmlns:a16="http://schemas.microsoft.com/office/drawing/2014/main" id="{D8A81A39-C3DF-7D53-036F-15867364A4EF}"/>
+                </a:ext>
+              </a:extLst>
+            </p:cNvPr>
+            <p:cNvSpPr txBox="1"/>
+            <p:nvPr/>
+          </p:nvSpPr>
+          <p:spPr>
+            <a:xfrm>
+              <a:off x="12801389" y="4055702"/>
+              <a:ext cx="551754" cy="261610"/>
+            </a:xfrm>
+            <a:prstGeom prst="rect">
+              <a:avLst/>
+            </a:prstGeom>
+            <a:noFill/>
+          </p:spPr>
+          <p:txBody>
+            <a:bodyPr wrap="none" rtlCol="0">
+              <a:spAutoFit/>
+            </a:bodyPr>
+            <a:lstStyle/>
+            <a:p>
+              <a:r>
+                <a:rPr lang="de-DE" sz="1100">
+                  <a:solidFill>
+                    <a:schemeClr val="bg1"/>
+                  </a:solidFill>
+                </a:rPr>
+                <a:t>MWDI</a:t>
+              </a:r>
+            </a:p>
+          </p:txBody>
+        </p:sp>
+      </p:grpSp>
+      <p:grpSp>
+        <p:nvGrpSpPr>
+          <p:cNvPr id="57" name="Gruppieren 56">
+            <a:extLst>
+              <a:ext uri="{FF2B5EF4-FFF2-40B4-BE49-F238E27FC236}">
+                <a16:creationId xmlns:a16="http://schemas.microsoft.com/office/drawing/2014/main" id="{5BEAAA41-C496-5A65-4FE4-696CB1BB6095}"/>
+              </a:ext>
+            </a:extLst>
+          </p:cNvPr>
+          <p:cNvGrpSpPr/>
+          <p:nvPr/>
+        </p:nvGrpSpPr>
+        <p:grpSpPr>
+          <a:xfrm>
+            <a:off x="11154358" y="11416866"/>
+            <a:ext cx="961898" cy="537911"/>
+            <a:chOff x="12596318" y="3860943"/>
+            <a:chExt cx="961898" cy="537911"/>
+          </a:xfrm>
+        </p:grpSpPr>
+        <p:sp>
+          <p:nvSpPr>
+            <p:cNvPr id="58" name="Flussdiagramm: Datenträger mit direktem Zugriff 57">
+              <a:extLst>
+                <a:ext uri="{FF2B5EF4-FFF2-40B4-BE49-F238E27FC236}">
+                  <a16:creationId xmlns:a16="http://schemas.microsoft.com/office/drawing/2014/main" id="{78DF06F7-9560-90E7-0CF2-EC0756093986}"/>
+                </a:ext>
+              </a:extLst>
+            </p:cNvPr>
+            <p:cNvSpPr/>
+            <p:nvPr/>
+          </p:nvSpPr>
+          <p:spPr>
+            <a:xfrm rot="16200000">
+              <a:off x="12808311" y="3648950"/>
+              <a:ext cx="537911" cy="961897"/>
+            </a:xfrm>
+            <a:prstGeom prst="flowChartMagneticDrum">
+              <a:avLst/>
+            </a:prstGeom>
+            <a:solidFill>
+              <a:schemeClr val="tx1">
+                <a:lumMod val="50000"/>
+                <a:lumOff val="50000"/>
+              </a:schemeClr>
+            </a:solidFill>
+            <a:ln w="6350">
+              <a:solidFill>
+                <a:schemeClr val="tx1"/>
+              </a:solidFill>
+            </a:ln>
+          </p:spPr>
+          <p:style>
+            <a:lnRef idx="2">
+              <a:schemeClr val="accent1">
+                <a:shade val="50000"/>
+              </a:schemeClr>
+            </a:lnRef>
+            <a:fillRef idx="1">
+              <a:schemeClr val="accent1"/>
+            </a:fillRef>
+            <a:effectRef idx="0">
+              <a:schemeClr val="accent1"/>
+            </a:effectRef>
+            <a:fontRef idx="minor">
+              <a:schemeClr val="lt1"/>
+            </a:fontRef>
+          </p:style>
+          <p:txBody>
+            <a:bodyPr rtlCol="0" anchor="ctr"/>
+            <a:lstStyle/>
+            <a:p>
+              <a:pPr algn="ctr"/>
+              <a:endParaRPr lang="de-DE"/>
+            </a:p>
+          </p:txBody>
+        </p:sp>
+        <p:sp>
+          <p:nvSpPr>
+            <p:cNvPr id="59" name="Textfeld 58">
+              <a:extLst>
+                <a:ext uri="{FF2B5EF4-FFF2-40B4-BE49-F238E27FC236}">
+                  <a16:creationId xmlns:a16="http://schemas.microsoft.com/office/drawing/2014/main" id="{6BA72B96-0AF7-1718-5BE4-B7AABF449CA8}"/>
+                </a:ext>
+              </a:extLst>
+            </p:cNvPr>
+            <p:cNvSpPr txBox="1"/>
+            <p:nvPr/>
+          </p:nvSpPr>
+          <p:spPr>
+            <a:xfrm>
+              <a:off x="12628153" y="4053485"/>
+              <a:ext cx="930063" cy="261610"/>
+            </a:xfrm>
+            <a:prstGeom prst="rect">
+              <a:avLst/>
+            </a:prstGeom>
+            <a:noFill/>
+          </p:spPr>
+          <p:txBody>
+            <a:bodyPr wrap="none" rtlCol="0">
+              <a:spAutoFit/>
+            </a:bodyPr>
+            <a:lstStyle/>
+            <a:p>
+              <a:r>
+                <a:rPr lang="de-DE" sz="1100">
+                  <a:solidFill>
+                    <a:schemeClr val="bg1"/>
+                  </a:solidFill>
+                </a:rPr>
+                <a:t>ElasticSearch</a:t>
+              </a:r>
+            </a:p>
+          </p:txBody>
+        </p:sp>
+      </p:grpSp>
+      <p:cxnSp>
+        <p:nvCxnSpPr>
+          <p:cNvPr id="60" name="Gerade Verbindung mit Pfeil 59">
+            <a:extLst>
+              <a:ext uri="{FF2B5EF4-FFF2-40B4-BE49-F238E27FC236}">
+                <a16:creationId xmlns:a16="http://schemas.microsoft.com/office/drawing/2014/main" id="{8B40C93D-21AA-7A3B-30BB-A3E1B7763D7B}"/>
+              </a:ext>
+            </a:extLst>
+          </p:cNvPr>
+          <p:cNvCxnSpPr>
+            <a:cxnSpLocks/>
+          </p:cNvCxnSpPr>
+          <p:nvPr/>
+        </p:nvCxnSpPr>
+        <p:spPr>
+          <a:xfrm>
+            <a:off x="11289040" y="11183317"/>
+            <a:ext cx="192208" cy="240660"/>
+          </a:xfrm>
+          <a:prstGeom prst="straightConnector1">
+            <a:avLst/>
+          </a:prstGeom>
+          <a:ln w="12700">
+            <a:solidFill>
+              <a:schemeClr val="tx1"/>
+            </a:solidFill>
+            <a:tailEnd type="triangle"/>
+          </a:ln>
+        </p:spPr>
+        <p:style>
+          <a:lnRef idx="1">
+            <a:schemeClr val="accent1"/>
+          </a:lnRef>
+          <a:fillRef idx="0">
+            <a:schemeClr val="accent1"/>
+          </a:fillRef>
+          <a:effectRef idx="0">
+            <a:schemeClr val="accent1"/>
+          </a:effectRef>
+          <a:fontRef idx="minor">
+            <a:schemeClr val="tx1"/>
+          </a:fontRef>
+        </p:style>
+      </p:cxnSp>
+      <p:cxnSp>
+        <p:nvCxnSpPr>
+          <p:cNvPr id="63" name="Gerade Verbindung mit Pfeil 62">
+            <a:extLst>
+              <a:ext uri="{FF2B5EF4-FFF2-40B4-BE49-F238E27FC236}">
+                <a16:creationId xmlns:a16="http://schemas.microsoft.com/office/drawing/2014/main" id="{59645F98-13F6-B52B-5AC2-CF5A4965FD31}"/>
+              </a:ext>
+            </a:extLst>
+          </p:cNvPr>
+          <p:cNvCxnSpPr>
+            <a:cxnSpLocks/>
+            <a:stCxn id="58" idx="4"/>
+          </p:cNvCxnSpPr>
+          <p:nvPr/>
+        </p:nvCxnSpPr>
+        <p:spPr>
+          <a:xfrm flipH="1" flipV="1">
+            <a:off x="11427503" y="11166271"/>
+            <a:ext cx="207804" cy="250592"/>
+          </a:xfrm>
+          <a:prstGeom prst="straightConnector1">
+            <a:avLst/>
+          </a:prstGeom>
+          <a:ln>
+            <a:tailEnd type="triangle"/>
+          </a:ln>
+        </p:spPr>
+        <p:style>
+          <a:lnRef idx="1">
+            <a:schemeClr val="accent1"/>
+          </a:lnRef>
+          <a:fillRef idx="0">
+            <a:schemeClr val="accent1"/>
+          </a:fillRef>
+          <a:effectRef idx="0">
+            <a:schemeClr val="accent1"/>
+          </a:effectRef>
+          <a:fontRef idx="minor">
+            <a:schemeClr val="tx1"/>
+          </a:fontRef>
+        </p:style>
+      </p:cxnSp>
+      <p:sp>
+        <p:nvSpPr>
+          <p:cNvPr id="164" name="Textfeld 163">
+            <a:extLst>
+              <a:ext uri="{FF2B5EF4-FFF2-40B4-BE49-F238E27FC236}">
+                <a16:creationId xmlns:a16="http://schemas.microsoft.com/office/drawing/2014/main" id="{76DB1ABE-A024-6EAF-2BFC-CC7B6EC9E5B5}"/>
+              </a:ext>
+            </a:extLst>
+          </p:cNvPr>
+          <p:cNvSpPr txBox="1"/>
+          <p:nvPr/>
+        </p:nvSpPr>
+        <p:spPr>
+          <a:xfrm>
+            <a:off x="7078382" y="4181593"/>
+            <a:ext cx="2644672" cy="830997"/>
+          </a:xfrm>
+          <a:prstGeom prst="rect">
+            <a:avLst/>
+          </a:prstGeom>
+          <a:solidFill>
+            <a:schemeClr val="bg1"/>
+          </a:solidFill>
+          <a:ln>
+            <a:solidFill>
+              <a:schemeClr val="tx1">
+                <a:lumMod val="65000"/>
+                <a:lumOff val="35000"/>
+              </a:schemeClr>
+            </a:solidFill>
+          </a:ln>
+        </p:spPr>
+        <p:txBody>
+          <a:bodyPr wrap="square" rtlCol="0">
+            <a:spAutoFit/>
+          </a:bodyPr>
+          <a:lstStyle>
+            <a:defPPr>
+              <a:defRPr lang="en-US"/>
+            </a:defPPr>
+            <a:lvl1pPr marL="171450" indent="-171450">
+              <a:buFont typeface="Arial" panose="020B0604020202020204" pitchFamily="34" charset="0"/>
+              <a:buChar char="•"/>
+              <a:defRPr sz="800"/>
+            </a:lvl1pPr>
+          </a:lstStyle>
+          <a:p>
+            <a:pPr marL="0" indent="0">
+              <a:buNone/>
+            </a:pPr>
+            <a:r>
+              <a:rPr lang="de-DE"/>
+              <a:t>addLinksToBlackList(linkIdList)</a:t>
+            </a:r>
+          </a:p>
+          <a:p>
+            <a:pPr marL="0" indent="0">
+              <a:buNone/>
+            </a:pPr>
+            <a:r>
+              <a:rPr lang="de-DE"/>
+              <a:t>----------------</a:t>
+            </a:r>
+          </a:p>
+          <a:p>
+            <a:pPr marL="0" indent="0">
+              <a:buNone/>
+            </a:pPr>
+            <a:r>
+              <a:rPr lang="de-DE"/>
+              <a:t>removeLinksFromBlackList(linkIdList)</a:t>
+            </a:r>
+          </a:p>
+          <a:p>
+            <a:pPr marL="0" indent="0">
+              <a:buNone/>
+            </a:pPr>
+            <a:r>
+              <a:rPr lang="de-DE"/>
+              <a:t>---------------</a:t>
+            </a:r>
+          </a:p>
+          <a:p>
+            <a:pPr marL="0" indent="0">
+              <a:buNone/>
+            </a:pPr>
+            <a:r>
+              <a:rPr lang="de-DE"/>
+              <a:t>listLinksInBlackList()</a:t>
+            </a:r>
+          </a:p>
+          <a:p>
+            <a:pPr marL="0" indent="0">
+              <a:buNone/>
+            </a:pPr>
+            <a:r>
+              <a:rPr lang="de-DE"/>
+              <a:t>isLinkBarred(linkId)</a:t>
+            </a:r>
+          </a:p>
+        </p:txBody>
+      </p:sp>
+      <p:sp>
+        <p:nvSpPr>
+          <p:cNvPr id="18" name="Textfeld 17">
+            <a:extLst>
+              <a:ext uri="{FF2B5EF4-FFF2-40B4-BE49-F238E27FC236}">
+                <a16:creationId xmlns:a16="http://schemas.microsoft.com/office/drawing/2014/main" id="{6C6C530A-45CB-DC8A-ED15-03231D6AD3C8}"/>
+              </a:ext>
+            </a:extLst>
+          </p:cNvPr>
+          <p:cNvSpPr txBox="1"/>
+          <p:nvPr/>
+        </p:nvSpPr>
+        <p:spPr>
+          <a:xfrm>
+            <a:off x="16495661" y="3420272"/>
+            <a:ext cx="1846980" cy="369332"/>
+          </a:xfrm>
+          <a:prstGeom prst="rect">
+            <a:avLst/>
+          </a:prstGeom>
+          <a:noFill/>
+        </p:spPr>
+        <p:txBody>
+          <a:bodyPr wrap="none" rtlCol="0">
+            <a:spAutoFit/>
+          </a:bodyPr>
+          <a:lstStyle/>
+          <a:p>
+            <a:pPr algn="r"/>
+            <a:r>
+              <a:rPr lang="de-DE">
+                <a:solidFill>
+                  <a:srgbClr val="C00000"/>
+                </a:solidFill>
+              </a:rPr>
+              <a:t>Included in v0.0.5</a:t>
+            </a:r>
+            <a:endParaRPr lang="de-DE" sz="1100">
+              <a:solidFill>
+                <a:srgbClr val="C00000"/>
+              </a:solidFill>
+            </a:endParaRPr>
+          </a:p>
+        </p:txBody>
+      </p:sp>
+      <p:sp>
+        <p:nvSpPr>
+          <p:cNvPr id="2" name="Rechteck: gefaltete Ecke 1">
+            <a:extLst>
+              <a:ext uri="{FF2B5EF4-FFF2-40B4-BE49-F238E27FC236}">
+                <a16:creationId xmlns:a16="http://schemas.microsoft.com/office/drawing/2014/main" id="{AB62C5E5-4DB3-D8B4-7C60-F48E02C8A960}"/>
+              </a:ext>
+            </a:extLst>
+          </p:cNvPr>
+          <p:cNvSpPr/>
+          <p:nvPr/>
+        </p:nvSpPr>
+        <p:spPr>
+          <a:xfrm>
+            <a:off x="8509505" y="4199106"/>
+            <a:ext cx="1721898" cy="196517"/>
+          </a:xfrm>
+          <a:prstGeom prst="foldedCorner">
+            <a:avLst/>
+          </a:prstGeom>
+          <a:solidFill>
+            <a:srgbClr val="FFFF00"/>
+          </a:solidFill>
+        </p:spPr>
+        <p:style>
+          <a:lnRef idx="2">
+            <a:schemeClr val="accent4">
+              <a:shade val="50000"/>
+            </a:schemeClr>
+          </a:lnRef>
+          <a:fillRef idx="1">
+            <a:schemeClr val="accent4"/>
+          </a:fillRef>
+          <a:effectRef idx="0">
+            <a:schemeClr val="accent4"/>
+          </a:effectRef>
+          <a:fontRef idx="minor">
+            <a:schemeClr val="lt1"/>
+          </a:fontRef>
+        </p:style>
+        <p:txBody>
+          <a:bodyPr rtlCol="0" anchor="ctr"/>
+          <a:lstStyle/>
+          <a:p>
+            <a:r>
+              <a:rPr lang="de-DE" sz="700">
+                <a:solidFill>
+                  <a:schemeClr val="tx1"/>
+                </a:solidFill>
+              </a:rPr>
+              <a:t>active power savings to be deactivated</a:t>
+            </a:r>
+          </a:p>
+        </p:txBody>
+      </p:sp>
+      <p:sp>
+        <p:nvSpPr>
+          <p:cNvPr id="3" name="Rechteck: gefaltete Ecke 2">
+            <a:extLst>
+              <a:ext uri="{FF2B5EF4-FFF2-40B4-BE49-F238E27FC236}">
+                <a16:creationId xmlns:a16="http://schemas.microsoft.com/office/drawing/2014/main" id="{17AC426F-5C9E-B06B-6525-BC2E8A012C91}"/>
+              </a:ext>
+            </a:extLst>
+          </p:cNvPr>
+          <p:cNvSpPr/>
+          <p:nvPr/>
+        </p:nvSpPr>
+        <p:spPr>
+          <a:xfrm>
+            <a:off x="2650274" y="4693890"/>
+            <a:ext cx="1335624" cy="276060"/>
+          </a:xfrm>
+          <a:prstGeom prst="foldedCorner">
+            <a:avLst/>
+          </a:prstGeom>
+          <a:solidFill>
+            <a:srgbClr val="FFFF00"/>
+          </a:solidFill>
+        </p:spPr>
+        <p:style>
+          <a:lnRef idx="2">
+            <a:schemeClr val="accent4">
+              <a:shade val="50000"/>
+            </a:schemeClr>
+          </a:lnRef>
+          <a:fillRef idx="1">
+            <a:schemeClr val="accent4"/>
+          </a:fillRef>
+          <a:effectRef idx="0">
+            <a:schemeClr val="accent4"/>
+          </a:effectRef>
+          <a:fontRef idx="minor">
+            <a:schemeClr val="lt1"/>
+          </a:fontRef>
+        </p:style>
+        <p:txBody>
+          <a:bodyPr rtlCol="0" anchor="ctr"/>
+          <a:lstStyle/>
+          <a:p>
+            <a:r>
+              <a:rPr lang="de-DE" sz="700">
+                <a:solidFill>
+                  <a:schemeClr val="tx1"/>
+                </a:solidFill>
+              </a:rPr>
+              <a:t>Check if active power savings need to be deactivated</a:t>
+            </a:r>
+          </a:p>
+        </p:txBody>
+      </p:sp>
+      <p:cxnSp>
+        <p:nvCxnSpPr>
+          <p:cNvPr id="39" name="Gerade Verbindung mit Pfeil 38">
+            <a:extLst>
+              <a:ext uri="{FF2B5EF4-FFF2-40B4-BE49-F238E27FC236}">
+                <a16:creationId xmlns:a16="http://schemas.microsoft.com/office/drawing/2014/main" id="{EEAA6F5C-6A46-2C71-783F-DEA9C432D4E6}"/>
+              </a:ext>
+            </a:extLst>
+          </p:cNvPr>
+          <p:cNvCxnSpPr>
+            <a:cxnSpLocks/>
+            <a:endCxn id="20" idx="1"/>
+          </p:cNvCxnSpPr>
+          <p:nvPr/>
+        </p:nvCxnSpPr>
+        <p:spPr>
+          <a:xfrm>
+            <a:off x="13711307" y="7206060"/>
+            <a:ext cx="844638" cy="1077213"/>
+          </a:xfrm>
+          <a:prstGeom prst="straightConnector1">
+            <a:avLst/>
+          </a:prstGeom>
+          <a:ln>
+            <a:solidFill>
+              <a:schemeClr val="tx1"/>
+            </a:solidFill>
+            <a:tailEnd type="triangle"/>
+          </a:ln>
+        </p:spPr>
+        <p:style>
+          <a:lnRef idx="1">
+            <a:schemeClr val="accent1"/>
+          </a:lnRef>
+          <a:fillRef idx="0">
+            <a:schemeClr val="accent1"/>
+          </a:fillRef>
+          <a:effectRef idx="0">
+            <a:schemeClr val="accent1"/>
+          </a:effectRef>
+          <a:fontRef idx="minor">
+            <a:schemeClr val="tx1"/>
+          </a:fontRef>
+        </p:style>
+      </p:cxnSp>
+      <p:cxnSp>
+        <p:nvCxnSpPr>
+          <p:cNvPr id="43" name="Gerade Verbindung mit Pfeil 42">
+            <a:extLst>
+              <a:ext uri="{FF2B5EF4-FFF2-40B4-BE49-F238E27FC236}">
+                <a16:creationId xmlns:a16="http://schemas.microsoft.com/office/drawing/2014/main" id="{508E24E4-0205-1E0B-D0EC-5E5FF0261809}"/>
+              </a:ext>
+            </a:extLst>
+          </p:cNvPr>
+          <p:cNvCxnSpPr>
+            <a:cxnSpLocks/>
+          </p:cNvCxnSpPr>
+          <p:nvPr/>
+        </p:nvCxnSpPr>
+        <p:spPr>
+          <a:xfrm>
+            <a:off x="13589149" y="8278323"/>
+            <a:ext cx="966799" cy="0"/>
+          </a:xfrm>
+          <a:prstGeom prst="straightConnector1">
+            <a:avLst/>
+          </a:prstGeom>
+          <a:ln>
+            <a:solidFill>
+              <a:schemeClr val="tx1"/>
+            </a:solidFill>
+            <a:tailEnd type="triangle"/>
+          </a:ln>
+        </p:spPr>
+        <p:style>
+          <a:lnRef idx="1">
+            <a:schemeClr val="accent1"/>
+          </a:lnRef>
+          <a:fillRef idx="0">
+            <a:schemeClr val="accent1"/>
+          </a:fillRef>
+          <a:effectRef idx="0">
+            <a:schemeClr val="accent1"/>
+          </a:effectRef>
+          <a:fontRef idx="minor">
+            <a:schemeClr val="tx1"/>
+          </a:fontRef>
+        </p:style>
+      </p:cxnSp>
+      <p:cxnSp>
+        <p:nvCxnSpPr>
+          <p:cNvPr id="79" name="Gerade Verbindung mit Pfeil 78">
+            <a:extLst>
+              <a:ext uri="{FF2B5EF4-FFF2-40B4-BE49-F238E27FC236}">
+                <a16:creationId xmlns:a16="http://schemas.microsoft.com/office/drawing/2014/main" id="{52221F3D-DD73-D78E-AE5F-C5DD14088B5E}"/>
+              </a:ext>
+            </a:extLst>
+          </p:cNvPr>
+          <p:cNvCxnSpPr>
+            <a:cxnSpLocks/>
+          </p:cNvCxnSpPr>
+          <p:nvPr/>
+        </p:nvCxnSpPr>
+        <p:spPr>
+          <a:xfrm>
+            <a:off x="17173577" y="7891242"/>
+            <a:ext cx="146158" cy="555772"/>
+          </a:xfrm>
+          <a:prstGeom prst="straightConnector1">
+            <a:avLst/>
+          </a:prstGeom>
+          <a:ln w="12700">
+            <a:solidFill>
+              <a:schemeClr val="tx1"/>
+            </a:solidFill>
+            <a:tailEnd type="triangle"/>
+          </a:ln>
+        </p:spPr>
+        <p:style>
+          <a:lnRef idx="1">
+            <a:schemeClr val="accent1"/>
+          </a:lnRef>
+          <a:fillRef idx="0">
+            <a:schemeClr val="accent1"/>
+          </a:fillRef>
+          <a:effectRef idx="0">
+            <a:schemeClr val="accent1"/>
+          </a:effectRef>
+          <a:fontRef idx="minor">
+            <a:schemeClr val="tx1"/>
+          </a:fontRef>
+        </p:style>
+      </p:cxnSp>
+      <p:sp>
+        <p:nvSpPr>
+          <p:cNvPr id="20" name="Rechteck: abgerundete Ecken 19">
+            <a:extLst>
+              <a:ext uri="{FF2B5EF4-FFF2-40B4-BE49-F238E27FC236}">
+                <a16:creationId xmlns:a16="http://schemas.microsoft.com/office/drawing/2014/main" id="{05CC324E-F1FB-A4BC-2716-C216F4F11A98}"/>
+              </a:ext>
+            </a:extLst>
+          </p:cNvPr>
+          <p:cNvSpPr/>
+          <p:nvPr/>
+        </p:nvSpPr>
+        <p:spPr>
+          <a:xfrm>
+            <a:off x="14555948" y="8141692"/>
+            <a:ext cx="828943" cy="283156"/>
+          </a:xfrm>
+          <a:prstGeom prst="roundRect">
+            <a:avLst/>
+          </a:prstGeom>
+          <a:solidFill>
+            <a:schemeClr val="tx1">
+              <a:lumMod val="50000"/>
+              <a:lumOff val="50000"/>
+            </a:schemeClr>
+          </a:solidFill>
+          <a:ln>
+            <a:solidFill>
+              <a:schemeClr val="tx1"/>
+            </a:solidFill>
+          </a:ln>
+        </p:spPr>
+        <p:style>
+          <a:lnRef idx="2">
+            <a:schemeClr val="accent1">
+              <a:shade val="50000"/>
+            </a:schemeClr>
+          </a:lnRef>
+          <a:fillRef idx="1">
+            <a:schemeClr val="accent1"/>
+          </a:fillRef>
+          <a:effectRef idx="0">
+            <a:schemeClr val="accent1"/>
+          </a:effectRef>
+          <a:fontRef idx="minor">
+            <a:schemeClr val="lt1"/>
+          </a:fontRef>
+        </p:style>
+        <p:txBody>
+          <a:bodyPr rtlCol="0" anchor="ctr"/>
+          <a:lstStyle/>
+          <a:p>
+            <a:pPr algn="ctr"/>
+            <a:r>
+              <a:rPr lang="de-DE" sz="1050"/>
+              <a:t>MWGW</a:t>
+            </a:r>
+          </a:p>
+        </p:txBody>
+      </p:sp>
+      <p:sp>
+        <p:nvSpPr>
+          <p:cNvPr id="42" name="Textfeld 41">
+            <a:extLst>
+              <a:ext uri="{FF2B5EF4-FFF2-40B4-BE49-F238E27FC236}">
+                <a16:creationId xmlns:a16="http://schemas.microsoft.com/office/drawing/2014/main" id="{83C09A3F-5DF2-A309-CE86-BCCE49FFAA52}"/>
+              </a:ext>
+            </a:extLst>
+          </p:cNvPr>
+          <p:cNvSpPr txBox="1"/>
+          <p:nvPr/>
+        </p:nvSpPr>
+        <p:spPr>
+          <a:xfrm>
+            <a:off x="16390427" y="4463938"/>
+            <a:ext cx="1566454" cy="253916"/>
+          </a:xfrm>
+          <a:prstGeom prst="rect">
+            <a:avLst/>
+          </a:prstGeom>
+          <a:noFill/>
+        </p:spPr>
+        <p:txBody>
+          <a:bodyPr wrap="none" rtlCol="0">
+            <a:spAutoFit/>
+          </a:bodyPr>
+          <a:lstStyle/>
+          <a:p>
+            <a:r>
+              <a:rPr lang="de-DE" sz="1050" i="1">
+                <a:solidFill>
+                  <a:srgbClr val="0070C0"/>
+                </a:solidFill>
+              </a:rPr>
+              <a:t>Ggf.: add diagram names</a:t>
+            </a:r>
+          </a:p>
+        </p:txBody>
+      </p:sp>
+      <p:sp>
+        <p:nvSpPr>
+          <p:cNvPr id="69" name="Textfeld 68">
+            <a:extLst>
+              <a:ext uri="{FF2B5EF4-FFF2-40B4-BE49-F238E27FC236}">
+                <a16:creationId xmlns:a16="http://schemas.microsoft.com/office/drawing/2014/main" id="{36476331-8E0B-01DF-1A81-F9395C6CF7F9}"/>
+              </a:ext>
+            </a:extLst>
+          </p:cNvPr>
+          <p:cNvSpPr txBox="1"/>
+          <p:nvPr/>
+        </p:nvSpPr>
+        <p:spPr>
+          <a:xfrm>
+            <a:off x="10902059" y="8170601"/>
+            <a:ext cx="2790196" cy="215444"/>
+          </a:xfrm>
+          <a:prstGeom prst="rect">
+            <a:avLst/>
+          </a:prstGeom>
+          <a:solidFill>
+            <a:schemeClr val="bg1"/>
+          </a:solidFill>
+          <a:ln>
+            <a:solidFill>
+              <a:schemeClr val="tx1">
+                <a:lumMod val="65000"/>
+                <a:lumOff val="35000"/>
+              </a:schemeClr>
+            </a:solidFill>
+          </a:ln>
+        </p:spPr>
+        <p:txBody>
+          <a:bodyPr wrap="square" rtlCol="0">
+            <a:spAutoFit/>
+          </a:bodyPr>
+          <a:lstStyle/>
+          <a:p>
+            <a:r>
+              <a:rPr lang="de-DE" sz="800">
+                <a:highlight>
+                  <a:srgbClr val="FFFF00"/>
+                </a:highlight>
+              </a:rPr>
+              <a:t>reactivateTransmittersOfLink(linkId, automationName)</a:t>
+            </a:r>
+          </a:p>
+        </p:txBody>
+      </p:sp>
+      <p:cxnSp>
+        <p:nvCxnSpPr>
+          <p:cNvPr id="89" name="Gerade Verbindung mit Pfeil 88">
+            <a:extLst>
+              <a:ext uri="{FF2B5EF4-FFF2-40B4-BE49-F238E27FC236}">
+                <a16:creationId xmlns:a16="http://schemas.microsoft.com/office/drawing/2014/main" id="{81D65EC0-FC12-999D-B731-D79E38D3FB52}"/>
+              </a:ext>
+            </a:extLst>
+          </p:cNvPr>
+          <p:cNvCxnSpPr>
+            <a:cxnSpLocks/>
+          </p:cNvCxnSpPr>
+          <p:nvPr/>
+        </p:nvCxnSpPr>
+        <p:spPr>
+          <a:xfrm>
+            <a:off x="17290705" y="7906933"/>
+            <a:ext cx="146158" cy="555772"/>
+          </a:xfrm>
+          <a:prstGeom prst="straightConnector1">
+            <a:avLst/>
+          </a:prstGeom>
+          <a:ln>
+            <a:headEnd type="triangle"/>
+            <a:tailEnd type="none"/>
+          </a:ln>
+        </p:spPr>
+        <p:style>
+          <a:lnRef idx="1">
+            <a:schemeClr val="accent1"/>
+          </a:lnRef>
+          <a:fillRef idx="0">
+            <a:schemeClr val="accent1"/>
+          </a:fillRef>
+          <a:effectRef idx="0">
+            <a:schemeClr val="accent1"/>
+          </a:effectRef>
+          <a:fontRef idx="minor">
+            <a:schemeClr val="tx1"/>
+          </a:fontRef>
+        </p:style>
+      </p:cxnSp>
+      <p:sp>
+        <p:nvSpPr>
+          <p:cNvPr id="7" name="Rechteck 6">
+            <a:extLst>
+              <a:ext uri="{FF2B5EF4-FFF2-40B4-BE49-F238E27FC236}">
+                <a16:creationId xmlns:a16="http://schemas.microsoft.com/office/drawing/2014/main" id="{7118DCB2-9847-0ABA-F72F-5B3067E76929}"/>
+              </a:ext>
+            </a:extLst>
+          </p:cNvPr>
+          <p:cNvSpPr/>
+          <p:nvPr/>
+        </p:nvSpPr>
+        <p:spPr>
+          <a:xfrm>
+            <a:off x="10686206" y="-2408418"/>
+            <a:ext cx="161365" cy="129891"/>
+          </a:xfrm>
+          <a:prstGeom prst="rect">
+            <a:avLst/>
+          </a:prstGeom>
+        </p:spPr>
+        <p:style>
+          <a:lnRef idx="2">
+            <a:schemeClr val="accent1">
+              <a:shade val="50000"/>
+            </a:schemeClr>
+          </a:lnRef>
+          <a:fillRef idx="1">
+            <a:schemeClr val="accent1"/>
+          </a:fillRef>
+          <a:effectRef idx="0">
+            <a:schemeClr val="accent1"/>
+          </a:effectRef>
+          <a:fontRef idx="minor">
+            <a:schemeClr val="lt1"/>
+          </a:fontRef>
+        </p:style>
+        <p:txBody>
+          <a:bodyPr rtlCol="0" anchor="ctr"/>
+          <a:lstStyle/>
+          <a:p>
+            <a:pPr algn="ctr"/>
+            <a:endParaRPr lang="de-DE"/>
+          </a:p>
+        </p:txBody>
+      </p:sp>
+      <p:sp>
+        <p:nvSpPr>
+          <p:cNvPr id="23" name="Textfeld 22">
+            <a:extLst>
+              <a:ext uri="{FF2B5EF4-FFF2-40B4-BE49-F238E27FC236}">
+                <a16:creationId xmlns:a16="http://schemas.microsoft.com/office/drawing/2014/main" id="{114F758C-5B45-BB77-4B4B-F21CCFA5D77D}"/>
+              </a:ext>
+            </a:extLst>
+          </p:cNvPr>
+          <p:cNvSpPr txBox="1"/>
+          <p:nvPr/>
+        </p:nvSpPr>
+        <p:spPr>
+          <a:xfrm>
+            <a:off x="3825727" y="9122989"/>
+            <a:ext cx="3847339" cy="261610"/>
+          </a:xfrm>
+          <a:prstGeom prst="rect">
+            <a:avLst/>
+          </a:prstGeom>
+          <a:noFill/>
+        </p:spPr>
+        <p:txBody>
+          <a:bodyPr wrap="square">
+            <a:spAutoFit/>
+          </a:bodyPr>
+          <a:lstStyle/>
+          <a:p>
+            <a:r>
+              <a:rPr lang="de-DE" sz="1100" b="1" i="1">
+                <a:latin typeface="Consolas" panose="020B0609020204030204" pitchFamily="49" charset="0"/>
+              </a:rPr>
+              <a:t>Link related automation</a:t>
+            </a:r>
+          </a:p>
+        </p:txBody>
+      </p:sp>
+      <p:sp>
+        <p:nvSpPr>
+          <p:cNvPr id="29" name="Rechteck: abgerundete Ecken 28">
+            <a:extLst>
+              <a:ext uri="{FF2B5EF4-FFF2-40B4-BE49-F238E27FC236}">
+                <a16:creationId xmlns:a16="http://schemas.microsoft.com/office/drawing/2014/main" id="{3814A108-5D38-8C01-E2E9-E942D9B0429C}"/>
+              </a:ext>
+            </a:extLst>
+          </p:cNvPr>
+          <p:cNvSpPr/>
+          <p:nvPr/>
+        </p:nvSpPr>
+        <p:spPr>
+          <a:xfrm>
+            <a:off x="3966755" y="9521824"/>
+            <a:ext cx="2670991" cy="207424"/>
+          </a:xfrm>
+          <a:prstGeom prst="roundRect">
+            <a:avLst/>
+          </a:prstGeom>
+          <a:solidFill>
+            <a:schemeClr val="accent5">
+              <a:lumMod val="50000"/>
+            </a:schemeClr>
+          </a:solidFill>
+          <a:ln w="3175">
+            <a:solidFill>
+              <a:schemeClr val="tx1">
+                <a:lumMod val="85000"/>
+                <a:lumOff val="15000"/>
+              </a:schemeClr>
+            </a:solidFill>
+          </a:ln>
+        </p:spPr>
+        <p:style>
+          <a:lnRef idx="2">
+            <a:schemeClr val="accent1">
+              <a:shade val="50000"/>
+            </a:schemeClr>
+          </a:lnRef>
+          <a:fillRef idx="1">
+            <a:schemeClr val="accent1"/>
+          </a:fillRef>
+          <a:effectRef idx="0">
+            <a:schemeClr val="accent1"/>
+          </a:effectRef>
+          <a:fontRef idx="minor">
+            <a:schemeClr val="lt1"/>
+          </a:fontRef>
+        </p:style>
+        <p:txBody>
+          <a:bodyPr rtlCol="0" anchor="ctr"/>
+          <a:lstStyle/>
+          <a:p>
+            <a:pPr algn="ctr"/>
+            <a:r>
+              <a:rPr lang="de-DE" sz="1000"/>
+              <a:t>DroppedFramesInitiatedRestoration</a:t>
+            </a:r>
+          </a:p>
+        </p:txBody>
+      </p:sp>
+      <p:sp>
+        <p:nvSpPr>
+          <p:cNvPr id="40" name="Textfeld 39">
+            <a:extLst>
+              <a:ext uri="{FF2B5EF4-FFF2-40B4-BE49-F238E27FC236}">
+                <a16:creationId xmlns:a16="http://schemas.microsoft.com/office/drawing/2014/main" id="{CB895F97-EF27-188E-9B17-D23D3463A585}"/>
+              </a:ext>
+            </a:extLst>
+          </p:cNvPr>
+          <p:cNvSpPr txBox="1"/>
+          <p:nvPr/>
+        </p:nvSpPr>
+        <p:spPr>
+          <a:xfrm>
+            <a:off x="3971385" y="9724266"/>
+            <a:ext cx="2666358" cy="338554"/>
+          </a:xfrm>
+          <a:prstGeom prst="rect">
+            <a:avLst/>
+          </a:prstGeom>
+          <a:solidFill>
+            <a:schemeClr val="bg1"/>
+          </a:solidFill>
+          <a:ln>
+            <a:solidFill>
+              <a:schemeClr val="tx1">
+                <a:lumMod val="65000"/>
+                <a:lumOff val="35000"/>
+              </a:schemeClr>
+            </a:solidFill>
+          </a:ln>
+        </p:spPr>
+        <p:txBody>
+          <a:bodyPr wrap="square" rtlCol="0">
+            <a:spAutoFit/>
+          </a:bodyPr>
+          <a:lstStyle/>
+          <a:p>
+            <a:r>
+              <a:rPr lang="de-DE" sz="800"/>
+              <a:t>startDroppedFramesMonitoring()</a:t>
+            </a:r>
+          </a:p>
+          <a:p>
+            <a:r>
+              <a:rPr lang="de-DE" sz="800"/>
+              <a:t>stopDroppedFramesMonitoring()</a:t>
+            </a:r>
+          </a:p>
+        </p:txBody>
+      </p:sp>
+      <p:grpSp>
+        <p:nvGrpSpPr>
+          <p:cNvPr id="6" name="Gruppieren 5">
+            <a:extLst>
+              <a:ext uri="{FF2B5EF4-FFF2-40B4-BE49-F238E27FC236}">
+                <a16:creationId xmlns:a16="http://schemas.microsoft.com/office/drawing/2014/main" id="{633B8535-1267-30C2-CDFC-13735010357F}"/>
+              </a:ext>
+            </a:extLst>
+          </p:cNvPr>
+          <p:cNvGrpSpPr/>
+          <p:nvPr/>
+        </p:nvGrpSpPr>
+        <p:grpSpPr>
+          <a:xfrm>
+            <a:off x="5584307" y="10820742"/>
+            <a:ext cx="961897" cy="537911"/>
+            <a:chOff x="12596318" y="3860943"/>
+            <a:chExt cx="961897" cy="537911"/>
+          </a:xfrm>
+        </p:grpSpPr>
+        <p:sp>
+          <p:nvSpPr>
+            <p:cNvPr id="9" name="Flussdiagramm: Datenträger mit direktem Zugriff 8">
+              <a:extLst>
+                <a:ext uri="{FF2B5EF4-FFF2-40B4-BE49-F238E27FC236}">
+                  <a16:creationId xmlns:a16="http://schemas.microsoft.com/office/drawing/2014/main" id="{383E010F-0C45-1071-9D41-759692F14CD1}"/>
+                </a:ext>
+              </a:extLst>
+            </p:cNvPr>
+            <p:cNvSpPr/>
+            <p:nvPr/>
+          </p:nvSpPr>
+          <p:spPr>
+            <a:xfrm rot="16200000">
+              <a:off x="12808311" y="3648950"/>
+              <a:ext cx="537911" cy="961897"/>
+            </a:xfrm>
+            <a:prstGeom prst="flowChartMagneticDrum">
+              <a:avLst/>
+            </a:prstGeom>
+            <a:solidFill>
+              <a:schemeClr val="tx1">
+                <a:lumMod val="50000"/>
+                <a:lumOff val="50000"/>
+              </a:schemeClr>
+            </a:solidFill>
+            <a:ln w="6350">
+              <a:solidFill>
+                <a:schemeClr val="tx1"/>
+              </a:solidFill>
+            </a:ln>
+          </p:spPr>
+          <p:style>
+            <a:lnRef idx="2">
+              <a:schemeClr val="accent1">
+                <a:shade val="50000"/>
+              </a:schemeClr>
+            </a:lnRef>
+            <a:fillRef idx="1">
+              <a:schemeClr val="accent1"/>
+            </a:fillRef>
+            <a:effectRef idx="0">
+              <a:schemeClr val="accent1"/>
+            </a:effectRef>
+            <a:fontRef idx="minor">
+              <a:schemeClr val="lt1"/>
+            </a:fontRef>
+          </p:style>
+          <p:txBody>
+            <a:bodyPr rtlCol="0" anchor="ctr"/>
+            <a:lstStyle/>
+            <a:p>
+              <a:pPr algn="ctr"/>
+              <a:endParaRPr lang="de-DE"/>
+            </a:p>
+          </p:txBody>
+        </p:sp>
+        <p:sp>
+          <p:nvSpPr>
+            <p:cNvPr id="11" name="Textfeld 10">
+              <a:extLst>
+                <a:ext uri="{FF2B5EF4-FFF2-40B4-BE49-F238E27FC236}">
+                  <a16:creationId xmlns:a16="http://schemas.microsoft.com/office/drawing/2014/main" id="{6FF788CB-2E86-E1AE-07FF-3981D3911E35}"/>
+                </a:ext>
+              </a:extLst>
+            </p:cNvPr>
+            <p:cNvSpPr txBox="1"/>
+            <p:nvPr/>
+          </p:nvSpPr>
+          <p:spPr>
+            <a:xfrm>
+              <a:off x="12801389" y="4055702"/>
+              <a:ext cx="551754" cy="261610"/>
+            </a:xfrm>
+            <a:prstGeom prst="rect">
+              <a:avLst/>
+            </a:prstGeom>
+            <a:noFill/>
+          </p:spPr>
+          <p:txBody>
+            <a:bodyPr wrap="none" rtlCol="0">
+              <a:spAutoFit/>
+            </a:bodyPr>
+            <a:lstStyle/>
+            <a:p>
+              <a:r>
+                <a:rPr lang="de-DE" sz="1100">
+                  <a:solidFill>
+                    <a:schemeClr val="bg1"/>
+                  </a:solidFill>
+                </a:rPr>
+                <a:t>MWDI</a:t>
+              </a:r>
+            </a:p>
+          </p:txBody>
+        </p:sp>
+      </p:grpSp>
+      <p:cxnSp>
+        <p:nvCxnSpPr>
+          <p:cNvPr id="13" name="Gerade Verbindung mit Pfeil 12">
+            <a:extLst>
+              <a:ext uri="{FF2B5EF4-FFF2-40B4-BE49-F238E27FC236}">
+                <a16:creationId xmlns:a16="http://schemas.microsoft.com/office/drawing/2014/main" id="{3AAD1EDD-801B-1190-385A-8BE2B9B4C5E7}"/>
+              </a:ext>
+            </a:extLst>
+          </p:cNvPr>
+          <p:cNvCxnSpPr>
+            <a:cxnSpLocks/>
+          </p:cNvCxnSpPr>
+          <p:nvPr/>
+        </p:nvCxnSpPr>
+        <p:spPr>
+          <a:xfrm>
+            <a:off x="5796691" y="10264967"/>
+            <a:ext cx="146158" cy="555772"/>
+          </a:xfrm>
+          <a:prstGeom prst="straightConnector1">
+            <a:avLst/>
+          </a:prstGeom>
+          <a:ln w="12700">
+            <a:solidFill>
+              <a:schemeClr val="tx1"/>
+            </a:solidFill>
+            <a:tailEnd type="triangle"/>
+          </a:ln>
+        </p:spPr>
+        <p:style>
+          <a:lnRef idx="1">
+            <a:schemeClr val="accent1"/>
+          </a:lnRef>
+          <a:fillRef idx="0">
+            <a:schemeClr val="accent1"/>
+          </a:fillRef>
+          <a:effectRef idx="0">
+            <a:schemeClr val="accent1"/>
+          </a:effectRef>
+          <a:fontRef idx="minor">
+            <a:schemeClr val="tx1"/>
+          </a:fontRef>
+        </p:style>
+      </p:cxnSp>
+      <p:cxnSp>
+        <p:nvCxnSpPr>
+          <p:cNvPr id="17" name="Gerade Verbindung mit Pfeil 16">
+            <a:extLst>
+              <a:ext uri="{FF2B5EF4-FFF2-40B4-BE49-F238E27FC236}">
+                <a16:creationId xmlns:a16="http://schemas.microsoft.com/office/drawing/2014/main" id="{2ADD3A0A-6F7D-13D8-D63F-ACE06B135D45}"/>
+              </a:ext>
+            </a:extLst>
+          </p:cNvPr>
+          <p:cNvCxnSpPr>
+            <a:cxnSpLocks/>
+          </p:cNvCxnSpPr>
+          <p:nvPr/>
+        </p:nvCxnSpPr>
+        <p:spPr>
+          <a:xfrm>
+            <a:off x="5913819" y="10280658"/>
+            <a:ext cx="146158" cy="555772"/>
+          </a:xfrm>
+          <a:prstGeom prst="straightConnector1">
+            <a:avLst/>
+          </a:prstGeom>
+          <a:ln>
+            <a:headEnd type="triangle"/>
+            <a:tailEnd type="none"/>
+          </a:ln>
+        </p:spPr>
+        <p:style>
+          <a:lnRef idx="1">
+            <a:schemeClr val="accent1"/>
+          </a:lnRef>
+          <a:fillRef idx="0">
+            <a:schemeClr val="accent1"/>
+          </a:fillRef>
+          <a:effectRef idx="0">
+            <a:schemeClr val="accent1"/>
+          </a:effectRef>
+          <a:fontRef idx="minor">
+            <a:schemeClr val="tx1"/>
+          </a:fontRef>
+        </p:style>
+      </p:cxnSp>
+      <p:sp>
+        <p:nvSpPr>
+          <p:cNvPr id="19" name="Textfeld 18">
+            <a:extLst>
+              <a:ext uri="{FF2B5EF4-FFF2-40B4-BE49-F238E27FC236}">
+                <a16:creationId xmlns:a16="http://schemas.microsoft.com/office/drawing/2014/main" id="{BFA96C4D-3807-329D-CC96-25B3278036A3}"/>
+              </a:ext>
+            </a:extLst>
+          </p:cNvPr>
+          <p:cNvSpPr txBox="1"/>
+          <p:nvPr/>
+        </p:nvSpPr>
+        <p:spPr>
+          <a:xfrm>
+            <a:off x="6480194" y="4181593"/>
+            <a:ext cx="338554" cy="1692771"/>
+          </a:xfrm>
+          <a:prstGeom prst="rect">
+            <a:avLst/>
+          </a:prstGeom>
+          <a:noFill/>
+        </p:spPr>
+        <p:txBody>
+          <a:bodyPr wrap="none" rtlCol="0">
+            <a:spAutoFit/>
+          </a:bodyPr>
+          <a:lstStyle/>
+          <a:p>
+            <a:r>
+              <a:rPr lang="de-DE" sz="800">
+                <a:solidFill>
+                  <a:srgbClr val="7030A0"/>
+                </a:solidFill>
+              </a:rPr>
+              <a:t>100</a:t>
+            </a:r>
+          </a:p>
+          <a:p>
+            <a:r>
+              <a:rPr lang="de-DE" sz="800">
+                <a:solidFill>
+                  <a:srgbClr val="7030A0"/>
+                </a:solidFill>
+              </a:rPr>
+              <a:t>101</a:t>
+            </a:r>
+          </a:p>
+          <a:p>
+            <a:r>
+              <a:rPr lang="de-DE" sz="800">
+                <a:solidFill>
+                  <a:srgbClr val="7030A0"/>
+                </a:solidFill>
+              </a:rPr>
+              <a:t>---</a:t>
+            </a:r>
+          </a:p>
+          <a:p>
+            <a:r>
+              <a:rPr lang="de-DE" sz="800">
+                <a:solidFill>
+                  <a:srgbClr val="7030A0"/>
+                </a:solidFill>
+              </a:rPr>
+              <a:t>102</a:t>
+            </a:r>
+          </a:p>
+          <a:p>
+            <a:r>
+              <a:rPr lang="de-DE" sz="800">
+                <a:solidFill>
+                  <a:srgbClr val="7030A0"/>
+                </a:solidFill>
+              </a:rPr>
+              <a:t>103</a:t>
+            </a:r>
+          </a:p>
+          <a:p>
+            <a:r>
+              <a:rPr lang="de-DE" sz="800">
+                <a:solidFill>
+                  <a:srgbClr val="7030A0"/>
+                </a:solidFill>
+              </a:rPr>
+              <a:t>104</a:t>
+            </a:r>
+          </a:p>
+          <a:p>
+            <a:r>
+              <a:rPr lang="de-DE" sz="800">
+                <a:solidFill>
+                  <a:srgbClr val="7030A0"/>
+                </a:solidFill>
+              </a:rPr>
+              <a:t>105</a:t>
+            </a:r>
+          </a:p>
+          <a:p>
+            <a:r>
+              <a:rPr lang="de-DE" sz="800">
+                <a:solidFill>
+                  <a:srgbClr val="7030A0"/>
+                </a:solidFill>
+              </a:rPr>
+              <a:t>---</a:t>
+            </a:r>
+          </a:p>
+          <a:p>
+            <a:r>
+              <a:rPr lang="de-DE" sz="800">
+                <a:solidFill>
+                  <a:srgbClr val="7030A0"/>
+                </a:solidFill>
+              </a:rPr>
+              <a:t>106</a:t>
+            </a:r>
+          </a:p>
+          <a:p>
+            <a:r>
+              <a:rPr lang="de-DE" sz="800">
+                <a:solidFill>
+                  <a:srgbClr val="7030A0"/>
+                </a:solidFill>
+              </a:rPr>
+              <a:t>107</a:t>
+            </a:r>
+          </a:p>
+          <a:p>
+            <a:r>
+              <a:rPr lang="de-DE" sz="800">
+                <a:solidFill>
+                  <a:srgbClr val="7030A0"/>
+                </a:solidFill>
+              </a:rPr>
+              <a:t>108</a:t>
+            </a:r>
+          </a:p>
+          <a:p>
+            <a:r>
+              <a:rPr lang="de-DE" sz="800">
+                <a:solidFill>
+                  <a:srgbClr val="7030A0"/>
+                </a:solidFill>
+              </a:rPr>
+              <a:t>109</a:t>
+            </a:r>
+          </a:p>
+          <a:p>
+            <a:r>
+              <a:rPr lang="de-DE" sz="800">
+                <a:solidFill>
+                  <a:srgbClr val="7030A0"/>
+                </a:solidFill>
+              </a:rPr>
+              <a:t>110</a:t>
+            </a:r>
+          </a:p>
+        </p:txBody>
+      </p:sp>
+      <p:sp>
+        <p:nvSpPr>
+          <p:cNvPr id="33" name="Textfeld 32">
+            <a:extLst>
+              <a:ext uri="{FF2B5EF4-FFF2-40B4-BE49-F238E27FC236}">
+                <a16:creationId xmlns:a16="http://schemas.microsoft.com/office/drawing/2014/main" id="{FA1DDBD4-D66D-3BE1-7092-D1370F88925A}"/>
+              </a:ext>
+            </a:extLst>
+          </p:cNvPr>
+          <p:cNvSpPr txBox="1"/>
+          <p:nvPr/>
+        </p:nvSpPr>
+        <p:spPr>
+          <a:xfrm>
+            <a:off x="6826398" y="4203587"/>
+            <a:ext cx="338554" cy="830997"/>
+          </a:xfrm>
+          <a:prstGeom prst="rect">
+            <a:avLst/>
+          </a:prstGeom>
+          <a:noFill/>
+        </p:spPr>
+        <p:txBody>
+          <a:bodyPr wrap="none" rtlCol="0">
+            <a:spAutoFit/>
+          </a:bodyPr>
+          <a:lstStyle/>
+          <a:p>
+            <a:r>
+              <a:rPr lang="de-DE" sz="800">
+                <a:solidFill>
+                  <a:srgbClr val="7030A0"/>
+                </a:solidFill>
+              </a:rPr>
+              <a:t>120</a:t>
+            </a:r>
+          </a:p>
+          <a:p>
+            <a:r>
+              <a:rPr lang="de-DE" sz="800">
+                <a:solidFill>
+                  <a:srgbClr val="7030A0"/>
+                </a:solidFill>
+              </a:rPr>
+              <a:t>---</a:t>
+            </a:r>
+          </a:p>
+          <a:p>
+            <a:r>
+              <a:rPr lang="de-DE" sz="800">
+                <a:solidFill>
+                  <a:srgbClr val="7030A0"/>
+                </a:solidFill>
+              </a:rPr>
+              <a:t>121</a:t>
+            </a:r>
+          </a:p>
+          <a:p>
+            <a:r>
+              <a:rPr lang="de-DE" sz="800">
+                <a:solidFill>
+                  <a:srgbClr val="7030A0"/>
+                </a:solidFill>
+              </a:rPr>
+              <a:t>---</a:t>
+            </a:r>
+          </a:p>
+          <a:p>
+            <a:r>
+              <a:rPr lang="de-DE" sz="800">
+                <a:solidFill>
+                  <a:srgbClr val="7030A0"/>
+                </a:solidFill>
+              </a:rPr>
+              <a:t>122</a:t>
+            </a:r>
+          </a:p>
+          <a:p>
+            <a:r>
+              <a:rPr lang="de-DE" sz="800">
+                <a:solidFill>
+                  <a:srgbClr val="7030A0"/>
+                </a:solidFill>
+              </a:rPr>
+              <a:t>123</a:t>
+            </a:r>
+          </a:p>
+        </p:txBody>
+      </p:sp>
+      <p:sp>
+        <p:nvSpPr>
+          <p:cNvPr id="41" name="Textfeld 40">
+            <a:extLst>
+              <a:ext uri="{FF2B5EF4-FFF2-40B4-BE49-F238E27FC236}">
+                <a16:creationId xmlns:a16="http://schemas.microsoft.com/office/drawing/2014/main" id="{0D495AB1-593A-51C2-3A1E-A352FB3F1387}"/>
+              </a:ext>
+            </a:extLst>
+          </p:cNvPr>
+          <p:cNvSpPr txBox="1"/>
+          <p:nvPr/>
+        </p:nvSpPr>
+        <p:spPr>
+          <a:xfrm>
+            <a:off x="5567244" y="6841489"/>
+            <a:ext cx="338554" cy="1323439"/>
+          </a:xfrm>
+          <a:prstGeom prst="rect">
+            <a:avLst/>
+          </a:prstGeom>
+          <a:noFill/>
+        </p:spPr>
+        <p:txBody>
+          <a:bodyPr wrap="none" rtlCol="0">
+            <a:spAutoFit/>
+          </a:bodyPr>
+          <a:lstStyle/>
+          <a:p>
+            <a:r>
+              <a:rPr lang="de-DE" sz="800">
+                <a:solidFill>
+                  <a:srgbClr val="7030A0"/>
+                </a:solidFill>
+              </a:rPr>
+              <a:t>200</a:t>
+            </a:r>
+          </a:p>
+          <a:p>
+            <a:r>
+              <a:rPr lang="de-DE" sz="800">
+                <a:solidFill>
+                  <a:srgbClr val="7030A0"/>
+                </a:solidFill>
+              </a:rPr>
+              <a:t>201</a:t>
+            </a:r>
+          </a:p>
+          <a:p>
+            <a:r>
+              <a:rPr lang="de-DE" sz="800">
+                <a:solidFill>
+                  <a:srgbClr val="7030A0"/>
+                </a:solidFill>
+              </a:rPr>
+              <a:t>202</a:t>
+            </a:r>
+          </a:p>
+          <a:p>
+            <a:r>
+              <a:rPr lang="de-DE" sz="800">
+                <a:solidFill>
+                  <a:srgbClr val="7030A0"/>
+                </a:solidFill>
+              </a:rPr>
+              <a:t>203</a:t>
+            </a:r>
+          </a:p>
+          <a:p>
+            <a:r>
+              <a:rPr lang="de-DE" sz="800">
+                <a:solidFill>
+                  <a:srgbClr val="7030A0"/>
+                </a:solidFill>
+              </a:rPr>
+              <a:t>204</a:t>
+            </a:r>
+          </a:p>
+          <a:p>
+            <a:r>
+              <a:rPr lang="de-DE" sz="800">
+                <a:solidFill>
+                  <a:srgbClr val="7030A0"/>
+                </a:solidFill>
+              </a:rPr>
+              <a:t>---</a:t>
+            </a:r>
+          </a:p>
+          <a:p>
+            <a:r>
+              <a:rPr lang="de-DE" sz="800">
+                <a:solidFill>
+                  <a:srgbClr val="7030A0"/>
+                </a:solidFill>
+              </a:rPr>
+              <a:t>205</a:t>
+            </a:r>
+          </a:p>
+          <a:p>
+            <a:r>
+              <a:rPr lang="de-DE" sz="800">
+                <a:solidFill>
+                  <a:srgbClr val="7030A0"/>
+                </a:solidFill>
+              </a:rPr>
+              <a:t>---</a:t>
+            </a:r>
+          </a:p>
+          <a:p>
+            <a:r>
+              <a:rPr lang="de-DE" sz="800">
+                <a:solidFill>
+                  <a:srgbClr val="7030A0"/>
+                </a:solidFill>
+              </a:rPr>
+              <a:t>210</a:t>
+            </a:r>
+          </a:p>
+          <a:p>
+            <a:r>
+              <a:rPr lang="de-DE" sz="800">
+                <a:solidFill>
+                  <a:srgbClr val="7030A0"/>
+                </a:solidFill>
+              </a:rPr>
+              <a:t>211</a:t>
+            </a:r>
+          </a:p>
+        </p:txBody>
+      </p:sp>
+      <p:sp>
+        <p:nvSpPr>
+          <p:cNvPr id="44" name="Textfeld 43">
+            <a:extLst>
+              <a:ext uri="{FF2B5EF4-FFF2-40B4-BE49-F238E27FC236}">
+                <a16:creationId xmlns:a16="http://schemas.microsoft.com/office/drawing/2014/main" id="{63DBA483-BCD0-088D-C1AD-9AC601F28362}"/>
+              </a:ext>
+            </a:extLst>
+          </p:cNvPr>
+          <p:cNvSpPr txBox="1"/>
+          <p:nvPr/>
+        </p:nvSpPr>
+        <p:spPr>
+          <a:xfrm>
+            <a:off x="10320463" y="3527019"/>
+            <a:ext cx="301686" cy="369332"/>
+          </a:xfrm>
+          <a:prstGeom prst="rect">
+            <a:avLst/>
+          </a:prstGeom>
+          <a:noFill/>
+        </p:spPr>
+        <p:txBody>
+          <a:bodyPr wrap="none" rtlCol="0">
+            <a:spAutoFit/>
+          </a:bodyPr>
+          <a:lstStyle/>
+          <a:p>
+            <a:r>
+              <a:rPr lang="de-DE"/>
+              <a:t>1</a:t>
+            </a:r>
+          </a:p>
+        </p:txBody>
+      </p:sp>
+      <p:sp>
+        <p:nvSpPr>
+          <p:cNvPr id="45" name="Textfeld 44">
+            <a:extLst>
+              <a:ext uri="{FF2B5EF4-FFF2-40B4-BE49-F238E27FC236}">
+                <a16:creationId xmlns:a16="http://schemas.microsoft.com/office/drawing/2014/main" id="{F95639E7-C122-2BB0-59C5-D28C007C1D6F}"/>
+              </a:ext>
+            </a:extLst>
+          </p:cNvPr>
+          <p:cNvSpPr txBox="1"/>
+          <p:nvPr/>
+        </p:nvSpPr>
+        <p:spPr>
+          <a:xfrm>
+            <a:off x="5930674" y="8683323"/>
+            <a:ext cx="301686" cy="369332"/>
+          </a:xfrm>
+          <a:prstGeom prst="rect">
+            <a:avLst/>
+          </a:prstGeom>
+          <a:noFill/>
+        </p:spPr>
+        <p:txBody>
+          <a:bodyPr wrap="none" rtlCol="0">
+            <a:spAutoFit/>
+          </a:bodyPr>
+          <a:lstStyle/>
+          <a:p>
+            <a:r>
+              <a:rPr lang="de-DE"/>
+              <a:t>2</a:t>
+            </a:r>
+          </a:p>
+        </p:txBody>
+      </p:sp>
+      <p:sp>
+        <p:nvSpPr>
+          <p:cNvPr id="46" name="Textfeld 45">
+            <a:extLst>
+              <a:ext uri="{FF2B5EF4-FFF2-40B4-BE49-F238E27FC236}">
+                <a16:creationId xmlns:a16="http://schemas.microsoft.com/office/drawing/2014/main" id="{59F4251F-F44C-1386-9B93-53328792C159}"/>
+              </a:ext>
+            </a:extLst>
+          </p:cNvPr>
+          <p:cNvSpPr txBox="1"/>
+          <p:nvPr/>
+        </p:nvSpPr>
+        <p:spPr>
+          <a:xfrm>
+            <a:off x="7154305" y="9915293"/>
+            <a:ext cx="301686" cy="369332"/>
+          </a:xfrm>
+          <a:prstGeom prst="rect">
+            <a:avLst/>
+          </a:prstGeom>
+          <a:noFill/>
+        </p:spPr>
+        <p:txBody>
+          <a:bodyPr wrap="none" rtlCol="0">
+            <a:spAutoFit/>
+          </a:bodyPr>
+          <a:lstStyle/>
+          <a:p>
+            <a:r>
+              <a:rPr lang="de-DE"/>
+              <a:t>3</a:t>
+            </a:r>
+          </a:p>
+        </p:txBody>
+      </p:sp>
+      <p:sp>
+        <p:nvSpPr>
+          <p:cNvPr id="48" name="Textfeld 47">
+            <a:extLst>
+              <a:ext uri="{FF2B5EF4-FFF2-40B4-BE49-F238E27FC236}">
+                <a16:creationId xmlns:a16="http://schemas.microsoft.com/office/drawing/2014/main" id="{51CA234E-016E-6225-6DFE-22BAB143EDF1}"/>
+              </a:ext>
+            </a:extLst>
+          </p:cNvPr>
+          <p:cNvSpPr txBox="1"/>
+          <p:nvPr/>
+        </p:nvSpPr>
+        <p:spPr>
+          <a:xfrm>
+            <a:off x="10357054" y="8683323"/>
+            <a:ext cx="301686" cy="369332"/>
+          </a:xfrm>
+          <a:prstGeom prst="rect">
+            <a:avLst/>
+          </a:prstGeom>
+          <a:noFill/>
+        </p:spPr>
+        <p:txBody>
+          <a:bodyPr wrap="none" rtlCol="0">
+            <a:spAutoFit/>
+          </a:bodyPr>
+          <a:lstStyle/>
+          <a:p>
+            <a:r>
+              <a:rPr lang="de-DE"/>
+              <a:t>4</a:t>
+            </a:r>
+          </a:p>
+        </p:txBody>
+      </p:sp>
+      <p:sp>
+        <p:nvSpPr>
+          <p:cNvPr id="49" name="Textfeld 48">
+            <a:extLst>
+              <a:ext uri="{FF2B5EF4-FFF2-40B4-BE49-F238E27FC236}">
+                <a16:creationId xmlns:a16="http://schemas.microsoft.com/office/drawing/2014/main" id="{228BED19-5AD1-DD5B-741F-C3FF6AA8D97E}"/>
+              </a:ext>
+            </a:extLst>
+          </p:cNvPr>
+          <p:cNvSpPr txBox="1"/>
+          <p:nvPr/>
+        </p:nvSpPr>
+        <p:spPr>
+          <a:xfrm>
+            <a:off x="14003456" y="8756053"/>
+            <a:ext cx="301686" cy="369332"/>
+          </a:xfrm>
+          <a:prstGeom prst="rect">
+            <a:avLst/>
+          </a:prstGeom>
+          <a:noFill/>
+        </p:spPr>
+        <p:txBody>
+          <a:bodyPr wrap="none" rtlCol="0">
+            <a:spAutoFit/>
+          </a:bodyPr>
+          <a:lstStyle/>
+          <a:p>
+            <a:r>
+              <a:rPr lang="de-DE"/>
+              <a:t>5</a:t>
+            </a:r>
+          </a:p>
+        </p:txBody>
+      </p:sp>
+      <p:sp>
+        <p:nvSpPr>
+          <p:cNvPr id="50" name="Textfeld 49">
+            <a:extLst>
+              <a:ext uri="{FF2B5EF4-FFF2-40B4-BE49-F238E27FC236}">
+                <a16:creationId xmlns:a16="http://schemas.microsoft.com/office/drawing/2014/main" id="{E47DBC21-7061-BB0D-416D-948DC80EB76D}"/>
+              </a:ext>
+            </a:extLst>
+          </p:cNvPr>
+          <p:cNvSpPr txBox="1"/>
+          <p:nvPr/>
+        </p:nvSpPr>
+        <p:spPr>
+          <a:xfrm>
+            <a:off x="17204331" y="7556745"/>
+            <a:ext cx="301686" cy="369332"/>
+          </a:xfrm>
+          <a:prstGeom prst="rect">
+            <a:avLst/>
+          </a:prstGeom>
+          <a:noFill/>
+        </p:spPr>
+        <p:txBody>
+          <a:bodyPr wrap="none" rtlCol="0">
+            <a:spAutoFit/>
+          </a:bodyPr>
+          <a:lstStyle/>
+          <a:p>
+            <a:r>
+              <a:rPr lang="de-DE"/>
+              <a:t>6</a:t>
+            </a:r>
+          </a:p>
+        </p:txBody>
+      </p:sp>
+      <p:sp>
+        <p:nvSpPr>
+          <p:cNvPr id="51" name="Textfeld 50">
+            <a:extLst>
+              <a:ext uri="{FF2B5EF4-FFF2-40B4-BE49-F238E27FC236}">
+                <a16:creationId xmlns:a16="http://schemas.microsoft.com/office/drawing/2014/main" id="{CA31537C-F7A5-6B98-4C3A-E64DD5958A6D}"/>
+              </a:ext>
+            </a:extLst>
+          </p:cNvPr>
+          <p:cNvSpPr txBox="1"/>
+          <p:nvPr/>
+        </p:nvSpPr>
+        <p:spPr>
+          <a:xfrm>
+            <a:off x="13302149" y="9467187"/>
+            <a:ext cx="301686" cy="369332"/>
+          </a:xfrm>
+          <a:prstGeom prst="rect">
+            <a:avLst/>
+          </a:prstGeom>
+          <a:noFill/>
+        </p:spPr>
+        <p:txBody>
+          <a:bodyPr wrap="none" rtlCol="0">
+            <a:spAutoFit/>
+          </a:bodyPr>
+          <a:lstStyle/>
+          <a:p>
+            <a:r>
+              <a:rPr lang="de-DE"/>
+              <a:t>7</a:t>
+            </a:r>
+          </a:p>
+        </p:txBody>
+      </p:sp>
+      <p:sp>
+        <p:nvSpPr>
+          <p:cNvPr id="52" name="Textfeld 51">
+            <a:extLst>
+              <a:ext uri="{FF2B5EF4-FFF2-40B4-BE49-F238E27FC236}">
+                <a16:creationId xmlns:a16="http://schemas.microsoft.com/office/drawing/2014/main" id="{FA87CFE9-532D-E67C-1F50-875A093536FD}"/>
+              </a:ext>
+            </a:extLst>
+          </p:cNvPr>
+          <p:cNvSpPr txBox="1"/>
+          <p:nvPr/>
+        </p:nvSpPr>
+        <p:spPr>
+          <a:xfrm>
+            <a:off x="16774998" y="9450799"/>
+            <a:ext cx="301686" cy="369332"/>
+          </a:xfrm>
+          <a:prstGeom prst="rect">
+            <a:avLst/>
+          </a:prstGeom>
+          <a:noFill/>
+        </p:spPr>
+        <p:txBody>
+          <a:bodyPr wrap="none" rtlCol="0">
+            <a:spAutoFit/>
+          </a:bodyPr>
+          <a:lstStyle/>
+          <a:p>
+            <a:r>
+              <a:rPr lang="de-DE"/>
+              <a:t>8</a:t>
+            </a:r>
+          </a:p>
+        </p:txBody>
+      </p:sp>
+      <p:sp>
+        <p:nvSpPr>
+          <p:cNvPr id="54" name="Textfeld 53">
+            <a:extLst>
+              <a:ext uri="{FF2B5EF4-FFF2-40B4-BE49-F238E27FC236}">
+                <a16:creationId xmlns:a16="http://schemas.microsoft.com/office/drawing/2014/main" id="{4B873882-88D0-83D7-4746-06A4A459140F}"/>
+              </a:ext>
+            </a:extLst>
+          </p:cNvPr>
+          <p:cNvSpPr txBox="1"/>
+          <p:nvPr/>
+        </p:nvSpPr>
+        <p:spPr>
+          <a:xfrm>
+            <a:off x="19493093" y="9442030"/>
+            <a:ext cx="301686" cy="369332"/>
+          </a:xfrm>
+          <a:prstGeom prst="rect">
+            <a:avLst/>
+          </a:prstGeom>
+          <a:noFill/>
+        </p:spPr>
+        <p:txBody>
+          <a:bodyPr wrap="none" rtlCol="0">
+            <a:spAutoFit/>
+          </a:bodyPr>
+          <a:lstStyle/>
+          <a:p>
+            <a:r>
+              <a:rPr lang="de-DE"/>
+              <a:t>9</a:t>
+            </a:r>
+          </a:p>
+        </p:txBody>
+      </p:sp>
+      <p:sp>
+        <p:nvSpPr>
+          <p:cNvPr id="55" name="Textfeld 54">
+            <a:extLst>
+              <a:ext uri="{FF2B5EF4-FFF2-40B4-BE49-F238E27FC236}">
+                <a16:creationId xmlns:a16="http://schemas.microsoft.com/office/drawing/2014/main" id="{EF3FFBE8-1CD6-5924-5E13-28C4B2957D3E}"/>
+              </a:ext>
+            </a:extLst>
+          </p:cNvPr>
+          <p:cNvSpPr txBox="1"/>
+          <p:nvPr/>
+        </p:nvSpPr>
+        <p:spPr>
+          <a:xfrm>
+            <a:off x="19447283" y="9779300"/>
+            <a:ext cx="423663" cy="369332"/>
+          </a:xfrm>
+          <a:prstGeom prst="rect">
+            <a:avLst/>
+          </a:prstGeom>
+          <a:noFill/>
+        </p:spPr>
+        <p:txBody>
+          <a:bodyPr wrap="square" rtlCol="0">
+            <a:spAutoFit/>
+          </a:bodyPr>
+          <a:lstStyle/>
+          <a:p>
+            <a:r>
+              <a:rPr lang="de-DE"/>
+              <a:t>10</a:t>
+            </a:r>
+          </a:p>
+        </p:txBody>
+      </p:sp>
+      <p:sp>
+        <p:nvSpPr>
+          <p:cNvPr id="64" name="Textfeld 63">
+            <a:extLst>
+              <a:ext uri="{FF2B5EF4-FFF2-40B4-BE49-F238E27FC236}">
+                <a16:creationId xmlns:a16="http://schemas.microsoft.com/office/drawing/2014/main" id="{51B58F6C-997A-8C21-9AE8-ACA675836D87}"/>
+              </a:ext>
+            </a:extLst>
+          </p:cNvPr>
+          <p:cNvSpPr txBox="1"/>
+          <p:nvPr/>
+        </p:nvSpPr>
+        <p:spPr>
+          <a:xfrm>
+            <a:off x="10331459" y="7034399"/>
+            <a:ext cx="338554" cy="461665"/>
+          </a:xfrm>
+          <a:prstGeom prst="rect">
+            <a:avLst/>
+          </a:prstGeom>
+          <a:noFill/>
+        </p:spPr>
+        <p:txBody>
+          <a:bodyPr wrap="none" rtlCol="0">
+            <a:spAutoFit/>
+          </a:bodyPr>
+          <a:lstStyle/>
+          <a:p>
+            <a:r>
+              <a:rPr lang="de-DE" sz="800">
+                <a:solidFill>
+                  <a:srgbClr val="7030A0"/>
+                </a:solidFill>
+              </a:rPr>
+              <a:t>400</a:t>
+            </a:r>
+          </a:p>
+          <a:p>
+            <a:r>
+              <a:rPr lang="de-DE" sz="800">
+                <a:solidFill>
+                  <a:srgbClr val="7030A0"/>
+                </a:solidFill>
+              </a:rPr>
+              <a:t>401</a:t>
+            </a:r>
+          </a:p>
+          <a:p>
+            <a:r>
+              <a:rPr lang="de-DE" sz="800">
+                <a:solidFill>
+                  <a:srgbClr val="7030A0"/>
+                </a:solidFill>
+              </a:rPr>
+              <a:t>402</a:t>
+            </a:r>
+          </a:p>
+        </p:txBody>
+      </p:sp>
+      <p:sp>
+        <p:nvSpPr>
+          <p:cNvPr id="65" name="Textfeld 64">
+            <a:extLst>
+              <a:ext uri="{FF2B5EF4-FFF2-40B4-BE49-F238E27FC236}">
+                <a16:creationId xmlns:a16="http://schemas.microsoft.com/office/drawing/2014/main" id="{30FB7B17-3634-5478-8D74-7D0054564D37}"/>
+              </a:ext>
+            </a:extLst>
+          </p:cNvPr>
+          <p:cNvSpPr txBox="1"/>
+          <p:nvPr/>
+        </p:nvSpPr>
+        <p:spPr>
+          <a:xfrm>
+            <a:off x="9526275" y="8247123"/>
+            <a:ext cx="338554" cy="461665"/>
+          </a:xfrm>
+          <a:prstGeom prst="rect">
+            <a:avLst/>
+          </a:prstGeom>
+          <a:noFill/>
+        </p:spPr>
+        <p:txBody>
+          <a:bodyPr wrap="none" rtlCol="0">
+            <a:spAutoFit/>
+          </a:bodyPr>
+          <a:lstStyle/>
+          <a:p>
+            <a:r>
+              <a:rPr lang="de-DE" sz="800">
+                <a:solidFill>
+                  <a:srgbClr val="7030A0"/>
+                </a:solidFill>
+              </a:rPr>
+              <a:t>410</a:t>
+            </a:r>
+          </a:p>
+          <a:p>
+            <a:endParaRPr lang="de-DE" sz="800">
+              <a:solidFill>
+                <a:srgbClr val="7030A0"/>
+              </a:solidFill>
+            </a:endParaRPr>
+          </a:p>
+          <a:p>
+            <a:r>
+              <a:rPr lang="de-DE" sz="800">
+                <a:solidFill>
+                  <a:srgbClr val="7030A0"/>
+                </a:solidFill>
+              </a:rPr>
+              <a:t>411</a:t>
+            </a:r>
+          </a:p>
+        </p:txBody>
+      </p:sp>
+      <p:sp>
+        <p:nvSpPr>
+          <p:cNvPr id="66" name="Textfeld 65">
+            <a:extLst>
+              <a:ext uri="{FF2B5EF4-FFF2-40B4-BE49-F238E27FC236}">
+                <a16:creationId xmlns:a16="http://schemas.microsoft.com/office/drawing/2014/main" id="{3F56B4F1-6183-3CB3-F2AF-DD67BDC87136}"/>
+              </a:ext>
+            </a:extLst>
+          </p:cNvPr>
+          <p:cNvSpPr txBox="1"/>
+          <p:nvPr/>
+        </p:nvSpPr>
+        <p:spPr>
+          <a:xfrm>
+            <a:off x="13672605" y="6984035"/>
+            <a:ext cx="338554" cy="215444"/>
+          </a:xfrm>
+          <a:prstGeom prst="rect">
+            <a:avLst/>
+          </a:prstGeom>
+          <a:noFill/>
+        </p:spPr>
+        <p:txBody>
+          <a:bodyPr wrap="none" rtlCol="0">
+            <a:spAutoFit/>
+          </a:bodyPr>
+          <a:lstStyle/>
+          <a:p>
+            <a:r>
+              <a:rPr lang="de-DE" sz="800">
+                <a:solidFill>
+                  <a:srgbClr val="7030A0"/>
+                </a:solidFill>
+              </a:rPr>
+              <a:t>500</a:t>
+            </a:r>
+          </a:p>
+        </p:txBody>
+      </p:sp>
+      <p:sp>
+        <p:nvSpPr>
+          <p:cNvPr id="67" name="Textfeld 66">
+            <a:extLst>
+              <a:ext uri="{FF2B5EF4-FFF2-40B4-BE49-F238E27FC236}">
+                <a16:creationId xmlns:a16="http://schemas.microsoft.com/office/drawing/2014/main" id="{67B422B5-0A8E-114B-835E-1F119B43F4AE}"/>
+              </a:ext>
+            </a:extLst>
+          </p:cNvPr>
+          <p:cNvSpPr txBox="1"/>
+          <p:nvPr/>
+        </p:nvSpPr>
+        <p:spPr>
+          <a:xfrm>
+            <a:off x="13672605" y="8298161"/>
+            <a:ext cx="338554" cy="215444"/>
+          </a:xfrm>
+          <a:prstGeom prst="rect">
+            <a:avLst/>
+          </a:prstGeom>
+          <a:noFill/>
+        </p:spPr>
+        <p:txBody>
+          <a:bodyPr wrap="none" rtlCol="0">
+            <a:spAutoFit/>
+          </a:bodyPr>
+          <a:lstStyle/>
+          <a:p>
+            <a:r>
+              <a:rPr lang="de-DE" sz="800">
+                <a:solidFill>
+                  <a:srgbClr val="7030A0"/>
+                </a:solidFill>
+              </a:rPr>
+              <a:t>510</a:t>
+            </a:r>
+          </a:p>
+        </p:txBody>
+      </p:sp>
+      <p:sp>
+        <p:nvSpPr>
+          <p:cNvPr id="68" name="Textfeld 67">
+            <a:extLst>
+              <a:ext uri="{FF2B5EF4-FFF2-40B4-BE49-F238E27FC236}">
+                <a16:creationId xmlns:a16="http://schemas.microsoft.com/office/drawing/2014/main" id="{4157F15F-B2FD-C3FC-B164-FDD383DF6E71}"/>
+              </a:ext>
+            </a:extLst>
+          </p:cNvPr>
+          <p:cNvSpPr txBox="1"/>
+          <p:nvPr/>
+        </p:nvSpPr>
+        <p:spPr>
+          <a:xfrm>
+            <a:off x="16844358" y="6960835"/>
+            <a:ext cx="338554" cy="215444"/>
+          </a:xfrm>
+          <a:prstGeom prst="rect">
+            <a:avLst/>
+          </a:prstGeom>
+          <a:noFill/>
+        </p:spPr>
+        <p:txBody>
+          <a:bodyPr wrap="none" rtlCol="0">
+            <a:spAutoFit/>
+          </a:bodyPr>
+          <a:lstStyle/>
+          <a:p>
+            <a:r>
+              <a:rPr lang="de-DE" sz="800">
+                <a:solidFill>
+                  <a:srgbClr val="7030A0"/>
+                </a:solidFill>
+              </a:rPr>
+              <a:t>600</a:t>
+            </a:r>
+          </a:p>
+        </p:txBody>
+      </p:sp>
+      <p:sp>
+        <p:nvSpPr>
+          <p:cNvPr id="73" name="Textfeld 72">
+            <a:extLst>
+              <a:ext uri="{FF2B5EF4-FFF2-40B4-BE49-F238E27FC236}">
+                <a16:creationId xmlns:a16="http://schemas.microsoft.com/office/drawing/2014/main" id="{B47B1F85-E31B-C9A2-75E4-1010C6729B85}"/>
+              </a:ext>
+            </a:extLst>
+          </p:cNvPr>
+          <p:cNvSpPr txBox="1"/>
+          <p:nvPr/>
+        </p:nvSpPr>
+        <p:spPr>
+          <a:xfrm>
+            <a:off x="6327575" y="9728290"/>
+            <a:ext cx="338554" cy="338554"/>
+          </a:xfrm>
+          <a:prstGeom prst="rect">
+            <a:avLst/>
+          </a:prstGeom>
+          <a:noFill/>
+        </p:spPr>
+        <p:txBody>
+          <a:bodyPr wrap="none" rtlCol="0">
+            <a:spAutoFit/>
+          </a:bodyPr>
+          <a:lstStyle/>
+          <a:p>
+            <a:r>
+              <a:rPr lang="de-DE" sz="800">
+                <a:solidFill>
+                  <a:srgbClr val="7030A0"/>
+                </a:solidFill>
+              </a:rPr>
+              <a:t>300</a:t>
+            </a:r>
+          </a:p>
+          <a:p>
+            <a:r>
+              <a:rPr lang="de-DE" sz="800">
+                <a:solidFill>
+                  <a:srgbClr val="7030A0"/>
+                </a:solidFill>
+              </a:rPr>
+              <a:t>301</a:t>
+            </a:r>
+          </a:p>
+        </p:txBody>
+      </p:sp>
+      <p:sp>
+        <p:nvSpPr>
+          <p:cNvPr id="74" name="Textfeld 73">
+            <a:extLst>
+              <a:ext uri="{FF2B5EF4-FFF2-40B4-BE49-F238E27FC236}">
+                <a16:creationId xmlns:a16="http://schemas.microsoft.com/office/drawing/2014/main" id="{BAD97932-7456-9086-CAB5-26492966AA27}"/>
+              </a:ext>
+            </a:extLst>
+          </p:cNvPr>
+          <p:cNvSpPr txBox="1"/>
+          <p:nvPr/>
+        </p:nvSpPr>
+        <p:spPr>
+          <a:xfrm>
+            <a:off x="13110111" y="10034475"/>
+            <a:ext cx="338554" cy="1200329"/>
+          </a:xfrm>
+          <a:prstGeom prst="rect">
+            <a:avLst/>
+          </a:prstGeom>
+          <a:noFill/>
+        </p:spPr>
+        <p:txBody>
+          <a:bodyPr wrap="none" rtlCol="0">
+            <a:spAutoFit/>
+          </a:bodyPr>
+          <a:lstStyle/>
+          <a:p>
+            <a:r>
+              <a:rPr lang="de-DE" sz="800">
+                <a:solidFill>
+                  <a:srgbClr val="7030A0"/>
+                </a:solidFill>
+              </a:rPr>
+              <a:t>700</a:t>
+            </a:r>
+          </a:p>
+          <a:p>
+            <a:endParaRPr lang="de-DE" sz="800">
+              <a:solidFill>
+                <a:srgbClr val="7030A0"/>
+              </a:solidFill>
+            </a:endParaRPr>
+          </a:p>
+          <a:p>
+            <a:endParaRPr lang="de-DE" sz="800">
+              <a:solidFill>
+                <a:srgbClr val="7030A0"/>
+              </a:solidFill>
+            </a:endParaRPr>
+          </a:p>
+          <a:p>
+            <a:r>
+              <a:rPr lang="de-DE" sz="800">
+                <a:solidFill>
+                  <a:srgbClr val="7030A0"/>
+                </a:solidFill>
+              </a:rPr>
+              <a:t>701</a:t>
+            </a:r>
+          </a:p>
+          <a:p>
+            <a:r>
+              <a:rPr lang="de-DE" sz="800">
+                <a:solidFill>
+                  <a:srgbClr val="7030A0"/>
+                </a:solidFill>
+              </a:rPr>
+              <a:t>702</a:t>
+            </a:r>
+          </a:p>
+          <a:p>
+            <a:r>
+              <a:rPr lang="de-DE" sz="800">
+                <a:solidFill>
+                  <a:srgbClr val="7030A0"/>
+                </a:solidFill>
+              </a:rPr>
+              <a:t>703</a:t>
+            </a:r>
+          </a:p>
+          <a:p>
+            <a:r>
+              <a:rPr lang="de-DE" sz="800">
+                <a:solidFill>
+                  <a:srgbClr val="7030A0"/>
+                </a:solidFill>
+              </a:rPr>
+              <a:t>704</a:t>
+            </a:r>
+          </a:p>
+          <a:p>
+            <a:endParaRPr lang="de-DE" sz="800">
+              <a:solidFill>
+                <a:srgbClr val="7030A0"/>
+              </a:solidFill>
+            </a:endParaRPr>
+          </a:p>
+          <a:p>
+            <a:r>
+              <a:rPr lang="de-DE" sz="800">
+                <a:solidFill>
+                  <a:srgbClr val="7030A0"/>
+                </a:solidFill>
+              </a:rPr>
+              <a:t>705</a:t>
+            </a:r>
+          </a:p>
+        </p:txBody>
+      </p:sp>
+      <p:sp>
+        <p:nvSpPr>
+          <p:cNvPr id="56" name="Textfeld 55">
+            <a:extLst>
+              <a:ext uri="{FF2B5EF4-FFF2-40B4-BE49-F238E27FC236}">
+                <a16:creationId xmlns:a16="http://schemas.microsoft.com/office/drawing/2014/main" id="{6E111F6A-8629-EECD-35AF-31D1C657EF0B}"/>
+              </a:ext>
+            </a:extLst>
+          </p:cNvPr>
+          <p:cNvSpPr txBox="1"/>
+          <p:nvPr/>
+        </p:nvSpPr>
+        <p:spPr>
+          <a:xfrm>
+            <a:off x="17514626" y="6464827"/>
+            <a:ext cx="3595154" cy="1015663"/>
+          </a:xfrm>
+          <a:prstGeom prst="rect">
+            <a:avLst/>
+          </a:prstGeom>
+          <a:noFill/>
+        </p:spPr>
+        <p:txBody>
+          <a:bodyPr wrap="square" rtlCol="0">
+            <a:spAutoFit/>
+          </a:bodyPr>
+          <a:lstStyle/>
+          <a:p>
+            <a:r>
+              <a:rPr lang="de-DE" sz="1200">
+                <a:solidFill>
+                  <a:srgbClr val="C00000"/>
+                </a:solidFill>
+              </a:rPr>
+              <a:t>provideTransmitterStatusOfParallelLink needs network topology services from MWDI, which are not yet available.</a:t>
+            </a:r>
+          </a:p>
+          <a:p>
+            <a:r>
+              <a:rPr lang="de-DE" sz="1200">
+                <a:solidFill>
+                  <a:srgbClr val="C00000"/>
+                </a:solidFill>
+              </a:rPr>
+              <a:t>So for testing in lab, we need to mock a suitable response (hardcoded values).</a:t>
+            </a:r>
+          </a:p>
+        </p:txBody>
+      </p:sp>
+      <p:cxnSp>
+        <p:nvCxnSpPr>
+          <p:cNvPr id="76" name="Gerader Verbinder 75">
+            <a:extLst>
+              <a:ext uri="{FF2B5EF4-FFF2-40B4-BE49-F238E27FC236}">
+                <a16:creationId xmlns:a16="http://schemas.microsoft.com/office/drawing/2014/main" id="{5EFFB45C-977D-09CA-F5E1-F93008E33241}"/>
+              </a:ext>
+            </a:extLst>
+          </p:cNvPr>
+          <p:cNvCxnSpPr>
+            <a:stCxn id="68" idx="0"/>
+          </p:cNvCxnSpPr>
+          <p:nvPr/>
+        </p:nvCxnSpPr>
+        <p:spPr>
+          <a:xfrm flipV="1">
+            <a:off x="17013635" y="6728343"/>
+            <a:ext cx="545244" cy="232492"/>
+          </a:xfrm>
+          <a:prstGeom prst="line">
+            <a:avLst/>
+          </a:prstGeom>
+        </p:spPr>
+        <p:style>
+          <a:lnRef idx="1">
+            <a:schemeClr val="accent1"/>
+          </a:lnRef>
+          <a:fillRef idx="0">
+            <a:schemeClr val="accent1"/>
+          </a:fillRef>
+          <a:effectRef idx="0">
+            <a:schemeClr val="accent1"/>
+          </a:effectRef>
+          <a:fontRef idx="minor">
+            <a:schemeClr val="tx1"/>
+          </a:fontRef>
+        </p:style>
+      </p:cxnSp>
+    </p:spTree>
+    <p:extLst>
+      <p:ext uri="{BB962C8B-B14F-4D97-AF65-F5344CB8AC3E}">
+        <p14:creationId xmlns:p14="http://schemas.microsoft.com/office/powerpoint/2010/main" val="56617266"/>
       </p:ext>
     </p:extLst>
   </p:cSld>
